--- a/project/ux/ux 디자인.pptx
+++ b/project/ux/ux 디자인.pptx
@@ -7,16 +7,17 @@
   <p:sldIdLst>
     <p:sldId id="256" r:id="rId2"/>
     <p:sldId id="258" r:id="rId3"/>
-    <p:sldId id="257" r:id="rId4"/>
-    <p:sldId id="259" r:id="rId5"/>
-    <p:sldId id="268" r:id="rId6"/>
-    <p:sldId id="260" r:id="rId7"/>
-    <p:sldId id="263" r:id="rId8"/>
-    <p:sldId id="264" r:id="rId9"/>
-    <p:sldId id="262" r:id="rId10"/>
-    <p:sldId id="265" r:id="rId11"/>
-    <p:sldId id="266" r:id="rId12"/>
-    <p:sldId id="267" r:id="rId13"/>
+    <p:sldId id="269" r:id="rId4"/>
+    <p:sldId id="257" r:id="rId5"/>
+    <p:sldId id="259" r:id="rId6"/>
+    <p:sldId id="268" r:id="rId7"/>
+    <p:sldId id="260" r:id="rId8"/>
+    <p:sldId id="263" r:id="rId9"/>
+    <p:sldId id="264" r:id="rId10"/>
+    <p:sldId id="262" r:id="rId11"/>
+    <p:sldId id="265" r:id="rId12"/>
+    <p:sldId id="266" r:id="rId13"/>
+    <p:sldId id="267" r:id="rId14"/>
   </p:sldIdLst>
   <p:sldSz cx="12192000" cy="6858000"/>
   <p:notesSz cx="6858000" cy="9144000"/>
@@ -123,10 +124,6 @@
 </p:presentation>
 </file>
 
-<file path=ppt/revisionInfo.xml><?xml version="1.0" encoding="utf-8"?>
-<p1510:revInfo xmlns:a="http://schemas.openxmlformats.org/drawingml/2006/main" xmlns:r="http://schemas.openxmlformats.org/officeDocument/2006/relationships" xmlns:p1510="http://schemas.microsoft.com/office/powerpoint/2015/10/main"/>
-</file>
-
 <file path=ppt/slideLayouts/slideLayout1.xml><?xml version="1.0" encoding="utf-8"?>
 <p:sldLayout xmlns:a="http://schemas.openxmlformats.org/drawingml/2006/main" xmlns:r="http://schemas.openxmlformats.org/officeDocument/2006/relationships" xmlns:p="http://schemas.openxmlformats.org/presentationml/2006/main" type="title" preserve="1">
   <p:cSld name="제목 슬라이드">
@@ -274,7 +271,7 @@
           <a:p>
             <a:fld id="{4BC8B23F-C733-49F7-9003-80DFB68AFED6}" type="datetimeFigureOut">
               <a:rPr lang="ko-KR" altLang="en-US" smtClean="0"/>
-              <a:t>2018-02-03</a:t>
+              <a:t>2018-03-10</a:t>
             </a:fld>
             <a:endParaRPr lang="ko-KR" altLang="en-US"/>
           </a:p>
@@ -472,7 +469,7 @@
           <a:p>
             <a:fld id="{4BC8B23F-C733-49F7-9003-80DFB68AFED6}" type="datetimeFigureOut">
               <a:rPr lang="ko-KR" altLang="en-US" smtClean="0"/>
-              <a:t>2018-02-03</a:t>
+              <a:t>2018-03-10</a:t>
             </a:fld>
             <a:endParaRPr lang="ko-KR" altLang="en-US"/>
           </a:p>
@@ -680,7 +677,7 @@
           <a:p>
             <a:fld id="{4BC8B23F-C733-49F7-9003-80DFB68AFED6}" type="datetimeFigureOut">
               <a:rPr lang="ko-KR" altLang="en-US" smtClean="0"/>
-              <a:t>2018-02-03</a:t>
+              <a:t>2018-03-10</a:t>
             </a:fld>
             <a:endParaRPr lang="ko-KR" altLang="en-US"/>
           </a:p>
@@ -878,7 +875,7 @@
           <a:p>
             <a:fld id="{4BC8B23F-C733-49F7-9003-80DFB68AFED6}" type="datetimeFigureOut">
               <a:rPr lang="ko-KR" altLang="en-US" smtClean="0"/>
-              <a:t>2018-02-03</a:t>
+              <a:t>2018-03-10</a:t>
             </a:fld>
             <a:endParaRPr lang="ko-KR" altLang="en-US"/>
           </a:p>
@@ -1153,7 +1150,7 @@
           <a:p>
             <a:fld id="{4BC8B23F-C733-49F7-9003-80DFB68AFED6}" type="datetimeFigureOut">
               <a:rPr lang="ko-KR" altLang="en-US" smtClean="0"/>
-              <a:t>2018-02-03</a:t>
+              <a:t>2018-03-10</a:t>
             </a:fld>
             <a:endParaRPr lang="ko-KR" altLang="en-US"/>
           </a:p>
@@ -1418,7 +1415,7 @@
           <a:p>
             <a:fld id="{4BC8B23F-C733-49F7-9003-80DFB68AFED6}" type="datetimeFigureOut">
               <a:rPr lang="ko-KR" altLang="en-US" smtClean="0"/>
-              <a:t>2018-02-03</a:t>
+              <a:t>2018-03-10</a:t>
             </a:fld>
             <a:endParaRPr lang="ko-KR" altLang="en-US"/>
           </a:p>
@@ -1830,7 +1827,7 @@
           <a:p>
             <a:fld id="{4BC8B23F-C733-49F7-9003-80DFB68AFED6}" type="datetimeFigureOut">
               <a:rPr lang="ko-KR" altLang="en-US" smtClean="0"/>
-              <a:t>2018-02-03</a:t>
+              <a:t>2018-03-10</a:t>
             </a:fld>
             <a:endParaRPr lang="ko-KR" altLang="en-US"/>
           </a:p>
@@ -1971,7 +1968,7 @@
           <a:p>
             <a:fld id="{4BC8B23F-C733-49F7-9003-80DFB68AFED6}" type="datetimeFigureOut">
               <a:rPr lang="ko-KR" altLang="en-US" smtClean="0"/>
-              <a:t>2018-02-03</a:t>
+              <a:t>2018-03-10</a:t>
             </a:fld>
             <a:endParaRPr lang="ko-KR" altLang="en-US"/>
           </a:p>
@@ -2084,7 +2081,7 @@
           <a:p>
             <a:fld id="{4BC8B23F-C733-49F7-9003-80DFB68AFED6}" type="datetimeFigureOut">
               <a:rPr lang="ko-KR" altLang="en-US" smtClean="0"/>
-              <a:t>2018-02-03</a:t>
+              <a:t>2018-03-10</a:t>
             </a:fld>
             <a:endParaRPr lang="ko-KR" altLang="en-US"/>
           </a:p>
@@ -2395,7 +2392,7 @@
           <a:p>
             <a:fld id="{4BC8B23F-C733-49F7-9003-80DFB68AFED6}" type="datetimeFigureOut">
               <a:rPr lang="ko-KR" altLang="en-US" smtClean="0"/>
-              <a:t>2018-02-03</a:t>
+              <a:t>2018-03-10</a:t>
             </a:fld>
             <a:endParaRPr lang="ko-KR" altLang="en-US"/>
           </a:p>
@@ -2683,7 +2680,7 @@
           <a:p>
             <a:fld id="{4BC8B23F-C733-49F7-9003-80DFB68AFED6}" type="datetimeFigureOut">
               <a:rPr lang="ko-KR" altLang="en-US" smtClean="0"/>
-              <a:t>2018-02-03</a:t>
+              <a:t>2018-03-10</a:t>
             </a:fld>
             <a:endParaRPr lang="ko-KR" altLang="en-US"/>
           </a:p>
@@ -2924,7 +2921,7 @@
           <a:p>
             <a:fld id="{4BC8B23F-C733-49F7-9003-80DFB68AFED6}" type="datetimeFigureOut">
               <a:rPr lang="ko-KR" altLang="en-US" smtClean="0"/>
-              <a:t>2018-02-03</a:t>
+              <a:t>2018-03-10</a:t>
             </a:fld>
             <a:endParaRPr lang="ko-KR" altLang="en-US"/>
           </a:p>
@@ -3620,7 +3617,7 @@
           <p:cNvPr id="2" name="제목 1">
             <a:extLst>
               <a:ext uri="{FF2B5EF4-FFF2-40B4-BE49-F238E27FC236}">
-                <a16:creationId xmlns:a16="http://schemas.microsoft.com/office/drawing/2014/main" id="{98533831-1F11-4577-BE1D-683C048F248F}"/>
+                <a16:creationId xmlns:a16="http://schemas.microsoft.com/office/drawing/2014/main" id="{004B6B19-4B0F-4D9E-AA2E-2D93DBE1FDE8}"/>
               </a:ext>
             </a:extLst>
           </p:cNvPr>
@@ -3638,282 +3635,364 @@
           <a:p>
             <a:r>
               <a:rPr lang="ko-KR" altLang="en-US" dirty="0"/>
-              <a:t>추천 방법</a:t>
-            </a:r>
-          </a:p>
-        </p:txBody>
-      </p:sp>
-      <p:sp>
-        <p:nvSpPr>
-          <p:cNvPr id="3" name="내용 개체 틀 2">
-            <a:extLst>
-              <a:ext uri="{FF2B5EF4-FFF2-40B4-BE49-F238E27FC236}">
-                <a16:creationId xmlns:a16="http://schemas.microsoft.com/office/drawing/2014/main" id="{4FBA18E0-6D4A-4569-B2C8-69ED727CD8BA}"/>
-              </a:ext>
-            </a:extLst>
-          </p:cNvPr>
-          <p:cNvSpPr>
-            <a:spLocks noGrp="1"/>
-          </p:cNvSpPr>
+              <a:t>오버레이 화면</a:t>
+            </a:r>
+          </a:p>
+        </p:txBody>
+      </p:sp>
+      <p:pic>
+        <p:nvPicPr>
+          <p:cNvPr id="4" name="내용 개체 틀 3">
+            <a:extLst>
+              <a:ext uri="{FF2B5EF4-FFF2-40B4-BE49-F238E27FC236}">
+                <a16:creationId xmlns:a16="http://schemas.microsoft.com/office/drawing/2014/main" id="{6CC133D3-1D69-473F-8C05-5537E578312A}"/>
+              </a:ext>
+            </a:extLst>
+          </p:cNvPr>
+          <p:cNvPicPr>
+            <a:picLocks noChangeAspect="1"/>
+          </p:cNvPicPr>
+          <p:nvPr/>
+        </p:nvPicPr>
+        <p:blipFill>
+          <a:blip r:embed="rId2"/>
+          <a:stretch>
+            <a:fillRect/>
+          </a:stretch>
+        </p:blipFill>
+        <p:spPr>
+          <a:xfrm>
+            <a:off x="838200" y="1690688"/>
+            <a:ext cx="4894707" cy="4351338"/>
+          </a:xfrm>
+          <a:prstGeom prst="rect">
+            <a:avLst/>
+          </a:prstGeom>
+        </p:spPr>
+      </p:pic>
+      <p:sp>
+        <p:nvSpPr>
+          <p:cNvPr id="5" name="직사각형 4">
+            <a:extLst>
+              <a:ext uri="{FF2B5EF4-FFF2-40B4-BE49-F238E27FC236}">
+                <a16:creationId xmlns:a16="http://schemas.microsoft.com/office/drawing/2014/main" id="{8783E420-3634-4577-A5F3-DE3C8F46E103}"/>
+              </a:ext>
+            </a:extLst>
+          </p:cNvPr>
+          <p:cNvSpPr/>
+          <p:nvPr/>
+        </p:nvSpPr>
+        <p:spPr>
+          <a:xfrm>
+            <a:off x="2623870" y="2645270"/>
+            <a:ext cx="1290905" cy="1567459"/>
+          </a:xfrm>
+          <a:prstGeom prst="rect">
+            <a:avLst/>
+          </a:prstGeom>
+          <a:blipFill dpi="0" rotWithShape="1">
+            <a:blip r:embed="rId3"/>
+            <a:srcRect/>
+            <a:stretch>
+              <a:fillRect/>
+            </a:stretch>
+          </a:blipFill>
+          <a:ln>
+            <a:noFill/>
+          </a:ln>
+        </p:spPr>
+        <p:style>
+          <a:lnRef idx="2">
+            <a:schemeClr val="accent1">
+              <a:shade val="50000"/>
+            </a:schemeClr>
+          </a:lnRef>
+          <a:fillRef idx="1">
+            <a:schemeClr val="accent1"/>
+          </a:fillRef>
+          <a:effectRef idx="0">
+            <a:schemeClr val="accent1"/>
+          </a:effectRef>
+          <a:fontRef idx="minor">
+            <a:schemeClr val="lt1"/>
+          </a:fontRef>
+        </p:style>
+        <p:txBody>
+          <a:bodyPr rtlCol="0" anchor="ctr"/>
+          <a:lstStyle/>
+          <a:p>
+            <a:pPr algn="ctr"/>
+            <a:endParaRPr lang="ko-KR" altLang="en-US"/>
+          </a:p>
+        </p:txBody>
+      </p:sp>
+      <p:graphicFrame>
+        <p:nvGraphicFramePr>
+          <p:cNvPr id="6" name="표 5">
+            <a:extLst>
+              <a:ext uri="{FF2B5EF4-FFF2-40B4-BE49-F238E27FC236}">
+                <a16:creationId xmlns:a16="http://schemas.microsoft.com/office/drawing/2014/main" id="{C9997A80-668F-48A8-80B1-1CFC6A5C7AB4}"/>
+              </a:ext>
+            </a:extLst>
+          </p:cNvPr>
+          <p:cNvGraphicFramePr>
+            <a:graphicFrameLocks noGrp="1"/>
+          </p:cNvGraphicFramePr>
           <p:nvPr>
-            <p:ph idx="1"/>
+            <p:extLst>
+              <p:ext uri="{D42A27DB-BD31-4B8C-83A1-F6EECF244321}">
+                <p14:modId xmlns:p14="http://schemas.microsoft.com/office/powerpoint/2010/main" val="1244962473"/>
+              </p:ext>
+            </p:extLst>
           </p:nvPr>
-        </p:nvSpPr>
-        <p:spPr/>
-        <p:txBody>
-          <a:bodyPr>
-            <a:normAutofit/>
+        </p:nvGraphicFramePr>
+        <p:xfrm>
+          <a:off x="4114229" y="2131059"/>
+          <a:ext cx="1618678" cy="2308322"/>
+        </p:xfrm>
+        <a:graphic>
+          <a:graphicData uri="http://schemas.openxmlformats.org/drawingml/2006/table">
+            <a:tbl>
+              <a:tblPr>
+                <a:tableStyleId>{C4B1156A-380E-4F78-BDF5-A606A8083BF9}</a:tableStyleId>
+              </a:tblPr>
+              <a:tblGrid>
+                <a:gridCol w="1618678">
+                  <a:extLst>
+                    <a:ext uri="{9D8B030D-6E8A-4147-A177-3AD203B41FA5}">
+                      <a16:colId xmlns:a16="http://schemas.microsoft.com/office/drawing/2014/main" val="2750948999"/>
+                    </a:ext>
+                  </a:extLst>
+                </a:gridCol>
+              </a:tblGrid>
+              <a:tr h="573377">
+                <a:tc>
+                  <a:txBody>
+                    <a:bodyPr/>
+                    <a:lstStyle/>
+                    <a:p>
+                      <a:pPr latinLnBrk="1"/>
+                      <a:r>
+                        <a:rPr lang="ko-KR" altLang="en-US" dirty="0"/>
+                        <a:t>추천</a:t>
+                      </a:r>
+                    </a:p>
+                  </a:txBody>
+                  <a:tcPr/>
+                </a:tc>
+                <a:extLst>
+                  <a:ext uri="{0D108BD9-81ED-4DB2-BD59-A6C34878D82A}">
+                    <a16:rowId xmlns:a16="http://schemas.microsoft.com/office/drawing/2014/main" val="3884695047"/>
+                  </a:ext>
+                </a:extLst>
+              </a:tr>
+              <a:tr h="573377">
+                <a:tc>
+                  <a:txBody>
+                    <a:bodyPr/>
+                    <a:lstStyle/>
+                    <a:p>
+                      <a:pPr latinLnBrk="1"/>
+                      <a:r>
+                        <a:rPr lang="ko-KR" altLang="en-US" dirty="0"/>
+                        <a:t>목록</a:t>
+                      </a:r>
+                    </a:p>
+                  </a:txBody>
+                  <a:tcPr/>
+                </a:tc>
+                <a:extLst>
+                  <a:ext uri="{0D108BD9-81ED-4DB2-BD59-A6C34878D82A}">
+                    <a16:rowId xmlns:a16="http://schemas.microsoft.com/office/drawing/2014/main" val="3546185854"/>
+                  </a:ext>
+                </a:extLst>
+              </a:tr>
+              <a:tr h="573377">
+                <a:tc>
+                  <a:txBody>
+                    <a:bodyPr/>
+                    <a:lstStyle/>
+                    <a:p>
+                      <a:pPr latinLnBrk="1"/>
+                      <a:r>
+                        <a:rPr lang="ko-KR" altLang="en-US" dirty="0"/>
+                        <a:t>구매</a:t>
+                      </a:r>
+                    </a:p>
+                  </a:txBody>
+                  <a:tcPr/>
+                </a:tc>
+                <a:extLst>
+                  <a:ext uri="{0D108BD9-81ED-4DB2-BD59-A6C34878D82A}">
+                    <a16:rowId xmlns:a16="http://schemas.microsoft.com/office/drawing/2014/main" val="3600756719"/>
+                  </a:ext>
+                </a:extLst>
+              </a:tr>
+              <a:tr h="588191">
+                <a:tc>
+                  <a:txBody>
+                    <a:bodyPr/>
+                    <a:lstStyle/>
+                    <a:p>
+                      <a:pPr latinLnBrk="1"/>
+                      <a:r>
+                        <a:rPr lang="ko-KR" altLang="en-US" dirty="0"/>
+                        <a:t>찜</a:t>
+                      </a:r>
+                    </a:p>
+                  </a:txBody>
+                  <a:tcPr/>
+                </a:tc>
+                <a:extLst>
+                  <a:ext uri="{0D108BD9-81ED-4DB2-BD59-A6C34878D82A}">
+                    <a16:rowId xmlns:a16="http://schemas.microsoft.com/office/drawing/2014/main" val="2952049210"/>
+                  </a:ext>
+                </a:extLst>
+              </a:tr>
+            </a:tbl>
+          </a:graphicData>
+        </a:graphic>
+      </p:graphicFrame>
+      <p:pic>
+        <p:nvPicPr>
+          <p:cNvPr id="18" name="그림 17">
+            <a:extLst>
+              <a:ext uri="{FF2B5EF4-FFF2-40B4-BE49-F238E27FC236}">
+                <a16:creationId xmlns:a16="http://schemas.microsoft.com/office/drawing/2014/main" id="{A554B26D-8AC3-43D2-8E99-643BAA2ECEB3}"/>
+              </a:ext>
+            </a:extLst>
+          </p:cNvPr>
+          <p:cNvPicPr>
+            <a:picLocks noChangeAspect="1"/>
+          </p:cNvPicPr>
+          <p:nvPr/>
+        </p:nvPicPr>
+        <p:blipFill>
+          <a:blip r:embed="rId4"/>
+          <a:stretch>
+            <a:fillRect/>
+          </a:stretch>
+        </p:blipFill>
+        <p:spPr>
+          <a:xfrm>
+            <a:off x="838200" y="1690688"/>
+            <a:ext cx="1380952" cy="2428571"/>
+          </a:xfrm>
+          <a:prstGeom prst="rect">
+            <a:avLst/>
+          </a:prstGeom>
+        </p:spPr>
+      </p:pic>
+      <p:sp>
+        <p:nvSpPr>
+          <p:cNvPr id="20" name="TextBox 19">
+            <a:extLst>
+              <a:ext uri="{FF2B5EF4-FFF2-40B4-BE49-F238E27FC236}">
+                <a16:creationId xmlns:a16="http://schemas.microsoft.com/office/drawing/2014/main" id="{533949C0-7155-4EDD-930B-AB4696F5C499}"/>
+              </a:ext>
+            </a:extLst>
+          </p:cNvPr>
+          <p:cNvSpPr txBox="1"/>
+          <p:nvPr/>
+        </p:nvSpPr>
+        <p:spPr>
+          <a:xfrm>
+            <a:off x="6343650" y="1690688"/>
+            <a:ext cx="4979248" cy="3139321"/>
+          </a:xfrm>
+          <a:prstGeom prst="rect">
+            <a:avLst/>
+          </a:prstGeom>
+          <a:noFill/>
+        </p:spPr>
+        <p:txBody>
+          <a:bodyPr wrap="none" rtlCol="0">
+            <a:spAutoFit/>
           </a:bodyPr>
           <a:lstStyle/>
           <a:p>
-            <a:pPr>
-              <a:lnSpc>
-                <a:spcPct val="100000"/>
-              </a:lnSpc>
-            </a:pPr>
-            <a:r>
-              <a:rPr lang="ko-KR" altLang="en-US" sz="2000" dirty="0"/>
-              <a:t>얼굴 인식 </a:t>
-            </a:r>
-            <a:r>
-              <a:rPr lang="en-US" altLang="ko-KR" sz="2000" dirty="0"/>
-              <a:t>-&gt; </a:t>
-            </a:r>
-            <a:r>
-              <a:rPr lang="ko-KR" altLang="en-US" sz="2000" dirty="0"/>
-              <a:t>얼굴 분석 </a:t>
-            </a:r>
-            <a:r>
-              <a:rPr lang="en-US" altLang="ko-KR" sz="2000" dirty="0"/>
-              <a:t>-&gt; </a:t>
-            </a:r>
-            <a:r>
-              <a:rPr lang="ko-KR" altLang="en-US" sz="2000" dirty="0"/>
-              <a:t>성별</a:t>
-            </a:r>
-            <a:r>
-              <a:rPr lang="en-US" altLang="ko-KR" sz="2000" dirty="0"/>
-              <a:t>,</a:t>
-            </a:r>
-            <a:r>
-              <a:rPr lang="ko-KR" altLang="en-US" sz="2000" dirty="0"/>
-              <a:t>연령 도출 </a:t>
-            </a:r>
-            <a:r>
-              <a:rPr lang="en-US" altLang="ko-KR" sz="2000" dirty="0"/>
-              <a:t>-&gt; </a:t>
-            </a:r>
-            <a:r>
-              <a:rPr lang="ko-KR" altLang="en-US" sz="2000" dirty="0"/>
-              <a:t>해당 성별</a:t>
-            </a:r>
-            <a:r>
-              <a:rPr lang="en-US" altLang="ko-KR" sz="2000" dirty="0"/>
+            <a:r>
+              <a:rPr lang="ko-KR" altLang="en-US" dirty="0"/>
+              <a:t>오버레이 화면을 통해 해당 옷의 정보와</a:t>
+            </a:r>
+            <a:endParaRPr lang="en-US" altLang="ko-KR" dirty="0"/>
+          </a:p>
+          <a:p>
+            <a:r>
+              <a:rPr lang="ko-KR" altLang="en-US" dirty="0"/>
+              <a:t>착용한 모습을 확인 할 수 있다</a:t>
+            </a:r>
+            <a:endParaRPr lang="en-US" altLang="ko-KR" dirty="0"/>
+          </a:p>
+          <a:p>
+            <a:endParaRPr lang="en-US" altLang="ko-KR" dirty="0"/>
+          </a:p>
+          <a:p>
+            <a:r>
+              <a:rPr lang="ko-KR" altLang="en-US" dirty="0"/>
+              <a:t>옆에 메뉴를 통해 추천화면</a:t>
+            </a:r>
+            <a:r>
+              <a:rPr lang="en-US" altLang="ko-KR" dirty="0"/>
               <a:t>, </a:t>
             </a:r>
             <a:r>
-              <a:rPr lang="ko-KR" altLang="en-US" sz="2000" dirty="0"/>
-              <a:t>연령의 인기가 높은 옷 추천</a:t>
-            </a:r>
-            <a:r>
-              <a:rPr lang="en-US" altLang="ko-KR" sz="2000" dirty="0"/>
-              <a:t>      </a:t>
-            </a:r>
-            <a:r>
-              <a:rPr lang="ko-KR" altLang="en-US" sz="2000" dirty="0"/>
-              <a:t>데이터 기반</a:t>
-            </a:r>
-            <a:endParaRPr lang="en-US" altLang="ko-KR" sz="2000" dirty="0"/>
-          </a:p>
-          <a:p>
-            <a:pPr>
-              <a:lnSpc>
-                <a:spcPct val="100000"/>
-              </a:lnSpc>
-            </a:pPr>
-            <a:r>
-              <a:rPr lang="ko-KR" altLang="en-US" sz="2000" dirty="0"/>
-              <a:t>하체 인식 </a:t>
-            </a:r>
-            <a:r>
-              <a:rPr lang="en-US" altLang="ko-KR" sz="2000" dirty="0"/>
-              <a:t>-&gt; </a:t>
-            </a:r>
-            <a:r>
-              <a:rPr lang="ko-KR" altLang="en-US" sz="2000" dirty="0"/>
-              <a:t>하의 분석 </a:t>
-            </a:r>
-            <a:r>
-              <a:rPr lang="en-US" altLang="ko-KR" sz="2000" dirty="0"/>
-              <a:t>-&gt; </a:t>
-            </a:r>
-            <a:r>
-              <a:rPr lang="ko-KR" altLang="en-US" sz="2000" dirty="0"/>
-              <a:t>종류</a:t>
-            </a:r>
-            <a:r>
-              <a:rPr lang="en-US" altLang="ko-KR" sz="2000" dirty="0"/>
+              <a:rPr lang="ko-KR" altLang="en-US" dirty="0"/>
+              <a:t>목록화면</a:t>
+            </a:r>
+            <a:endParaRPr lang="en-US" altLang="ko-KR" dirty="0"/>
+          </a:p>
+          <a:p>
+            <a:r>
+              <a:rPr lang="ko-KR" altLang="en-US" dirty="0"/>
+              <a:t>구매화면</a:t>
+            </a:r>
+            <a:r>
+              <a:rPr lang="en-US" altLang="ko-KR" dirty="0"/>
               <a:t>, </a:t>
             </a:r>
             <a:r>
-              <a:rPr lang="ko-KR" altLang="en-US" sz="2000" dirty="0"/>
-              <a:t>색깔 도출 </a:t>
-            </a:r>
-            <a:r>
-              <a:rPr lang="en-US" altLang="ko-KR" sz="2000" dirty="0"/>
-              <a:t>-&gt; </a:t>
-            </a:r>
-            <a:r>
-              <a:rPr lang="ko-KR" altLang="en-US" sz="2000" dirty="0"/>
-              <a:t>해당 종류</a:t>
-            </a:r>
-            <a:r>
-              <a:rPr lang="en-US" altLang="ko-KR" sz="2000" dirty="0"/>
-              <a:t>, </a:t>
-            </a:r>
-            <a:r>
-              <a:rPr lang="ko-KR" altLang="en-US" sz="2000" dirty="0"/>
-              <a:t>색깔에 어울리는 옷 추천        프로그래밍 기반</a:t>
-            </a:r>
-            <a:endParaRPr lang="en-US" altLang="ko-KR" sz="2000" dirty="0"/>
-          </a:p>
-          <a:p>
-            <a:pPr>
-              <a:lnSpc>
-                <a:spcPct val="100000"/>
-              </a:lnSpc>
-            </a:pPr>
-            <a:r>
-              <a:rPr lang="ko-KR" altLang="en-US" sz="2000" dirty="0"/>
-              <a:t>전체 인식 </a:t>
-            </a:r>
-            <a:r>
-              <a:rPr lang="en-US" altLang="ko-KR" sz="2000" dirty="0"/>
-              <a:t>-&gt; </a:t>
-            </a:r>
-            <a:r>
-              <a:rPr lang="ko-KR" altLang="en-US" sz="2000" dirty="0"/>
-              <a:t>상의</a:t>
-            </a:r>
-            <a:r>
-              <a:rPr lang="en-US" altLang="ko-KR" sz="2000" dirty="0"/>
-              <a:t>, </a:t>
-            </a:r>
-            <a:r>
-              <a:rPr lang="ko-KR" altLang="en-US" sz="2000" dirty="0"/>
-              <a:t>하의 분석 </a:t>
-            </a:r>
-            <a:r>
-              <a:rPr lang="en-US" altLang="ko-KR" sz="2000" dirty="0"/>
-              <a:t>-&gt; </a:t>
-            </a:r>
-            <a:r>
-              <a:rPr lang="ko-KR" altLang="en-US" sz="2000" dirty="0"/>
-              <a:t>종류</a:t>
-            </a:r>
-            <a:r>
-              <a:rPr lang="en-US" altLang="ko-KR" sz="2000" dirty="0"/>
-              <a:t>, </a:t>
-            </a:r>
-            <a:r>
-              <a:rPr lang="ko-KR" altLang="en-US" sz="2000" dirty="0"/>
-              <a:t>색깔 도출 </a:t>
-            </a:r>
-            <a:r>
-              <a:rPr lang="en-US" altLang="ko-KR" sz="2000" dirty="0"/>
-              <a:t>-&gt; </a:t>
-            </a:r>
-            <a:r>
-              <a:rPr lang="ko-KR" altLang="en-US" sz="2000" dirty="0"/>
-              <a:t>취향 분석 </a:t>
-            </a:r>
-            <a:r>
-              <a:rPr lang="en-US" altLang="ko-KR" sz="2000" dirty="0"/>
-              <a:t>-&gt; </a:t>
-            </a:r>
-            <a:r>
-              <a:rPr lang="ko-KR" altLang="en-US" sz="2000" dirty="0"/>
-              <a:t>취향에 맞는 옷 추천    </a:t>
-            </a:r>
-            <a:r>
-              <a:rPr lang="ko-KR" altLang="en-US" sz="2000" dirty="0" err="1"/>
-              <a:t>딥러닝</a:t>
-            </a:r>
-            <a:r>
-              <a:rPr lang="ko-KR" altLang="en-US" sz="2000" dirty="0"/>
-              <a:t> 기반  </a:t>
-            </a:r>
-            <a:endParaRPr lang="en-US" altLang="ko-KR" sz="2000" dirty="0"/>
-          </a:p>
-          <a:p>
-            <a:pPr marL="0" indent="0">
-              <a:lnSpc>
-                <a:spcPct val="100000"/>
-              </a:lnSpc>
-              <a:buNone/>
-            </a:pPr>
-            <a:r>
-              <a:rPr lang="en-US" altLang="ko-KR" sz="2000" dirty="0"/>
-              <a:t>   ex) </a:t>
-            </a:r>
-            <a:r>
-              <a:rPr lang="ko-KR" altLang="en-US" sz="2000" dirty="0"/>
-              <a:t>인스타나 </a:t>
-            </a:r>
-            <a:r>
-              <a:rPr lang="ko-KR" altLang="en-US" sz="2000" dirty="0" err="1"/>
-              <a:t>페북</a:t>
-            </a:r>
-            <a:r>
-              <a:rPr lang="ko-KR" altLang="en-US" sz="2000" dirty="0"/>
-              <a:t> 등에 올라온 사진들을 모아서 해당 사람과 비슷한 옷을 입은 사람들이 주로 어떤 종류의 옷을 많이 입는지 분석하여 그에 해당하는 옷을 추천해준다</a:t>
-            </a:r>
-            <a:r>
-              <a:rPr lang="en-US" altLang="ko-KR" sz="2000" dirty="0"/>
-              <a:t>.</a:t>
-            </a:r>
-          </a:p>
-          <a:p>
-            <a:pPr marL="0" indent="0">
-              <a:lnSpc>
-                <a:spcPct val="100000"/>
-              </a:lnSpc>
-              <a:buNone/>
-            </a:pPr>
-            <a:endParaRPr lang="en-US" altLang="ko-KR" sz="2000" dirty="0"/>
-          </a:p>
-          <a:p>
-            <a:pPr marL="0" indent="0">
-              <a:lnSpc>
-                <a:spcPct val="100000"/>
-              </a:lnSpc>
-              <a:buNone/>
-            </a:pPr>
-            <a:endParaRPr lang="en-US" altLang="ko-KR" sz="2000" dirty="0"/>
-          </a:p>
-          <a:p>
-            <a:pPr marL="0" indent="0">
-              <a:lnSpc>
-                <a:spcPct val="100000"/>
-              </a:lnSpc>
-              <a:buNone/>
-            </a:pPr>
-            <a:endParaRPr lang="en-US" altLang="ko-KR" sz="2000" dirty="0"/>
-          </a:p>
-          <a:p>
-            <a:pPr>
-              <a:lnSpc>
-                <a:spcPct val="100000"/>
-              </a:lnSpc>
-            </a:pPr>
-            <a:endParaRPr lang="en-US" altLang="ko-KR" sz="2000" dirty="0"/>
+              <a:rPr lang="ko-KR" altLang="en-US" dirty="0"/>
+              <a:t>찜화면으로 이동할 수 있다</a:t>
+            </a:r>
+            <a:endParaRPr lang="en-US" altLang="ko-KR" dirty="0"/>
+          </a:p>
+          <a:p>
+            <a:endParaRPr lang="en-US" altLang="ko-KR" dirty="0"/>
+          </a:p>
+          <a:p>
+            <a:r>
+              <a:rPr lang="ko-KR" altLang="en-US" dirty="0"/>
+              <a:t>구매와 찜 메뉴는 추후 구현할 예정이다</a:t>
+            </a:r>
+            <a:endParaRPr lang="en-US" altLang="ko-KR" dirty="0"/>
+          </a:p>
+          <a:p>
+            <a:endParaRPr lang="en-US" altLang="ko-KR" dirty="0"/>
+          </a:p>
+          <a:p>
+            <a:r>
+              <a:rPr lang="ko-KR" altLang="en-US" dirty="0"/>
+              <a:t>오버레이 화면마다 그 사람의 표정을 분석해서</a:t>
+            </a:r>
+            <a:endParaRPr lang="en-US" altLang="ko-KR" dirty="0"/>
+          </a:p>
+          <a:p>
+            <a:r>
+              <a:rPr lang="ko-KR" altLang="en-US" dirty="0"/>
+              <a:t>해당 옷의 만족도를 저장해 둔다</a:t>
+            </a:r>
+            <a:endParaRPr lang="en-US" altLang="ko-KR" dirty="0"/>
+          </a:p>
+          <a:p>
+            <a:endParaRPr lang="ko-KR" altLang="en-US" dirty="0"/>
           </a:p>
         </p:txBody>
       </p:sp>
     </p:spTree>
     <p:extLst>
       <p:ext uri="{BB962C8B-B14F-4D97-AF65-F5344CB8AC3E}">
-        <p14:creationId xmlns:p14="http://schemas.microsoft.com/office/powerpoint/2010/main" val="2895345488"/>
+        <p14:creationId xmlns:p14="http://schemas.microsoft.com/office/powerpoint/2010/main" val="3971384833"/>
       </p:ext>
     </p:extLst>
   </p:cSld>
@@ -3945,6 +4024,331 @@
           <p:cNvPr id="2" name="제목 1">
             <a:extLst>
               <a:ext uri="{FF2B5EF4-FFF2-40B4-BE49-F238E27FC236}">
+                <a16:creationId xmlns:a16="http://schemas.microsoft.com/office/drawing/2014/main" id="{98533831-1F11-4577-BE1D-683C048F248F}"/>
+              </a:ext>
+            </a:extLst>
+          </p:cNvPr>
+          <p:cNvSpPr>
+            <a:spLocks noGrp="1"/>
+          </p:cNvSpPr>
+          <p:nvPr>
+            <p:ph type="title"/>
+          </p:nvPr>
+        </p:nvSpPr>
+        <p:spPr/>
+        <p:txBody>
+          <a:bodyPr/>
+          <a:lstStyle/>
+          <a:p>
+            <a:r>
+              <a:rPr lang="ko-KR" altLang="en-US" dirty="0"/>
+              <a:t>추천 방법</a:t>
+            </a:r>
+          </a:p>
+        </p:txBody>
+      </p:sp>
+      <p:sp>
+        <p:nvSpPr>
+          <p:cNvPr id="3" name="내용 개체 틀 2">
+            <a:extLst>
+              <a:ext uri="{FF2B5EF4-FFF2-40B4-BE49-F238E27FC236}">
+                <a16:creationId xmlns:a16="http://schemas.microsoft.com/office/drawing/2014/main" id="{4FBA18E0-6D4A-4569-B2C8-69ED727CD8BA}"/>
+              </a:ext>
+            </a:extLst>
+          </p:cNvPr>
+          <p:cNvSpPr>
+            <a:spLocks noGrp="1"/>
+          </p:cNvSpPr>
+          <p:nvPr>
+            <p:ph idx="1"/>
+          </p:nvPr>
+        </p:nvSpPr>
+        <p:spPr/>
+        <p:txBody>
+          <a:bodyPr>
+            <a:normAutofit/>
+          </a:bodyPr>
+          <a:lstStyle/>
+          <a:p>
+            <a:pPr>
+              <a:lnSpc>
+                <a:spcPct val="100000"/>
+              </a:lnSpc>
+            </a:pPr>
+            <a:r>
+              <a:rPr lang="ko-KR" altLang="en-US" sz="2000" dirty="0"/>
+              <a:t>얼굴 인식 </a:t>
+            </a:r>
+            <a:r>
+              <a:rPr lang="en-US" altLang="ko-KR" sz="2000" dirty="0"/>
+              <a:t>-&gt; </a:t>
+            </a:r>
+            <a:r>
+              <a:rPr lang="ko-KR" altLang="en-US" sz="2000" dirty="0"/>
+              <a:t>얼굴 분석 </a:t>
+            </a:r>
+            <a:r>
+              <a:rPr lang="en-US" altLang="ko-KR" sz="2000" dirty="0"/>
+              <a:t>-&gt; </a:t>
+            </a:r>
+            <a:r>
+              <a:rPr lang="ko-KR" altLang="en-US" sz="2000" dirty="0"/>
+              <a:t>성별</a:t>
+            </a:r>
+            <a:r>
+              <a:rPr lang="en-US" altLang="ko-KR" sz="2000" dirty="0"/>
+              <a:t>,</a:t>
+            </a:r>
+            <a:r>
+              <a:rPr lang="ko-KR" altLang="en-US" sz="2000" dirty="0"/>
+              <a:t>연령 도출 </a:t>
+            </a:r>
+            <a:r>
+              <a:rPr lang="en-US" altLang="ko-KR" sz="2000" dirty="0"/>
+              <a:t>-&gt; </a:t>
+            </a:r>
+            <a:r>
+              <a:rPr lang="ko-KR" altLang="en-US" sz="2000" dirty="0"/>
+              <a:t>해당 성별</a:t>
+            </a:r>
+            <a:r>
+              <a:rPr lang="en-US" altLang="ko-KR" sz="2000" dirty="0"/>
+              <a:t>, </a:t>
+            </a:r>
+            <a:r>
+              <a:rPr lang="ko-KR" altLang="en-US" sz="2000" dirty="0"/>
+              <a:t>연령의 인기가 높은 옷 추천</a:t>
+            </a:r>
+            <a:r>
+              <a:rPr lang="en-US" altLang="ko-KR" sz="2000" dirty="0"/>
+              <a:t>      </a:t>
+            </a:r>
+            <a:r>
+              <a:rPr lang="ko-KR" altLang="en-US" sz="2000" dirty="0"/>
+              <a:t>데이터 기반</a:t>
+            </a:r>
+            <a:endParaRPr lang="en-US" altLang="ko-KR" sz="2000" dirty="0"/>
+          </a:p>
+          <a:p>
+            <a:pPr>
+              <a:lnSpc>
+                <a:spcPct val="100000"/>
+              </a:lnSpc>
+            </a:pPr>
+            <a:r>
+              <a:rPr lang="ko-KR" altLang="en-US" sz="2000" dirty="0"/>
+              <a:t>하체 인식 </a:t>
+            </a:r>
+            <a:r>
+              <a:rPr lang="en-US" altLang="ko-KR" sz="2000" dirty="0"/>
+              <a:t>-&gt; </a:t>
+            </a:r>
+            <a:r>
+              <a:rPr lang="ko-KR" altLang="en-US" sz="2000" dirty="0"/>
+              <a:t>하의 분석 </a:t>
+            </a:r>
+            <a:r>
+              <a:rPr lang="en-US" altLang="ko-KR" sz="2000" dirty="0"/>
+              <a:t>-&gt; </a:t>
+            </a:r>
+            <a:r>
+              <a:rPr lang="ko-KR" altLang="en-US" sz="2000" dirty="0"/>
+              <a:t>종류</a:t>
+            </a:r>
+            <a:r>
+              <a:rPr lang="en-US" altLang="ko-KR" sz="2000" dirty="0"/>
+              <a:t>, </a:t>
+            </a:r>
+            <a:r>
+              <a:rPr lang="ko-KR" altLang="en-US" sz="2000" dirty="0"/>
+              <a:t>색깔 도출 </a:t>
+            </a:r>
+            <a:r>
+              <a:rPr lang="en-US" altLang="ko-KR" sz="2000" dirty="0"/>
+              <a:t>-&gt; </a:t>
+            </a:r>
+            <a:r>
+              <a:rPr lang="ko-KR" altLang="en-US" sz="2000" dirty="0"/>
+              <a:t>해당 종류</a:t>
+            </a:r>
+            <a:r>
+              <a:rPr lang="en-US" altLang="ko-KR" sz="2000" dirty="0"/>
+              <a:t>, </a:t>
+            </a:r>
+            <a:r>
+              <a:rPr lang="ko-KR" altLang="en-US" sz="2000" dirty="0"/>
+              <a:t>색깔에 어울리는 옷 추천        프로그래밍 기반</a:t>
+            </a:r>
+            <a:endParaRPr lang="en-US" altLang="ko-KR" sz="2000" dirty="0"/>
+          </a:p>
+          <a:p>
+            <a:pPr>
+              <a:lnSpc>
+                <a:spcPct val="100000"/>
+              </a:lnSpc>
+            </a:pPr>
+            <a:r>
+              <a:rPr lang="ko-KR" altLang="en-US" sz="2000" dirty="0"/>
+              <a:t>전체 인식 </a:t>
+            </a:r>
+            <a:r>
+              <a:rPr lang="en-US" altLang="ko-KR" sz="2000" dirty="0"/>
+              <a:t>-&gt; </a:t>
+            </a:r>
+            <a:r>
+              <a:rPr lang="ko-KR" altLang="en-US" sz="2000" dirty="0"/>
+              <a:t>상의</a:t>
+            </a:r>
+            <a:r>
+              <a:rPr lang="en-US" altLang="ko-KR" sz="2000" dirty="0"/>
+              <a:t>, </a:t>
+            </a:r>
+            <a:r>
+              <a:rPr lang="ko-KR" altLang="en-US" sz="2000" dirty="0"/>
+              <a:t>하의 분석 </a:t>
+            </a:r>
+            <a:r>
+              <a:rPr lang="en-US" altLang="ko-KR" sz="2000" dirty="0"/>
+              <a:t>-&gt; </a:t>
+            </a:r>
+            <a:r>
+              <a:rPr lang="ko-KR" altLang="en-US" sz="2000" dirty="0"/>
+              <a:t>종류</a:t>
+            </a:r>
+            <a:r>
+              <a:rPr lang="en-US" altLang="ko-KR" sz="2000" dirty="0"/>
+              <a:t>, </a:t>
+            </a:r>
+            <a:r>
+              <a:rPr lang="ko-KR" altLang="en-US" sz="2000" dirty="0"/>
+              <a:t>색깔 도출 </a:t>
+            </a:r>
+            <a:r>
+              <a:rPr lang="en-US" altLang="ko-KR" sz="2000" dirty="0"/>
+              <a:t>-&gt; </a:t>
+            </a:r>
+            <a:r>
+              <a:rPr lang="ko-KR" altLang="en-US" sz="2000" dirty="0"/>
+              <a:t>취향 분석 </a:t>
+            </a:r>
+            <a:r>
+              <a:rPr lang="en-US" altLang="ko-KR" sz="2000" dirty="0"/>
+              <a:t>-&gt; </a:t>
+            </a:r>
+            <a:r>
+              <a:rPr lang="ko-KR" altLang="en-US" sz="2000" dirty="0"/>
+              <a:t>취향에 맞는 옷 추천    </a:t>
+            </a:r>
+            <a:r>
+              <a:rPr lang="ko-KR" altLang="en-US" sz="2000" dirty="0" err="1"/>
+              <a:t>딥러닝</a:t>
+            </a:r>
+            <a:r>
+              <a:rPr lang="ko-KR" altLang="en-US" sz="2000" dirty="0"/>
+              <a:t> 기반  </a:t>
+            </a:r>
+            <a:endParaRPr lang="en-US" altLang="ko-KR" sz="2000" dirty="0"/>
+          </a:p>
+          <a:p>
+            <a:pPr marL="0" indent="0">
+              <a:lnSpc>
+                <a:spcPct val="100000"/>
+              </a:lnSpc>
+              <a:buNone/>
+            </a:pPr>
+            <a:r>
+              <a:rPr lang="en-US" altLang="ko-KR" sz="2000" dirty="0"/>
+              <a:t>   ex) </a:t>
+            </a:r>
+            <a:r>
+              <a:rPr lang="ko-KR" altLang="en-US" sz="2000" dirty="0"/>
+              <a:t>인스타나 </a:t>
+            </a:r>
+            <a:r>
+              <a:rPr lang="ko-KR" altLang="en-US" sz="2000" dirty="0" err="1"/>
+              <a:t>페북</a:t>
+            </a:r>
+            <a:r>
+              <a:rPr lang="ko-KR" altLang="en-US" sz="2000" dirty="0"/>
+              <a:t> 등에 올라온 사진들을 모아서 해당 사람과 비슷한 옷을 입은 사람들이 주로 어떤 종류의 옷을 많이 입는지 분석하여 그에 해당하는 옷을 추천해준다</a:t>
+            </a:r>
+            <a:r>
+              <a:rPr lang="en-US" altLang="ko-KR" sz="2000" dirty="0"/>
+              <a:t>.</a:t>
+            </a:r>
+          </a:p>
+          <a:p>
+            <a:pPr marL="0" indent="0">
+              <a:lnSpc>
+                <a:spcPct val="100000"/>
+              </a:lnSpc>
+              <a:buNone/>
+            </a:pPr>
+            <a:endParaRPr lang="en-US" altLang="ko-KR" sz="2000" dirty="0"/>
+          </a:p>
+          <a:p>
+            <a:pPr marL="0" indent="0">
+              <a:lnSpc>
+                <a:spcPct val="100000"/>
+              </a:lnSpc>
+              <a:buNone/>
+            </a:pPr>
+            <a:endParaRPr lang="en-US" altLang="ko-KR" sz="2000" dirty="0"/>
+          </a:p>
+          <a:p>
+            <a:pPr marL="0" indent="0">
+              <a:lnSpc>
+                <a:spcPct val="100000"/>
+              </a:lnSpc>
+              <a:buNone/>
+            </a:pPr>
+            <a:endParaRPr lang="en-US" altLang="ko-KR" sz="2000" dirty="0"/>
+          </a:p>
+          <a:p>
+            <a:pPr>
+              <a:lnSpc>
+                <a:spcPct val="100000"/>
+              </a:lnSpc>
+            </a:pPr>
+            <a:endParaRPr lang="en-US" altLang="ko-KR" sz="2000" dirty="0"/>
+          </a:p>
+        </p:txBody>
+      </p:sp>
+    </p:spTree>
+    <p:extLst>
+      <p:ext uri="{BB962C8B-B14F-4D97-AF65-F5344CB8AC3E}">
+        <p14:creationId xmlns:p14="http://schemas.microsoft.com/office/powerpoint/2010/main" val="2895345488"/>
+      </p:ext>
+    </p:extLst>
+  </p:cSld>
+  <p:clrMapOvr>
+    <a:masterClrMapping/>
+  </p:clrMapOvr>
+</p:sld>
+</file>
+
+<file path=ppt/slides/slide12.xml><?xml version="1.0" encoding="utf-8"?>
+<p:sld xmlns:a="http://schemas.openxmlformats.org/drawingml/2006/main" xmlns:r="http://schemas.openxmlformats.org/officeDocument/2006/relationships" xmlns:p="http://schemas.openxmlformats.org/presentationml/2006/main">
+  <p:cSld>
+    <p:spTree>
+      <p:nvGrpSpPr>
+        <p:cNvPr id="1" name=""/>
+        <p:cNvGrpSpPr/>
+        <p:nvPr/>
+      </p:nvGrpSpPr>
+      <p:grpSpPr>
+        <a:xfrm>
+          <a:off x="0" y="0"/>
+          <a:ext cx="0" cy="0"/>
+          <a:chOff x="0" y="0"/>
+          <a:chExt cx="0" cy="0"/>
+        </a:xfrm>
+      </p:grpSpPr>
+      <p:sp>
+        <p:nvSpPr>
+          <p:cNvPr id="2" name="제목 1">
+            <a:extLst>
+              <a:ext uri="{FF2B5EF4-FFF2-40B4-BE49-F238E27FC236}">
                 <a16:creationId xmlns:a16="http://schemas.microsoft.com/office/drawing/2014/main" id="{A60C6562-9B6E-4F54-957F-C6A22BA24F5A}"/>
               </a:ext>
             </a:extLst>
@@ -4055,7 +4459,7 @@
 </p:sld>
 </file>
 
-<file path=ppt/slides/slide12.xml><?xml version="1.0" encoding="utf-8"?>
+<file path=ppt/slides/slide13.xml><?xml version="1.0" encoding="utf-8"?>
 <p:sld xmlns:a="http://schemas.openxmlformats.org/drawingml/2006/main" xmlns:r="http://schemas.openxmlformats.org/officeDocument/2006/relationships" xmlns:p="http://schemas.openxmlformats.org/presentationml/2006/main">
   <p:cSld>
     <p:spTree>
@@ -4777,6 +5181,706 @@
 </file>
 
 <file path=ppt/slides/slide3.xml><?xml version="1.0" encoding="utf-8"?>
+<p:sld xmlns:a="http://schemas.openxmlformats.org/drawingml/2006/main" xmlns:r="http://schemas.openxmlformats.org/officeDocument/2006/relationships" xmlns:p="http://schemas.openxmlformats.org/presentationml/2006/main">
+  <p:cSld>
+    <p:spTree>
+      <p:nvGrpSpPr>
+        <p:cNvPr id="1" name=""/>
+        <p:cNvGrpSpPr/>
+        <p:nvPr/>
+      </p:nvGrpSpPr>
+      <p:grpSpPr>
+        <a:xfrm>
+          <a:off x="0" y="0"/>
+          <a:ext cx="0" cy="0"/>
+          <a:chOff x="0" y="0"/>
+          <a:chExt cx="0" cy="0"/>
+        </a:xfrm>
+      </p:grpSpPr>
+      <p:sp>
+        <p:nvSpPr>
+          <p:cNvPr id="18" name="순서도: 처리 17">
+            <a:extLst>
+              <a:ext uri="{FF2B5EF4-FFF2-40B4-BE49-F238E27FC236}">
+                <a16:creationId xmlns:a16="http://schemas.microsoft.com/office/drawing/2014/main" id="{511C6ADE-C057-4591-8827-8FC5883C96B2}"/>
+              </a:ext>
+            </a:extLst>
+          </p:cNvPr>
+          <p:cNvSpPr/>
+          <p:nvPr/>
+        </p:nvSpPr>
+        <p:spPr>
+          <a:xfrm>
+            <a:off x="550189" y="397787"/>
+            <a:ext cx="1534332" cy="635431"/>
+          </a:xfrm>
+          <a:prstGeom prst="flowChartProcess">
+            <a:avLst/>
+          </a:prstGeom>
+        </p:spPr>
+        <p:style>
+          <a:lnRef idx="2">
+            <a:schemeClr val="accent1">
+              <a:shade val="50000"/>
+            </a:schemeClr>
+          </a:lnRef>
+          <a:fillRef idx="1">
+            <a:schemeClr val="accent1"/>
+          </a:fillRef>
+          <a:effectRef idx="0">
+            <a:schemeClr val="accent1"/>
+          </a:effectRef>
+          <a:fontRef idx="minor">
+            <a:schemeClr val="lt1"/>
+          </a:fontRef>
+        </p:style>
+        <p:txBody>
+          <a:bodyPr rtlCol="0" anchor="ctr"/>
+          <a:lstStyle/>
+          <a:p>
+            <a:pPr algn="ctr"/>
+            <a:r>
+              <a:rPr lang="en-US" altLang="ko-KR" dirty="0"/>
+              <a:t>Magic mirror</a:t>
+            </a:r>
+            <a:endParaRPr lang="ko-KR" altLang="en-US" dirty="0"/>
+          </a:p>
+        </p:txBody>
+      </p:sp>
+      <p:sp>
+        <p:nvSpPr>
+          <p:cNvPr id="19" name="순서도: 처리 18">
+            <a:extLst>
+              <a:ext uri="{FF2B5EF4-FFF2-40B4-BE49-F238E27FC236}">
+                <a16:creationId xmlns:a16="http://schemas.microsoft.com/office/drawing/2014/main" id="{FCED0C5B-1BF3-4803-BC7D-98AF97D6E753}"/>
+              </a:ext>
+            </a:extLst>
+          </p:cNvPr>
+          <p:cNvSpPr/>
+          <p:nvPr/>
+        </p:nvSpPr>
+        <p:spPr>
+          <a:xfrm>
+            <a:off x="674176" y="1446507"/>
+            <a:ext cx="1286359" cy="635431"/>
+          </a:xfrm>
+          <a:prstGeom prst="flowChartProcess">
+            <a:avLst/>
+          </a:prstGeom>
+        </p:spPr>
+        <p:style>
+          <a:lnRef idx="2">
+            <a:schemeClr val="accent1">
+              <a:shade val="50000"/>
+            </a:schemeClr>
+          </a:lnRef>
+          <a:fillRef idx="1">
+            <a:schemeClr val="accent1"/>
+          </a:fillRef>
+          <a:effectRef idx="0">
+            <a:schemeClr val="accent1"/>
+          </a:effectRef>
+          <a:fontRef idx="minor">
+            <a:schemeClr val="lt1"/>
+          </a:fontRef>
+        </p:style>
+        <p:txBody>
+          <a:bodyPr rtlCol="0" anchor="ctr"/>
+          <a:lstStyle/>
+          <a:p>
+            <a:pPr algn="ctr"/>
+            <a:r>
+              <a:rPr lang="en-US" altLang="ko-KR" dirty="0" err="1"/>
+              <a:t>UI_Start</a:t>
+            </a:r>
+            <a:endParaRPr lang="ko-KR" altLang="en-US" dirty="0"/>
+          </a:p>
+        </p:txBody>
+      </p:sp>
+      <p:sp>
+        <p:nvSpPr>
+          <p:cNvPr id="20" name="순서도: 처리 19">
+            <a:extLst>
+              <a:ext uri="{FF2B5EF4-FFF2-40B4-BE49-F238E27FC236}">
+                <a16:creationId xmlns:a16="http://schemas.microsoft.com/office/drawing/2014/main" id="{488780A5-F517-4896-AD18-06C1737B5DD4}"/>
+              </a:ext>
+            </a:extLst>
+          </p:cNvPr>
+          <p:cNvSpPr/>
+          <p:nvPr/>
+        </p:nvSpPr>
+        <p:spPr>
+          <a:xfrm>
+            <a:off x="433953" y="2495227"/>
+            <a:ext cx="1766806" cy="635431"/>
+          </a:xfrm>
+          <a:prstGeom prst="flowChartProcess">
+            <a:avLst/>
+          </a:prstGeom>
+        </p:spPr>
+        <p:style>
+          <a:lnRef idx="2">
+            <a:schemeClr val="accent1">
+              <a:shade val="50000"/>
+            </a:schemeClr>
+          </a:lnRef>
+          <a:fillRef idx="1">
+            <a:schemeClr val="accent1"/>
+          </a:fillRef>
+          <a:effectRef idx="0">
+            <a:schemeClr val="accent1"/>
+          </a:effectRef>
+          <a:fontRef idx="minor">
+            <a:schemeClr val="lt1"/>
+          </a:fontRef>
+        </p:style>
+        <p:txBody>
+          <a:bodyPr rtlCol="0" anchor="ctr"/>
+          <a:lstStyle/>
+          <a:p>
+            <a:pPr algn="ctr"/>
+            <a:r>
+              <a:rPr lang="en-US" altLang="ko-KR" dirty="0" err="1"/>
+              <a:t>Click_Function</a:t>
+            </a:r>
+            <a:endParaRPr lang="ko-KR" altLang="en-US" dirty="0"/>
+          </a:p>
+        </p:txBody>
+      </p:sp>
+      <p:sp>
+        <p:nvSpPr>
+          <p:cNvPr id="21" name="순서도: 판단 20">
+            <a:extLst>
+              <a:ext uri="{FF2B5EF4-FFF2-40B4-BE49-F238E27FC236}">
+                <a16:creationId xmlns:a16="http://schemas.microsoft.com/office/drawing/2014/main" id="{D9393A02-5792-4F96-94C5-1F84EB193CF9}"/>
+              </a:ext>
+            </a:extLst>
+          </p:cNvPr>
+          <p:cNvSpPr/>
+          <p:nvPr/>
+        </p:nvSpPr>
+        <p:spPr>
+          <a:xfrm>
+            <a:off x="3037668" y="2495227"/>
+            <a:ext cx="3285640" cy="635431"/>
+          </a:xfrm>
+          <a:prstGeom prst="flowChartDecision">
+            <a:avLst/>
+          </a:prstGeom>
+        </p:spPr>
+        <p:style>
+          <a:lnRef idx="2">
+            <a:schemeClr val="accent1">
+              <a:shade val="50000"/>
+            </a:schemeClr>
+          </a:lnRef>
+          <a:fillRef idx="1">
+            <a:schemeClr val="accent1"/>
+          </a:fillRef>
+          <a:effectRef idx="0">
+            <a:schemeClr val="accent1"/>
+          </a:effectRef>
+          <a:fontRef idx="minor">
+            <a:schemeClr val="lt1"/>
+          </a:fontRef>
+        </p:style>
+        <p:txBody>
+          <a:bodyPr rtlCol="0" anchor="ctr"/>
+          <a:lstStyle/>
+          <a:p>
+            <a:pPr algn="ctr"/>
+            <a:r>
+              <a:rPr lang="en-US" altLang="ko-KR" dirty="0"/>
+              <a:t>Count1 &gt; 20</a:t>
+            </a:r>
+            <a:endParaRPr lang="ko-KR" altLang="en-US" dirty="0"/>
+          </a:p>
+        </p:txBody>
+      </p:sp>
+      <p:sp>
+        <p:nvSpPr>
+          <p:cNvPr id="22" name="순서도: 판단 21">
+            <a:extLst>
+              <a:ext uri="{FF2B5EF4-FFF2-40B4-BE49-F238E27FC236}">
+                <a16:creationId xmlns:a16="http://schemas.microsoft.com/office/drawing/2014/main" id="{C1852477-A035-40E2-A7FC-DBB6391D0EEE}"/>
+              </a:ext>
+            </a:extLst>
+          </p:cNvPr>
+          <p:cNvSpPr/>
+          <p:nvPr/>
+        </p:nvSpPr>
+        <p:spPr>
+          <a:xfrm>
+            <a:off x="7160217" y="2502976"/>
+            <a:ext cx="3285640" cy="635431"/>
+          </a:xfrm>
+          <a:prstGeom prst="flowChartDecision">
+            <a:avLst/>
+          </a:prstGeom>
+        </p:spPr>
+        <p:style>
+          <a:lnRef idx="2">
+            <a:schemeClr val="accent1">
+              <a:shade val="50000"/>
+            </a:schemeClr>
+          </a:lnRef>
+          <a:fillRef idx="1">
+            <a:schemeClr val="accent1"/>
+          </a:fillRef>
+          <a:effectRef idx="0">
+            <a:schemeClr val="accent1"/>
+          </a:effectRef>
+          <a:fontRef idx="minor">
+            <a:schemeClr val="lt1"/>
+          </a:fontRef>
+        </p:style>
+        <p:txBody>
+          <a:bodyPr rtlCol="0" anchor="ctr"/>
+          <a:lstStyle/>
+          <a:p>
+            <a:pPr algn="ctr"/>
+            <a:r>
+              <a:rPr lang="en-US" altLang="ko-KR" dirty="0"/>
+              <a:t>Count2 &gt; 20</a:t>
+            </a:r>
+            <a:endParaRPr lang="ko-KR" altLang="en-US" dirty="0"/>
+          </a:p>
+        </p:txBody>
+      </p:sp>
+      <p:sp>
+        <p:nvSpPr>
+          <p:cNvPr id="23" name="순서도: 판단 22">
+            <a:extLst>
+              <a:ext uri="{FF2B5EF4-FFF2-40B4-BE49-F238E27FC236}">
+                <a16:creationId xmlns:a16="http://schemas.microsoft.com/office/drawing/2014/main" id="{789ADCEB-34ED-4AF0-B8B6-AC66D788E9A8}"/>
+              </a:ext>
+            </a:extLst>
+          </p:cNvPr>
+          <p:cNvSpPr/>
+          <p:nvPr/>
+        </p:nvSpPr>
+        <p:spPr>
+          <a:xfrm>
+            <a:off x="11282766" y="2518474"/>
+            <a:ext cx="3285640" cy="635431"/>
+          </a:xfrm>
+          <a:prstGeom prst="flowChartDecision">
+            <a:avLst/>
+          </a:prstGeom>
+        </p:spPr>
+        <p:style>
+          <a:lnRef idx="2">
+            <a:schemeClr val="accent1">
+              <a:shade val="50000"/>
+            </a:schemeClr>
+          </a:lnRef>
+          <a:fillRef idx="1">
+            <a:schemeClr val="accent1"/>
+          </a:fillRef>
+          <a:effectRef idx="0">
+            <a:schemeClr val="accent1"/>
+          </a:effectRef>
+          <a:fontRef idx="minor">
+            <a:schemeClr val="lt1"/>
+          </a:fontRef>
+        </p:style>
+        <p:txBody>
+          <a:bodyPr rtlCol="0" anchor="ctr"/>
+          <a:lstStyle/>
+          <a:p>
+            <a:pPr algn="ctr"/>
+            <a:r>
+              <a:rPr lang="en-US" altLang="ko-KR" dirty="0"/>
+              <a:t>Count3 &gt; 20</a:t>
+            </a:r>
+            <a:endParaRPr lang="ko-KR" altLang="en-US" dirty="0"/>
+          </a:p>
+        </p:txBody>
+      </p:sp>
+      <p:sp>
+        <p:nvSpPr>
+          <p:cNvPr id="24" name="순서도: 처리 23">
+            <a:extLst>
+              <a:ext uri="{FF2B5EF4-FFF2-40B4-BE49-F238E27FC236}">
+                <a16:creationId xmlns:a16="http://schemas.microsoft.com/office/drawing/2014/main" id="{F87C29D1-77E0-4777-A88C-A78BCBBFC029}"/>
+              </a:ext>
+            </a:extLst>
+          </p:cNvPr>
+          <p:cNvSpPr/>
+          <p:nvPr/>
+        </p:nvSpPr>
+        <p:spPr>
+          <a:xfrm>
+            <a:off x="3471620" y="3704095"/>
+            <a:ext cx="2422902" cy="821410"/>
+          </a:xfrm>
+          <a:prstGeom prst="flowChartProcess">
+            <a:avLst/>
+          </a:prstGeom>
+        </p:spPr>
+        <p:style>
+          <a:lnRef idx="2">
+            <a:schemeClr val="accent1">
+              <a:shade val="50000"/>
+            </a:schemeClr>
+          </a:lnRef>
+          <a:fillRef idx="1">
+            <a:schemeClr val="accent1"/>
+          </a:fillRef>
+          <a:effectRef idx="0">
+            <a:schemeClr val="accent1"/>
+          </a:effectRef>
+          <a:fontRef idx="minor">
+            <a:schemeClr val="lt1"/>
+          </a:fontRef>
+        </p:style>
+        <p:txBody>
+          <a:bodyPr rtlCol="0" anchor="ctr"/>
+          <a:lstStyle/>
+          <a:p>
+            <a:pPr algn="ctr"/>
+            <a:r>
+              <a:rPr lang="en-US" altLang="ko-KR" dirty="0" err="1"/>
+              <a:t>UI_Sub.Second_Menu</a:t>
+            </a:r>
+            <a:r>
+              <a:rPr lang="en-US" altLang="ko-KR" dirty="0"/>
+              <a:t>(‘T-shirt’)</a:t>
+            </a:r>
+            <a:endParaRPr lang="ko-KR" altLang="en-US" dirty="0"/>
+          </a:p>
+        </p:txBody>
+      </p:sp>
+      <p:sp>
+        <p:nvSpPr>
+          <p:cNvPr id="25" name="순서도: 처리 24">
+            <a:extLst>
+              <a:ext uri="{FF2B5EF4-FFF2-40B4-BE49-F238E27FC236}">
+                <a16:creationId xmlns:a16="http://schemas.microsoft.com/office/drawing/2014/main" id="{2851E4FE-13DD-4CD9-9734-1D908CF0AD2D}"/>
+              </a:ext>
+            </a:extLst>
+          </p:cNvPr>
+          <p:cNvSpPr/>
+          <p:nvPr/>
+        </p:nvSpPr>
+        <p:spPr>
+          <a:xfrm>
+            <a:off x="7592877" y="3719594"/>
+            <a:ext cx="2422902" cy="821410"/>
+          </a:xfrm>
+          <a:prstGeom prst="flowChartProcess">
+            <a:avLst/>
+          </a:prstGeom>
+        </p:spPr>
+        <p:style>
+          <a:lnRef idx="2">
+            <a:schemeClr val="accent1">
+              <a:shade val="50000"/>
+            </a:schemeClr>
+          </a:lnRef>
+          <a:fillRef idx="1">
+            <a:schemeClr val="accent1"/>
+          </a:fillRef>
+          <a:effectRef idx="0">
+            <a:schemeClr val="accent1"/>
+          </a:effectRef>
+          <a:fontRef idx="minor">
+            <a:schemeClr val="lt1"/>
+          </a:fontRef>
+        </p:style>
+        <p:txBody>
+          <a:bodyPr rtlCol="0" anchor="ctr"/>
+          <a:lstStyle/>
+          <a:p>
+            <a:pPr algn="ctr"/>
+            <a:r>
+              <a:rPr lang="en-US" altLang="ko-KR" dirty="0" err="1"/>
+              <a:t>UI_Sub.Second_Menu</a:t>
+            </a:r>
+            <a:r>
+              <a:rPr lang="en-US" altLang="ko-KR" dirty="0"/>
+              <a:t>(‘Y-shirt’)</a:t>
+            </a:r>
+            <a:endParaRPr lang="ko-KR" altLang="en-US" dirty="0"/>
+          </a:p>
+        </p:txBody>
+      </p:sp>
+      <p:sp>
+        <p:nvSpPr>
+          <p:cNvPr id="26" name="순서도: 처리 25">
+            <a:extLst>
+              <a:ext uri="{FF2B5EF4-FFF2-40B4-BE49-F238E27FC236}">
+                <a16:creationId xmlns:a16="http://schemas.microsoft.com/office/drawing/2014/main" id="{9CEBA995-2E14-4575-9050-0CE2C4B4B73B}"/>
+              </a:ext>
+            </a:extLst>
+          </p:cNvPr>
+          <p:cNvSpPr/>
+          <p:nvPr/>
+        </p:nvSpPr>
+        <p:spPr>
+          <a:xfrm>
+            <a:off x="11714135" y="3856495"/>
+            <a:ext cx="2422902" cy="821410"/>
+          </a:xfrm>
+          <a:prstGeom prst="flowChartProcess">
+            <a:avLst/>
+          </a:prstGeom>
+        </p:spPr>
+        <p:style>
+          <a:lnRef idx="2">
+            <a:schemeClr val="accent1">
+              <a:shade val="50000"/>
+            </a:schemeClr>
+          </a:lnRef>
+          <a:fillRef idx="1">
+            <a:schemeClr val="accent1"/>
+          </a:fillRef>
+          <a:effectRef idx="0">
+            <a:schemeClr val="accent1"/>
+          </a:effectRef>
+          <a:fontRef idx="minor">
+            <a:schemeClr val="lt1"/>
+          </a:fontRef>
+        </p:style>
+        <p:txBody>
+          <a:bodyPr rtlCol="0" anchor="ctr"/>
+          <a:lstStyle/>
+          <a:p>
+            <a:pPr algn="ctr"/>
+            <a:r>
+              <a:rPr lang="en-US" altLang="ko-KR" dirty="0" err="1"/>
+              <a:t>UI_Sub.Second_Menu</a:t>
+            </a:r>
+            <a:r>
+              <a:rPr lang="en-US" altLang="ko-KR" dirty="0"/>
+              <a:t>(</a:t>
+            </a:r>
+            <a:r>
+              <a:rPr lang="en-US" altLang="ko-KR" dirty="0" err="1"/>
+              <a:t>‘Hood</a:t>
+            </a:r>
+            <a:r>
+              <a:rPr lang="en-US" altLang="ko-KR" dirty="0"/>
+              <a:t>-T’)</a:t>
+            </a:r>
+            <a:endParaRPr lang="ko-KR" altLang="en-US" dirty="0"/>
+          </a:p>
+        </p:txBody>
+      </p:sp>
+      <p:sp>
+        <p:nvSpPr>
+          <p:cNvPr id="27" name="순서도: 처리 26">
+            <a:extLst>
+              <a:ext uri="{FF2B5EF4-FFF2-40B4-BE49-F238E27FC236}">
+                <a16:creationId xmlns:a16="http://schemas.microsoft.com/office/drawing/2014/main" id="{D56334B4-6EF3-4D8D-B2D5-1DDAA5C0C43D}"/>
+              </a:ext>
+            </a:extLst>
+          </p:cNvPr>
+          <p:cNvSpPr/>
+          <p:nvPr/>
+        </p:nvSpPr>
+        <p:spPr>
+          <a:xfrm>
+            <a:off x="3890075" y="5912603"/>
+            <a:ext cx="1766806" cy="635431"/>
+          </a:xfrm>
+          <a:prstGeom prst="flowChartProcess">
+            <a:avLst/>
+          </a:prstGeom>
+        </p:spPr>
+        <p:style>
+          <a:lnRef idx="2">
+            <a:schemeClr val="accent1">
+              <a:shade val="50000"/>
+            </a:schemeClr>
+          </a:lnRef>
+          <a:fillRef idx="1">
+            <a:schemeClr val="accent1"/>
+          </a:fillRef>
+          <a:effectRef idx="0">
+            <a:schemeClr val="accent1"/>
+          </a:effectRef>
+          <a:fontRef idx="minor">
+            <a:schemeClr val="lt1"/>
+          </a:fontRef>
+        </p:style>
+        <p:txBody>
+          <a:bodyPr rtlCol="0" anchor="ctr"/>
+          <a:lstStyle/>
+          <a:p>
+            <a:pPr algn="ctr"/>
+            <a:r>
+              <a:rPr lang="en-US" altLang="ko-KR" dirty="0" err="1"/>
+              <a:t>Click_Function</a:t>
+            </a:r>
+            <a:endParaRPr lang="ko-KR" altLang="en-US" dirty="0"/>
+          </a:p>
+        </p:txBody>
+      </p:sp>
+      <p:sp>
+        <p:nvSpPr>
+          <p:cNvPr id="28" name="순서도: 판단 27">
+            <a:extLst>
+              <a:ext uri="{FF2B5EF4-FFF2-40B4-BE49-F238E27FC236}">
+                <a16:creationId xmlns:a16="http://schemas.microsoft.com/office/drawing/2014/main" id="{0EC7E793-A813-4A40-A154-8FF46E34E539}"/>
+              </a:ext>
+            </a:extLst>
+          </p:cNvPr>
+          <p:cNvSpPr/>
+          <p:nvPr/>
+        </p:nvSpPr>
+        <p:spPr>
+          <a:xfrm>
+            <a:off x="6493790" y="5912603"/>
+            <a:ext cx="3285640" cy="635431"/>
+          </a:xfrm>
+          <a:prstGeom prst="flowChartDecision">
+            <a:avLst/>
+          </a:prstGeom>
+        </p:spPr>
+        <p:style>
+          <a:lnRef idx="2">
+            <a:schemeClr val="accent1">
+              <a:shade val="50000"/>
+            </a:schemeClr>
+          </a:lnRef>
+          <a:fillRef idx="1">
+            <a:schemeClr val="accent1"/>
+          </a:fillRef>
+          <a:effectRef idx="0">
+            <a:schemeClr val="accent1"/>
+          </a:effectRef>
+          <a:fontRef idx="minor">
+            <a:schemeClr val="lt1"/>
+          </a:fontRef>
+        </p:style>
+        <p:txBody>
+          <a:bodyPr rtlCol="0" anchor="ctr"/>
+          <a:lstStyle/>
+          <a:p>
+            <a:pPr algn="ctr"/>
+            <a:r>
+              <a:rPr lang="en-US" altLang="ko-KR" dirty="0"/>
+              <a:t>Count1 &gt; 20</a:t>
+            </a:r>
+            <a:endParaRPr lang="ko-KR" altLang="en-US" dirty="0"/>
+          </a:p>
+        </p:txBody>
+      </p:sp>
+      <p:sp>
+        <p:nvSpPr>
+          <p:cNvPr id="29" name="순서도: 판단 28">
+            <a:extLst>
+              <a:ext uri="{FF2B5EF4-FFF2-40B4-BE49-F238E27FC236}">
+                <a16:creationId xmlns:a16="http://schemas.microsoft.com/office/drawing/2014/main" id="{9369776B-0295-49B0-8649-3BF4EF0A3888}"/>
+              </a:ext>
+            </a:extLst>
+          </p:cNvPr>
+          <p:cNvSpPr/>
+          <p:nvPr/>
+        </p:nvSpPr>
+        <p:spPr>
+          <a:xfrm>
+            <a:off x="10616339" y="5920352"/>
+            <a:ext cx="3285640" cy="635431"/>
+          </a:xfrm>
+          <a:prstGeom prst="flowChartDecision">
+            <a:avLst/>
+          </a:prstGeom>
+        </p:spPr>
+        <p:style>
+          <a:lnRef idx="2">
+            <a:schemeClr val="accent1">
+              <a:shade val="50000"/>
+            </a:schemeClr>
+          </a:lnRef>
+          <a:fillRef idx="1">
+            <a:schemeClr val="accent1"/>
+          </a:fillRef>
+          <a:effectRef idx="0">
+            <a:schemeClr val="accent1"/>
+          </a:effectRef>
+          <a:fontRef idx="minor">
+            <a:schemeClr val="lt1"/>
+          </a:fontRef>
+        </p:style>
+        <p:txBody>
+          <a:bodyPr rtlCol="0" anchor="ctr"/>
+          <a:lstStyle/>
+          <a:p>
+            <a:pPr algn="ctr"/>
+            <a:r>
+              <a:rPr lang="en-US" altLang="ko-KR" dirty="0"/>
+              <a:t>Count2 &gt; 20</a:t>
+            </a:r>
+            <a:endParaRPr lang="ko-KR" altLang="en-US" dirty="0"/>
+          </a:p>
+        </p:txBody>
+      </p:sp>
+      <p:sp>
+        <p:nvSpPr>
+          <p:cNvPr id="30" name="순서도: 판단 29">
+            <a:extLst>
+              <a:ext uri="{FF2B5EF4-FFF2-40B4-BE49-F238E27FC236}">
+                <a16:creationId xmlns:a16="http://schemas.microsoft.com/office/drawing/2014/main" id="{741AB078-F110-485C-89B6-1A9762F01BAF}"/>
+              </a:ext>
+            </a:extLst>
+          </p:cNvPr>
+          <p:cNvSpPr/>
+          <p:nvPr/>
+        </p:nvSpPr>
+        <p:spPr>
+          <a:xfrm>
+            <a:off x="14738888" y="5935850"/>
+            <a:ext cx="3285640" cy="635431"/>
+          </a:xfrm>
+          <a:prstGeom prst="flowChartDecision">
+            <a:avLst/>
+          </a:prstGeom>
+        </p:spPr>
+        <p:style>
+          <a:lnRef idx="2">
+            <a:schemeClr val="accent1">
+              <a:shade val="50000"/>
+            </a:schemeClr>
+          </a:lnRef>
+          <a:fillRef idx="1">
+            <a:schemeClr val="accent1"/>
+          </a:fillRef>
+          <a:effectRef idx="0">
+            <a:schemeClr val="accent1"/>
+          </a:effectRef>
+          <a:fontRef idx="minor">
+            <a:schemeClr val="lt1"/>
+          </a:fontRef>
+        </p:style>
+        <p:txBody>
+          <a:bodyPr rtlCol="0" anchor="ctr"/>
+          <a:lstStyle/>
+          <a:p>
+            <a:pPr algn="ctr"/>
+            <a:r>
+              <a:rPr lang="en-US" altLang="ko-KR" dirty="0"/>
+              <a:t>Count3 &gt; 20</a:t>
+            </a:r>
+            <a:endParaRPr lang="ko-KR" altLang="en-US" dirty="0"/>
+          </a:p>
+        </p:txBody>
+      </p:sp>
+    </p:spTree>
+    <p:extLst>
+      <p:ext uri="{BB962C8B-B14F-4D97-AF65-F5344CB8AC3E}">
+        <p14:creationId xmlns:p14="http://schemas.microsoft.com/office/powerpoint/2010/main" val="1818484400"/>
+      </p:ext>
+    </p:extLst>
+  </p:cSld>
+  <p:clrMapOvr>
+    <a:masterClrMapping/>
+  </p:clrMapOvr>
+</p:sld>
+</file>
+
+<file path=ppt/slides/slide4.xml><?xml version="1.0" encoding="utf-8"?>
 <p:sld xmlns:a="http://schemas.openxmlformats.org/drawingml/2006/main" xmlns:r="http://schemas.openxmlformats.org/officeDocument/2006/relationships" xmlns:p="http://schemas.openxmlformats.org/presentationml/2006/main">
   <p:cSld>
     <p:spTree>
@@ -5343,406 +6447,6 @@
 </p:sld>
 </file>
 
-<file path=ppt/slides/slide4.xml><?xml version="1.0" encoding="utf-8"?>
-<p:sld xmlns:a="http://schemas.openxmlformats.org/drawingml/2006/main" xmlns:r="http://schemas.openxmlformats.org/officeDocument/2006/relationships" xmlns:p="http://schemas.openxmlformats.org/presentationml/2006/main">
-  <p:cSld>
-    <p:spTree>
-      <p:nvGrpSpPr>
-        <p:cNvPr id="1" name=""/>
-        <p:cNvGrpSpPr/>
-        <p:nvPr/>
-      </p:nvGrpSpPr>
-      <p:grpSpPr>
-        <a:xfrm>
-          <a:off x="0" y="0"/>
-          <a:ext cx="0" cy="0"/>
-          <a:chOff x="0" y="0"/>
-          <a:chExt cx="0" cy="0"/>
-        </a:xfrm>
-      </p:grpSpPr>
-      <p:sp>
-        <p:nvSpPr>
-          <p:cNvPr id="2" name="제목 1">
-            <a:extLst>
-              <a:ext uri="{FF2B5EF4-FFF2-40B4-BE49-F238E27FC236}">
-                <a16:creationId xmlns:a16="http://schemas.microsoft.com/office/drawing/2014/main" id="{B0497BC4-A30D-4F53-AAD3-9B51EBF97CAB}"/>
-              </a:ext>
-            </a:extLst>
-          </p:cNvPr>
-          <p:cNvSpPr>
-            <a:spLocks noGrp="1"/>
-          </p:cNvSpPr>
-          <p:nvPr>
-            <p:ph type="title"/>
-          </p:nvPr>
-        </p:nvSpPr>
-        <p:spPr/>
-        <p:txBody>
-          <a:bodyPr/>
-          <a:lstStyle/>
-          <a:p>
-            <a:r>
-              <a:rPr lang="ko-KR" altLang="en-US" dirty="0"/>
-              <a:t>초기화면 </a:t>
-            </a:r>
-            <a:r>
-              <a:rPr lang="en-US" altLang="ko-KR" dirty="0"/>
-              <a:t>2</a:t>
-            </a:r>
-            <a:endParaRPr lang="ko-KR" altLang="en-US" dirty="0"/>
-          </a:p>
-        </p:txBody>
-      </p:sp>
-      <p:pic>
-        <p:nvPicPr>
-          <p:cNvPr id="4" name="내용 개체 틀 3">
-            <a:extLst>
-              <a:ext uri="{FF2B5EF4-FFF2-40B4-BE49-F238E27FC236}">
-                <a16:creationId xmlns:a16="http://schemas.microsoft.com/office/drawing/2014/main" id="{1FE717B5-C397-4D21-BBF9-00CDBF9C50B6}"/>
-              </a:ext>
-            </a:extLst>
-          </p:cNvPr>
-          <p:cNvPicPr>
-            <a:picLocks noGrp="1" noChangeAspect="1"/>
-          </p:cNvPicPr>
-          <p:nvPr>
-            <p:ph idx="1"/>
-          </p:nvPr>
-        </p:nvPicPr>
-        <p:blipFill>
-          <a:blip r:embed="rId2"/>
-          <a:stretch>
-            <a:fillRect/>
-          </a:stretch>
-        </p:blipFill>
-        <p:spPr>
-          <a:xfrm>
-            <a:off x="838200" y="1690688"/>
-            <a:ext cx="4894707" cy="4351338"/>
-          </a:xfrm>
-          <a:prstGeom prst="rect">
-            <a:avLst/>
-          </a:prstGeom>
-        </p:spPr>
-      </p:pic>
-      <p:sp>
-        <p:nvSpPr>
-          <p:cNvPr id="5" name="직사각형 4">
-            <a:extLst>
-              <a:ext uri="{FF2B5EF4-FFF2-40B4-BE49-F238E27FC236}">
-                <a16:creationId xmlns:a16="http://schemas.microsoft.com/office/drawing/2014/main" id="{2A399D5F-01B0-4F20-BEA7-D16EBAB26132}"/>
-              </a:ext>
-            </a:extLst>
-          </p:cNvPr>
-          <p:cNvSpPr/>
-          <p:nvPr/>
-        </p:nvSpPr>
-        <p:spPr>
-          <a:xfrm>
-            <a:off x="933450" y="1800225"/>
-            <a:ext cx="904875" cy="352425"/>
-          </a:xfrm>
-          <a:prstGeom prst="rect">
-            <a:avLst/>
-          </a:prstGeom>
-        </p:spPr>
-        <p:style>
-          <a:lnRef idx="2">
-            <a:schemeClr val="accent1">
-              <a:shade val="50000"/>
-            </a:schemeClr>
-          </a:lnRef>
-          <a:fillRef idx="1">
-            <a:schemeClr val="accent1"/>
-          </a:fillRef>
-          <a:effectRef idx="0">
-            <a:schemeClr val="accent1"/>
-          </a:effectRef>
-          <a:fontRef idx="minor">
-            <a:schemeClr val="lt1"/>
-          </a:fontRef>
-        </p:style>
-        <p:txBody>
-          <a:bodyPr rtlCol="0" anchor="ctr"/>
-          <a:lstStyle/>
-          <a:p>
-            <a:pPr algn="ctr"/>
-            <a:r>
-              <a:rPr lang="en-US" altLang="ko-KR" dirty="0"/>
-              <a:t>T-</a:t>
-            </a:r>
-            <a:r>
-              <a:rPr lang="en-US" altLang="ko-KR" dirty="0" err="1"/>
-              <a:t>shrit</a:t>
-            </a:r>
-            <a:endParaRPr lang="ko-KR" altLang="en-US" dirty="0"/>
-          </a:p>
-        </p:txBody>
-      </p:sp>
-      <p:sp>
-        <p:nvSpPr>
-          <p:cNvPr id="6" name="직사각형 5">
-            <a:extLst>
-              <a:ext uri="{FF2B5EF4-FFF2-40B4-BE49-F238E27FC236}">
-                <a16:creationId xmlns:a16="http://schemas.microsoft.com/office/drawing/2014/main" id="{4355B051-452D-4CF3-A855-0A9016B26D01}"/>
-              </a:ext>
-            </a:extLst>
-          </p:cNvPr>
-          <p:cNvSpPr/>
-          <p:nvPr/>
-        </p:nvSpPr>
-        <p:spPr>
-          <a:xfrm>
-            <a:off x="4438650" y="2505075"/>
-            <a:ext cx="914400" cy="511176"/>
-          </a:xfrm>
-          <a:prstGeom prst="rect">
-            <a:avLst/>
-          </a:prstGeom>
-        </p:spPr>
-        <p:style>
-          <a:lnRef idx="2">
-            <a:schemeClr val="accent1">
-              <a:shade val="50000"/>
-            </a:schemeClr>
-          </a:lnRef>
-          <a:fillRef idx="1">
-            <a:schemeClr val="accent1"/>
-          </a:fillRef>
-          <a:effectRef idx="0">
-            <a:schemeClr val="accent1"/>
-          </a:effectRef>
-          <a:fontRef idx="minor">
-            <a:schemeClr val="lt1"/>
-          </a:fontRef>
-        </p:style>
-        <p:txBody>
-          <a:bodyPr rtlCol="0" anchor="ctr"/>
-          <a:lstStyle/>
-          <a:p>
-            <a:pPr algn="ctr"/>
-            <a:r>
-              <a:rPr lang="ko-KR" altLang="en-US" dirty="0"/>
-              <a:t>추천</a:t>
-            </a:r>
-          </a:p>
-        </p:txBody>
-      </p:sp>
-      <p:sp>
-        <p:nvSpPr>
-          <p:cNvPr id="7" name="직사각형 6">
-            <a:extLst>
-              <a:ext uri="{FF2B5EF4-FFF2-40B4-BE49-F238E27FC236}">
-                <a16:creationId xmlns:a16="http://schemas.microsoft.com/office/drawing/2014/main" id="{9A487E40-8904-4F36-ACDC-87A5C8C3C1AA}"/>
-              </a:ext>
-            </a:extLst>
-          </p:cNvPr>
-          <p:cNvSpPr/>
-          <p:nvPr/>
-        </p:nvSpPr>
-        <p:spPr>
-          <a:xfrm>
-            <a:off x="4438650" y="3319462"/>
-            <a:ext cx="914400" cy="511176"/>
-          </a:xfrm>
-          <a:prstGeom prst="rect">
-            <a:avLst/>
-          </a:prstGeom>
-        </p:spPr>
-        <p:style>
-          <a:lnRef idx="2">
-            <a:schemeClr val="accent1">
-              <a:shade val="50000"/>
-            </a:schemeClr>
-          </a:lnRef>
-          <a:fillRef idx="1">
-            <a:schemeClr val="accent1"/>
-          </a:fillRef>
-          <a:effectRef idx="0">
-            <a:schemeClr val="accent1"/>
-          </a:effectRef>
-          <a:fontRef idx="minor">
-            <a:schemeClr val="lt1"/>
-          </a:fontRef>
-        </p:style>
-        <p:txBody>
-          <a:bodyPr rtlCol="0" anchor="ctr"/>
-          <a:lstStyle/>
-          <a:p>
-            <a:pPr algn="ctr"/>
-            <a:r>
-              <a:rPr lang="ko-KR" altLang="en-US" dirty="0"/>
-              <a:t>목록</a:t>
-            </a:r>
-          </a:p>
-        </p:txBody>
-      </p:sp>
-      <p:sp>
-        <p:nvSpPr>
-          <p:cNvPr id="8" name="TextBox 7">
-            <a:extLst>
-              <a:ext uri="{FF2B5EF4-FFF2-40B4-BE49-F238E27FC236}">
-                <a16:creationId xmlns:a16="http://schemas.microsoft.com/office/drawing/2014/main" id="{63E8E266-182F-4435-8EF5-DDB6533D26C4}"/>
-              </a:ext>
-            </a:extLst>
-          </p:cNvPr>
-          <p:cNvSpPr txBox="1"/>
-          <p:nvPr/>
-        </p:nvSpPr>
-        <p:spPr>
-          <a:xfrm>
-            <a:off x="6459095" y="2551113"/>
-            <a:ext cx="3594254" cy="2031325"/>
-          </a:xfrm>
-          <a:prstGeom prst="rect">
-            <a:avLst/>
-          </a:prstGeom>
-          <a:noFill/>
-        </p:spPr>
-        <p:txBody>
-          <a:bodyPr wrap="none" rtlCol="0">
-            <a:spAutoFit/>
-          </a:bodyPr>
-          <a:lstStyle/>
-          <a:p>
-            <a:r>
-              <a:rPr lang="ko-KR" altLang="en-US" dirty="0"/>
-              <a:t>추천 클릭 시 추천 화면으로 이동</a:t>
-            </a:r>
-            <a:endParaRPr lang="en-US" altLang="ko-KR" dirty="0"/>
-          </a:p>
-          <a:p>
-            <a:endParaRPr lang="en-US" altLang="ko-KR" dirty="0"/>
-          </a:p>
-          <a:p>
-            <a:endParaRPr lang="en-US" altLang="ko-KR" dirty="0"/>
-          </a:p>
-          <a:p>
-            <a:r>
-              <a:rPr lang="ko-KR" altLang="en-US" dirty="0"/>
-              <a:t>목록 클릭 시 목록 화면으로 이동</a:t>
-            </a:r>
-            <a:endParaRPr lang="en-US" altLang="ko-KR" dirty="0"/>
-          </a:p>
-          <a:p>
-            <a:endParaRPr lang="en-US" altLang="ko-KR" dirty="0"/>
-          </a:p>
-          <a:p>
-            <a:endParaRPr lang="en-US" altLang="ko-KR" dirty="0"/>
-          </a:p>
-          <a:p>
-            <a:r>
-              <a:rPr lang="ko-KR" altLang="en-US" dirty="0"/>
-              <a:t>뒤로 클릭 시 초기화면 </a:t>
-            </a:r>
-            <a:r>
-              <a:rPr lang="en-US" altLang="ko-KR" dirty="0"/>
-              <a:t>1</a:t>
-            </a:r>
-            <a:r>
-              <a:rPr lang="ko-KR" altLang="en-US" dirty="0"/>
-              <a:t>로 이동</a:t>
-            </a:r>
-          </a:p>
-        </p:txBody>
-      </p:sp>
-      <p:sp>
-        <p:nvSpPr>
-          <p:cNvPr id="10" name="직사각형 9">
-            <a:extLst>
-              <a:ext uri="{FF2B5EF4-FFF2-40B4-BE49-F238E27FC236}">
-                <a16:creationId xmlns:a16="http://schemas.microsoft.com/office/drawing/2014/main" id="{67167894-2ACE-4D2F-97E4-F2320D033EEE}"/>
-              </a:ext>
-            </a:extLst>
-          </p:cNvPr>
-          <p:cNvSpPr/>
-          <p:nvPr/>
-        </p:nvSpPr>
-        <p:spPr>
-          <a:xfrm>
-            <a:off x="4438650" y="4133849"/>
-            <a:ext cx="914400" cy="511176"/>
-          </a:xfrm>
-          <a:prstGeom prst="rect">
-            <a:avLst/>
-          </a:prstGeom>
-        </p:spPr>
-        <p:style>
-          <a:lnRef idx="2">
-            <a:schemeClr val="accent1">
-              <a:shade val="50000"/>
-            </a:schemeClr>
-          </a:lnRef>
-          <a:fillRef idx="1">
-            <a:schemeClr val="accent1"/>
-          </a:fillRef>
-          <a:effectRef idx="0">
-            <a:schemeClr val="accent1"/>
-          </a:effectRef>
-          <a:fontRef idx="minor">
-            <a:schemeClr val="lt1"/>
-          </a:fontRef>
-        </p:style>
-        <p:txBody>
-          <a:bodyPr rtlCol="0" anchor="ctr"/>
-          <a:lstStyle/>
-          <a:p>
-            <a:pPr algn="ctr"/>
-            <a:r>
-              <a:rPr lang="ko-KR" altLang="en-US" dirty="0"/>
-              <a:t>뒤로</a:t>
-            </a:r>
-          </a:p>
-        </p:txBody>
-      </p:sp>
-      <p:sp>
-        <p:nvSpPr>
-          <p:cNvPr id="11" name="TextBox 10">
-            <a:extLst>
-              <a:ext uri="{FF2B5EF4-FFF2-40B4-BE49-F238E27FC236}">
-                <a16:creationId xmlns:a16="http://schemas.microsoft.com/office/drawing/2014/main" id="{BD46B30C-E848-423C-AA38-62346A38FD1C}"/>
-              </a:ext>
-            </a:extLst>
-          </p:cNvPr>
-          <p:cNvSpPr txBox="1"/>
-          <p:nvPr/>
-        </p:nvSpPr>
-        <p:spPr>
-          <a:xfrm>
-            <a:off x="6459095" y="1783318"/>
-            <a:ext cx="3512500" cy="369332"/>
-          </a:xfrm>
-          <a:prstGeom prst="rect">
-            <a:avLst/>
-          </a:prstGeom>
-          <a:noFill/>
-        </p:spPr>
-        <p:txBody>
-          <a:bodyPr wrap="none" rtlCol="0">
-            <a:spAutoFit/>
-          </a:bodyPr>
-          <a:lstStyle/>
-          <a:p>
-            <a:r>
-              <a:rPr lang="ko-KR" altLang="en-US" dirty="0"/>
-              <a:t>어떤 옷 종류를 클릭했는지 표시</a:t>
-            </a:r>
-          </a:p>
-        </p:txBody>
-      </p:sp>
-    </p:spTree>
-    <p:extLst>
-      <p:ext uri="{BB962C8B-B14F-4D97-AF65-F5344CB8AC3E}">
-        <p14:creationId xmlns:p14="http://schemas.microsoft.com/office/powerpoint/2010/main" val="4059620248"/>
-      </p:ext>
-    </p:extLst>
-  </p:cSld>
-  <p:clrMapOvr>
-    <a:masterClrMapping/>
-  </p:clrMapOvr>
-</p:sld>
-</file>
-
 <file path=ppt/slides/slide5.xml><?xml version="1.0" encoding="utf-8"?>
 <p:sld xmlns:a="http://schemas.openxmlformats.org/drawingml/2006/main" xmlns:r="http://schemas.openxmlformats.org/officeDocument/2006/relationships" xmlns:p="http://schemas.openxmlformats.org/presentationml/2006/main">
   <p:cSld>
@@ -5765,7 +6469,7 @@
           <p:cNvPr id="2" name="제목 1">
             <a:extLst>
               <a:ext uri="{FF2B5EF4-FFF2-40B4-BE49-F238E27FC236}">
-                <a16:creationId xmlns:a16="http://schemas.microsoft.com/office/drawing/2014/main" id="{B04E45A7-D351-48AD-880F-200B6627552D}"/>
+                <a16:creationId xmlns:a16="http://schemas.microsoft.com/office/drawing/2014/main" id="{B0497BC4-A30D-4F53-AAD3-9B51EBF97CAB}"/>
               </a:ext>
             </a:extLst>
           </p:cNvPr>
@@ -5783,8 +6487,13 @@
           <a:p>
             <a:r>
               <a:rPr lang="ko-KR" altLang="en-US" dirty="0"/>
-              <a:t>추천화면</a:t>
-            </a:r>
+              <a:t>초기화면 </a:t>
+            </a:r>
+            <a:r>
+              <a:rPr lang="en-US" altLang="ko-KR" dirty="0"/>
+              <a:t>2</a:t>
+            </a:r>
+            <a:endParaRPr lang="ko-KR" altLang="en-US" dirty="0"/>
           </a:p>
         </p:txBody>
       </p:sp>
@@ -5793,7 +6502,7 @@
           <p:cNvPr id="4" name="내용 개체 틀 3">
             <a:extLst>
               <a:ext uri="{FF2B5EF4-FFF2-40B4-BE49-F238E27FC236}">
-                <a16:creationId xmlns:a16="http://schemas.microsoft.com/office/drawing/2014/main" id="{3912487D-4762-4AD2-9264-BB76B79BD7F4}"/>
+                <a16:creationId xmlns:a16="http://schemas.microsoft.com/office/drawing/2014/main" id="{1FE717B5-C397-4D21-BBF9-00CDBF9C50B6}"/>
               </a:ext>
             </a:extLst>
           </p:cNvPr>
@@ -5820,42 +6529,12 @@
           </a:prstGeom>
         </p:spPr>
       </p:pic>
-      <p:pic>
-        <p:nvPicPr>
-          <p:cNvPr id="5" name="그림 4">
-            <a:extLst>
-              <a:ext uri="{FF2B5EF4-FFF2-40B4-BE49-F238E27FC236}">
-                <a16:creationId xmlns:a16="http://schemas.microsoft.com/office/drawing/2014/main" id="{23E5B027-2DAC-4E0C-BD5D-393D71219AD9}"/>
-              </a:ext>
-            </a:extLst>
-          </p:cNvPr>
-          <p:cNvPicPr>
-            <a:picLocks noChangeAspect="1"/>
-          </p:cNvPicPr>
-          <p:nvPr/>
-        </p:nvPicPr>
-        <p:blipFill>
-          <a:blip r:embed="rId3"/>
-          <a:stretch>
-            <a:fillRect/>
-          </a:stretch>
-        </p:blipFill>
-        <p:spPr>
-          <a:xfrm>
-            <a:off x="4351955" y="2443163"/>
-            <a:ext cx="1380952" cy="2428571"/>
-          </a:xfrm>
-          <a:prstGeom prst="rect">
-            <a:avLst/>
-          </a:prstGeom>
-        </p:spPr>
-      </p:pic>
-      <p:sp>
-        <p:nvSpPr>
-          <p:cNvPr id="6" name="직사각형 5">
-            <a:extLst>
-              <a:ext uri="{FF2B5EF4-FFF2-40B4-BE49-F238E27FC236}">
-                <a16:creationId xmlns:a16="http://schemas.microsoft.com/office/drawing/2014/main" id="{E233E353-9391-46C0-A53C-004D829D9F65}"/>
+      <p:sp>
+        <p:nvSpPr>
+          <p:cNvPr id="5" name="직사각형 4">
+            <a:extLst>
+              <a:ext uri="{FF2B5EF4-FFF2-40B4-BE49-F238E27FC236}">
+                <a16:creationId xmlns:a16="http://schemas.microsoft.com/office/drawing/2014/main" id="{2A399D5F-01B0-4F20-BEA7-D16EBAB26132}"/>
               </a:ext>
             </a:extLst>
           </p:cNvPr>
@@ -5864,8 +6543,8 @@
         </p:nvSpPr>
         <p:spPr>
           <a:xfrm>
-            <a:off x="1114425" y="2682874"/>
-            <a:ext cx="1057275" cy="590550"/>
+            <a:off x="933450" y="1800225"/>
+            <a:ext cx="904875" cy="352425"/>
           </a:xfrm>
           <a:prstGeom prst="rect">
             <a:avLst/>
@@ -5893,18 +6572,23 @@
           <a:p>
             <a:pPr algn="ctr"/>
             <a:r>
-              <a:rPr lang="ko-KR" altLang="en-US"/>
-              <a:t>착용</a:t>
-            </a:r>
-          </a:p>
-        </p:txBody>
-      </p:sp>
-      <p:sp>
-        <p:nvSpPr>
-          <p:cNvPr id="7" name="직사각형 6">
-            <a:extLst>
-              <a:ext uri="{FF2B5EF4-FFF2-40B4-BE49-F238E27FC236}">
-                <a16:creationId xmlns:a16="http://schemas.microsoft.com/office/drawing/2014/main" id="{CC0DEA45-42E9-4178-ACF7-8FF3A960C2AC}"/>
+              <a:rPr lang="en-US" altLang="ko-KR" dirty="0"/>
+              <a:t>T-</a:t>
+            </a:r>
+            <a:r>
+              <a:rPr lang="en-US" altLang="ko-KR" dirty="0" err="1"/>
+              <a:t>shrit</a:t>
+            </a:r>
+            <a:endParaRPr lang="ko-KR" altLang="en-US" dirty="0"/>
+          </a:p>
+        </p:txBody>
+      </p:sp>
+      <p:sp>
+        <p:nvSpPr>
+          <p:cNvPr id="6" name="직사각형 5">
+            <a:extLst>
+              <a:ext uri="{FF2B5EF4-FFF2-40B4-BE49-F238E27FC236}">
+                <a16:creationId xmlns:a16="http://schemas.microsoft.com/office/drawing/2014/main" id="{4355B051-452D-4CF3-A855-0A9016B26D01}"/>
               </a:ext>
             </a:extLst>
           </p:cNvPr>
@@ -5913,8 +6597,8 @@
         </p:nvSpPr>
         <p:spPr>
           <a:xfrm>
-            <a:off x="1114425" y="4362450"/>
-            <a:ext cx="1057275" cy="590550"/>
+            <a:off x="4438650" y="2505075"/>
+            <a:ext cx="914400" cy="511176"/>
           </a:xfrm>
           <a:prstGeom prst="rect">
             <a:avLst/>
@@ -5943,17 +6627,17 @@
             <a:pPr algn="ctr"/>
             <a:r>
               <a:rPr lang="ko-KR" altLang="en-US" dirty="0"/>
-              <a:t>뒤로</a:t>
-            </a:r>
-          </a:p>
-        </p:txBody>
-      </p:sp>
-      <p:sp>
-        <p:nvSpPr>
-          <p:cNvPr id="8" name="직사각형 7">
-            <a:extLst>
-              <a:ext uri="{FF2B5EF4-FFF2-40B4-BE49-F238E27FC236}">
-                <a16:creationId xmlns:a16="http://schemas.microsoft.com/office/drawing/2014/main" id="{0A392887-527F-4A59-AB25-93786BE92509}"/>
+              <a:t>추천</a:t>
+            </a:r>
+          </a:p>
+        </p:txBody>
+      </p:sp>
+      <p:sp>
+        <p:nvSpPr>
+          <p:cNvPr id="7" name="직사각형 6">
+            <a:extLst>
+              <a:ext uri="{FF2B5EF4-FFF2-40B4-BE49-F238E27FC236}">
+                <a16:creationId xmlns:a16="http://schemas.microsoft.com/office/drawing/2014/main" id="{9A487E40-8904-4F36-ACDC-87A5C8C3C1AA}"/>
               </a:ext>
             </a:extLst>
           </p:cNvPr>
@@ -5962,8 +6646,8 @@
         </p:nvSpPr>
         <p:spPr>
           <a:xfrm>
-            <a:off x="1114425" y="3522662"/>
-            <a:ext cx="1057275" cy="590550"/>
+            <a:off x="4438650" y="3319462"/>
+            <a:ext cx="914400" cy="511176"/>
           </a:xfrm>
           <a:prstGeom prst="rect">
             <a:avLst/>
@@ -5992,17 +6676,17 @@
             <a:pPr algn="ctr"/>
             <a:r>
               <a:rPr lang="ko-KR" altLang="en-US" dirty="0"/>
-              <a:t>다음</a:t>
-            </a:r>
-          </a:p>
-        </p:txBody>
-      </p:sp>
-      <p:sp>
-        <p:nvSpPr>
-          <p:cNvPr id="3" name="TextBox 2">
-            <a:extLst>
-              <a:ext uri="{FF2B5EF4-FFF2-40B4-BE49-F238E27FC236}">
-                <a16:creationId xmlns:a16="http://schemas.microsoft.com/office/drawing/2014/main" id="{CB9EC69E-7152-4308-B931-320EC17F22E7}"/>
+              <a:t>목록</a:t>
+            </a:r>
+          </a:p>
+        </p:txBody>
+      </p:sp>
+      <p:sp>
+        <p:nvSpPr>
+          <p:cNvPr id="8" name="TextBox 7">
+            <a:extLst>
+              <a:ext uri="{FF2B5EF4-FFF2-40B4-BE49-F238E27FC236}">
+                <a16:creationId xmlns:a16="http://schemas.microsoft.com/office/drawing/2014/main" id="{63E8E266-182F-4435-8EF5-DDB6533D26C4}"/>
               </a:ext>
             </a:extLst>
           </p:cNvPr>
@@ -6011,8 +6695,8 @@
         </p:nvSpPr>
         <p:spPr>
           <a:xfrm>
-            <a:off x="6267450" y="1914525"/>
-            <a:ext cx="5522666" cy="2308324"/>
+            <a:off x="6459095" y="2551113"/>
+            <a:ext cx="3594254" cy="2031325"/>
           </a:xfrm>
           <a:prstGeom prst="rect">
             <a:avLst/>
@@ -6027,7 +6711,7 @@
           <a:p>
             <a:r>
               <a:rPr lang="ko-KR" altLang="en-US" dirty="0"/>
-              <a:t>옷의 정보를 화면 오른쪽에 띄워준다</a:t>
+              <a:t>추천 클릭 시 추천 화면으로 이동</a:t>
             </a:r>
             <a:endParaRPr lang="en-US" altLang="ko-KR" dirty="0"/>
           </a:p>
@@ -6035,16 +6719,12 @@
             <a:endParaRPr lang="en-US" altLang="ko-KR" dirty="0"/>
           </a:p>
           <a:p>
-            <a:r>
-              <a:rPr lang="ko-KR" altLang="en-US" dirty="0"/>
-              <a:t>보고 괜찮으면 착용을 클릭하여 오버레이 화면으로 </a:t>
-            </a:r>
             <a:endParaRPr lang="en-US" altLang="ko-KR" dirty="0"/>
           </a:p>
           <a:p>
             <a:r>
               <a:rPr lang="ko-KR" altLang="en-US" dirty="0"/>
-              <a:t>넘어간다</a:t>
+              <a:t>목록 클릭 시 목록 화면으로 이동</a:t>
             </a:r>
             <a:endParaRPr lang="en-US" altLang="ko-KR" dirty="0"/>
           </a:p>
@@ -6052,27 +6732,104 @@
             <a:endParaRPr lang="en-US" altLang="ko-KR" dirty="0"/>
           </a:p>
           <a:p>
-            <a:r>
-              <a:rPr lang="ko-KR" altLang="en-US" dirty="0"/>
-              <a:t>다른 추천을 보고 싶으면 다음을 클릭한다</a:t>
-            </a:r>
             <a:endParaRPr lang="en-US" altLang="ko-KR" dirty="0"/>
           </a:p>
           <a:p>
-            <a:endParaRPr lang="en-US" altLang="ko-KR" dirty="0"/>
-          </a:p>
-          <a:p>
-            <a:r>
-              <a:rPr lang="ko-KR" altLang="en-US" dirty="0"/>
-              <a:t>이전 화면으로 돌아가고 싶으면 </a:t>
-            </a:r>
-            <a:r>
-              <a:rPr lang="ko-KR" altLang="en-US" dirty="0" err="1"/>
-              <a:t>뒤로를</a:t>
-            </a:r>
-            <a:r>
-              <a:rPr lang="ko-KR" altLang="en-US" dirty="0"/>
-              <a:t> 클릭한다</a:t>
+            <a:r>
+              <a:rPr lang="ko-KR" altLang="en-US" dirty="0"/>
+              <a:t>뒤로 클릭 시 초기화면 </a:t>
+            </a:r>
+            <a:r>
+              <a:rPr lang="en-US" altLang="ko-KR" dirty="0"/>
+              <a:t>1</a:t>
+            </a:r>
+            <a:r>
+              <a:rPr lang="ko-KR" altLang="en-US" dirty="0"/>
+              <a:t>로 이동</a:t>
+            </a:r>
+          </a:p>
+        </p:txBody>
+      </p:sp>
+      <p:sp>
+        <p:nvSpPr>
+          <p:cNvPr id="10" name="직사각형 9">
+            <a:extLst>
+              <a:ext uri="{FF2B5EF4-FFF2-40B4-BE49-F238E27FC236}">
+                <a16:creationId xmlns:a16="http://schemas.microsoft.com/office/drawing/2014/main" id="{67167894-2ACE-4D2F-97E4-F2320D033EEE}"/>
+              </a:ext>
+            </a:extLst>
+          </p:cNvPr>
+          <p:cNvSpPr/>
+          <p:nvPr/>
+        </p:nvSpPr>
+        <p:spPr>
+          <a:xfrm>
+            <a:off x="4438650" y="4133849"/>
+            <a:ext cx="914400" cy="511176"/>
+          </a:xfrm>
+          <a:prstGeom prst="rect">
+            <a:avLst/>
+          </a:prstGeom>
+        </p:spPr>
+        <p:style>
+          <a:lnRef idx="2">
+            <a:schemeClr val="accent1">
+              <a:shade val="50000"/>
+            </a:schemeClr>
+          </a:lnRef>
+          <a:fillRef idx="1">
+            <a:schemeClr val="accent1"/>
+          </a:fillRef>
+          <a:effectRef idx="0">
+            <a:schemeClr val="accent1"/>
+          </a:effectRef>
+          <a:fontRef idx="minor">
+            <a:schemeClr val="lt1"/>
+          </a:fontRef>
+        </p:style>
+        <p:txBody>
+          <a:bodyPr rtlCol="0" anchor="ctr"/>
+          <a:lstStyle/>
+          <a:p>
+            <a:pPr algn="ctr"/>
+            <a:r>
+              <a:rPr lang="ko-KR" altLang="en-US" dirty="0"/>
+              <a:t>뒤로</a:t>
+            </a:r>
+          </a:p>
+        </p:txBody>
+      </p:sp>
+      <p:sp>
+        <p:nvSpPr>
+          <p:cNvPr id="11" name="TextBox 10">
+            <a:extLst>
+              <a:ext uri="{FF2B5EF4-FFF2-40B4-BE49-F238E27FC236}">
+                <a16:creationId xmlns:a16="http://schemas.microsoft.com/office/drawing/2014/main" id="{BD46B30C-E848-423C-AA38-62346A38FD1C}"/>
+              </a:ext>
+            </a:extLst>
+          </p:cNvPr>
+          <p:cNvSpPr txBox="1"/>
+          <p:nvPr/>
+        </p:nvSpPr>
+        <p:spPr>
+          <a:xfrm>
+            <a:off x="6459095" y="1783318"/>
+            <a:ext cx="3512500" cy="369332"/>
+          </a:xfrm>
+          <a:prstGeom prst="rect">
+            <a:avLst/>
+          </a:prstGeom>
+          <a:noFill/>
+        </p:spPr>
+        <p:txBody>
+          <a:bodyPr wrap="none" rtlCol="0">
+            <a:spAutoFit/>
+          </a:bodyPr>
+          <a:lstStyle/>
+          <a:p>
+            <a:r>
+              <a:rPr lang="ko-KR" altLang="en-US" dirty="0"/>
+              <a:t>어떤 옷 종류를 클릭했는지 표시</a:t>
             </a:r>
           </a:p>
         </p:txBody>
@@ -6080,7 +6837,7 @@
     </p:spTree>
     <p:extLst>
       <p:ext uri="{BB962C8B-B14F-4D97-AF65-F5344CB8AC3E}">
-        <p14:creationId xmlns:p14="http://schemas.microsoft.com/office/powerpoint/2010/main" val="455297187"/>
+        <p14:creationId xmlns:p14="http://schemas.microsoft.com/office/powerpoint/2010/main" val="4059620248"/>
       </p:ext>
     </p:extLst>
   </p:cSld>
@@ -6112,7 +6869,7 @@
           <p:cNvPr id="2" name="제목 1">
             <a:extLst>
               <a:ext uri="{FF2B5EF4-FFF2-40B4-BE49-F238E27FC236}">
-                <a16:creationId xmlns:a16="http://schemas.microsoft.com/office/drawing/2014/main" id="{EB5F4D01-9872-49D1-81E1-648F5588808B}"/>
+                <a16:creationId xmlns:a16="http://schemas.microsoft.com/office/drawing/2014/main" id="{B04E45A7-D351-48AD-880F-200B6627552D}"/>
               </a:ext>
             </a:extLst>
           </p:cNvPr>
@@ -6130,22 +6887,17 @@
           <a:p>
             <a:r>
               <a:rPr lang="ko-KR" altLang="en-US" dirty="0"/>
-              <a:t>목록화면</a:t>
-            </a:r>
-            <a:r>
-              <a:rPr lang="en-US" altLang="ko-KR" dirty="0"/>
-              <a:t>(1)</a:t>
-            </a:r>
-            <a:endParaRPr lang="ko-KR" altLang="en-US" dirty="0"/>
+              <a:t>추천화면</a:t>
+            </a:r>
           </a:p>
         </p:txBody>
       </p:sp>
       <p:pic>
         <p:nvPicPr>
-          <p:cNvPr id="5" name="내용 개체 틀 3">
-            <a:extLst>
-              <a:ext uri="{FF2B5EF4-FFF2-40B4-BE49-F238E27FC236}">
-                <a16:creationId xmlns:a16="http://schemas.microsoft.com/office/drawing/2014/main" id="{DD87A239-C3E0-46B6-BDDD-A59B295952BE}"/>
+          <p:cNvPr id="4" name="내용 개체 틀 3">
+            <a:extLst>
+              <a:ext uri="{FF2B5EF4-FFF2-40B4-BE49-F238E27FC236}">
+                <a16:creationId xmlns:a16="http://schemas.microsoft.com/office/drawing/2014/main" id="{3912487D-4762-4AD2-9264-BB76B79BD7F4}"/>
               </a:ext>
             </a:extLst>
           </p:cNvPr>
@@ -6172,38 +6924,56 @@
           </a:prstGeom>
         </p:spPr>
       </p:pic>
-      <p:sp>
-        <p:nvSpPr>
-          <p:cNvPr id="12" name="직사각형 11">
-            <a:extLst>
-              <a:ext uri="{FF2B5EF4-FFF2-40B4-BE49-F238E27FC236}">
-                <a16:creationId xmlns:a16="http://schemas.microsoft.com/office/drawing/2014/main" id="{9E739080-653D-4A24-AF53-A669BBA776A5}"/>
-              </a:ext>
-            </a:extLst>
-          </p:cNvPr>
-          <p:cNvSpPr/>
+      <p:pic>
+        <p:nvPicPr>
+          <p:cNvPr id="5" name="그림 4">
+            <a:extLst>
+              <a:ext uri="{FF2B5EF4-FFF2-40B4-BE49-F238E27FC236}">
+                <a16:creationId xmlns:a16="http://schemas.microsoft.com/office/drawing/2014/main" id="{23E5B027-2DAC-4E0C-BD5D-393D71219AD9}"/>
+              </a:ext>
+            </a:extLst>
+          </p:cNvPr>
+          <p:cNvPicPr>
+            <a:picLocks noChangeAspect="1"/>
+          </p:cNvPicPr>
           <p:nvPr/>
-        </p:nvSpPr>
-        <p:spPr>
-          <a:xfrm>
-            <a:off x="2245009" y="1881506"/>
-            <a:ext cx="1273988" cy="1336040"/>
+        </p:nvPicPr>
+        <p:blipFill>
+          <a:blip r:embed="rId3"/>
+          <a:stretch>
+            <a:fillRect/>
+          </a:stretch>
+        </p:blipFill>
+        <p:spPr>
+          <a:xfrm>
+            <a:off x="4351955" y="2443163"/>
+            <a:ext cx="1380952" cy="2428571"/>
           </a:xfrm>
           <a:prstGeom prst="rect">
             <a:avLst/>
           </a:prstGeom>
-          <a:blipFill dpi="0" rotWithShape="1">
-            <a:blip r:embed="rId3">
-              <a:alphaModFix amt="70000"/>
-            </a:blip>
-            <a:srcRect/>
-            <a:stretch>
-              <a:fillRect/>
-            </a:stretch>
-          </a:blipFill>
-          <a:ln>
-            <a:noFill/>
-          </a:ln>
+        </p:spPr>
+      </p:pic>
+      <p:sp>
+        <p:nvSpPr>
+          <p:cNvPr id="6" name="직사각형 5">
+            <a:extLst>
+              <a:ext uri="{FF2B5EF4-FFF2-40B4-BE49-F238E27FC236}">
+                <a16:creationId xmlns:a16="http://schemas.microsoft.com/office/drawing/2014/main" id="{E233E353-9391-46C0-A53C-004D829D9F65}"/>
+              </a:ext>
+            </a:extLst>
+          </p:cNvPr>
+          <p:cNvSpPr/>
+          <p:nvPr/>
+        </p:nvSpPr>
+        <p:spPr>
+          <a:xfrm>
+            <a:off x="1114425" y="2682874"/>
+            <a:ext cx="1057275" cy="590550"/>
+          </a:xfrm>
+          <a:prstGeom prst="rect">
+            <a:avLst/>
+          </a:prstGeom>
         </p:spPr>
         <p:style>
           <a:lnRef idx="2">
@@ -6226,16 +6996,19 @@
           <a:lstStyle/>
           <a:p>
             <a:pPr algn="ctr"/>
-            <a:endParaRPr lang="ko-KR" altLang="en-US"/>
-          </a:p>
-        </p:txBody>
-      </p:sp>
-      <p:sp>
-        <p:nvSpPr>
-          <p:cNvPr id="20" name="직사각형 19">
-            <a:extLst>
-              <a:ext uri="{FF2B5EF4-FFF2-40B4-BE49-F238E27FC236}">
-                <a16:creationId xmlns:a16="http://schemas.microsoft.com/office/drawing/2014/main" id="{501CE7CF-D015-4856-900A-3D70DD072E6F}"/>
+            <a:r>
+              <a:rPr lang="ko-KR" altLang="en-US"/>
+              <a:t>착용</a:t>
+            </a:r>
+          </a:p>
+        </p:txBody>
+      </p:sp>
+      <p:sp>
+        <p:nvSpPr>
+          <p:cNvPr id="7" name="직사각형 6">
+            <a:extLst>
+              <a:ext uri="{FF2B5EF4-FFF2-40B4-BE49-F238E27FC236}">
+                <a16:creationId xmlns:a16="http://schemas.microsoft.com/office/drawing/2014/main" id="{CC0DEA45-42E9-4178-ACF7-8FF3A960C2AC}"/>
               </a:ext>
             </a:extLst>
           </p:cNvPr>
@@ -6244,24 +7017,12 @@
         </p:nvSpPr>
         <p:spPr>
           <a:xfrm>
-            <a:off x="2242995" y="4935222"/>
-            <a:ext cx="1273988" cy="1336040"/>
+            <a:off x="1114425" y="4362450"/>
+            <a:ext cx="1057275" cy="590550"/>
           </a:xfrm>
           <a:prstGeom prst="rect">
             <a:avLst/>
           </a:prstGeom>
-          <a:blipFill dpi="0" rotWithShape="1">
-            <a:blip r:embed="rId3">
-              <a:alphaModFix amt="70000"/>
-            </a:blip>
-            <a:srcRect/>
-            <a:stretch>
-              <a:fillRect/>
-            </a:stretch>
-          </a:blipFill>
-          <a:ln>
-            <a:noFill/>
-          </a:ln>
         </p:spPr>
         <p:style>
           <a:lnRef idx="2">
@@ -6284,16 +7045,19 @@
           <a:lstStyle/>
           <a:p>
             <a:pPr algn="ctr"/>
-            <a:endParaRPr lang="ko-KR" altLang="en-US"/>
-          </a:p>
-        </p:txBody>
-      </p:sp>
-      <p:sp>
-        <p:nvSpPr>
-          <p:cNvPr id="21" name="직사각형 20">
-            <a:extLst>
-              <a:ext uri="{FF2B5EF4-FFF2-40B4-BE49-F238E27FC236}">
-                <a16:creationId xmlns:a16="http://schemas.microsoft.com/office/drawing/2014/main" id="{BAF13379-D48A-4989-B5A9-701D4311E2C7}"/>
+            <a:r>
+              <a:rPr lang="ko-KR" altLang="en-US" dirty="0"/>
+              <a:t>뒤로</a:t>
+            </a:r>
+          </a:p>
+        </p:txBody>
+      </p:sp>
+      <p:sp>
+        <p:nvSpPr>
+          <p:cNvPr id="8" name="직사각형 7">
+            <a:extLst>
+              <a:ext uri="{FF2B5EF4-FFF2-40B4-BE49-F238E27FC236}">
+                <a16:creationId xmlns:a16="http://schemas.microsoft.com/office/drawing/2014/main" id="{0A392887-527F-4A59-AB25-93786BE92509}"/>
               </a:ext>
             </a:extLst>
           </p:cNvPr>
@@ -6302,24 +7066,12 @@
         </p:nvSpPr>
         <p:spPr>
           <a:xfrm>
-            <a:off x="974803" y="4935222"/>
-            <a:ext cx="1128626" cy="1336040"/>
+            <a:off x="1114425" y="3522662"/>
+            <a:ext cx="1057275" cy="590550"/>
           </a:xfrm>
           <a:prstGeom prst="rect">
             <a:avLst/>
           </a:prstGeom>
-          <a:blipFill dpi="0" rotWithShape="1">
-            <a:blip r:embed="rId4">
-              <a:alphaModFix amt="70000"/>
-            </a:blip>
-            <a:srcRect/>
-            <a:stretch>
-              <a:fillRect/>
-            </a:stretch>
-          </a:blipFill>
-          <a:ln>
-            <a:noFill/>
-          </a:ln>
         </p:spPr>
         <p:style>
           <a:lnRef idx="2">
@@ -6342,190 +7094,19 @@
           <a:lstStyle/>
           <a:p>
             <a:pPr algn="ctr"/>
-            <a:endParaRPr lang="ko-KR" altLang="en-US"/>
-          </a:p>
-        </p:txBody>
-      </p:sp>
-      <p:sp>
-        <p:nvSpPr>
-          <p:cNvPr id="22" name="직사각형 21">
-            <a:extLst>
-              <a:ext uri="{FF2B5EF4-FFF2-40B4-BE49-F238E27FC236}">
-                <a16:creationId xmlns:a16="http://schemas.microsoft.com/office/drawing/2014/main" id="{CA3240FE-D196-41C9-8310-0D7D91FDE6B8}"/>
-              </a:ext>
-            </a:extLst>
-          </p:cNvPr>
-          <p:cNvSpPr/>
-          <p:nvPr/>
-        </p:nvSpPr>
-        <p:spPr>
-          <a:xfrm>
-            <a:off x="2260243" y="3408364"/>
-            <a:ext cx="1273988" cy="1336040"/>
-          </a:xfrm>
-          <a:prstGeom prst="rect">
-            <a:avLst/>
-          </a:prstGeom>
-          <a:blipFill dpi="0" rotWithShape="1">
-            <a:blip r:embed="rId4">
-              <a:alphaModFix amt="70000"/>
-            </a:blip>
-            <a:srcRect/>
-            <a:stretch>
-              <a:fillRect/>
-            </a:stretch>
-          </a:blipFill>
-          <a:ln>
-            <a:noFill/>
-          </a:ln>
-        </p:spPr>
-        <p:style>
-          <a:lnRef idx="2">
-            <a:schemeClr val="accent1">
-              <a:shade val="50000"/>
-            </a:schemeClr>
-          </a:lnRef>
-          <a:fillRef idx="1">
-            <a:schemeClr val="accent1"/>
-          </a:fillRef>
-          <a:effectRef idx="0">
-            <a:schemeClr val="accent1"/>
-          </a:effectRef>
-          <a:fontRef idx="minor">
-            <a:schemeClr val="lt1"/>
-          </a:fontRef>
-        </p:style>
-        <p:txBody>
-          <a:bodyPr rtlCol="0" anchor="ctr"/>
-          <a:lstStyle/>
-          <a:p>
-            <a:pPr algn="ctr"/>
-            <a:endParaRPr lang="ko-KR" altLang="en-US"/>
-          </a:p>
-        </p:txBody>
-      </p:sp>
-      <p:sp>
-        <p:nvSpPr>
-          <p:cNvPr id="23" name="직사각형 22">
-            <a:extLst>
-              <a:ext uri="{FF2B5EF4-FFF2-40B4-BE49-F238E27FC236}">
-                <a16:creationId xmlns:a16="http://schemas.microsoft.com/office/drawing/2014/main" id="{DAF3C5F9-C0B1-401B-99F6-B4BEBECED633}"/>
-              </a:ext>
-            </a:extLst>
-          </p:cNvPr>
-          <p:cNvSpPr/>
-          <p:nvPr/>
-        </p:nvSpPr>
-        <p:spPr>
-          <a:xfrm>
-            <a:off x="974803" y="3408364"/>
-            <a:ext cx="1128626" cy="1336040"/>
-          </a:xfrm>
-          <a:prstGeom prst="rect">
-            <a:avLst/>
-          </a:prstGeom>
-          <a:blipFill dpi="0" rotWithShape="1">
-            <a:blip r:embed="rId3">
-              <a:alphaModFix amt="70000"/>
-            </a:blip>
-            <a:srcRect/>
-            <a:stretch>
-              <a:fillRect/>
-            </a:stretch>
-          </a:blipFill>
-          <a:ln>
-            <a:noFill/>
-          </a:ln>
-        </p:spPr>
-        <p:style>
-          <a:lnRef idx="2">
-            <a:schemeClr val="accent1">
-              <a:shade val="50000"/>
-            </a:schemeClr>
-          </a:lnRef>
-          <a:fillRef idx="1">
-            <a:schemeClr val="accent1"/>
-          </a:fillRef>
-          <a:effectRef idx="0">
-            <a:schemeClr val="accent1"/>
-          </a:effectRef>
-          <a:fontRef idx="minor">
-            <a:schemeClr val="lt1"/>
-          </a:fontRef>
-        </p:style>
-        <p:txBody>
-          <a:bodyPr rtlCol="0" anchor="ctr"/>
-          <a:lstStyle/>
-          <a:p>
-            <a:pPr algn="ctr"/>
-            <a:endParaRPr lang="ko-KR" altLang="en-US"/>
-          </a:p>
-        </p:txBody>
-      </p:sp>
-      <p:sp>
-        <p:nvSpPr>
-          <p:cNvPr id="24" name="직사각형 23">
-            <a:extLst>
-              <a:ext uri="{FF2B5EF4-FFF2-40B4-BE49-F238E27FC236}">
-                <a16:creationId xmlns:a16="http://schemas.microsoft.com/office/drawing/2014/main" id="{FB9EAE7C-FFD4-480A-896A-70FDD791E296}"/>
-              </a:ext>
-            </a:extLst>
-          </p:cNvPr>
-          <p:cNvSpPr/>
-          <p:nvPr/>
-        </p:nvSpPr>
-        <p:spPr>
-          <a:xfrm>
-            <a:off x="974803" y="1881506"/>
-            <a:ext cx="1133603" cy="1336040"/>
-          </a:xfrm>
-          <a:prstGeom prst="rect">
-            <a:avLst/>
-          </a:prstGeom>
-          <a:blipFill dpi="0" rotWithShape="1">
-            <a:blip r:embed="rId4">
-              <a:alphaModFix amt="70000"/>
-            </a:blip>
-            <a:srcRect/>
-            <a:stretch>
-              <a:fillRect/>
-            </a:stretch>
-          </a:blipFill>
-          <a:ln>
-            <a:noFill/>
-          </a:ln>
-        </p:spPr>
-        <p:style>
-          <a:lnRef idx="2">
-            <a:schemeClr val="accent1">
-              <a:shade val="50000"/>
-            </a:schemeClr>
-          </a:lnRef>
-          <a:fillRef idx="1">
-            <a:schemeClr val="accent1"/>
-          </a:fillRef>
-          <a:effectRef idx="0">
-            <a:schemeClr val="accent1"/>
-          </a:effectRef>
-          <a:fontRef idx="minor">
-            <a:schemeClr val="lt1"/>
-          </a:fontRef>
-        </p:style>
-        <p:txBody>
-          <a:bodyPr rtlCol="0" anchor="ctr"/>
-          <a:lstStyle/>
-          <a:p>
-            <a:pPr algn="ctr"/>
-            <a:endParaRPr lang="ko-KR" altLang="en-US"/>
-          </a:p>
-        </p:txBody>
-      </p:sp>
-      <p:sp>
-        <p:nvSpPr>
-          <p:cNvPr id="25" name="TextBox 24">
-            <a:extLst>
-              <a:ext uri="{FF2B5EF4-FFF2-40B4-BE49-F238E27FC236}">
-                <a16:creationId xmlns:a16="http://schemas.microsoft.com/office/drawing/2014/main" id="{F394ACC3-1090-4441-B7D7-8F107EF46302}"/>
+            <a:r>
+              <a:rPr lang="ko-KR" altLang="en-US" dirty="0"/>
+              <a:t>다음</a:t>
+            </a:r>
+          </a:p>
+        </p:txBody>
+      </p:sp>
+      <p:sp>
+        <p:nvSpPr>
+          <p:cNvPr id="3" name="TextBox 2">
+            <a:extLst>
+              <a:ext uri="{FF2B5EF4-FFF2-40B4-BE49-F238E27FC236}">
+                <a16:creationId xmlns:a16="http://schemas.microsoft.com/office/drawing/2014/main" id="{CB9EC69E-7152-4308-B931-320EC17F22E7}"/>
               </a:ext>
             </a:extLst>
           </p:cNvPr>
@@ -6534,8 +7115,8 @@
         </p:nvSpPr>
         <p:spPr>
           <a:xfrm>
-            <a:off x="6547527" y="1690688"/>
-            <a:ext cx="5402441" cy="4247317"/>
+            <a:off x="6267450" y="1914525"/>
+            <a:ext cx="5522666" cy="2308324"/>
           </a:xfrm>
           <a:prstGeom prst="rect">
             <a:avLst/>
@@ -6548,402 +7129,62 @@
           </a:bodyPr>
           <a:lstStyle/>
           <a:p>
+            <a:r>
+              <a:rPr lang="ko-KR" altLang="en-US" dirty="0"/>
+              <a:t>옷의 정보를 화면 오른쪽에 띄워준다</a:t>
+            </a:r>
             <a:endParaRPr lang="en-US" altLang="ko-KR" dirty="0"/>
           </a:p>
           <a:p>
-            <a:r>
-              <a:rPr lang="ko-KR" altLang="en-US" dirty="0"/>
-              <a:t>화면 전체에 옷들이 보이게 한다</a:t>
-            </a:r>
             <a:endParaRPr lang="en-US" altLang="ko-KR" dirty="0"/>
           </a:p>
           <a:p>
+            <a:r>
+              <a:rPr lang="ko-KR" altLang="en-US" dirty="0"/>
+              <a:t>보고 괜찮으면 착용을 클릭하여 오버레이 화면으로 </a:t>
+            </a:r>
             <a:endParaRPr lang="en-US" altLang="ko-KR" dirty="0"/>
           </a:p>
           <a:p>
             <a:r>
               <a:rPr lang="ko-KR" altLang="en-US" dirty="0"/>
-              <a:t>화살표를 이용하여 위아래로 스크롤 할 수 있다</a:t>
+              <a:t>넘어간다</a:t>
             </a:r>
             <a:endParaRPr lang="en-US" altLang="ko-KR" dirty="0"/>
           </a:p>
           <a:p>
-            <a:r>
-              <a:rPr lang="en-US" altLang="ko-KR" dirty="0"/>
-              <a:t>Or </a:t>
-            </a:r>
-            <a:r>
-              <a:rPr lang="ko-KR" altLang="en-US" dirty="0"/>
-              <a:t>손을 아래에서 위로 하면 옷들이 위로 이동하고</a:t>
-            </a:r>
             <a:endParaRPr lang="en-US" altLang="ko-KR" dirty="0"/>
           </a:p>
           <a:p>
             <a:r>
               <a:rPr lang="ko-KR" altLang="en-US" dirty="0"/>
-              <a:t>위에서 아래로 </a:t>
-            </a:r>
-            <a:r>
-              <a:rPr lang="ko-KR" altLang="en-US"/>
-              <a:t>하면 옷들이 아래로 이동한다</a:t>
+              <a:t>다른 추천을 보고 싶으면 다음을 클릭한다</a:t>
             </a:r>
             <a:endParaRPr lang="en-US" altLang="ko-KR" dirty="0"/>
           </a:p>
           <a:p>
-            <a:r>
-              <a:rPr lang="ko-KR" altLang="en-US" dirty="0"/>
-              <a:t> </a:t>
-            </a:r>
             <a:endParaRPr lang="en-US" altLang="ko-KR" dirty="0"/>
           </a:p>
           <a:p>
             <a:r>
               <a:rPr lang="ko-KR" altLang="en-US" dirty="0"/>
-              <a:t>손으로 조작해야 하기 때문에 옷을 살짝 투명하게</a:t>
-            </a:r>
-            <a:endParaRPr lang="en-US" altLang="ko-KR" dirty="0"/>
-          </a:p>
-          <a:p>
-            <a:r>
-              <a:rPr lang="ko-KR" altLang="en-US" dirty="0"/>
-              <a:t>해서 자신의 손이 어디 있는지 보이도록 하였다</a:t>
-            </a:r>
-            <a:endParaRPr lang="en-US" altLang="ko-KR" dirty="0"/>
-          </a:p>
-          <a:p>
-            <a:endParaRPr lang="en-US" altLang="ko-KR" dirty="0"/>
-          </a:p>
-          <a:p>
-            <a:r>
-              <a:rPr lang="ko-KR" altLang="en-US" dirty="0"/>
-              <a:t>장점 </a:t>
-            </a:r>
-            <a:r>
-              <a:rPr lang="en-US" altLang="ko-KR" dirty="0"/>
-              <a:t>- </a:t>
-            </a:r>
-            <a:r>
-              <a:rPr lang="ko-KR" altLang="en-US" dirty="0"/>
-              <a:t>한번에 많은 옷들을 보여줄 수 있다</a:t>
-            </a:r>
-            <a:endParaRPr lang="en-US" altLang="ko-KR" dirty="0"/>
-          </a:p>
-          <a:p>
-            <a:r>
-              <a:rPr lang="ko-KR" altLang="en-US" dirty="0"/>
-              <a:t>단점 </a:t>
-            </a:r>
-            <a:r>
-              <a:rPr lang="en-US" altLang="ko-KR" dirty="0"/>
-              <a:t>- </a:t>
-            </a:r>
-            <a:r>
-              <a:rPr lang="ko-KR" altLang="en-US" dirty="0"/>
-              <a:t>옷의 투명도를 조작하였기에 </a:t>
-            </a:r>
-            <a:endParaRPr lang="en-US" altLang="ko-KR" dirty="0"/>
-          </a:p>
-          <a:p>
-            <a:r>
-              <a:rPr lang="en-US" altLang="ko-KR" dirty="0"/>
-              <a:t>         </a:t>
-            </a:r>
-            <a:r>
-              <a:rPr lang="ko-KR" altLang="en-US" dirty="0"/>
-              <a:t>실제 옷과 차이가 있다</a:t>
-            </a:r>
-            <a:endParaRPr lang="en-US" altLang="ko-KR" dirty="0"/>
-          </a:p>
-          <a:p>
-            <a:r>
-              <a:rPr lang="en-US" altLang="ko-KR" dirty="0"/>
-              <a:t>         </a:t>
-            </a:r>
-            <a:r>
-              <a:rPr lang="ko-KR" altLang="en-US" dirty="0"/>
-              <a:t>디자인이 조잡해 보일 수 있다</a:t>
-            </a:r>
-            <a:endParaRPr lang="en-US" altLang="ko-KR" dirty="0"/>
-          </a:p>
-          <a:p>
-            <a:endParaRPr lang="en-US" altLang="ko-KR" dirty="0"/>
-          </a:p>
-        </p:txBody>
-      </p:sp>
-      <p:sp>
-        <p:nvSpPr>
-          <p:cNvPr id="26" name="직사각형 25">
-            <a:extLst>
-              <a:ext uri="{FF2B5EF4-FFF2-40B4-BE49-F238E27FC236}">
-                <a16:creationId xmlns:a16="http://schemas.microsoft.com/office/drawing/2014/main" id="{3F45730B-F2E1-42A3-852A-A9DDF2CCFF9F}"/>
-              </a:ext>
-            </a:extLst>
-          </p:cNvPr>
-          <p:cNvSpPr/>
-          <p:nvPr/>
-        </p:nvSpPr>
-        <p:spPr>
-          <a:xfrm>
-            <a:off x="3655600" y="3408364"/>
-            <a:ext cx="1273988" cy="1336040"/>
-          </a:xfrm>
-          <a:prstGeom prst="rect">
-            <a:avLst/>
-          </a:prstGeom>
-          <a:blipFill dpi="0" rotWithShape="1">
-            <a:blip r:embed="rId3">
-              <a:alphaModFix amt="70000"/>
-            </a:blip>
-            <a:srcRect/>
-            <a:stretch>
-              <a:fillRect/>
-            </a:stretch>
-          </a:blipFill>
-          <a:ln>
-            <a:noFill/>
-          </a:ln>
-        </p:spPr>
-        <p:style>
-          <a:lnRef idx="2">
-            <a:schemeClr val="accent1">
-              <a:shade val="50000"/>
-            </a:schemeClr>
-          </a:lnRef>
-          <a:fillRef idx="1">
-            <a:schemeClr val="accent1"/>
-          </a:fillRef>
-          <a:effectRef idx="0">
-            <a:schemeClr val="accent1"/>
-          </a:effectRef>
-          <a:fontRef idx="minor">
-            <a:schemeClr val="lt1"/>
-          </a:fontRef>
-        </p:style>
-        <p:txBody>
-          <a:bodyPr rtlCol="0" anchor="ctr"/>
-          <a:lstStyle/>
-          <a:p>
-            <a:pPr algn="ctr"/>
-            <a:endParaRPr lang="ko-KR" altLang="en-US"/>
-          </a:p>
-        </p:txBody>
-      </p:sp>
-      <p:sp>
-        <p:nvSpPr>
-          <p:cNvPr id="27" name="직사각형 26">
-            <a:extLst>
-              <a:ext uri="{FF2B5EF4-FFF2-40B4-BE49-F238E27FC236}">
-                <a16:creationId xmlns:a16="http://schemas.microsoft.com/office/drawing/2014/main" id="{96A454B5-D595-491D-AF2F-9807A51C88B7}"/>
-              </a:ext>
-            </a:extLst>
-          </p:cNvPr>
-          <p:cNvSpPr/>
-          <p:nvPr/>
-        </p:nvSpPr>
-        <p:spPr>
-          <a:xfrm>
-            <a:off x="3655600" y="1881506"/>
-            <a:ext cx="1273988" cy="1336040"/>
-          </a:xfrm>
-          <a:prstGeom prst="rect">
-            <a:avLst/>
-          </a:prstGeom>
-          <a:blipFill dpi="0" rotWithShape="1">
-            <a:blip r:embed="rId4">
-              <a:alphaModFix amt="70000"/>
-            </a:blip>
-            <a:srcRect/>
-            <a:stretch>
-              <a:fillRect/>
-            </a:stretch>
-          </a:blipFill>
-          <a:ln>
-            <a:noFill/>
-          </a:ln>
-        </p:spPr>
-        <p:style>
-          <a:lnRef idx="2">
-            <a:schemeClr val="accent1">
-              <a:shade val="50000"/>
-            </a:schemeClr>
-          </a:lnRef>
-          <a:fillRef idx="1">
-            <a:schemeClr val="accent1"/>
-          </a:fillRef>
-          <a:effectRef idx="0">
-            <a:schemeClr val="accent1"/>
-          </a:effectRef>
-          <a:fontRef idx="minor">
-            <a:schemeClr val="lt1"/>
-          </a:fontRef>
-        </p:style>
-        <p:txBody>
-          <a:bodyPr rtlCol="0" anchor="ctr"/>
-          <a:lstStyle/>
-          <a:p>
-            <a:pPr algn="ctr"/>
-            <a:endParaRPr lang="ko-KR" altLang="en-US"/>
-          </a:p>
-        </p:txBody>
-      </p:sp>
-      <p:sp>
-        <p:nvSpPr>
-          <p:cNvPr id="28" name="직사각형 27">
-            <a:extLst>
-              <a:ext uri="{FF2B5EF4-FFF2-40B4-BE49-F238E27FC236}">
-                <a16:creationId xmlns:a16="http://schemas.microsoft.com/office/drawing/2014/main" id="{C0EA6BD9-45DF-4263-BC06-B27AD246AA48}"/>
-              </a:ext>
-            </a:extLst>
-          </p:cNvPr>
-          <p:cNvSpPr/>
-          <p:nvPr/>
-        </p:nvSpPr>
-        <p:spPr>
-          <a:xfrm>
-            <a:off x="3655600" y="4935222"/>
-            <a:ext cx="1273988" cy="1336040"/>
-          </a:xfrm>
-          <a:prstGeom prst="rect">
-            <a:avLst/>
-          </a:prstGeom>
-          <a:blipFill dpi="0" rotWithShape="1">
-            <a:blip r:embed="rId4">
-              <a:alphaModFix amt="70000"/>
-            </a:blip>
-            <a:srcRect/>
-            <a:stretch>
-              <a:fillRect/>
-            </a:stretch>
-          </a:blipFill>
-          <a:ln>
-            <a:noFill/>
-          </a:ln>
-        </p:spPr>
-        <p:style>
-          <a:lnRef idx="2">
-            <a:schemeClr val="accent1">
-              <a:shade val="50000"/>
-            </a:schemeClr>
-          </a:lnRef>
-          <a:fillRef idx="1">
-            <a:schemeClr val="accent1"/>
-          </a:fillRef>
-          <a:effectRef idx="0">
-            <a:schemeClr val="accent1"/>
-          </a:effectRef>
-          <a:fontRef idx="minor">
-            <a:schemeClr val="lt1"/>
-          </a:fontRef>
-        </p:style>
-        <p:txBody>
-          <a:bodyPr rtlCol="0" anchor="ctr"/>
-          <a:lstStyle/>
-          <a:p>
-            <a:pPr algn="ctr"/>
-            <a:endParaRPr lang="ko-KR" altLang="en-US"/>
-          </a:p>
-        </p:txBody>
-      </p:sp>
-      <p:sp>
-        <p:nvSpPr>
-          <p:cNvPr id="29" name="이등변 삼각형 28">
-            <a:extLst>
-              <a:ext uri="{FF2B5EF4-FFF2-40B4-BE49-F238E27FC236}">
-                <a16:creationId xmlns:a16="http://schemas.microsoft.com/office/drawing/2014/main" id="{19FDE23D-C599-4963-BAB9-70C361F18577}"/>
-              </a:ext>
-            </a:extLst>
-          </p:cNvPr>
-          <p:cNvSpPr/>
-          <p:nvPr/>
-        </p:nvSpPr>
-        <p:spPr>
-          <a:xfrm>
-            <a:off x="5314950" y="2085975"/>
-            <a:ext cx="295275" cy="800100"/>
-          </a:xfrm>
-          <a:prstGeom prst="triangle">
-            <a:avLst/>
-          </a:prstGeom>
-          <a:noFill/>
-          <a:ln w="25400"/>
-        </p:spPr>
-        <p:style>
-          <a:lnRef idx="2">
-            <a:schemeClr val="accent1">
-              <a:shade val="50000"/>
-            </a:schemeClr>
-          </a:lnRef>
-          <a:fillRef idx="1">
-            <a:schemeClr val="accent1"/>
-          </a:fillRef>
-          <a:effectRef idx="0">
-            <a:schemeClr val="accent1"/>
-          </a:effectRef>
-          <a:fontRef idx="minor">
-            <a:schemeClr val="lt1"/>
-          </a:fontRef>
-        </p:style>
-        <p:txBody>
-          <a:bodyPr rtlCol="0" anchor="ctr"/>
-          <a:lstStyle/>
-          <a:p>
-            <a:pPr algn="ctr"/>
-            <a:endParaRPr lang="ko-KR" altLang="en-US" dirty="0"/>
-          </a:p>
-        </p:txBody>
-      </p:sp>
-      <p:sp>
-        <p:nvSpPr>
-          <p:cNvPr id="16" name="이등변 삼각형 15">
-            <a:extLst>
-              <a:ext uri="{FF2B5EF4-FFF2-40B4-BE49-F238E27FC236}">
-                <a16:creationId xmlns:a16="http://schemas.microsoft.com/office/drawing/2014/main" id="{5948595C-0AC5-4573-B59A-97740C99B486}"/>
-              </a:ext>
-            </a:extLst>
-          </p:cNvPr>
-          <p:cNvSpPr/>
-          <p:nvPr/>
-        </p:nvSpPr>
-        <p:spPr>
-          <a:xfrm rot="10800000">
-            <a:off x="5318253" y="3811588"/>
-            <a:ext cx="295275" cy="800100"/>
-          </a:xfrm>
-          <a:prstGeom prst="triangle">
-            <a:avLst/>
-          </a:prstGeom>
-          <a:noFill/>
-          <a:ln w="25400"/>
-        </p:spPr>
-        <p:style>
-          <a:lnRef idx="2">
-            <a:schemeClr val="accent1">
-              <a:shade val="50000"/>
-            </a:schemeClr>
-          </a:lnRef>
-          <a:fillRef idx="1">
-            <a:schemeClr val="accent1"/>
-          </a:fillRef>
-          <a:effectRef idx="0">
-            <a:schemeClr val="accent1"/>
-          </a:effectRef>
-          <a:fontRef idx="minor">
-            <a:schemeClr val="lt1"/>
-          </a:fontRef>
-        </p:style>
-        <p:txBody>
-          <a:bodyPr rtlCol="0" anchor="ctr"/>
-          <a:lstStyle/>
-          <a:p>
-            <a:pPr algn="ctr"/>
-            <a:endParaRPr lang="ko-KR" altLang="en-US" dirty="0"/>
+              <a:t>이전 화면으로 돌아가고 싶으면 </a:t>
+            </a:r>
+            <a:r>
+              <a:rPr lang="ko-KR" altLang="en-US" dirty="0" err="1"/>
+              <a:t>뒤로를</a:t>
+            </a:r>
+            <a:r>
+              <a:rPr lang="ko-KR" altLang="en-US" dirty="0"/>
+              <a:t> 클릭한다</a:t>
+            </a:r>
           </a:p>
         </p:txBody>
       </p:sp>
     </p:spTree>
     <p:extLst>
       <p:ext uri="{BB962C8B-B14F-4D97-AF65-F5344CB8AC3E}">
-        <p14:creationId xmlns:p14="http://schemas.microsoft.com/office/powerpoint/2010/main" val="2976786995"/>
+        <p14:creationId xmlns:p14="http://schemas.microsoft.com/office/powerpoint/2010/main" val="455297187"/>
       </p:ext>
     </p:extLst>
   </p:cSld>
@@ -6975,7 +7216,7 @@
           <p:cNvPr id="2" name="제목 1">
             <a:extLst>
               <a:ext uri="{FF2B5EF4-FFF2-40B4-BE49-F238E27FC236}">
-                <a16:creationId xmlns:a16="http://schemas.microsoft.com/office/drawing/2014/main" id="{41313CD4-E571-43EE-A625-5C47561F8CBD}"/>
+                <a16:creationId xmlns:a16="http://schemas.microsoft.com/office/drawing/2014/main" id="{EB5F4D01-9872-49D1-81E1-648F5588808B}"/>
               </a:ext>
             </a:extLst>
           </p:cNvPr>
@@ -6997,7 +7238,7 @@
             </a:r>
             <a:r>
               <a:rPr lang="en-US" altLang="ko-KR" dirty="0"/>
-              <a:t>(2)</a:t>
+              <a:t>(1)</a:t>
             </a:r>
             <a:endParaRPr lang="ko-KR" altLang="en-US" dirty="0"/>
           </a:p>
@@ -7005,17 +7246,19 @@
       </p:sp>
       <p:pic>
         <p:nvPicPr>
-          <p:cNvPr id="4" name="내용 개체 틀 3">
-            <a:extLst>
-              <a:ext uri="{FF2B5EF4-FFF2-40B4-BE49-F238E27FC236}">
-                <a16:creationId xmlns:a16="http://schemas.microsoft.com/office/drawing/2014/main" id="{AD8EFBB7-2D5E-42F3-A609-8B2DCC9A5AAA}"/>
+          <p:cNvPr id="5" name="내용 개체 틀 3">
+            <a:extLst>
+              <a:ext uri="{FF2B5EF4-FFF2-40B4-BE49-F238E27FC236}">
+                <a16:creationId xmlns:a16="http://schemas.microsoft.com/office/drawing/2014/main" id="{DD87A239-C3E0-46B6-BDDD-A59B295952BE}"/>
               </a:ext>
             </a:extLst>
           </p:cNvPr>
           <p:cNvPicPr>
-            <a:picLocks noChangeAspect="1"/>
+            <a:picLocks noGrp="1" noChangeAspect="1"/>
           </p:cNvPicPr>
-          <p:nvPr/>
+          <p:nvPr>
+            <p:ph idx="1"/>
+          </p:nvPr>
         </p:nvPicPr>
         <p:blipFill>
           <a:blip r:embed="rId2"/>
@@ -7035,10 +7278,10 @@
       </p:pic>
       <p:sp>
         <p:nvSpPr>
-          <p:cNvPr id="5" name="직사각형 4">
-            <a:extLst>
-              <a:ext uri="{FF2B5EF4-FFF2-40B4-BE49-F238E27FC236}">
-                <a16:creationId xmlns:a16="http://schemas.microsoft.com/office/drawing/2014/main" id="{64582FCA-FBD4-4D74-B2F2-993693D600EA}"/>
+          <p:cNvPr id="12" name="직사각형 11">
+            <a:extLst>
+              <a:ext uri="{FF2B5EF4-FFF2-40B4-BE49-F238E27FC236}">
+                <a16:creationId xmlns:a16="http://schemas.microsoft.com/office/drawing/2014/main" id="{9E739080-653D-4A24-AF53-A669BBA776A5}"/>
               </a:ext>
             </a:extLst>
           </p:cNvPr>
@@ -7047,14 +7290,16 @@
         </p:nvSpPr>
         <p:spPr>
           <a:xfrm>
-            <a:off x="4458919" y="1512092"/>
+            <a:off x="2245009" y="1881506"/>
             <a:ext cx="1273988" cy="1336040"/>
           </a:xfrm>
           <a:prstGeom prst="rect">
             <a:avLst/>
           </a:prstGeom>
           <a:blipFill dpi="0" rotWithShape="1">
-            <a:blip r:embed="rId3"/>
+            <a:blip r:embed="rId3">
+              <a:alphaModFix amt="70000"/>
+            </a:blip>
             <a:srcRect/>
             <a:stretch>
               <a:fillRect/>
@@ -7091,10 +7336,10 @@
       </p:sp>
       <p:sp>
         <p:nvSpPr>
-          <p:cNvPr id="6" name="직사각형 5">
-            <a:extLst>
-              <a:ext uri="{FF2B5EF4-FFF2-40B4-BE49-F238E27FC236}">
-                <a16:creationId xmlns:a16="http://schemas.microsoft.com/office/drawing/2014/main" id="{90C27918-2D27-4D88-A47C-0FC7F96F4D08}"/>
+          <p:cNvPr id="20" name="직사각형 19">
+            <a:extLst>
+              <a:ext uri="{FF2B5EF4-FFF2-40B4-BE49-F238E27FC236}">
+                <a16:creationId xmlns:a16="http://schemas.microsoft.com/office/drawing/2014/main" id="{501CE7CF-D015-4856-900A-3D70DD072E6F}"/>
               </a:ext>
             </a:extLst>
           </p:cNvPr>
@@ -7103,14 +7348,16 @@
         </p:nvSpPr>
         <p:spPr>
           <a:xfrm>
-            <a:off x="4458919" y="4549856"/>
+            <a:off x="2242995" y="4935222"/>
             <a:ext cx="1273988" cy="1336040"/>
           </a:xfrm>
           <a:prstGeom prst="rect">
             <a:avLst/>
           </a:prstGeom>
           <a:blipFill dpi="0" rotWithShape="1">
-            <a:blip r:embed="rId3"/>
+            <a:blip r:embed="rId3">
+              <a:alphaModFix amt="70000"/>
+            </a:blip>
             <a:srcRect/>
             <a:stretch>
               <a:fillRect/>
@@ -7147,10 +7394,10 @@
       </p:sp>
       <p:sp>
         <p:nvSpPr>
-          <p:cNvPr id="7" name="직사각형 6">
-            <a:extLst>
-              <a:ext uri="{FF2B5EF4-FFF2-40B4-BE49-F238E27FC236}">
-                <a16:creationId xmlns:a16="http://schemas.microsoft.com/office/drawing/2014/main" id="{F848F59D-4E2E-454A-ADF1-03352FB237A1}"/>
+          <p:cNvPr id="21" name="직사각형 20">
+            <a:extLst>
+              <a:ext uri="{FF2B5EF4-FFF2-40B4-BE49-F238E27FC236}">
+                <a16:creationId xmlns:a16="http://schemas.microsoft.com/office/drawing/2014/main" id="{BAF13379-D48A-4989-B5A9-701D4311E2C7}"/>
               </a:ext>
             </a:extLst>
           </p:cNvPr>
@@ -7159,14 +7406,16 @@
         </p:nvSpPr>
         <p:spPr>
           <a:xfrm>
-            <a:off x="4458919" y="3029188"/>
-            <a:ext cx="1273988" cy="1336040"/>
+            <a:off x="974803" y="4935222"/>
+            <a:ext cx="1128626" cy="1336040"/>
           </a:xfrm>
           <a:prstGeom prst="rect">
             <a:avLst/>
           </a:prstGeom>
           <a:blipFill dpi="0" rotWithShape="1">
-            <a:blip r:embed="rId4"/>
+            <a:blip r:embed="rId4">
+              <a:alphaModFix amt="70000"/>
+            </a:blip>
             <a:srcRect/>
             <a:stretch>
               <a:fillRect/>
@@ -7197,152 +7446,42 @@
           <a:lstStyle/>
           <a:p>
             <a:pPr algn="ctr"/>
-            <a:endParaRPr lang="ko-KR" altLang="en-US" dirty="0"/>
-          </a:p>
-        </p:txBody>
-      </p:sp>
-      <p:sp>
-        <p:nvSpPr>
-          <p:cNvPr id="8" name="TextBox 7">
-            <a:extLst>
-              <a:ext uri="{FF2B5EF4-FFF2-40B4-BE49-F238E27FC236}">
-                <a16:creationId xmlns:a16="http://schemas.microsoft.com/office/drawing/2014/main" id="{5BE10D8B-42CA-479C-9E80-85B13AAA5BBE}"/>
-              </a:ext>
-            </a:extLst>
-          </p:cNvPr>
-          <p:cNvSpPr txBox="1"/>
+            <a:endParaRPr lang="ko-KR" altLang="en-US"/>
+          </a:p>
+        </p:txBody>
+      </p:sp>
+      <p:sp>
+        <p:nvSpPr>
+          <p:cNvPr id="22" name="직사각형 21">
+            <a:extLst>
+              <a:ext uri="{FF2B5EF4-FFF2-40B4-BE49-F238E27FC236}">
+                <a16:creationId xmlns:a16="http://schemas.microsoft.com/office/drawing/2014/main" id="{CA3240FE-D196-41C9-8310-0D7D91FDE6B8}"/>
+              </a:ext>
+            </a:extLst>
+          </p:cNvPr>
+          <p:cNvSpPr/>
           <p:nvPr/>
         </p:nvSpPr>
         <p:spPr>
           <a:xfrm>
-            <a:off x="6908800" y="1899920"/>
-            <a:ext cx="5142755" cy="2585323"/>
+            <a:off x="2260243" y="3408364"/>
+            <a:ext cx="1273988" cy="1336040"/>
           </a:xfrm>
           <a:prstGeom prst="rect">
             <a:avLst/>
           </a:prstGeom>
-          <a:noFill/>
-        </p:spPr>
-        <p:txBody>
-          <a:bodyPr wrap="none" rtlCol="0">
-            <a:spAutoFit/>
-          </a:bodyPr>
-          <a:lstStyle/>
-          <a:p>
-            <a:r>
-              <a:rPr lang="ko-KR" altLang="en-US" dirty="0"/>
-              <a:t>오른 쪽에 옷들을 배치한다</a:t>
-            </a:r>
-            <a:endParaRPr lang="en-US" altLang="ko-KR" dirty="0"/>
-          </a:p>
-          <a:p>
-            <a:r>
-              <a:rPr lang="ko-KR" altLang="en-US" dirty="0"/>
-              <a:t>화살표를 이용하여 위 아래로 스크롤 할 수 있다</a:t>
-            </a:r>
-            <a:endParaRPr lang="en-US" altLang="ko-KR" dirty="0"/>
-          </a:p>
-          <a:p>
-            <a:r>
-              <a:rPr lang="en-US" altLang="ko-KR" dirty="0"/>
-              <a:t>Or</a:t>
-            </a:r>
-            <a:r>
-              <a:rPr lang="ko-KR" altLang="en-US" dirty="0"/>
-              <a:t> 손을 옷이 있는 구역 아래에서 위로 올리면</a:t>
-            </a:r>
-            <a:endParaRPr lang="en-US" altLang="ko-KR" dirty="0"/>
-          </a:p>
-          <a:p>
-            <a:r>
-              <a:rPr lang="ko-KR" altLang="en-US" dirty="0"/>
-              <a:t>옷이 위로 이동하고 위에서 아래로 내리면 옷이</a:t>
-            </a:r>
-            <a:endParaRPr lang="en-US" altLang="ko-KR" dirty="0"/>
-          </a:p>
-          <a:p>
-            <a:r>
-              <a:rPr lang="ko-KR" altLang="en-US" dirty="0"/>
-              <a:t>아래로 이동하게 한다</a:t>
-            </a:r>
-            <a:endParaRPr lang="en-US" altLang="ko-KR" dirty="0"/>
-          </a:p>
-          <a:p>
-            <a:r>
-              <a:rPr lang="en-US" altLang="ko-KR" dirty="0"/>
-              <a:t> </a:t>
-            </a:r>
-          </a:p>
-          <a:p>
-            <a:r>
-              <a:rPr lang="ko-KR" altLang="en-US" dirty="0"/>
-              <a:t>장점 </a:t>
-            </a:r>
-            <a:r>
-              <a:rPr lang="en-US" altLang="ko-KR" dirty="0"/>
-              <a:t>- </a:t>
-            </a:r>
-            <a:r>
-              <a:rPr lang="ko-KR" altLang="en-US" dirty="0"/>
-              <a:t>디자인이 깔끔하다</a:t>
-            </a:r>
-            <a:endParaRPr lang="en-US" altLang="ko-KR" dirty="0"/>
-          </a:p>
-          <a:p>
-            <a:r>
-              <a:rPr lang="ko-KR" altLang="en-US" dirty="0"/>
-              <a:t>단점 </a:t>
-            </a:r>
-            <a:r>
-              <a:rPr lang="en-US" altLang="ko-KR" dirty="0"/>
-              <a:t>- </a:t>
-            </a:r>
-            <a:r>
-              <a:rPr lang="ko-KR" altLang="en-US" dirty="0"/>
-              <a:t>한번에 소량의 옷만 볼 수 있기에</a:t>
-            </a:r>
-            <a:endParaRPr lang="en-US" altLang="ko-KR" dirty="0"/>
-          </a:p>
-          <a:p>
-            <a:r>
-              <a:rPr lang="en-US" altLang="ko-KR" dirty="0"/>
-              <a:t>         </a:t>
-            </a:r>
-            <a:r>
-              <a:rPr lang="ko-KR" altLang="en-US" dirty="0"/>
-              <a:t>원하는 옷을 찾는데</a:t>
-            </a:r>
-            <a:r>
-              <a:rPr lang="en-US" altLang="ko-KR" dirty="0"/>
-              <a:t> </a:t>
-            </a:r>
-            <a:r>
-              <a:rPr lang="ko-KR" altLang="en-US" dirty="0"/>
-              <a:t>시간이 걸린다</a:t>
-            </a:r>
-          </a:p>
-        </p:txBody>
-      </p:sp>
-      <p:sp>
-        <p:nvSpPr>
-          <p:cNvPr id="9" name="이등변 삼각형 8">
-            <a:extLst>
-              <a:ext uri="{FF2B5EF4-FFF2-40B4-BE49-F238E27FC236}">
-                <a16:creationId xmlns:a16="http://schemas.microsoft.com/office/drawing/2014/main" id="{EECA2CDF-EBE9-4BC2-A35D-92DEB10F7C5B}"/>
-              </a:ext>
-            </a:extLst>
-          </p:cNvPr>
-          <p:cNvSpPr/>
-          <p:nvPr/>
-        </p:nvSpPr>
-        <p:spPr>
-          <a:xfrm>
-            <a:off x="1200150" y="2048032"/>
-            <a:ext cx="295275" cy="800100"/>
-          </a:xfrm>
-          <a:prstGeom prst="triangle">
-            <a:avLst/>
-          </a:prstGeom>
+          <a:blipFill dpi="0" rotWithShape="1">
+            <a:blip r:embed="rId4">
+              <a:alphaModFix amt="70000"/>
+            </a:blip>
+            <a:srcRect/>
+            <a:stretch>
+              <a:fillRect/>
+            </a:stretch>
+          </a:blipFill>
+          <a:ln>
+            <a:noFill/>
+          </a:ln>
         </p:spPr>
         <p:style>
           <a:lnRef idx="2">
@@ -7371,10 +7510,10 @@
       </p:sp>
       <p:sp>
         <p:nvSpPr>
-          <p:cNvPr id="10" name="이등변 삼각형 9">
-            <a:extLst>
-              <a:ext uri="{FF2B5EF4-FFF2-40B4-BE49-F238E27FC236}">
-                <a16:creationId xmlns:a16="http://schemas.microsoft.com/office/drawing/2014/main" id="{4F5F6EB1-6B09-4EF0-BF18-4D225B2C2D16}"/>
+          <p:cNvPr id="23" name="직사각형 22">
+            <a:extLst>
+              <a:ext uri="{FF2B5EF4-FFF2-40B4-BE49-F238E27FC236}">
+                <a16:creationId xmlns:a16="http://schemas.microsoft.com/office/drawing/2014/main" id="{DAF3C5F9-C0B1-401B-99F6-B4BEBECED633}"/>
               </a:ext>
             </a:extLst>
           </p:cNvPr>
@@ -7382,13 +7521,25 @@
           <p:nvPr/>
         </p:nvSpPr>
         <p:spPr>
-          <a:xfrm rot="10800000">
-            <a:off x="1200149" y="3609819"/>
-            <a:ext cx="295275" cy="800100"/>
-          </a:xfrm>
-          <a:prstGeom prst="triangle">
+          <a:xfrm>
+            <a:off x="974803" y="3408364"/>
+            <a:ext cx="1128626" cy="1336040"/>
+          </a:xfrm>
+          <a:prstGeom prst="rect">
             <a:avLst/>
           </a:prstGeom>
+          <a:blipFill dpi="0" rotWithShape="1">
+            <a:blip r:embed="rId3">
+              <a:alphaModFix amt="70000"/>
+            </a:blip>
+            <a:srcRect/>
+            <a:stretch>
+              <a:fillRect/>
+            </a:stretch>
+          </a:blipFill>
+          <a:ln>
+            <a:noFill/>
+          </a:ln>
         </p:spPr>
         <p:style>
           <a:lnRef idx="2">
@@ -7415,10 +7566,488 @@
           </a:p>
         </p:txBody>
       </p:sp>
+      <p:sp>
+        <p:nvSpPr>
+          <p:cNvPr id="24" name="직사각형 23">
+            <a:extLst>
+              <a:ext uri="{FF2B5EF4-FFF2-40B4-BE49-F238E27FC236}">
+                <a16:creationId xmlns:a16="http://schemas.microsoft.com/office/drawing/2014/main" id="{FB9EAE7C-FFD4-480A-896A-70FDD791E296}"/>
+              </a:ext>
+            </a:extLst>
+          </p:cNvPr>
+          <p:cNvSpPr/>
+          <p:nvPr/>
+        </p:nvSpPr>
+        <p:spPr>
+          <a:xfrm>
+            <a:off x="974803" y="1881506"/>
+            <a:ext cx="1133603" cy="1336040"/>
+          </a:xfrm>
+          <a:prstGeom prst="rect">
+            <a:avLst/>
+          </a:prstGeom>
+          <a:blipFill dpi="0" rotWithShape="1">
+            <a:blip r:embed="rId4">
+              <a:alphaModFix amt="70000"/>
+            </a:blip>
+            <a:srcRect/>
+            <a:stretch>
+              <a:fillRect/>
+            </a:stretch>
+          </a:blipFill>
+          <a:ln>
+            <a:noFill/>
+          </a:ln>
+        </p:spPr>
+        <p:style>
+          <a:lnRef idx="2">
+            <a:schemeClr val="accent1">
+              <a:shade val="50000"/>
+            </a:schemeClr>
+          </a:lnRef>
+          <a:fillRef idx="1">
+            <a:schemeClr val="accent1"/>
+          </a:fillRef>
+          <a:effectRef idx="0">
+            <a:schemeClr val="accent1"/>
+          </a:effectRef>
+          <a:fontRef idx="minor">
+            <a:schemeClr val="lt1"/>
+          </a:fontRef>
+        </p:style>
+        <p:txBody>
+          <a:bodyPr rtlCol="0" anchor="ctr"/>
+          <a:lstStyle/>
+          <a:p>
+            <a:pPr algn="ctr"/>
+            <a:endParaRPr lang="ko-KR" altLang="en-US"/>
+          </a:p>
+        </p:txBody>
+      </p:sp>
+      <p:sp>
+        <p:nvSpPr>
+          <p:cNvPr id="25" name="TextBox 24">
+            <a:extLst>
+              <a:ext uri="{FF2B5EF4-FFF2-40B4-BE49-F238E27FC236}">
+                <a16:creationId xmlns:a16="http://schemas.microsoft.com/office/drawing/2014/main" id="{F394ACC3-1090-4441-B7D7-8F107EF46302}"/>
+              </a:ext>
+            </a:extLst>
+          </p:cNvPr>
+          <p:cNvSpPr txBox="1"/>
+          <p:nvPr/>
+        </p:nvSpPr>
+        <p:spPr>
+          <a:xfrm>
+            <a:off x="6547527" y="1690688"/>
+            <a:ext cx="5402441" cy="4247317"/>
+          </a:xfrm>
+          <a:prstGeom prst="rect">
+            <a:avLst/>
+          </a:prstGeom>
+          <a:noFill/>
+        </p:spPr>
+        <p:txBody>
+          <a:bodyPr wrap="none" rtlCol="0">
+            <a:spAutoFit/>
+          </a:bodyPr>
+          <a:lstStyle/>
+          <a:p>
+            <a:endParaRPr lang="en-US" altLang="ko-KR" dirty="0"/>
+          </a:p>
+          <a:p>
+            <a:r>
+              <a:rPr lang="ko-KR" altLang="en-US" dirty="0"/>
+              <a:t>화면 전체에 옷들이 보이게 한다</a:t>
+            </a:r>
+            <a:endParaRPr lang="en-US" altLang="ko-KR" dirty="0"/>
+          </a:p>
+          <a:p>
+            <a:endParaRPr lang="en-US" altLang="ko-KR" dirty="0"/>
+          </a:p>
+          <a:p>
+            <a:r>
+              <a:rPr lang="ko-KR" altLang="en-US" dirty="0"/>
+              <a:t>화살표를 이용하여 위아래로 스크롤 할 수 있다</a:t>
+            </a:r>
+            <a:endParaRPr lang="en-US" altLang="ko-KR" dirty="0"/>
+          </a:p>
+          <a:p>
+            <a:r>
+              <a:rPr lang="en-US" altLang="ko-KR" dirty="0"/>
+              <a:t>Or </a:t>
+            </a:r>
+            <a:r>
+              <a:rPr lang="ko-KR" altLang="en-US" dirty="0"/>
+              <a:t>손을 아래에서 위로 하면 옷들이 위로 이동하고</a:t>
+            </a:r>
+            <a:endParaRPr lang="en-US" altLang="ko-KR" dirty="0"/>
+          </a:p>
+          <a:p>
+            <a:r>
+              <a:rPr lang="ko-KR" altLang="en-US" dirty="0"/>
+              <a:t>위에서 아래로 </a:t>
+            </a:r>
+            <a:r>
+              <a:rPr lang="ko-KR" altLang="en-US"/>
+              <a:t>하면 옷들이 아래로 이동한다</a:t>
+            </a:r>
+            <a:endParaRPr lang="en-US" altLang="ko-KR" dirty="0"/>
+          </a:p>
+          <a:p>
+            <a:r>
+              <a:rPr lang="ko-KR" altLang="en-US" dirty="0"/>
+              <a:t> </a:t>
+            </a:r>
+            <a:endParaRPr lang="en-US" altLang="ko-KR" dirty="0"/>
+          </a:p>
+          <a:p>
+            <a:r>
+              <a:rPr lang="ko-KR" altLang="en-US" dirty="0"/>
+              <a:t>손으로 조작해야 하기 때문에 옷을 살짝 투명하게</a:t>
+            </a:r>
+            <a:endParaRPr lang="en-US" altLang="ko-KR" dirty="0"/>
+          </a:p>
+          <a:p>
+            <a:r>
+              <a:rPr lang="ko-KR" altLang="en-US" dirty="0"/>
+              <a:t>해서 자신의 손이 어디 있는지 보이도록 하였다</a:t>
+            </a:r>
+            <a:endParaRPr lang="en-US" altLang="ko-KR" dirty="0"/>
+          </a:p>
+          <a:p>
+            <a:endParaRPr lang="en-US" altLang="ko-KR" dirty="0"/>
+          </a:p>
+          <a:p>
+            <a:r>
+              <a:rPr lang="ko-KR" altLang="en-US" dirty="0"/>
+              <a:t>장점 </a:t>
+            </a:r>
+            <a:r>
+              <a:rPr lang="en-US" altLang="ko-KR" dirty="0"/>
+              <a:t>- </a:t>
+            </a:r>
+            <a:r>
+              <a:rPr lang="ko-KR" altLang="en-US" dirty="0"/>
+              <a:t>한번에 많은 옷들을 보여줄 수 있다</a:t>
+            </a:r>
+            <a:endParaRPr lang="en-US" altLang="ko-KR" dirty="0"/>
+          </a:p>
+          <a:p>
+            <a:r>
+              <a:rPr lang="ko-KR" altLang="en-US" dirty="0"/>
+              <a:t>단점 </a:t>
+            </a:r>
+            <a:r>
+              <a:rPr lang="en-US" altLang="ko-KR" dirty="0"/>
+              <a:t>- </a:t>
+            </a:r>
+            <a:r>
+              <a:rPr lang="ko-KR" altLang="en-US" dirty="0"/>
+              <a:t>옷의 투명도를 조작하였기에 </a:t>
+            </a:r>
+            <a:endParaRPr lang="en-US" altLang="ko-KR" dirty="0"/>
+          </a:p>
+          <a:p>
+            <a:r>
+              <a:rPr lang="en-US" altLang="ko-KR" dirty="0"/>
+              <a:t>         </a:t>
+            </a:r>
+            <a:r>
+              <a:rPr lang="ko-KR" altLang="en-US" dirty="0"/>
+              <a:t>실제 옷과 차이가 있다</a:t>
+            </a:r>
+            <a:endParaRPr lang="en-US" altLang="ko-KR" dirty="0"/>
+          </a:p>
+          <a:p>
+            <a:r>
+              <a:rPr lang="en-US" altLang="ko-KR" dirty="0"/>
+              <a:t>         </a:t>
+            </a:r>
+            <a:r>
+              <a:rPr lang="ko-KR" altLang="en-US" dirty="0"/>
+              <a:t>디자인이 조잡해 보일 수 있다</a:t>
+            </a:r>
+            <a:endParaRPr lang="en-US" altLang="ko-KR" dirty="0"/>
+          </a:p>
+          <a:p>
+            <a:endParaRPr lang="en-US" altLang="ko-KR" dirty="0"/>
+          </a:p>
+        </p:txBody>
+      </p:sp>
+      <p:sp>
+        <p:nvSpPr>
+          <p:cNvPr id="26" name="직사각형 25">
+            <a:extLst>
+              <a:ext uri="{FF2B5EF4-FFF2-40B4-BE49-F238E27FC236}">
+                <a16:creationId xmlns:a16="http://schemas.microsoft.com/office/drawing/2014/main" id="{3F45730B-F2E1-42A3-852A-A9DDF2CCFF9F}"/>
+              </a:ext>
+            </a:extLst>
+          </p:cNvPr>
+          <p:cNvSpPr/>
+          <p:nvPr/>
+        </p:nvSpPr>
+        <p:spPr>
+          <a:xfrm>
+            <a:off x="3655600" y="3408364"/>
+            <a:ext cx="1273988" cy="1336040"/>
+          </a:xfrm>
+          <a:prstGeom prst="rect">
+            <a:avLst/>
+          </a:prstGeom>
+          <a:blipFill dpi="0" rotWithShape="1">
+            <a:blip r:embed="rId3">
+              <a:alphaModFix amt="70000"/>
+            </a:blip>
+            <a:srcRect/>
+            <a:stretch>
+              <a:fillRect/>
+            </a:stretch>
+          </a:blipFill>
+          <a:ln>
+            <a:noFill/>
+          </a:ln>
+        </p:spPr>
+        <p:style>
+          <a:lnRef idx="2">
+            <a:schemeClr val="accent1">
+              <a:shade val="50000"/>
+            </a:schemeClr>
+          </a:lnRef>
+          <a:fillRef idx="1">
+            <a:schemeClr val="accent1"/>
+          </a:fillRef>
+          <a:effectRef idx="0">
+            <a:schemeClr val="accent1"/>
+          </a:effectRef>
+          <a:fontRef idx="minor">
+            <a:schemeClr val="lt1"/>
+          </a:fontRef>
+        </p:style>
+        <p:txBody>
+          <a:bodyPr rtlCol="0" anchor="ctr"/>
+          <a:lstStyle/>
+          <a:p>
+            <a:pPr algn="ctr"/>
+            <a:endParaRPr lang="ko-KR" altLang="en-US"/>
+          </a:p>
+        </p:txBody>
+      </p:sp>
+      <p:sp>
+        <p:nvSpPr>
+          <p:cNvPr id="27" name="직사각형 26">
+            <a:extLst>
+              <a:ext uri="{FF2B5EF4-FFF2-40B4-BE49-F238E27FC236}">
+                <a16:creationId xmlns:a16="http://schemas.microsoft.com/office/drawing/2014/main" id="{96A454B5-D595-491D-AF2F-9807A51C88B7}"/>
+              </a:ext>
+            </a:extLst>
+          </p:cNvPr>
+          <p:cNvSpPr/>
+          <p:nvPr/>
+        </p:nvSpPr>
+        <p:spPr>
+          <a:xfrm>
+            <a:off x="3655600" y="1881506"/>
+            <a:ext cx="1273988" cy="1336040"/>
+          </a:xfrm>
+          <a:prstGeom prst="rect">
+            <a:avLst/>
+          </a:prstGeom>
+          <a:blipFill dpi="0" rotWithShape="1">
+            <a:blip r:embed="rId4">
+              <a:alphaModFix amt="70000"/>
+            </a:blip>
+            <a:srcRect/>
+            <a:stretch>
+              <a:fillRect/>
+            </a:stretch>
+          </a:blipFill>
+          <a:ln>
+            <a:noFill/>
+          </a:ln>
+        </p:spPr>
+        <p:style>
+          <a:lnRef idx="2">
+            <a:schemeClr val="accent1">
+              <a:shade val="50000"/>
+            </a:schemeClr>
+          </a:lnRef>
+          <a:fillRef idx="1">
+            <a:schemeClr val="accent1"/>
+          </a:fillRef>
+          <a:effectRef idx="0">
+            <a:schemeClr val="accent1"/>
+          </a:effectRef>
+          <a:fontRef idx="minor">
+            <a:schemeClr val="lt1"/>
+          </a:fontRef>
+        </p:style>
+        <p:txBody>
+          <a:bodyPr rtlCol="0" anchor="ctr"/>
+          <a:lstStyle/>
+          <a:p>
+            <a:pPr algn="ctr"/>
+            <a:endParaRPr lang="ko-KR" altLang="en-US"/>
+          </a:p>
+        </p:txBody>
+      </p:sp>
+      <p:sp>
+        <p:nvSpPr>
+          <p:cNvPr id="28" name="직사각형 27">
+            <a:extLst>
+              <a:ext uri="{FF2B5EF4-FFF2-40B4-BE49-F238E27FC236}">
+                <a16:creationId xmlns:a16="http://schemas.microsoft.com/office/drawing/2014/main" id="{C0EA6BD9-45DF-4263-BC06-B27AD246AA48}"/>
+              </a:ext>
+            </a:extLst>
+          </p:cNvPr>
+          <p:cNvSpPr/>
+          <p:nvPr/>
+        </p:nvSpPr>
+        <p:spPr>
+          <a:xfrm>
+            <a:off x="3655600" y="4935222"/>
+            <a:ext cx="1273988" cy="1336040"/>
+          </a:xfrm>
+          <a:prstGeom prst="rect">
+            <a:avLst/>
+          </a:prstGeom>
+          <a:blipFill dpi="0" rotWithShape="1">
+            <a:blip r:embed="rId4">
+              <a:alphaModFix amt="70000"/>
+            </a:blip>
+            <a:srcRect/>
+            <a:stretch>
+              <a:fillRect/>
+            </a:stretch>
+          </a:blipFill>
+          <a:ln>
+            <a:noFill/>
+          </a:ln>
+        </p:spPr>
+        <p:style>
+          <a:lnRef idx="2">
+            <a:schemeClr val="accent1">
+              <a:shade val="50000"/>
+            </a:schemeClr>
+          </a:lnRef>
+          <a:fillRef idx="1">
+            <a:schemeClr val="accent1"/>
+          </a:fillRef>
+          <a:effectRef idx="0">
+            <a:schemeClr val="accent1"/>
+          </a:effectRef>
+          <a:fontRef idx="minor">
+            <a:schemeClr val="lt1"/>
+          </a:fontRef>
+        </p:style>
+        <p:txBody>
+          <a:bodyPr rtlCol="0" anchor="ctr"/>
+          <a:lstStyle/>
+          <a:p>
+            <a:pPr algn="ctr"/>
+            <a:endParaRPr lang="ko-KR" altLang="en-US"/>
+          </a:p>
+        </p:txBody>
+      </p:sp>
+      <p:sp>
+        <p:nvSpPr>
+          <p:cNvPr id="29" name="이등변 삼각형 28">
+            <a:extLst>
+              <a:ext uri="{FF2B5EF4-FFF2-40B4-BE49-F238E27FC236}">
+                <a16:creationId xmlns:a16="http://schemas.microsoft.com/office/drawing/2014/main" id="{19FDE23D-C599-4963-BAB9-70C361F18577}"/>
+              </a:ext>
+            </a:extLst>
+          </p:cNvPr>
+          <p:cNvSpPr/>
+          <p:nvPr/>
+        </p:nvSpPr>
+        <p:spPr>
+          <a:xfrm>
+            <a:off x="5314950" y="2085975"/>
+            <a:ext cx="295275" cy="800100"/>
+          </a:xfrm>
+          <a:prstGeom prst="triangle">
+            <a:avLst/>
+          </a:prstGeom>
+          <a:noFill/>
+          <a:ln w="25400"/>
+        </p:spPr>
+        <p:style>
+          <a:lnRef idx="2">
+            <a:schemeClr val="accent1">
+              <a:shade val="50000"/>
+            </a:schemeClr>
+          </a:lnRef>
+          <a:fillRef idx="1">
+            <a:schemeClr val="accent1"/>
+          </a:fillRef>
+          <a:effectRef idx="0">
+            <a:schemeClr val="accent1"/>
+          </a:effectRef>
+          <a:fontRef idx="minor">
+            <a:schemeClr val="lt1"/>
+          </a:fontRef>
+        </p:style>
+        <p:txBody>
+          <a:bodyPr rtlCol="0" anchor="ctr"/>
+          <a:lstStyle/>
+          <a:p>
+            <a:pPr algn="ctr"/>
+            <a:endParaRPr lang="ko-KR" altLang="en-US" dirty="0"/>
+          </a:p>
+        </p:txBody>
+      </p:sp>
+      <p:sp>
+        <p:nvSpPr>
+          <p:cNvPr id="16" name="이등변 삼각형 15">
+            <a:extLst>
+              <a:ext uri="{FF2B5EF4-FFF2-40B4-BE49-F238E27FC236}">
+                <a16:creationId xmlns:a16="http://schemas.microsoft.com/office/drawing/2014/main" id="{5948595C-0AC5-4573-B59A-97740C99B486}"/>
+              </a:ext>
+            </a:extLst>
+          </p:cNvPr>
+          <p:cNvSpPr/>
+          <p:nvPr/>
+        </p:nvSpPr>
+        <p:spPr>
+          <a:xfrm rot="10800000">
+            <a:off x="5318253" y="3811588"/>
+            <a:ext cx="295275" cy="800100"/>
+          </a:xfrm>
+          <a:prstGeom prst="triangle">
+            <a:avLst/>
+          </a:prstGeom>
+          <a:noFill/>
+          <a:ln w="25400"/>
+        </p:spPr>
+        <p:style>
+          <a:lnRef idx="2">
+            <a:schemeClr val="accent1">
+              <a:shade val="50000"/>
+            </a:schemeClr>
+          </a:lnRef>
+          <a:fillRef idx="1">
+            <a:schemeClr val="accent1"/>
+          </a:fillRef>
+          <a:effectRef idx="0">
+            <a:schemeClr val="accent1"/>
+          </a:effectRef>
+          <a:fontRef idx="minor">
+            <a:schemeClr val="lt1"/>
+          </a:fontRef>
+        </p:style>
+        <p:txBody>
+          <a:bodyPr rtlCol="0" anchor="ctr"/>
+          <a:lstStyle/>
+          <a:p>
+            <a:pPr algn="ctr"/>
+            <a:endParaRPr lang="ko-KR" altLang="en-US" dirty="0"/>
+          </a:p>
+        </p:txBody>
+      </p:sp>
     </p:spTree>
     <p:extLst>
       <p:ext uri="{BB962C8B-B14F-4D97-AF65-F5344CB8AC3E}">
-        <p14:creationId xmlns:p14="http://schemas.microsoft.com/office/powerpoint/2010/main" val="1763868889"/>
+        <p14:creationId xmlns:p14="http://schemas.microsoft.com/office/powerpoint/2010/main" val="2976786995"/>
       </p:ext>
     </p:extLst>
   </p:cSld>
@@ -7450,7 +8079,7 @@
           <p:cNvPr id="2" name="제목 1">
             <a:extLst>
               <a:ext uri="{FF2B5EF4-FFF2-40B4-BE49-F238E27FC236}">
-                <a16:creationId xmlns:a16="http://schemas.microsoft.com/office/drawing/2014/main" id="{FADA963E-F77B-49EE-B198-BCBC60F5CA7B}"/>
+                <a16:creationId xmlns:a16="http://schemas.microsoft.com/office/drawing/2014/main" id="{41313CD4-E571-43EE-A625-5C47561F8CBD}"/>
               </a:ext>
             </a:extLst>
           </p:cNvPr>
@@ -7472,7 +8101,7 @@
             </a:r>
             <a:r>
               <a:rPr lang="en-US" altLang="ko-KR" dirty="0"/>
-              <a:t>(3)</a:t>
+              <a:t>(2)</a:t>
             </a:r>
             <a:endParaRPr lang="ko-KR" altLang="en-US" dirty="0"/>
           </a:p>
@@ -7483,7 +8112,7 @@
           <p:cNvPr id="4" name="내용 개체 틀 3">
             <a:extLst>
               <a:ext uri="{FF2B5EF4-FFF2-40B4-BE49-F238E27FC236}">
-                <a16:creationId xmlns:a16="http://schemas.microsoft.com/office/drawing/2014/main" id="{0DC64D5B-DDF0-41C9-BAD5-26A56AC585DD}"/>
+                <a16:creationId xmlns:a16="http://schemas.microsoft.com/office/drawing/2014/main" id="{AD8EFBB7-2D5E-42F3-A609-8B2DCC9A5AAA}"/>
               </a:ext>
             </a:extLst>
           </p:cNvPr>
@@ -7500,7 +8129,7 @@
         </p:blipFill>
         <p:spPr>
           <a:xfrm>
-            <a:off x="3784600" y="2141537"/>
+            <a:off x="838200" y="1690688"/>
             <a:ext cx="4894707" cy="4351338"/>
           </a:xfrm>
           <a:prstGeom prst="rect">
@@ -7513,7 +8142,7 @@
           <p:cNvPr id="5" name="직사각형 4">
             <a:extLst>
               <a:ext uri="{FF2B5EF4-FFF2-40B4-BE49-F238E27FC236}">
-                <a16:creationId xmlns:a16="http://schemas.microsoft.com/office/drawing/2014/main" id="{D3C6EF9E-E8AB-4189-A495-17FA36C51FF0}"/>
+                <a16:creationId xmlns:a16="http://schemas.microsoft.com/office/drawing/2014/main" id="{64582FCA-FBD4-4D74-B2F2-993693D600EA}"/>
               </a:ext>
             </a:extLst>
           </p:cNvPr>
@@ -7522,8 +8151,8 @@
         </p:nvSpPr>
         <p:spPr>
           <a:xfrm>
-            <a:off x="5737199" y="1584960"/>
-            <a:ext cx="876961" cy="897412"/>
+            <a:off x="4458919" y="1512092"/>
+            <a:ext cx="1273988" cy="1336040"/>
           </a:xfrm>
           <a:prstGeom prst="rect">
             <a:avLst/>
@@ -7569,7 +8198,7 @@
           <p:cNvPr id="6" name="직사각형 5">
             <a:extLst>
               <a:ext uri="{FF2B5EF4-FFF2-40B4-BE49-F238E27FC236}">
-                <a16:creationId xmlns:a16="http://schemas.microsoft.com/office/drawing/2014/main" id="{A84BB32B-035F-4A1D-ABF4-A988EF6A1BA3}"/>
+                <a16:creationId xmlns:a16="http://schemas.microsoft.com/office/drawing/2014/main" id="{90C27918-2D27-4D88-A47C-0FC7F96F4D08}"/>
               </a:ext>
             </a:extLst>
           </p:cNvPr>
@@ -7578,8 +8207,64 @@
         </p:nvSpPr>
         <p:spPr>
           <a:xfrm>
-            <a:off x="6724599" y="1584960"/>
-            <a:ext cx="631241" cy="668020"/>
+            <a:off x="4458919" y="4549856"/>
+            <a:ext cx="1273988" cy="1336040"/>
+          </a:xfrm>
+          <a:prstGeom prst="rect">
+            <a:avLst/>
+          </a:prstGeom>
+          <a:blipFill dpi="0" rotWithShape="1">
+            <a:blip r:embed="rId3"/>
+            <a:srcRect/>
+            <a:stretch>
+              <a:fillRect/>
+            </a:stretch>
+          </a:blipFill>
+          <a:ln>
+            <a:noFill/>
+          </a:ln>
+        </p:spPr>
+        <p:style>
+          <a:lnRef idx="2">
+            <a:schemeClr val="accent1">
+              <a:shade val="50000"/>
+            </a:schemeClr>
+          </a:lnRef>
+          <a:fillRef idx="1">
+            <a:schemeClr val="accent1"/>
+          </a:fillRef>
+          <a:effectRef idx="0">
+            <a:schemeClr val="accent1"/>
+          </a:effectRef>
+          <a:fontRef idx="minor">
+            <a:schemeClr val="lt1"/>
+          </a:fontRef>
+        </p:style>
+        <p:txBody>
+          <a:bodyPr rtlCol="0" anchor="ctr"/>
+          <a:lstStyle/>
+          <a:p>
+            <a:pPr algn="ctr"/>
+            <a:endParaRPr lang="ko-KR" altLang="en-US"/>
+          </a:p>
+        </p:txBody>
+      </p:sp>
+      <p:sp>
+        <p:nvSpPr>
+          <p:cNvPr id="7" name="직사각형 6">
+            <a:extLst>
+              <a:ext uri="{FF2B5EF4-FFF2-40B4-BE49-F238E27FC236}">
+                <a16:creationId xmlns:a16="http://schemas.microsoft.com/office/drawing/2014/main" id="{F848F59D-4E2E-454A-ADF1-03352FB237A1}"/>
+              </a:ext>
+            </a:extLst>
+          </p:cNvPr>
+          <p:cNvSpPr/>
+          <p:nvPr/>
+        </p:nvSpPr>
+        <p:spPr>
+          <a:xfrm>
+            <a:off x="4458919" y="3029188"/>
+            <a:ext cx="1273988" cy="1336040"/>
           </a:xfrm>
           <a:prstGeom prst="rect">
             <a:avLst/>
@@ -7622,34 +8307,146 @@
       </p:sp>
       <p:sp>
         <p:nvSpPr>
-          <p:cNvPr id="7" name="직사각형 6">
-            <a:extLst>
-              <a:ext uri="{FF2B5EF4-FFF2-40B4-BE49-F238E27FC236}">
-                <a16:creationId xmlns:a16="http://schemas.microsoft.com/office/drawing/2014/main" id="{4199F35B-CF20-4DFD-9560-535A35B7C6F5}"/>
-              </a:ext>
-            </a:extLst>
-          </p:cNvPr>
-          <p:cNvSpPr/>
+          <p:cNvPr id="8" name="TextBox 7">
+            <a:extLst>
+              <a:ext uri="{FF2B5EF4-FFF2-40B4-BE49-F238E27FC236}">
+                <a16:creationId xmlns:a16="http://schemas.microsoft.com/office/drawing/2014/main" id="{5BE10D8B-42CA-479C-9E80-85B13AAA5BBE}"/>
+              </a:ext>
+            </a:extLst>
+          </p:cNvPr>
+          <p:cNvSpPr txBox="1"/>
           <p:nvPr/>
         </p:nvSpPr>
         <p:spPr>
           <a:xfrm>
-            <a:off x="5050738" y="1582103"/>
-            <a:ext cx="631241" cy="668020"/>
+            <a:off x="6908800" y="1899920"/>
+            <a:ext cx="5142755" cy="2585323"/>
           </a:xfrm>
           <a:prstGeom prst="rect">
             <a:avLst/>
           </a:prstGeom>
-          <a:blipFill dpi="0" rotWithShape="1">
-            <a:blip r:embed="rId4"/>
-            <a:srcRect/>
-            <a:stretch>
-              <a:fillRect/>
-            </a:stretch>
-          </a:blipFill>
-          <a:ln>
-            <a:noFill/>
-          </a:ln>
+          <a:noFill/>
+        </p:spPr>
+        <p:txBody>
+          <a:bodyPr wrap="none" rtlCol="0">
+            <a:spAutoFit/>
+          </a:bodyPr>
+          <a:lstStyle/>
+          <a:p>
+            <a:r>
+              <a:rPr lang="ko-KR" altLang="en-US" dirty="0"/>
+              <a:t>오른 쪽에 옷들을 배치한다</a:t>
+            </a:r>
+            <a:endParaRPr lang="en-US" altLang="ko-KR" dirty="0"/>
+          </a:p>
+          <a:p>
+            <a:r>
+              <a:rPr lang="ko-KR" altLang="en-US" dirty="0"/>
+              <a:t>화살표를 이용하여 위 아래로 스크롤 할 수 있다</a:t>
+            </a:r>
+            <a:endParaRPr lang="en-US" altLang="ko-KR" dirty="0"/>
+          </a:p>
+          <a:p>
+            <a:r>
+              <a:rPr lang="en-US" altLang="ko-KR" dirty="0"/>
+              <a:t>Or</a:t>
+            </a:r>
+            <a:r>
+              <a:rPr lang="ko-KR" altLang="en-US" dirty="0"/>
+              <a:t> 손을 옷이 있는 구역 아래에서 위로 올리면</a:t>
+            </a:r>
+            <a:endParaRPr lang="en-US" altLang="ko-KR" dirty="0"/>
+          </a:p>
+          <a:p>
+            <a:r>
+              <a:rPr lang="ko-KR" altLang="en-US" dirty="0"/>
+              <a:t>옷이 위로 이동하고 위에서 아래로 내리면 옷이</a:t>
+            </a:r>
+            <a:endParaRPr lang="en-US" altLang="ko-KR" dirty="0"/>
+          </a:p>
+          <a:p>
+            <a:r>
+              <a:rPr lang="ko-KR" altLang="en-US" dirty="0"/>
+              <a:t>아래로 이동하게 한다</a:t>
+            </a:r>
+            <a:endParaRPr lang="en-US" altLang="ko-KR" dirty="0"/>
+          </a:p>
+          <a:p>
+            <a:r>
+              <a:rPr lang="en-US" altLang="ko-KR" dirty="0"/>
+              <a:t> </a:t>
+            </a:r>
+          </a:p>
+          <a:p>
+            <a:r>
+              <a:rPr lang="ko-KR" altLang="en-US" dirty="0"/>
+              <a:t>장점 </a:t>
+            </a:r>
+            <a:r>
+              <a:rPr lang="en-US" altLang="ko-KR" dirty="0"/>
+              <a:t>- </a:t>
+            </a:r>
+            <a:r>
+              <a:rPr lang="ko-KR" altLang="en-US" dirty="0"/>
+              <a:t>디자인이 깔끔하다</a:t>
+            </a:r>
+            <a:endParaRPr lang="en-US" altLang="ko-KR" dirty="0"/>
+          </a:p>
+          <a:p>
+            <a:r>
+              <a:rPr lang="ko-KR" altLang="en-US" dirty="0"/>
+              <a:t>단점 </a:t>
+            </a:r>
+            <a:r>
+              <a:rPr lang="en-US" altLang="ko-KR" dirty="0"/>
+              <a:t>- </a:t>
+            </a:r>
+            <a:r>
+              <a:rPr lang="ko-KR" altLang="en-US" dirty="0"/>
+              <a:t>한번에 소량의 옷만 볼 수 있기에</a:t>
+            </a:r>
+            <a:endParaRPr lang="en-US" altLang="ko-KR" dirty="0"/>
+          </a:p>
+          <a:p>
+            <a:r>
+              <a:rPr lang="en-US" altLang="ko-KR" dirty="0"/>
+              <a:t>         </a:t>
+            </a:r>
+            <a:r>
+              <a:rPr lang="ko-KR" altLang="en-US" dirty="0"/>
+              <a:t>원하는 옷을 찾는데</a:t>
+            </a:r>
+            <a:r>
+              <a:rPr lang="en-US" altLang="ko-KR" dirty="0"/>
+              <a:t> </a:t>
+            </a:r>
+            <a:r>
+              <a:rPr lang="ko-KR" altLang="en-US" dirty="0"/>
+              <a:t>시간이 걸린다</a:t>
+            </a:r>
+          </a:p>
+        </p:txBody>
+      </p:sp>
+      <p:sp>
+        <p:nvSpPr>
+          <p:cNvPr id="9" name="이등변 삼각형 8">
+            <a:extLst>
+              <a:ext uri="{FF2B5EF4-FFF2-40B4-BE49-F238E27FC236}">
+                <a16:creationId xmlns:a16="http://schemas.microsoft.com/office/drawing/2014/main" id="{EECA2CDF-EBE9-4BC2-A35D-92DEB10F7C5B}"/>
+              </a:ext>
+            </a:extLst>
+          </p:cNvPr>
+          <p:cNvSpPr/>
+          <p:nvPr/>
+        </p:nvSpPr>
+        <p:spPr>
+          <a:xfrm>
+            <a:off x="1200150" y="2048032"/>
+            <a:ext cx="295275" cy="800100"/>
+          </a:xfrm>
+          <a:prstGeom prst="triangle">
+            <a:avLst/>
+          </a:prstGeom>
         </p:spPr>
         <p:style>
           <a:lnRef idx="2">
@@ -7672,16 +8469,16 @@
           <a:lstStyle/>
           <a:p>
             <a:pPr algn="ctr"/>
-            <a:endParaRPr lang="ko-KR" altLang="en-US" dirty="0"/>
-          </a:p>
-        </p:txBody>
-      </p:sp>
-      <p:sp>
-        <p:nvSpPr>
-          <p:cNvPr id="8" name="직사각형 7">
-            <a:extLst>
-              <a:ext uri="{FF2B5EF4-FFF2-40B4-BE49-F238E27FC236}">
-                <a16:creationId xmlns:a16="http://schemas.microsoft.com/office/drawing/2014/main" id="{9D0A0CCB-E7EE-4F28-ADF0-39C0248C4EB5}"/>
+            <a:endParaRPr lang="ko-KR" altLang="en-US"/>
+          </a:p>
+        </p:txBody>
+      </p:sp>
+      <p:sp>
+        <p:nvSpPr>
+          <p:cNvPr id="10" name="이등변 삼각형 9">
+            <a:extLst>
+              <a:ext uri="{FF2B5EF4-FFF2-40B4-BE49-F238E27FC236}">
+                <a16:creationId xmlns:a16="http://schemas.microsoft.com/office/drawing/2014/main" id="{4F5F6EB1-6B09-4EF0-BF18-4D225B2C2D16}"/>
               </a:ext>
             </a:extLst>
           </p:cNvPr>
@@ -7689,23 +8486,13 @@
           <p:nvPr/>
         </p:nvSpPr>
         <p:spPr>
-          <a:xfrm>
-            <a:off x="7456119" y="1325721"/>
-            <a:ext cx="460401" cy="512763"/>
-          </a:xfrm>
-          <a:prstGeom prst="rect">
+          <a:xfrm rot="10800000">
+            <a:off x="1200149" y="3609819"/>
+            <a:ext cx="295275" cy="800100"/>
+          </a:xfrm>
+          <a:prstGeom prst="triangle">
             <a:avLst/>
           </a:prstGeom>
-          <a:blipFill dpi="0" rotWithShape="1">
-            <a:blip r:embed="rId3"/>
-            <a:srcRect/>
-            <a:stretch>
-              <a:fillRect/>
-            </a:stretch>
-          </a:blipFill>
-          <a:ln>
-            <a:noFill/>
-          </a:ln>
         </p:spPr>
         <p:style>
           <a:lnRef idx="2">
@@ -7732,701 +8519,10 @@
           </a:p>
         </p:txBody>
       </p:sp>
-      <p:sp>
-        <p:nvSpPr>
-          <p:cNvPr id="10" name="직사각형 9">
-            <a:extLst>
-              <a:ext uri="{FF2B5EF4-FFF2-40B4-BE49-F238E27FC236}">
-                <a16:creationId xmlns:a16="http://schemas.microsoft.com/office/drawing/2014/main" id="{57F20438-5447-4573-BEBD-9653F801E3F8}"/>
-              </a:ext>
-            </a:extLst>
-          </p:cNvPr>
-          <p:cNvSpPr/>
-          <p:nvPr/>
-        </p:nvSpPr>
-        <p:spPr>
-          <a:xfrm>
-            <a:off x="4479898" y="1325721"/>
-            <a:ext cx="460401" cy="512763"/>
-          </a:xfrm>
-          <a:prstGeom prst="rect">
-            <a:avLst/>
-          </a:prstGeom>
-          <a:blipFill dpi="0" rotWithShape="1">
-            <a:blip r:embed="rId3"/>
-            <a:srcRect/>
-            <a:stretch>
-              <a:fillRect/>
-            </a:stretch>
-          </a:blipFill>
-          <a:ln>
-            <a:noFill/>
-          </a:ln>
-        </p:spPr>
-        <p:style>
-          <a:lnRef idx="2">
-            <a:schemeClr val="accent1">
-              <a:shade val="50000"/>
-            </a:schemeClr>
-          </a:lnRef>
-          <a:fillRef idx="1">
-            <a:schemeClr val="accent1"/>
-          </a:fillRef>
-          <a:effectRef idx="0">
-            <a:schemeClr val="accent1"/>
-          </a:effectRef>
-          <a:fontRef idx="minor">
-            <a:schemeClr val="lt1"/>
-          </a:fontRef>
-        </p:style>
-        <p:txBody>
-          <a:bodyPr rtlCol="0" anchor="ctr"/>
-          <a:lstStyle/>
-          <a:p>
-            <a:pPr algn="ctr"/>
-            <a:endParaRPr lang="ko-KR" altLang="en-US"/>
-          </a:p>
-        </p:txBody>
-      </p:sp>
-      <p:sp>
-        <p:nvSpPr>
-          <p:cNvPr id="11" name="직사각형 10">
-            <a:extLst>
-              <a:ext uri="{FF2B5EF4-FFF2-40B4-BE49-F238E27FC236}">
-                <a16:creationId xmlns:a16="http://schemas.microsoft.com/office/drawing/2014/main" id="{6E654F82-B47B-4490-8D67-92463A6B4BA2}"/>
-              </a:ext>
-            </a:extLst>
-          </p:cNvPr>
-          <p:cNvSpPr/>
-          <p:nvPr/>
-        </p:nvSpPr>
-        <p:spPr>
-          <a:xfrm>
-            <a:off x="4871667" y="1140141"/>
-            <a:ext cx="247704" cy="147639"/>
-          </a:xfrm>
-          <a:prstGeom prst="rect">
-            <a:avLst/>
-          </a:prstGeom>
-          <a:blipFill dpi="0" rotWithShape="1">
-            <a:blip r:embed="rId4"/>
-            <a:srcRect/>
-            <a:stretch>
-              <a:fillRect/>
-            </a:stretch>
-          </a:blipFill>
-          <a:ln>
-            <a:noFill/>
-          </a:ln>
-        </p:spPr>
-        <p:style>
-          <a:lnRef idx="2">
-            <a:schemeClr val="accent1">
-              <a:shade val="50000"/>
-            </a:schemeClr>
-          </a:lnRef>
-          <a:fillRef idx="1">
-            <a:schemeClr val="accent1"/>
-          </a:fillRef>
-          <a:effectRef idx="0">
-            <a:schemeClr val="accent1"/>
-          </a:effectRef>
-          <a:fontRef idx="minor">
-            <a:schemeClr val="lt1"/>
-          </a:fontRef>
-        </p:style>
-        <p:txBody>
-          <a:bodyPr rtlCol="0" anchor="ctr"/>
-          <a:lstStyle/>
-          <a:p>
-            <a:pPr algn="ctr"/>
-            <a:endParaRPr lang="ko-KR" altLang="en-US" dirty="0"/>
-          </a:p>
-        </p:txBody>
-      </p:sp>
-      <p:sp>
-        <p:nvSpPr>
-          <p:cNvPr id="12" name="직사각형 11">
-            <a:extLst>
-              <a:ext uri="{FF2B5EF4-FFF2-40B4-BE49-F238E27FC236}">
-                <a16:creationId xmlns:a16="http://schemas.microsoft.com/office/drawing/2014/main" id="{B59C0136-6A19-469D-AF93-B79763E036C6}"/>
-              </a:ext>
-            </a:extLst>
-          </p:cNvPr>
-          <p:cNvSpPr/>
-          <p:nvPr/>
-        </p:nvSpPr>
-        <p:spPr>
-          <a:xfrm>
-            <a:off x="7231988" y="1140140"/>
-            <a:ext cx="247704" cy="147639"/>
-          </a:xfrm>
-          <a:prstGeom prst="rect">
-            <a:avLst/>
-          </a:prstGeom>
-          <a:blipFill dpi="0" rotWithShape="1">
-            <a:blip r:embed="rId4"/>
-            <a:srcRect/>
-            <a:stretch>
-              <a:fillRect/>
-            </a:stretch>
-          </a:blipFill>
-          <a:ln>
-            <a:noFill/>
-          </a:ln>
-        </p:spPr>
-        <p:style>
-          <a:lnRef idx="2">
-            <a:schemeClr val="accent1">
-              <a:shade val="50000"/>
-            </a:schemeClr>
-          </a:lnRef>
-          <a:fillRef idx="1">
-            <a:schemeClr val="accent1"/>
-          </a:fillRef>
-          <a:effectRef idx="0">
-            <a:schemeClr val="accent1"/>
-          </a:effectRef>
-          <a:fontRef idx="minor">
-            <a:schemeClr val="lt1"/>
-          </a:fontRef>
-        </p:style>
-        <p:txBody>
-          <a:bodyPr rtlCol="0" anchor="ctr"/>
-          <a:lstStyle/>
-          <a:p>
-            <a:pPr algn="ctr"/>
-            <a:endParaRPr lang="ko-KR" altLang="en-US" dirty="0"/>
-          </a:p>
-        </p:txBody>
-      </p:sp>
-      <p:sp>
-        <p:nvSpPr>
-          <p:cNvPr id="13" name="타원 12">
-            <a:extLst>
-              <a:ext uri="{FF2B5EF4-FFF2-40B4-BE49-F238E27FC236}">
-                <a16:creationId xmlns:a16="http://schemas.microsoft.com/office/drawing/2014/main" id="{56D09819-B0A5-47EC-9147-1F1DA32F7F74}"/>
-              </a:ext>
-            </a:extLst>
-          </p:cNvPr>
-          <p:cNvSpPr/>
-          <p:nvPr/>
-        </p:nvSpPr>
-        <p:spPr>
-          <a:xfrm>
-            <a:off x="7040219" y="1039812"/>
-            <a:ext cx="54660" cy="69374"/>
-          </a:xfrm>
-          <a:prstGeom prst="ellipse">
-            <a:avLst/>
-          </a:prstGeom>
-        </p:spPr>
-        <p:style>
-          <a:lnRef idx="2">
-            <a:schemeClr val="accent1">
-              <a:shade val="50000"/>
-            </a:schemeClr>
-          </a:lnRef>
-          <a:fillRef idx="1">
-            <a:schemeClr val="accent1"/>
-          </a:fillRef>
-          <a:effectRef idx="0">
-            <a:schemeClr val="accent1"/>
-          </a:effectRef>
-          <a:fontRef idx="minor">
-            <a:schemeClr val="lt1"/>
-          </a:fontRef>
-        </p:style>
-        <p:txBody>
-          <a:bodyPr rtlCol="0" anchor="ctr"/>
-          <a:lstStyle/>
-          <a:p>
-            <a:pPr algn="ctr"/>
-            <a:endParaRPr lang="ko-KR" altLang="en-US"/>
-          </a:p>
-        </p:txBody>
-      </p:sp>
-      <p:sp>
-        <p:nvSpPr>
-          <p:cNvPr id="14" name="타원 13">
-            <a:extLst>
-              <a:ext uri="{FF2B5EF4-FFF2-40B4-BE49-F238E27FC236}">
-                <a16:creationId xmlns:a16="http://schemas.microsoft.com/office/drawing/2014/main" id="{918C3A79-D717-40DF-B9DB-94169E23D823}"/>
-              </a:ext>
-            </a:extLst>
-          </p:cNvPr>
-          <p:cNvSpPr/>
-          <p:nvPr/>
-        </p:nvSpPr>
-        <p:spPr>
-          <a:xfrm>
-            <a:off x="5338318" y="1070766"/>
-            <a:ext cx="54660" cy="69374"/>
-          </a:xfrm>
-          <a:prstGeom prst="ellipse">
-            <a:avLst/>
-          </a:prstGeom>
-        </p:spPr>
-        <p:style>
-          <a:lnRef idx="2">
-            <a:schemeClr val="accent1">
-              <a:shade val="50000"/>
-            </a:schemeClr>
-          </a:lnRef>
-          <a:fillRef idx="1">
-            <a:schemeClr val="accent1"/>
-          </a:fillRef>
-          <a:effectRef idx="0">
-            <a:schemeClr val="accent1"/>
-          </a:effectRef>
-          <a:fontRef idx="minor">
-            <a:schemeClr val="lt1"/>
-          </a:fontRef>
-        </p:style>
-        <p:txBody>
-          <a:bodyPr rtlCol="0" anchor="ctr"/>
-          <a:lstStyle/>
-          <a:p>
-            <a:pPr algn="ctr"/>
-            <a:endParaRPr lang="ko-KR" altLang="en-US"/>
-          </a:p>
-        </p:txBody>
-      </p:sp>
-      <p:sp>
-        <p:nvSpPr>
-          <p:cNvPr id="15" name="타원 14">
-            <a:extLst>
-              <a:ext uri="{FF2B5EF4-FFF2-40B4-BE49-F238E27FC236}">
-                <a16:creationId xmlns:a16="http://schemas.microsoft.com/office/drawing/2014/main" id="{D14A3DA4-6A21-4DE2-BEB9-8BB8A3B02DAA}"/>
-              </a:ext>
-            </a:extLst>
-          </p:cNvPr>
-          <p:cNvSpPr/>
-          <p:nvPr/>
-        </p:nvSpPr>
-        <p:spPr>
-          <a:xfrm>
-            <a:off x="5627319" y="993219"/>
-            <a:ext cx="54660" cy="69374"/>
-          </a:xfrm>
-          <a:prstGeom prst="ellipse">
-            <a:avLst/>
-          </a:prstGeom>
-        </p:spPr>
-        <p:style>
-          <a:lnRef idx="2">
-            <a:schemeClr val="accent1">
-              <a:shade val="50000"/>
-            </a:schemeClr>
-          </a:lnRef>
-          <a:fillRef idx="1">
-            <a:schemeClr val="accent1"/>
-          </a:fillRef>
-          <a:effectRef idx="0">
-            <a:schemeClr val="accent1"/>
-          </a:effectRef>
-          <a:fontRef idx="minor">
-            <a:schemeClr val="lt1"/>
-          </a:fontRef>
-        </p:style>
-        <p:txBody>
-          <a:bodyPr rtlCol="0" anchor="ctr"/>
-          <a:lstStyle/>
-          <a:p>
-            <a:pPr algn="ctr"/>
-            <a:endParaRPr lang="ko-KR" altLang="en-US"/>
-          </a:p>
-        </p:txBody>
-      </p:sp>
-      <p:sp>
-        <p:nvSpPr>
-          <p:cNvPr id="16" name="타원 15">
-            <a:extLst>
-              <a:ext uri="{FF2B5EF4-FFF2-40B4-BE49-F238E27FC236}">
-                <a16:creationId xmlns:a16="http://schemas.microsoft.com/office/drawing/2014/main" id="{558F4AC8-FA4C-49C5-87D7-FD621AEFBC13}"/>
-              </a:ext>
-            </a:extLst>
-          </p:cNvPr>
-          <p:cNvSpPr/>
-          <p:nvPr/>
-        </p:nvSpPr>
-        <p:spPr>
-          <a:xfrm>
-            <a:off x="6730899" y="944960"/>
-            <a:ext cx="54660" cy="69374"/>
-          </a:xfrm>
-          <a:prstGeom prst="ellipse">
-            <a:avLst/>
-          </a:prstGeom>
-        </p:spPr>
-        <p:style>
-          <a:lnRef idx="2">
-            <a:schemeClr val="accent1">
-              <a:shade val="50000"/>
-            </a:schemeClr>
-          </a:lnRef>
-          <a:fillRef idx="1">
-            <a:schemeClr val="accent1"/>
-          </a:fillRef>
-          <a:effectRef idx="0">
-            <a:schemeClr val="accent1"/>
-          </a:effectRef>
-          <a:fontRef idx="minor">
-            <a:schemeClr val="lt1"/>
-          </a:fontRef>
-        </p:style>
-        <p:txBody>
-          <a:bodyPr rtlCol="0" anchor="ctr"/>
-          <a:lstStyle/>
-          <a:p>
-            <a:pPr algn="ctr"/>
-            <a:endParaRPr lang="ko-KR" altLang="en-US"/>
-          </a:p>
-        </p:txBody>
-      </p:sp>
-      <p:sp>
-        <p:nvSpPr>
-          <p:cNvPr id="17" name="타원 16">
-            <a:extLst>
-              <a:ext uri="{FF2B5EF4-FFF2-40B4-BE49-F238E27FC236}">
-                <a16:creationId xmlns:a16="http://schemas.microsoft.com/office/drawing/2014/main" id="{3051631D-C430-4BFD-A9C3-C188C699DB61}"/>
-              </a:ext>
-            </a:extLst>
-          </p:cNvPr>
-          <p:cNvSpPr/>
-          <p:nvPr/>
-        </p:nvSpPr>
-        <p:spPr>
-          <a:xfrm>
-            <a:off x="6894780" y="978852"/>
-            <a:ext cx="54660" cy="69374"/>
-          </a:xfrm>
-          <a:prstGeom prst="ellipse">
-            <a:avLst/>
-          </a:prstGeom>
-        </p:spPr>
-        <p:style>
-          <a:lnRef idx="2">
-            <a:schemeClr val="accent1">
-              <a:shade val="50000"/>
-            </a:schemeClr>
-          </a:lnRef>
-          <a:fillRef idx="1">
-            <a:schemeClr val="accent1"/>
-          </a:fillRef>
-          <a:effectRef idx="0">
-            <a:schemeClr val="accent1"/>
-          </a:effectRef>
-          <a:fontRef idx="minor">
-            <a:schemeClr val="lt1"/>
-          </a:fontRef>
-        </p:style>
-        <p:txBody>
-          <a:bodyPr rtlCol="0" anchor="ctr"/>
-          <a:lstStyle/>
-          <a:p>
-            <a:pPr algn="ctr"/>
-            <a:endParaRPr lang="ko-KR" altLang="en-US"/>
-          </a:p>
-        </p:txBody>
-      </p:sp>
-      <p:sp>
-        <p:nvSpPr>
-          <p:cNvPr id="18" name="타원 17">
-            <a:extLst>
-              <a:ext uri="{FF2B5EF4-FFF2-40B4-BE49-F238E27FC236}">
-                <a16:creationId xmlns:a16="http://schemas.microsoft.com/office/drawing/2014/main" id="{16BB8330-7B73-4E8E-A992-69EF251A6221}"/>
-              </a:ext>
-            </a:extLst>
-          </p:cNvPr>
-          <p:cNvSpPr/>
-          <p:nvPr/>
-        </p:nvSpPr>
-        <p:spPr>
-          <a:xfrm>
-            <a:off x="5460897" y="1052192"/>
-            <a:ext cx="45719" cy="53261"/>
-          </a:xfrm>
-          <a:prstGeom prst="ellipse">
-            <a:avLst/>
-          </a:prstGeom>
-        </p:spPr>
-        <p:style>
-          <a:lnRef idx="2">
-            <a:schemeClr val="accent1">
-              <a:shade val="50000"/>
-            </a:schemeClr>
-          </a:lnRef>
-          <a:fillRef idx="1">
-            <a:schemeClr val="accent1"/>
-          </a:fillRef>
-          <a:effectRef idx="0">
-            <a:schemeClr val="accent1"/>
-          </a:effectRef>
-          <a:fontRef idx="minor">
-            <a:schemeClr val="lt1"/>
-          </a:fontRef>
-        </p:style>
-        <p:txBody>
-          <a:bodyPr rtlCol="0" anchor="ctr"/>
-          <a:lstStyle/>
-          <a:p>
-            <a:pPr algn="ctr"/>
-            <a:endParaRPr lang="ko-KR" altLang="en-US"/>
-          </a:p>
-        </p:txBody>
-      </p:sp>
-      <p:sp>
-        <p:nvSpPr>
-          <p:cNvPr id="19" name="TextBox 18">
-            <a:extLst>
-              <a:ext uri="{FF2B5EF4-FFF2-40B4-BE49-F238E27FC236}">
-                <a16:creationId xmlns:a16="http://schemas.microsoft.com/office/drawing/2014/main" id="{CBE37928-685A-423A-89FF-EFBD513E3801}"/>
-              </a:ext>
-            </a:extLst>
-          </p:cNvPr>
-          <p:cNvSpPr txBox="1"/>
-          <p:nvPr/>
-        </p:nvSpPr>
-        <p:spPr>
-          <a:xfrm>
-            <a:off x="8910320" y="1372960"/>
-            <a:ext cx="3118161" cy="4524315"/>
-          </a:xfrm>
-          <a:prstGeom prst="rect">
-            <a:avLst/>
-          </a:prstGeom>
-          <a:noFill/>
-        </p:spPr>
-        <p:txBody>
-          <a:bodyPr wrap="none" rtlCol="0">
-            <a:spAutoFit/>
-          </a:bodyPr>
-          <a:lstStyle/>
-          <a:p>
-            <a:r>
-              <a:rPr lang="ko-KR" altLang="en-US" dirty="0"/>
-              <a:t>머리 위에서 타원 형으로</a:t>
-            </a:r>
-            <a:endParaRPr lang="en-US" altLang="ko-KR" dirty="0"/>
-          </a:p>
-          <a:p>
-            <a:r>
-              <a:rPr lang="ko-KR" altLang="en-US" dirty="0"/>
-              <a:t>옷들이 배치된다</a:t>
-            </a:r>
-            <a:endParaRPr lang="en-US" altLang="ko-KR" dirty="0"/>
-          </a:p>
-          <a:p>
-            <a:endParaRPr lang="en-US" altLang="ko-KR" dirty="0"/>
-          </a:p>
-          <a:p>
-            <a:r>
-              <a:rPr lang="ko-KR" altLang="en-US" dirty="0"/>
-              <a:t>화살표를 이용하여</a:t>
-            </a:r>
-            <a:endParaRPr lang="en-US" altLang="ko-KR" dirty="0"/>
-          </a:p>
-          <a:p>
-            <a:r>
-              <a:rPr lang="ko-KR" altLang="en-US" dirty="0"/>
-              <a:t>좌우로 돌아가게 할 수 있다</a:t>
-            </a:r>
-            <a:endParaRPr lang="en-US" altLang="ko-KR" dirty="0"/>
-          </a:p>
-          <a:p>
-            <a:r>
-              <a:rPr lang="en-US" altLang="ko-KR" dirty="0"/>
-              <a:t>Or</a:t>
-            </a:r>
-          </a:p>
-          <a:p>
-            <a:r>
-              <a:rPr lang="ko-KR" altLang="en-US" dirty="0"/>
-              <a:t>손을 좌에서 우로 이동하면 </a:t>
-            </a:r>
-            <a:endParaRPr lang="en-US" altLang="ko-KR" dirty="0"/>
-          </a:p>
-          <a:p>
-            <a:r>
-              <a:rPr lang="ko-KR" altLang="en-US" dirty="0"/>
-              <a:t>옷이 오른쪽으로 이동하고</a:t>
-            </a:r>
-            <a:endParaRPr lang="en-US" altLang="ko-KR" dirty="0"/>
-          </a:p>
-          <a:p>
-            <a:r>
-              <a:rPr lang="ko-KR" altLang="en-US" dirty="0"/>
-              <a:t>손을 우에서 좌로 이동하면</a:t>
-            </a:r>
-            <a:endParaRPr lang="en-US" altLang="ko-KR" dirty="0"/>
-          </a:p>
-          <a:p>
-            <a:r>
-              <a:rPr lang="ko-KR" altLang="en-US" dirty="0"/>
-              <a:t>옷이 왼쪽으로 </a:t>
-            </a:r>
-            <a:r>
-              <a:rPr lang="ko-KR" altLang="en-US" dirty="0" err="1"/>
-              <a:t>이동하게한다</a:t>
-            </a:r>
-            <a:endParaRPr lang="en-US" altLang="ko-KR" dirty="0"/>
-          </a:p>
-          <a:p>
-            <a:endParaRPr lang="en-US" altLang="ko-KR" dirty="0"/>
-          </a:p>
-          <a:p>
-            <a:r>
-              <a:rPr lang="ko-KR" altLang="en-US" dirty="0"/>
-              <a:t>장점 </a:t>
-            </a:r>
-            <a:r>
-              <a:rPr lang="en-US" altLang="ko-KR" dirty="0"/>
-              <a:t>– </a:t>
-            </a:r>
-            <a:r>
-              <a:rPr lang="ko-KR" altLang="en-US" dirty="0" err="1"/>
-              <a:t>재밌는</a:t>
-            </a:r>
-            <a:r>
-              <a:rPr lang="ko-KR" altLang="en-US" dirty="0"/>
-              <a:t> 디자인이다</a:t>
-            </a:r>
-            <a:endParaRPr lang="en-US" altLang="ko-KR" dirty="0"/>
-          </a:p>
-          <a:p>
-            <a:r>
-              <a:rPr lang="en-US" altLang="ko-KR" dirty="0"/>
-              <a:t>         </a:t>
-            </a:r>
-          </a:p>
-          <a:p>
-            <a:r>
-              <a:rPr lang="ko-KR" altLang="en-US" dirty="0"/>
-              <a:t>단점 </a:t>
-            </a:r>
-            <a:r>
-              <a:rPr lang="en-US" altLang="ko-KR" dirty="0"/>
-              <a:t>– </a:t>
-            </a:r>
-            <a:r>
-              <a:rPr lang="ko-KR" altLang="en-US" dirty="0"/>
-              <a:t>한번에 많은 옷을 </a:t>
-            </a:r>
-            <a:endParaRPr lang="en-US" altLang="ko-KR" dirty="0"/>
-          </a:p>
-          <a:p>
-            <a:r>
-              <a:rPr lang="en-US" altLang="ko-KR" dirty="0"/>
-              <a:t>         </a:t>
-            </a:r>
-            <a:r>
-              <a:rPr lang="ko-KR" altLang="en-US" dirty="0"/>
-              <a:t>볼 수 없다</a:t>
-            </a:r>
-            <a:endParaRPr lang="en-US" altLang="ko-KR" dirty="0"/>
-          </a:p>
-          <a:p>
-            <a:endParaRPr lang="en-US" altLang="ko-KR" dirty="0"/>
-          </a:p>
-        </p:txBody>
-      </p:sp>
-      <p:sp>
-        <p:nvSpPr>
-          <p:cNvPr id="20" name="이등변 삼각형 19">
-            <a:extLst>
-              <a:ext uri="{FF2B5EF4-FFF2-40B4-BE49-F238E27FC236}">
-                <a16:creationId xmlns:a16="http://schemas.microsoft.com/office/drawing/2014/main" id="{825B801C-D17B-4BE2-BDCE-A9A86976A3E0}"/>
-              </a:ext>
-            </a:extLst>
-          </p:cNvPr>
-          <p:cNvSpPr/>
-          <p:nvPr/>
-        </p:nvSpPr>
-        <p:spPr>
-          <a:xfrm rot="16200000">
-            <a:off x="4435459" y="2659184"/>
-            <a:ext cx="498403" cy="511277"/>
-          </a:xfrm>
-          <a:prstGeom prst="triangle">
-            <a:avLst/>
-          </a:prstGeom>
-        </p:spPr>
-        <p:style>
-          <a:lnRef idx="2">
-            <a:schemeClr val="accent1">
-              <a:shade val="50000"/>
-            </a:schemeClr>
-          </a:lnRef>
-          <a:fillRef idx="1">
-            <a:schemeClr val="accent1"/>
-          </a:fillRef>
-          <a:effectRef idx="0">
-            <a:schemeClr val="accent1"/>
-          </a:effectRef>
-          <a:fontRef idx="minor">
-            <a:schemeClr val="lt1"/>
-          </a:fontRef>
-        </p:style>
-        <p:txBody>
-          <a:bodyPr rtlCol="0" anchor="ctr"/>
-          <a:lstStyle/>
-          <a:p>
-            <a:pPr algn="ctr"/>
-            <a:endParaRPr lang="ko-KR" altLang="en-US"/>
-          </a:p>
-        </p:txBody>
-      </p:sp>
-      <p:sp>
-        <p:nvSpPr>
-          <p:cNvPr id="21" name="이등변 삼각형 20">
-            <a:extLst>
-              <a:ext uri="{FF2B5EF4-FFF2-40B4-BE49-F238E27FC236}">
-                <a16:creationId xmlns:a16="http://schemas.microsoft.com/office/drawing/2014/main" id="{E18465E8-FEAE-4300-81F0-FD9BE33F21D5}"/>
-              </a:ext>
-            </a:extLst>
-          </p:cNvPr>
-          <p:cNvSpPr/>
-          <p:nvPr/>
-        </p:nvSpPr>
-        <p:spPr>
-          <a:xfrm rot="5400000">
-            <a:off x="7485488" y="2659183"/>
-            <a:ext cx="498403" cy="511277"/>
-          </a:xfrm>
-          <a:prstGeom prst="triangle">
-            <a:avLst/>
-          </a:prstGeom>
-        </p:spPr>
-        <p:style>
-          <a:lnRef idx="2">
-            <a:schemeClr val="accent1">
-              <a:shade val="50000"/>
-            </a:schemeClr>
-          </a:lnRef>
-          <a:fillRef idx="1">
-            <a:schemeClr val="accent1"/>
-          </a:fillRef>
-          <a:effectRef idx="0">
-            <a:schemeClr val="accent1"/>
-          </a:effectRef>
-          <a:fontRef idx="minor">
-            <a:schemeClr val="lt1"/>
-          </a:fontRef>
-        </p:style>
-        <p:txBody>
-          <a:bodyPr rtlCol="0" anchor="ctr"/>
-          <a:lstStyle/>
-          <a:p>
-            <a:pPr algn="ctr"/>
-            <a:endParaRPr lang="ko-KR" altLang="en-US"/>
-          </a:p>
-        </p:txBody>
-      </p:sp>
     </p:spTree>
     <p:extLst>
       <p:ext uri="{BB962C8B-B14F-4D97-AF65-F5344CB8AC3E}">
-        <p14:creationId xmlns:p14="http://schemas.microsoft.com/office/powerpoint/2010/main" val="3221503357"/>
+        <p14:creationId xmlns:p14="http://schemas.microsoft.com/office/powerpoint/2010/main" val="1763868889"/>
       </p:ext>
     </p:extLst>
   </p:cSld>
@@ -8458,7 +8554,7 @@
           <p:cNvPr id="2" name="제목 1">
             <a:extLst>
               <a:ext uri="{FF2B5EF4-FFF2-40B4-BE49-F238E27FC236}">
-                <a16:creationId xmlns:a16="http://schemas.microsoft.com/office/drawing/2014/main" id="{004B6B19-4B0F-4D9E-AA2E-2D93DBE1FDE8}"/>
+                <a16:creationId xmlns:a16="http://schemas.microsoft.com/office/drawing/2014/main" id="{FADA963E-F77B-49EE-B198-BCBC60F5CA7B}"/>
               </a:ext>
             </a:extLst>
           </p:cNvPr>
@@ -8476,8 +8572,13 @@
           <a:p>
             <a:r>
               <a:rPr lang="ko-KR" altLang="en-US" dirty="0"/>
-              <a:t>오버레이 화면</a:t>
-            </a:r>
+              <a:t>목록화면</a:t>
+            </a:r>
+            <a:r>
+              <a:rPr lang="en-US" altLang="ko-KR" dirty="0"/>
+              <a:t>(3)</a:t>
+            </a:r>
+            <a:endParaRPr lang="ko-KR" altLang="en-US" dirty="0"/>
           </a:p>
         </p:txBody>
       </p:sp>
@@ -8486,7 +8587,7 @@
           <p:cNvPr id="4" name="내용 개체 틀 3">
             <a:extLst>
               <a:ext uri="{FF2B5EF4-FFF2-40B4-BE49-F238E27FC236}">
-                <a16:creationId xmlns:a16="http://schemas.microsoft.com/office/drawing/2014/main" id="{6CC133D3-1D69-473F-8C05-5537E578312A}"/>
+                <a16:creationId xmlns:a16="http://schemas.microsoft.com/office/drawing/2014/main" id="{0DC64D5B-DDF0-41C9-BAD5-26A56AC585DD}"/>
               </a:ext>
             </a:extLst>
           </p:cNvPr>
@@ -8503,7 +8604,7 @@
         </p:blipFill>
         <p:spPr>
           <a:xfrm>
-            <a:off x="838200" y="1690688"/>
+            <a:off x="3784600" y="2141537"/>
             <a:ext cx="4894707" cy="4351338"/>
           </a:xfrm>
           <a:prstGeom prst="rect">
@@ -8516,7 +8617,7 @@
           <p:cNvPr id="5" name="직사각형 4">
             <a:extLst>
               <a:ext uri="{FF2B5EF4-FFF2-40B4-BE49-F238E27FC236}">
-                <a16:creationId xmlns:a16="http://schemas.microsoft.com/office/drawing/2014/main" id="{8783E420-3634-4577-A5F3-DE3C8F46E103}"/>
+                <a16:creationId xmlns:a16="http://schemas.microsoft.com/office/drawing/2014/main" id="{D3C6EF9E-E8AB-4189-A495-17FA36C51FF0}"/>
               </a:ext>
             </a:extLst>
           </p:cNvPr>
@@ -8525,8 +8626,8 @@
         </p:nvSpPr>
         <p:spPr>
           <a:xfrm>
-            <a:off x="2623870" y="2645270"/>
-            <a:ext cx="1290905" cy="1567459"/>
+            <a:off x="5737199" y="1584960"/>
+            <a:ext cx="876961" cy="897412"/>
           </a:xfrm>
           <a:prstGeom prst="rect">
             <a:avLst/>
@@ -8567,169 +8668,624 @@
           </a:p>
         </p:txBody>
       </p:sp>
-      <p:graphicFrame>
-        <p:nvGraphicFramePr>
-          <p:cNvPr id="6" name="표 5">
-            <a:extLst>
-              <a:ext uri="{FF2B5EF4-FFF2-40B4-BE49-F238E27FC236}">
-                <a16:creationId xmlns:a16="http://schemas.microsoft.com/office/drawing/2014/main" id="{C9997A80-668F-48A8-80B1-1CFC6A5C7AB4}"/>
-              </a:ext>
-            </a:extLst>
-          </p:cNvPr>
-          <p:cNvGraphicFramePr>
-            <a:graphicFrameLocks noGrp="1"/>
-          </p:cNvGraphicFramePr>
-          <p:nvPr>
-            <p:extLst>
-              <p:ext uri="{D42A27DB-BD31-4B8C-83A1-F6EECF244321}">
-                <p14:modId xmlns:p14="http://schemas.microsoft.com/office/powerpoint/2010/main" val="1244962473"/>
-              </p:ext>
-            </p:extLst>
-          </p:nvPr>
-        </p:nvGraphicFramePr>
-        <p:xfrm>
-          <a:off x="4114229" y="2131059"/>
-          <a:ext cx="1618678" cy="2308322"/>
-        </p:xfrm>
-        <a:graphic>
-          <a:graphicData uri="http://schemas.openxmlformats.org/drawingml/2006/table">
-            <a:tbl>
-              <a:tblPr>
-                <a:tableStyleId>{C4B1156A-380E-4F78-BDF5-A606A8083BF9}</a:tableStyleId>
-              </a:tblPr>
-              <a:tblGrid>
-                <a:gridCol w="1618678">
-                  <a:extLst>
-                    <a:ext uri="{9D8B030D-6E8A-4147-A177-3AD203B41FA5}">
-                      <a16:colId xmlns:a16="http://schemas.microsoft.com/office/drawing/2014/main" val="2750948999"/>
-                    </a:ext>
-                  </a:extLst>
-                </a:gridCol>
-              </a:tblGrid>
-              <a:tr h="573377">
-                <a:tc>
-                  <a:txBody>
-                    <a:bodyPr/>
-                    <a:lstStyle/>
-                    <a:p>
-                      <a:pPr latinLnBrk="1"/>
-                      <a:r>
-                        <a:rPr lang="ko-KR" altLang="en-US" dirty="0"/>
-                        <a:t>추천</a:t>
-                      </a:r>
-                    </a:p>
-                  </a:txBody>
-                  <a:tcPr/>
-                </a:tc>
-                <a:extLst>
-                  <a:ext uri="{0D108BD9-81ED-4DB2-BD59-A6C34878D82A}">
-                    <a16:rowId xmlns:a16="http://schemas.microsoft.com/office/drawing/2014/main" val="3884695047"/>
-                  </a:ext>
-                </a:extLst>
-              </a:tr>
-              <a:tr h="573377">
-                <a:tc>
-                  <a:txBody>
-                    <a:bodyPr/>
-                    <a:lstStyle/>
-                    <a:p>
-                      <a:pPr latinLnBrk="1"/>
-                      <a:r>
-                        <a:rPr lang="ko-KR" altLang="en-US" dirty="0"/>
-                        <a:t>목록</a:t>
-                      </a:r>
-                    </a:p>
-                  </a:txBody>
-                  <a:tcPr/>
-                </a:tc>
-                <a:extLst>
-                  <a:ext uri="{0D108BD9-81ED-4DB2-BD59-A6C34878D82A}">
-                    <a16:rowId xmlns:a16="http://schemas.microsoft.com/office/drawing/2014/main" val="3546185854"/>
-                  </a:ext>
-                </a:extLst>
-              </a:tr>
-              <a:tr h="573377">
-                <a:tc>
-                  <a:txBody>
-                    <a:bodyPr/>
-                    <a:lstStyle/>
-                    <a:p>
-                      <a:pPr latinLnBrk="1"/>
-                      <a:r>
-                        <a:rPr lang="ko-KR" altLang="en-US" dirty="0"/>
-                        <a:t>구매</a:t>
-                      </a:r>
-                    </a:p>
-                  </a:txBody>
-                  <a:tcPr/>
-                </a:tc>
-                <a:extLst>
-                  <a:ext uri="{0D108BD9-81ED-4DB2-BD59-A6C34878D82A}">
-                    <a16:rowId xmlns:a16="http://schemas.microsoft.com/office/drawing/2014/main" val="3600756719"/>
-                  </a:ext>
-                </a:extLst>
-              </a:tr>
-              <a:tr h="588191">
-                <a:tc>
-                  <a:txBody>
-                    <a:bodyPr/>
-                    <a:lstStyle/>
-                    <a:p>
-                      <a:pPr latinLnBrk="1"/>
-                      <a:r>
-                        <a:rPr lang="ko-KR" altLang="en-US" dirty="0"/>
-                        <a:t>찜</a:t>
-                      </a:r>
-                    </a:p>
-                  </a:txBody>
-                  <a:tcPr/>
-                </a:tc>
-                <a:extLst>
-                  <a:ext uri="{0D108BD9-81ED-4DB2-BD59-A6C34878D82A}">
-                    <a16:rowId xmlns:a16="http://schemas.microsoft.com/office/drawing/2014/main" val="2952049210"/>
-                  </a:ext>
-                </a:extLst>
-              </a:tr>
-            </a:tbl>
-          </a:graphicData>
-        </a:graphic>
-      </p:graphicFrame>
-      <p:pic>
-        <p:nvPicPr>
-          <p:cNvPr id="18" name="그림 17">
-            <a:extLst>
-              <a:ext uri="{FF2B5EF4-FFF2-40B4-BE49-F238E27FC236}">
-                <a16:creationId xmlns:a16="http://schemas.microsoft.com/office/drawing/2014/main" id="{A554B26D-8AC3-43D2-8E99-643BAA2ECEB3}"/>
-              </a:ext>
-            </a:extLst>
-          </p:cNvPr>
-          <p:cNvPicPr>
-            <a:picLocks noChangeAspect="1"/>
-          </p:cNvPicPr>
+      <p:sp>
+        <p:nvSpPr>
+          <p:cNvPr id="6" name="직사각형 5">
+            <a:extLst>
+              <a:ext uri="{FF2B5EF4-FFF2-40B4-BE49-F238E27FC236}">
+                <a16:creationId xmlns:a16="http://schemas.microsoft.com/office/drawing/2014/main" id="{A84BB32B-035F-4A1D-ABF4-A988EF6A1BA3}"/>
+              </a:ext>
+            </a:extLst>
+          </p:cNvPr>
+          <p:cNvSpPr/>
           <p:nvPr/>
-        </p:nvPicPr>
-        <p:blipFill>
-          <a:blip r:embed="rId4"/>
-          <a:stretch>
-            <a:fillRect/>
-          </a:stretch>
-        </p:blipFill>
-        <p:spPr>
-          <a:xfrm>
-            <a:off x="838200" y="1690688"/>
-            <a:ext cx="1380952" cy="2428571"/>
+        </p:nvSpPr>
+        <p:spPr>
+          <a:xfrm>
+            <a:off x="6724599" y="1584960"/>
+            <a:ext cx="631241" cy="668020"/>
           </a:xfrm>
           <a:prstGeom prst="rect">
             <a:avLst/>
           </a:prstGeom>
-        </p:spPr>
-      </p:pic>
-      <p:sp>
-        <p:nvSpPr>
-          <p:cNvPr id="20" name="TextBox 19">
-            <a:extLst>
-              <a:ext uri="{FF2B5EF4-FFF2-40B4-BE49-F238E27FC236}">
-                <a16:creationId xmlns:a16="http://schemas.microsoft.com/office/drawing/2014/main" id="{533949C0-7155-4EDD-930B-AB4696F5C499}"/>
+          <a:blipFill dpi="0" rotWithShape="1">
+            <a:blip r:embed="rId4"/>
+            <a:srcRect/>
+            <a:stretch>
+              <a:fillRect/>
+            </a:stretch>
+          </a:blipFill>
+          <a:ln>
+            <a:noFill/>
+          </a:ln>
+        </p:spPr>
+        <p:style>
+          <a:lnRef idx="2">
+            <a:schemeClr val="accent1">
+              <a:shade val="50000"/>
+            </a:schemeClr>
+          </a:lnRef>
+          <a:fillRef idx="1">
+            <a:schemeClr val="accent1"/>
+          </a:fillRef>
+          <a:effectRef idx="0">
+            <a:schemeClr val="accent1"/>
+          </a:effectRef>
+          <a:fontRef idx="minor">
+            <a:schemeClr val="lt1"/>
+          </a:fontRef>
+        </p:style>
+        <p:txBody>
+          <a:bodyPr rtlCol="0" anchor="ctr"/>
+          <a:lstStyle/>
+          <a:p>
+            <a:pPr algn="ctr"/>
+            <a:endParaRPr lang="ko-KR" altLang="en-US" dirty="0"/>
+          </a:p>
+        </p:txBody>
+      </p:sp>
+      <p:sp>
+        <p:nvSpPr>
+          <p:cNvPr id="7" name="직사각형 6">
+            <a:extLst>
+              <a:ext uri="{FF2B5EF4-FFF2-40B4-BE49-F238E27FC236}">
+                <a16:creationId xmlns:a16="http://schemas.microsoft.com/office/drawing/2014/main" id="{4199F35B-CF20-4DFD-9560-535A35B7C6F5}"/>
+              </a:ext>
+            </a:extLst>
+          </p:cNvPr>
+          <p:cNvSpPr/>
+          <p:nvPr/>
+        </p:nvSpPr>
+        <p:spPr>
+          <a:xfrm>
+            <a:off x="5050738" y="1582103"/>
+            <a:ext cx="631241" cy="668020"/>
+          </a:xfrm>
+          <a:prstGeom prst="rect">
+            <a:avLst/>
+          </a:prstGeom>
+          <a:blipFill dpi="0" rotWithShape="1">
+            <a:blip r:embed="rId4"/>
+            <a:srcRect/>
+            <a:stretch>
+              <a:fillRect/>
+            </a:stretch>
+          </a:blipFill>
+          <a:ln>
+            <a:noFill/>
+          </a:ln>
+        </p:spPr>
+        <p:style>
+          <a:lnRef idx="2">
+            <a:schemeClr val="accent1">
+              <a:shade val="50000"/>
+            </a:schemeClr>
+          </a:lnRef>
+          <a:fillRef idx="1">
+            <a:schemeClr val="accent1"/>
+          </a:fillRef>
+          <a:effectRef idx="0">
+            <a:schemeClr val="accent1"/>
+          </a:effectRef>
+          <a:fontRef idx="minor">
+            <a:schemeClr val="lt1"/>
+          </a:fontRef>
+        </p:style>
+        <p:txBody>
+          <a:bodyPr rtlCol="0" anchor="ctr"/>
+          <a:lstStyle/>
+          <a:p>
+            <a:pPr algn="ctr"/>
+            <a:endParaRPr lang="ko-KR" altLang="en-US" dirty="0"/>
+          </a:p>
+        </p:txBody>
+      </p:sp>
+      <p:sp>
+        <p:nvSpPr>
+          <p:cNvPr id="8" name="직사각형 7">
+            <a:extLst>
+              <a:ext uri="{FF2B5EF4-FFF2-40B4-BE49-F238E27FC236}">
+                <a16:creationId xmlns:a16="http://schemas.microsoft.com/office/drawing/2014/main" id="{9D0A0CCB-E7EE-4F28-ADF0-39C0248C4EB5}"/>
+              </a:ext>
+            </a:extLst>
+          </p:cNvPr>
+          <p:cNvSpPr/>
+          <p:nvPr/>
+        </p:nvSpPr>
+        <p:spPr>
+          <a:xfrm>
+            <a:off x="7456119" y="1325721"/>
+            <a:ext cx="460401" cy="512763"/>
+          </a:xfrm>
+          <a:prstGeom prst="rect">
+            <a:avLst/>
+          </a:prstGeom>
+          <a:blipFill dpi="0" rotWithShape="1">
+            <a:blip r:embed="rId3"/>
+            <a:srcRect/>
+            <a:stretch>
+              <a:fillRect/>
+            </a:stretch>
+          </a:blipFill>
+          <a:ln>
+            <a:noFill/>
+          </a:ln>
+        </p:spPr>
+        <p:style>
+          <a:lnRef idx="2">
+            <a:schemeClr val="accent1">
+              <a:shade val="50000"/>
+            </a:schemeClr>
+          </a:lnRef>
+          <a:fillRef idx="1">
+            <a:schemeClr val="accent1"/>
+          </a:fillRef>
+          <a:effectRef idx="0">
+            <a:schemeClr val="accent1"/>
+          </a:effectRef>
+          <a:fontRef idx="minor">
+            <a:schemeClr val="lt1"/>
+          </a:fontRef>
+        </p:style>
+        <p:txBody>
+          <a:bodyPr rtlCol="0" anchor="ctr"/>
+          <a:lstStyle/>
+          <a:p>
+            <a:pPr algn="ctr"/>
+            <a:endParaRPr lang="ko-KR" altLang="en-US"/>
+          </a:p>
+        </p:txBody>
+      </p:sp>
+      <p:sp>
+        <p:nvSpPr>
+          <p:cNvPr id="10" name="직사각형 9">
+            <a:extLst>
+              <a:ext uri="{FF2B5EF4-FFF2-40B4-BE49-F238E27FC236}">
+                <a16:creationId xmlns:a16="http://schemas.microsoft.com/office/drawing/2014/main" id="{57F20438-5447-4573-BEBD-9653F801E3F8}"/>
+              </a:ext>
+            </a:extLst>
+          </p:cNvPr>
+          <p:cNvSpPr/>
+          <p:nvPr/>
+        </p:nvSpPr>
+        <p:spPr>
+          <a:xfrm>
+            <a:off x="4479898" y="1325721"/>
+            <a:ext cx="460401" cy="512763"/>
+          </a:xfrm>
+          <a:prstGeom prst="rect">
+            <a:avLst/>
+          </a:prstGeom>
+          <a:blipFill dpi="0" rotWithShape="1">
+            <a:blip r:embed="rId3"/>
+            <a:srcRect/>
+            <a:stretch>
+              <a:fillRect/>
+            </a:stretch>
+          </a:blipFill>
+          <a:ln>
+            <a:noFill/>
+          </a:ln>
+        </p:spPr>
+        <p:style>
+          <a:lnRef idx="2">
+            <a:schemeClr val="accent1">
+              <a:shade val="50000"/>
+            </a:schemeClr>
+          </a:lnRef>
+          <a:fillRef idx="1">
+            <a:schemeClr val="accent1"/>
+          </a:fillRef>
+          <a:effectRef idx="0">
+            <a:schemeClr val="accent1"/>
+          </a:effectRef>
+          <a:fontRef idx="minor">
+            <a:schemeClr val="lt1"/>
+          </a:fontRef>
+        </p:style>
+        <p:txBody>
+          <a:bodyPr rtlCol="0" anchor="ctr"/>
+          <a:lstStyle/>
+          <a:p>
+            <a:pPr algn="ctr"/>
+            <a:endParaRPr lang="ko-KR" altLang="en-US"/>
+          </a:p>
+        </p:txBody>
+      </p:sp>
+      <p:sp>
+        <p:nvSpPr>
+          <p:cNvPr id="11" name="직사각형 10">
+            <a:extLst>
+              <a:ext uri="{FF2B5EF4-FFF2-40B4-BE49-F238E27FC236}">
+                <a16:creationId xmlns:a16="http://schemas.microsoft.com/office/drawing/2014/main" id="{6E654F82-B47B-4490-8D67-92463A6B4BA2}"/>
+              </a:ext>
+            </a:extLst>
+          </p:cNvPr>
+          <p:cNvSpPr/>
+          <p:nvPr/>
+        </p:nvSpPr>
+        <p:spPr>
+          <a:xfrm>
+            <a:off x="4871667" y="1140141"/>
+            <a:ext cx="247704" cy="147639"/>
+          </a:xfrm>
+          <a:prstGeom prst="rect">
+            <a:avLst/>
+          </a:prstGeom>
+          <a:blipFill dpi="0" rotWithShape="1">
+            <a:blip r:embed="rId4"/>
+            <a:srcRect/>
+            <a:stretch>
+              <a:fillRect/>
+            </a:stretch>
+          </a:blipFill>
+          <a:ln>
+            <a:noFill/>
+          </a:ln>
+        </p:spPr>
+        <p:style>
+          <a:lnRef idx="2">
+            <a:schemeClr val="accent1">
+              <a:shade val="50000"/>
+            </a:schemeClr>
+          </a:lnRef>
+          <a:fillRef idx="1">
+            <a:schemeClr val="accent1"/>
+          </a:fillRef>
+          <a:effectRef idx="0">
+            <a:schemeClr val="accent1"/>
+          </a:effectRef>
+          <a:fontRef idx="minor">
+            <a:schemeClr val="lt1"/>
+          </a:fontRef>
+        </p:style>
+        <p:txBody>
+          <a:bodyPr rtlCol="0" anchor="ctr"/>
+          <a:lstStyle/>
+          <a:p>
+            <a:pPr algn="ctr"/>
+            <a:endParaRPr lang="ko-KR" altLang="en-US" dirty="0"/>
+          </a:p>
+        </p:txBody>
+      </p:sp>
+      <p:sp>
+        <p:nvSpPr>
+          <p:cNvPr id="12" name="직사각형 11">
+            <a:extLst>
+              <a:ext uri="{FF2B5EF4-FFF2-40B4-BE49-F238E27FC236}">
+                <a16:creationId xmlns:a16="http://schemas.microsoft.com/office/drawing/2014/main" id="{B59C0136-6A19-469D-AF93-B79763E036C6}"/>
+              </a:ext>
+            </a:extLst>
+          </p:cNvPr>
+          <p:cNvSpPr/>
+          <p:nvPr/>
+        </p:nvSpPr>
+        <p:spPr>
+          <a:xfrm>
+            <a:off x="7231988" y="1140140"/>
+            <a:ext cx="247704" cy="147639"/>
+          </a:xfrm>
+          <a:prstGeom prst="rect">
+            <a:avLst/>
+          </a:prstGeom>
+          <a:blipFill dpi="0" rotWithShape="1">
+            <a:blip r:embed="rId4"/>
+            <a:srcRect/>
+            <a:stretch>
+              <a:fillRect/>
+            </a:stretch>
+          </a:blipFill>
+          <a:ln>
+            <a:noFill/>
+          </a:ln>
+        </p:spPr>
+        <p:style>
+          <a:lnRef idx="2">
+            <a:schemeClr val="accent1">
+              <a:shade val="50000"/>
+            </a:schemeClr>
+          </a:lnRef>
+          <a:fillRef idx="1">
+            <a:schemeClr val="accent1"/>
+          </a:fillRef>
+          <a:effectRef idx="0">
+            <a:schemeClr val="accent1"/>
+          </a:effectRef>
+          <a:fontRef idx="minor">
+            <a:schemeClr val="lt1"/>
+          </a:fontRef>
+        </p:style>
+        <p:txBody>
+          <a:bodyPr rtlCol="0" anchor="ctr"/>
+          <a:lstStyle/>
+          <a:p>
+            <a:pPr algn="ctr"/>
+            <a:endParaRPr lang="ko-KR" altLang="en-US" dirty="0"/>
+          </a:p>
+        </p:txBody>
+      </p:sp>
+      <p:sp>
+        <p:nvSpPr>
+          <p:cNvPr id="13" name="타원 12">
+            <a:extLst>
+              <a:ext uri="{FF2B5EF4-FFF2-40B4-BE49-F238E27FC236}">
+                <a16:creationId xmlns:a16="http://schemas.microsoft.com/office/drawing/2014/main" id="{56D09819-B0A5-47EC-9147-1F1DA32F7F74}"/>
+              </a:ext>
+            </a:extLst>
+          </p:cNvPr>
+          <p:cNvSpPr/>
+          <p:nvPr/>
+        </p:nvSpPr>
+        <p:spPr>
+          <a:xfrm>
+            <a:off x="7040219" y="1039812"/>
+            <a:ext cx="54660" cy="69374"/>
+          </a:xfrm>
+          <a:prstGeom prst="ellipse">
+            <a:avLst/>
+          </a:prstGeom>
+        </p:spPr>
+        <p:style>
+          <a:lnRef idx="2">
+            <a:schemeClr val="accent1">
+              <a:shade val="50000"/>
+            </a:schemeClr>
+          </a:lnRef>
+          <a:fillRef idx="1">
+            <a:schemeClr val="accent1"/>
+          </a:fillRef>
+          <a:effectRef idx="0">
+            <a:schemeClr val="accent1"/>
+          </a:effectRef>
+          <a:fontRef idx="minor">
+            <a:schemeClr val="lt1"/>
+          </a:fontRef>
+        </p:style>
+        <p:txBody>
+          <a:bodyPr rtlCol="0" anchor="ctr"/>
+          <a:lstStyle/>
+          <a:p>
+            <a:pPr algn="ctr"/>
+            <a:endParaRPr lang="ko-KR" altLang="en-US"/>
+          </a:p>
+        </p:txBody>
+      </p:sp>
+      <p:sp>
+        <p:nvSpPr>
+          <p:cNvPr id="14" name="타원 13">
+            <a:extLst>
+              <a:ext uri="{FF2B5EF4-FFF2-40B4-BE49-F238E27FC236}">
+                <a16:creationId xmlns:a16="http://schemas.microsoft.com/office/drawing/2014/main" id="{918C3A79-D717-40DF-B9DB-94169E23D823}"/>
+              </a:ext>
+            </a:extLst>
+          </p:cNvPr>
+          <p:cNvSpPr/>
+          <p:nvPr/>
+        </p:nvSpPr>
+        <p:spPr>
+          <a:xfrm>
+            <a:off x="5338318" y="1070766"/>
+            <a:ext cx="54660" cy="69374"/>
+          </a:xfrm>
+          <a:prstGeom prst="ellipse">
+            <a:avLst/>
+          </a:prstGeom>
+        </p:spPr>
+        <p:style>
+          <a:lnRef idx="2">
+            <a:schemeClr val="accent1">
+              <a:shade val="50000"/>
+            </a:schemeClr>
+          </a:lnRef>
+          <a:fillRef idx="1">
+            <a:schemeClr val="accent1"/>
+          </a:fillRef>
+          <a:effectRef idx="0">
+            <a:schemeClr val="accent1"/>
+          </a:effectRef>
+          <a:fontRef idx="minor">
+            <a:schemeClr val="lt1"/>
+          </a:fontRef>
+        </p:style>
+        <p:txBody>
+          <a:bodyPr rtlCol="0" anchor="ctr"/>
+          <a:lstStyle/>
+          <a:p>
+            <a:pPr algn="ctr"/>
+            <a:endParaRPr lang="ko-KR" altLang="en-US"/>
+          </a:p>
+        </p:txBody>
+      </p:sp>
+      <p:sp>
+        <p:nvSpPr>
+          <p:cNvPr id="15" name="타원 14">
+            <a:extLst>
+              <a:ext uri="{FF2B5EF4-FFF2-40B4-BE49-F238E27FC236}">
+                <a16:creationId xmlns:a16="http://schemas.microsoft.com/office/drawing/2014/main" id="{D14A3DA4-6A21-4DE2-BEB9-8BB8A3B02DAA}"/>
+              </a:ext>
+            </a:extLst>
+          </p:cNvPr>
+          <p:cNvSpPr/>
+          <p:nvPr/>
+        </p:nvSpPr>
+        <p:spPr>
+          <a:xfrm>
+            <a:off x="5627319" y="993219"/>
+            <a:ext cx="54660" cy="69374"/>
+          </a:xfrm>
+          <a:prstGeom prst="ellipse">
+            <a:avLst/>
+          </a:prstGeom>
+        </p:spPr>
+        <p:style>
+          <a:lnRef idx="2">
+            <a:schemeClr val="accent1">
+              <a:shade val="50000"/>
+            </a:schemeClr>
+          </a:lnRef>
+          <a:fillRef idx="1">
+            <a:schemeClr val="accent1"/>
+          </a:fillRef>
+          <a:effectRef idx="0">
+            <a:schemeClr val="accent1"/>
+          </a:effectRef>
+          <a:fontRef idx="minor">
+            <a:schemeClr val="lt1"/>
+          </a:fontRef>
+        </p:style>
+        <p:txBody>
+          <a:bodyPr rtlCol="0" anchor="ctr"/>
+          <a:lstStyle/>
+          <a:p>
+            <a:pPr algn="ctr"/>
+            <a:endParaRPr lang="ko-KR" altLang="en-US"/>
+          </a:p>
+        </p:txBody>
+      </p:sp>
+      <p:sp>
+        <p:nvSpPr>
+          <p:cNvPr id="16" name="타원 15">
+            <a:extLst>
+              <a:ext uri="{FF2B5EF4-FFF2-40B4-BE49-F238E27FC236}">
+                <a16:creationId xmlns:a16="http://schemas.microsoft.com/office/drawing/2014/main" id="{558F4AC8-FA4C-49C5-87D7-FD621AEFBC13}"/>
+              </a:ext>
+            </a:extLst>
+          </p:cNvPr>
+          <p:cNvSpPr/>
+          <p:nvPr/>
+        </p:nvSpPr>
+        <p:spPr>
+          <a:xfrm>
+            <a:off x="6730899" y="944960"/>
+            <a:ext cx="54660" cy="69374"/>
+          </a:xfrm>
+          <a:prstGeom prst="ellipse">
+            <a:avLst/>
+          </a:prstGeom>
+        </p:spPr>
+        <p:style>
+          <a:lnRef idx="2">
+            <a:schemeClr val="accent1">
+              <a:shade val="50000"/>
+            </a:schemeClr>
+          </a:lnRef>
+          <a:fillRef idx="1">
+            <a:schemeClr val="accent1"/>
+          </a:fillRef>
+          <a:effectRef idx="0">
+            <a:schemeClr val="accent1"/>
+          </a:effectRef>
+          <a:fontRef idx="minor">
+            <a:schemeClr val="lt1"/>
+          </a:fontRef>
+        </p:style>
+        <p:txBody>
+          <a:bodyPr rtlCol="0" anchor="ctr"/>
+          <a:lstStyle/>
+          <a:p>
+            <a:pPr algn="ctr"/>
+            <a:endParaRPr lang="ko-KR" altLang="en-US"/>
+          </a:p>
+        </p:txBody>
+      </p:sp>
+      <p:sp>
+        <p:nvSpPr>
+          <p:cNvPr id="17" name="타원 16">
+            <a:extLst>
+              <a:ext uri="{FF2B5EF4-FFF2-40B4-BE49-F238E27FC236}">
+                <a16:creationId xmlns:a16="http://schemas.microsoft.com/office/drawing/2014/main" id="{3051631D-C430-4BFD-A9C3-C188C699DB61}"/>
+              </a:ext>
+            </a:extLst>
+          </p:cNvPr>
+          <p:cNvSpPr/>
+          <p:nvPr/>
+        </p:nvSpPr>
+        <p:spPr>
+          <a:xfrm>
+            <a:off x="6894780" y="978852"/>
+            <a:ext cx="54660" cy="69374"/>
+          </a:xfrm>
+          <a:prstGeom prst="ellipse">
+            <a:avLst/>
+          </a:prstGeom>
+        </p:spPr>
+        <p:style>
+          <a:lnRef idx="2">
+            <a:schemeClr val="accent1">
+              <a:shade val="50000"/>
+            </a:schemeClr>
+          </a:lnRef>
+          <a:fillRef idx="1">
+            <a:schemeClr val="accent1"/>
+          </a:fillRef>
+          <a:effectRef idx="0">
+            <a:schemeClr val="accent1"/>
+          </a:effectRef>
+          <a:fontRef idx="minor">
+            <a:schemeClr val="lt1"/>
+          </a:fontRef>
+        </p:style>
+        <p:txBody>
+          <a:bodyPr rtlCol="0" anchor="ctr"/>
+          <a:lstStyle/>
+          <a:p>
+            <a:pPr algn="ctr"/>
+            <a:endParaRPr lang="ko-KR" altLang="en-US"/>
+          </a:p>
+        </p:txBody>
+      </p:sp>
+      <p:sp>
+        <p:nvSpPr>
+          <p:cNvPr id="18" name="타원 17">
+            <a:extLst>
+              <a:ext uri="{FF2B5EF4-FFF2-40B4-BE49-F238E27FC236}">
+                <a16:creationId xmlns:a16="http://schemas.microsoft.com/office/drawing/2014/main" id="{16BB8330-7B73-4E8E-A992-69EF251A6221}"/>
+              </a:ext>
+            </a:extLst>
+          </p:cNvPr>
+          <p:cNvSpPr/>
+          <p:nvPr/>
+        </p:nvSpPr>
+        <p:spPr>
+          <a:xfrm>
+            <a:off x="5460897" y="1052192"/>
+            <a:ext cx="45719" cy="53261"/>
+          </a:xfrm>
+          <a:prstGeom prst="ellipse">
+            <a:avLst/>
+          </a:prstGeom>
+        </p:spPr>
+        <p:style>
+          <a:lnRef idx="2">
+            <a:schemeClr val="accent1">
+              <a:shade val="50000"/>
+            </a:schemeClr>
+          </a:lnRef>
+          <a:fillRef idx="1">
+            <a:schemeClr val="accent1"/>
+          </a:fillRef>
+          <a:effectRef idx="0">
+            <a:schemeClr val="accent1"/>
+          </a:effectRef>
+          <a:fontRef idx="minor">
+            <a:schemeClr val="lt1"/>
+          </a:fontRef>
+        </p:style>
+        <p:txBody>
+          <a:bodyPr rtlCol="0" anchor="ctr"/>
+          <a:lstStyle/>
+          <a:p>
+            <a:pPr algn="ctr"/>
+            <a:endParaRPr lang="ko-KR" altLang="en-US"/>
+          </a:p>
+        </p:txBody>
+      </p:sp>
+      <p:sp>
+        <p:nvSpPr>
+          <p:cNvPr id="19" name="TextBox 18">
+            <a:extLst>
+              <a:ext uri="{FF2B5EF4-FFF2-40B4-BE49-F238E27FC236}">
+                <a16:creationId xmlns:a16="http://schemas.microsoft.com/office/drawing/2014/main" id="{CBE37928-685A-423A-89FF-EFBD513E3801}"/>
               </a:ext>
             </a:extLst>
           </p:cNvPr>
@@ -8738,8 +9294,8 @@
         </p:nvSpPr>
         <p:spPr>
           <a:xfrm>
-            <a:off x="6343650" y="1690688"/>
-            <a:ext cx="4979248" cy="3139321"/>
+            <a:off x="8910320" y="1372960"/>
+            <a:ext cx="3118161" cy="4524315"/>
           </a:xfrm>
           <a:prstGeom prst="rect">
             <a:avLst/>
@@ -8754,14 +9310,14 @@
           <a:p>
             <a:r>
               <a:rPr lang="ko-KR" altLang="en-US" dirty="0"/>
-              <a:t>오버레이 화면을 통해 해당 옷의 정보와</a:t>
+              <a:t>머리 위에서 타원 형으로</a:t>
             </a:r>
             <a:endParaRPr lang="en-US" altLang="ko-KR" dirty="0"/>
           </a:p>
           <a:p>
             <a:r>
               <a:rPr lang="ko-KR" altLang="en-US" dirty="0"/>
-              <a:t>착용한 모습을 확인 할 수 있다</a:t>
+              <a:t>옷들이 배치된다</a:t>
             </a:r>
             <a:endParaRPr lang="en-US" altLang="ko-KR" dirty="0"/>
           </a:p>
@@ -8771,69 +9327,210 @@
           <a:p>
             <a:r>
               <a:rPr lang="ko-KR" altLang="en-US" dirty="0"/>
-              <a:t>옆에 메뉴를 통해 추천화면</a:t>
-            </a:r>
+              <a:t>화살표를 이용하여</a:t>
+            </a:r>
+            <a:endParaRPr lang="en-US" altLang="ko-KR" dirty="0"/>
+          </a:p>
+          <a:p>
+            <a:r>
+              <a:rPr lang="ko-KR" altLang="en-US" dirty="0"/>
+              <a:t>좌우로 돌아가게 할 수 있다</a:t>
+            </a:r>
+            <a:endParaRPr lang="en-US" altLang="ko-KR" dirty="0"/>
+          </a:p>
+          <a:p>
             <a:r>
               <a:rPr lang="en-US" altLang="ko-KR" dirty="0"/>
-              <a:t>, </a:t>
-            </a:r>
-            <a:r>
-              <a:rPr lang="ko-KR" altLang="en-US" dirty="0"/>
-              <a:t>목록화면</a:t>
+              <a:t>Or</a:t>
+            </a:r>
+          </a:p>
+          <a:p>
+            <a:r>
+              <a:rPr lang="ko-KR" altLang="en-US" dirty="0"/>
+              <a:t>손을 좌에서 우로 이동하면 </a:t>
             </a:r>
             <a:endParaRPr lang="en-US" altLang="ko-KR" dirty="0"/>
           </a:p>
           <a:p>
             <a:r>
               <a:rPr lang="ko-KR" altLang="en-US" dirty="0"/>
-              <a:t>구매화면</a:t>
+              <a:t>옷이 오른쪽으로 이동하고</a:t>
+            </a:r>
+            <a:endParaRPr lang="en-US" altLang="ko-KR" dirty="0"/>
+          </a:p>
+          <a:p>
+            <a:r>
+              <a:rPr lang="ko-KR" altLang="en-US" dirty="0"/>
+              <a:t>손을 우에서 좌로 이동하면</a:t>
+            </a:r>
+            <a:endParaRPr lang="en-US" altLang="ko-KR" dirty="0"/>
+          </a:p>
+          <a:p>
+            <a:r>
+              <a:rPr lang="ko-KR" altLang="en-US" dirty="0"/>
+              <a:t>옷이 왼쪽으로 </a:t>
+            </a:r>
+            <a:r>
+              <a:rPr lang="ko-KR" altLang="en-US" dirty="0" err="1"/>
+              <a:t>이동하게한다</a:t>
+            </a:r>
+            <a:endParaRPr lang="en-US" altLang="ko-KR" dirty="0"/>
+          </a:p>
+          <a:p>
+            <a:endParaRPr lang="en-US" altLang="ko-KR" dirty="0"/>
+          </a:p>
+          <a:p>
+            <a:r>
+              <a:rPr lang="ko-KR" altLang="en-US" dirty="0"/>
+              <a:t>장점 </a:t>
             </a:r>
             <a:r>
               <a:rPr lang="en-US" altLang="ko-KR" dirty="0"/>
-              <a:t>, </a:t>
-            </a:r>
-            <a:r>
-              <a:rPr lang="ko-KR" altLang="en-US" dirty="0"/>
-              <a:t>찜화면으로 이동할 수 있다</a:t>
+              <a:t>– </a:t>
+            </a:r>
+            <a:r>
+              <a:rPr lang="ko-KR" altLang="en-US" dirty="0" err="1"/>
+              <a:t>재밌는</a:t>
+            </a:r>
+            <a:r>
+              <a:rPr lang="ko-KR" altLang="en-US" dirty="0"/>
+              <a:t> 디자인이다</a:t>
             </a:r>
             <a:endParaRPr lang="en-US" altLang="ko-KR" dirty="0"/>
           </a:p>
           <a:p>
+            <a:r>
+              <a:rPr lang="en-US" altLang="ko-KR" dirty="0"/>
+              <a:t>         </a:t>
+            </a:r>
+          </a:p>
+          <a:p>
+            <a:r>
+              <a:rPr lang="ko-KR" altLang="en-US" dirty="0"/>
+              <a:t>단점 </a:t>
+            </a:r>
+            <a:r>
+              <a:rPr lang="en-US" altLang="ko-KR" dirty="0"/>
+              <a:t>– </a:t>
+            </a:r>
+            <a:r>
+              <a:rPr lang="ko-KR" altLang="en-US" dirty="0"/>
+              <a:t>한번에 많은 옷을 </a:t>
+            </a:r>
             <a:endParaRPr lang="en-US" altLang="ko-KR" dirty="0"/>
           </a:p>
           <a:p>
             <a:r>
-              <a:rPr lang="ko-KR" altLang="en-US" dirty="0"/>
-              <a:t>구매와 찜 메뉴는 추후 구현할 예정이다</a:t>
+              <a:rPr lang="en-US" altLang="ko-KR" dirty="0"/>
+              <a:t>         </a:t>
+            </a:r>
+            <a:r>
+              <a:rPr lang="ko-KR" altLang="en-US" dirty="0"/>
+              <a:t>볼 수 없다</a:t>
             </a:r>
             <a:endParaRPr lang="en-US" altLang="ko-KR" dirty="0"/>
           </a:p>
           <a:p>
             <a:endParaRPr lang="en-US" altLang="ko-KR" dirty="0"/>
           </a:p>
-          <a:p>
-            <a:r>
-              <a:rPr lang="ko-KR" altLang="en-US" dirty="0"/>
-              <a:t>오버레이 화면마다 그 사람의 표정을 분석해서</a:t>
-            </a:r>
-            <a:endParaRPr lang="en-US" altLang="ko-KR" dirty="0"/>
-          </a:p>
-          <a:p>
-            <a:r>
-              <a:rPr lang="ko-KR" altLang="en-US" dirty="0"/>
-              <a:t>해당 옷의 만족도를 저장해 둔다</a:t>
-            </a:r>
-            <a:endParaRPr lang="en-US" altLang="ko-KR" dirty="0"/>
-          </a:p>
-          <a:p>
-            <a:endParaRPr lang="ko-KR" altLang="en-US" dirty="0"/>
+        </p:txBody>
+      </p:sp>
+      <p:sp>
+        <p:nvSpPr>
+          <p:cNvPr id="20" name="이등변 삼각형 19">
+            <a:extLst>
+              <a:ext uri="{FF2B5EF4-FFF2-40B4-BE49-F238E27FC236}">
+                <a16:creationId xmlns:a16="http://schemas.microsoft.com/office/drawing/2014/main" id="{825B801C-D17B-4BE2-BDCE-A9A86976A3E0}"/>
+              </a:ext>
+            </a:extLst>
+          </p:cNvPr>
+          <p:cNvSpPr/>
+          <p:nvPr/>
+        </p:nvSpPr>
+        <p:spPr>
+          <a:xfrm rot="16200000">
+            <a:off x="4435459" y="2659184"/>
+            <a:ext cx="498403" cy="511277"/>
+          </a:xfrm>
+          <a:prstGeom prst="triangle">
+            <a:avLst/>
+          </a:prstGeom>
+        </p:spPr>
+        <p:style>
+          <a:lnRef idx="2">
+            <a:schemeClr val="accent1">
+              <a:shade val="50000"/>
+            </a:schemeClr>
+          </a:lnRef>
+          <a:fillRef idx="1">
+            <a:schemeClr val="accent1"/>
+          </a:fillRef>
+          <a:effectRef idx="0">
+            <a:schemeClr val="accent1"/>
+          </a:effectRef>
+          <a:fontRef idx="minor">
+            <a:schemeClr val="lt1"/>
+          </a:fontRef>
+        </p:style>
+        <p:txBody>
+          <a:bodyPr rtlCol="0" anchor="ctr"/>
+          <a:lstStyle/>
+          <a:p>
+            <a:pPr algn="ctr"/>
+            <a:endParaRPr lang="ko-KR" altLang="en-US"/>
+          </a:p>
+        </p:txBody>
+      </p:sp>
+      <p:sp>
+        <p:nvSpPr>
+          <p:cNvPr id="21" name="이등변 삼각형 20">
+            <a:extLst>
+              <a:ext uri="{FF2B5EF4-FFF2-40B4-BE49-F238E27FC236}">
+                <a16:creationId xmlns:a16="http://schemas.microsoft.com/office/drawing/2014/main" id="{E18465E8-FEAE-4300-81F0-FD9BE33F21D5}"/>
+              </a:ext>
+            </a:extLst>
+          </p:cNvPr>
+          <p:cNvSpPr/>
+          <p:nvPr/>
+        </p:nvSpPr>
+        <p:spPr>
+          <a:xfrm rot="5400000">
+            <a:off x="7485488" y="2659183"/>
+            <a:ext cx="498403" cy="511277"/>
+          </a:xfrm>
+          <a:prstGeom prst="triangle">
+            <a:avLst/>
+          </a:prstGeom>
+        </p:spPr>
+        <p:style>
+          <a:lnRef idx="2">
+            <a:schemeClr val="accent1">
+              <a:shade val="50000"/>
+            </a:schemeClr>
+          </a:lnRef>
+          <a:fillRef idx="1">
+            <a:schemeClr val="accent1"/>
+          </a:fillRef>
+          <a:effectRef idx="0">
+            <a:schemeClr val="accent1"/>
+          </a:effectRef>
+          <a:fontRef idx="minor">
+            <a:schemeClr val="lt1"/>
+          </a:fontRef>
+        </p:style>
+        <p:txBody>
+          <a:bodyPr rtlCol="0" anchor="ctr"/>
+          <a:lstStyle/>
+          <a:p>
+            <a:pPr algn="ctr"/>
+            <a:endParaRPr lang="ko-KR" altLang="en-US"/>
           </a:p>
         </p:txBody>
       </p:sp>
     </p:spTree>
     <p:extLst>
       <p:ext uri="{BB962C8B-B14F-4D97-AF65-F5344CB8AC3E}">
-        <p14:creationId xmlns:p14="http://schemas.microsoft.com/office/powerpoint/2010/main" val="3971384833"/>
+        <p14:creationId xmlns:p14="http://schemas.microsoft.com/office/powerpoint/2010/main" val="3221503357"/>
       </p:ext>
     </p:extLst>
   </p:cSld>

--- a/project/ux/ux 디자인.pptx
+++ b/project/ux/ux 디자인.pptx
@@ -5211,8 +5211,8 @@
         </p:nvSpPr>
         <p:spPr>
           <a:xfrm>
-            <a:off x="550189" y="397787"/>
-            <a:ext cx="1534332" cy="635431"/>
+            <a:off x="573560" y="459150"/>
+            <a:ext cx="678844" cy="486781"/>
           </a:xfrm>
           <a:prstGeom prst="flowChartProcess">
             <a:avLst/>
@@ -5240,10 +5240,10 @@
           <a:p>
             <a:pPr algn="ctr"/>
             <a:r>
-              <a:rPr lang="en-US" altLang="ko-KR" dirty="0"/>
+              <a:rPr lang="en-US" altLang="ko-KR" sz="1100" dirty="0"/>
               <a:t>Magic mirror</a:t>
             </a:r>
-            <a:endParaRPr lang="ko-KR" altLang="en-US" dirty="0"/>
+            <a:endParaRPr lang="ko-KR" altLang="en-US" sz="1100" dirty="0"/>
           </a:p>
         </p:txBody>
       </p:sp>
@@ -5261,8 +5261,8 @@
         </p:nvSpPr>
         <p:spPr>
           <a:xfrm>
-            <a:off x="674176" y="1446507"/>
-            <a:ext cx="1286359" cy="635431"/>
+            <a:off x="448476" y="1094712"/>
+            <a:ext cx="952790" cy="313673"/>
           </a:xfrm>
           <a:prstGeom prst="flowChartProcess">
             <a:avLst/>
@@ -5290,10 +5290,10 @@
           <a:p>
             <a:pPr algn="ctr"/>
             <a:r>
-              <a:rPr lang="en-US" altLang="ko-KR" dirty="0" err="1"/>
-              <a:t>UI_Start</a:t>
-            </a:r>
-            <a:endParaRPr lang="ko-KR" altLang="en-US" dirty="0"/>
+              <a:rPr lang="en-US" altLang="ko-KR" sz="1100" dirty="0" err="1"/>
+              <a:t>First_Menu</a:t>
+            </a:r>
+            <a:endParaRPr lang="ko-KR" altLang="en-US" sz="1100" dirty="0"/>
           </a:p>
         </p:txBody>
       </p:sp>
@@ -5311,8 +5311,8 @@
         </p:nvSpPr>
         <p:spPr>
           <a:xfrm>
-            <a:off x="433953" y="2495227"/>
-            <a:ext cx="1766806" cy="635431"/>
+            <a:off x="478946" y="1557166"/>
+            <a:ext cx="868073" cy="405622"/>
           </a:xfrm>
           <a:prstGeom prst="flowChartProcess">
             <a:avLst/>
@@ -5340,10 +5340,10 @@
           <a:p>
             <a:pPr algn="ctr"/>
             <a:r>
-              <a:rPr lang="en-US" altLang="ko-KR" dirty="0" err="1"/>
+              <a:rPr lang="en-US" altLang="ko-KR" sz="1100" dirty="0" err="1"/>
               <a:t>Click_Function</a:t>
             </a:r>
-            <a:endParaRPr lang="ko-KR" altLang="en-US" dirty="0"/>
+            <a:endParaRPr lang="ko-KR" altLang="en-US" sz="1100" dirty="0"/>
           </a:p>
         </p:txBody>
       </p:sp>
@@ -5361,8 +5361,8 @@
         </p:nvSpPr>
         <p:spPr>
           <a:xfrm>
-            <a:off x="3037668" y="2495227"/>
-            <a:ext cx="3285640" cy="635431"/>
+            <a:off x="1798804" y="1603742"/>
+            <a:ext cx="1994116" cy="316799"/>
           </a:xfrm>
           <a:prstGeom prst="flowChartDecision">
             <a:avLst/>
@@ -5390,19 +5390,19 @@
           <a:p>
             <a:pPr algn="ctr"/>
             <a:r>
-              <a:rPr lang="en-US" altLang="ko-KR" dirty="0"/>
+              <a:rPr lang="en-US" altLang="ko-KR" sz="1100" dirty="0"/>
               <a:t>Count1 &gt; 20</a:t>
             </a:r>
-            <a:endParaRPr lang="ko-KR" altLang="en-US" dirty="0"/>
-          </a:p>
-        </p:txBody>
-      </p:sp>
-      <p:sp>
-        <p:nvSpPr>
-          <p:cNvPr id="22" name="순서도: 판단 21">
-            <a:extLst>
-              <a:ext uri="{FF2B5EF4-FFF2-40B4-BE49-F238E27FC236}">
-                <a16:creationId xmlns:a16="http://schemas.microsoft.com/office/drawing/2014/main" id="{C1852477-A035-40E2-A7FC-DBB6391D0EEE}"/>
+            <a:endParaRPr lang="ko-KR" altLang="en-US" sz="1100" dirty="0"/>
+          </a:p>
+        </p:txBody>
+      </p:sp>
+      <p:sp>
+        <p:nvSpPr>
+          <p:cNvPr id="24" name="순서도: 처리 23">
+            <a:extLst>
+              <a:ext uri="{FF2B5EF4-FFF2-40B4-BE49-F238E27FC236}">
+                <a16:creationId xmlns:a16="http://schemas.microsoft.com/office/drawing/2014/main" id="{F87C29D1-77E0-4777-A88C-A78BCBBFC029}"/>
               </a:ext>
             </a:extLst>
           </p:cNvPr>
@@ -5411,10 +5411,10 @@
         </p:nvSpPr>
         <p:spPr>
           <a:xfrm>
-            <a:off x="7160217" y="2502976"/>
-            <a:ext cx="3285640" cy="635431"/>
-          </a:xfrm>
-          <a:prstGeom prst="flowChartDecision">
+            <a:off x="2247191" y="2248919"/>
+            <a:ext cx="1085938" cy="494447"/>
+          </a:xfrm>
+          <a:prstGeom prst="flowChartProcess">
             <a:avLst/>
           </a:prstGeom>
         </p:spPr>
@@ -5440,19 +5440,23 @@
           <a:p>
             <a:pPr algn="ctr"/>
             <a:r>
-              <a:rPr lang="en-US" altLang="ko-KR" dirty="0"/>
-              <a:t>Count2 &gt; 20</a:t>
-            </a:r>
-            <a:endParaRPr lang="ko-KR" altLang="en-US" dirty="0"/>
-          </a:p>
-        </p:txBody>
-      </p:sp>
-      <p:sp>
-        <p:nvSpPr>
-          <p:cNvPr id="23" name="순서도: 판단 22">
-            <a:extLst>
-              <a:ext uri="{FF2B5EF4-FFF2-40B4-BE49-F238E27FC236}">
-                <a16:creationId xmlns:a16="http://schemas.microsoft.com/office/drawing/2014/main" id="{789ADCEB-34ED-4AF0-B8B6-AC66D788E9A8}"/>
+              <a:rPr lang="en-US" altLang="ko-KR" sz="1100" dirty="0" err="1"/>
+              <a:t>Second_Menu</a:t>
+            </a:r>
+            <a:r>
+              <a:rPr lang="en-US" altLang="ko-KR" sz="1100" dirty="0"/>
+              <a:t>(‘T-shirt’)</a:t>
+            </a:r>
+            <a:endParaRPr lang="ko-KR" altLang="en-US" sz="1100" dirty="0"/>
+          </a:p>
+        </p:txBody>
+      </p:sp>
+      <p:sp>
+        <p:nvSpPr>
+          <p:cNvPr id="15" name="순서도: 판단 14">
+            <a:extLst>
+              <a:ext uri="{FF2B5EF4-FFF2-40B4-BE49-F238E27FC236}">
+                <a16:creationId xmlns:a16="http://schemas.microsoft.com/office/drawing/2014/main" id="{775BABEA-0B1E-474D-89EA-C4FD2A396EC2}"/>
               </a:ext>
             </a:extLst>
           </p:cNvPr>
@@ -5461,8 +5465,8 @@
         </p:nvSpPr>
         <p:spPr>
           <a:xfrm>
-            <a:off x="11282766" y="2518474"/>
-            <a:ext cx="3285640" cy="635431"/>
+            <a:off x="6873084" y="1597742"/>
+            <a:ext cx="1994116" cy="316799"/>
           </a:xfrm>
           <a:prstGeom prst="flowChartDecision">
             <a:avLst/>
@@ -5490,19 +5494,19 @@
           <a:p>
             <a:pPr algn="ctr"/>
             <a:r>
-              <a:rPr lang="en-US" altLang="ko-KR" dirty="0"/>
+              <a:rPr lang="en-US" altLang="ko-KR" sz="1100" dirty="0"/>
               <a:t>Count3 &gt; 20</a:t>
             </a:r>
-            <a:endParaRPr lang="ko-KR" altLang="en-US" dirty="0"/>
-          </a:p>
-        </p:txBody>
-      </p:sp>
-      <p:sp>
-        <p:nvSpPr>
-          <p:cNvPr id="24" name="순서도: 처리 23">
-            <a:extLst>
-              <a:ext uri="{FF2B5EF4-FFF2-40B4-BE49-F238E27FC236}">
-                <a16:creationId xmlns:a16="http://schemas.microsoft.com/office/drawing/2014/main" id="{F87C29D1-77E0-4777-A88C-A78BCBBFC029}"/>
+            <a:endParaRPr lang="ko-KR" altLang="en-US" sz="1100" dirty="0"/>
+          </a:p>
+        </p:txBody>
+      </p:sp>
+      <p:sp>
+        <p:nvSpPr>
+          <p:cNvPr id="16" name="순서도: 판단 15">
+            <a:extLst>
+              <a:ext uri="{FF2B5EF4-FFF2-40B4-BE49-F238E27FC236}">
+                <a16:creationId xmlns:a16="http://schemas.microsoft.com/office/drawing/2014/main" id="{A6EB6343-4924-4DEB-9E63-7F2040A9F596}"/>
               </a:ext>
             </a:extLst>
           </p:cNvPr>
@@ -5511,10 +5515,10 @@
         </p:nvSpPr>
         <p:spPr>
           <a:xfrm>
-            <a:off x="3471620" y="3704095"/>
-            <a:ext cx="2422902" cy="821410"/>
-          </a:xfrm>
-          <a:prstGeom prst="flowChartProcess">
+            <a:off x="4335944" y="1582184"/>
+            <a:ext cx="1994116" cy="316799"/>
+          </a:xfrm>
+          <a:prstGeom prst="flowChartDecision">
             <a:avLst/>
           </a:prstGeom>
         </p:spPr>
@@ -5540,23 +5544,19 @@
           <a:p>
             <a:pPr algn="ctr"/>
             <a:r>
-              <a:rPr lang="en-US" altLang="ko-KR" dirty="0" err="1"/>
-              <a:t>UI_Sub.Second_Menu</a:t>
-            </a:r>
-            <a:r>
-              <a:rPr lang="en-US" altLang="ko-KR" dirty="0"/>
-              <a:t>(‘T-shirt’)</a:t>
-            </a:r>
-            <a:endParaRPr lang="ko-KR" altLang="en-US" dirty="0"/>
-          </a:p>
-        </p:txBody>
-      </p:sp>
-      <p:sp>
-        <p:nvSpPr>
-          <p:cNvPr id="25" name="순서도: 처리 24">
-            <a:extLst>
-              <a:ext uri="{FF2B5EF4-FFF2-40B4-BE49-F238E27FC236}">
-                <a16:creationId xmlns:a16="http://schemas.microsoft.com/office/drawing/2014/main" id="{2851E4FE-13DD-4CD9-9734-1D908CF0AD2D}"/>
+              <a:rPr lang="en-US" altLang="ko-KR" sz="1100" dirty="0"/>
+              <a:t>Count2 &gt; 20</a:t>
+            </a:r>
+            <a:endParaRPr lang="ko-KR" altLang="en-US" sz="1100" dirty="0"/>
+          </a:p>
+        </p:txBody>
+      </p:sp>
+      <p:sp>
+        <p:nvSpPr>
+          <p:cNvPr id="32" name="순서도: 처리 31">
+            <a:extLst>
+              <a:ext uri="{FF2B5EF4-FFF2-40B4-BE49-F238E27FC236}">
+                <a16:creationId xmlns:a16="http://schemas.microsoft.com/office/drawing/2014/main" id="{B579A163-29A1-4BBE-9FCC-BF464978503C}"/>
               </a:ext>
             </a:extLst>
           </p:cNvPr>
@@ -5565,8 +5565,8 @@
         </p:nvSpPr>
         <p:spPr>
           <a:xfrm>
-            <a:off x="7592877" y="3719594"/>
-            <a:ext cx="2422902" cy="821410"/>
+            <a:off x="2356123" y="3226189"/>
+            <a:ext cx="868073" cy="405622"/>
           </a:xfrm>
           <a:prstGeom prst="flowChartProcess">
             <a:avLst/>
@@ -5594,23 +5594,19 @@
           <a:p>
             <a:pPr algn="ctr"/>
             <a:r>
-              <a:rPr lang="en-US" altLang="ko-KR" dirty="0" err="1"/>
-              <a:t>UI_Sub.Second_Menu</a:t>
-            </a:r>
-            <a:r>
-              <a:rPr lang="en-US" altLang="ko-KR" dirty="0"/>
-              <a:t>(‘Y-shirt’)</a:t>
-            </a:r>
-            <a:endParaRPr lang="ko-KR" altLang="en-US" dirty="0"/>
-          </a:p>
-        </p:txBody>
-      </p:sp>
-      <p:sp>
-        <p:nvSpPr>
-          <p:cNvPr id="26" name="순서도: 처리 25">
-            <a:extLst>
-              <a:ext uri="{FF2B5EF4-FFF2-40B4-BE49-F238E27FC236}">
-                <a16:creationId xmlns:a16="http://schemas.microsoft.com/office/drawing/2014/main" id="{9CEBA995-2E14-4575-9050-0CE2C4B4B73B}"/>
+              <a:rPr lang="en-US" altLang="ko-KR" sz="1100" dirty="0" err="1"/>
+              <a:t>Click_Function</a:t>
+            </a:r>
+            <a:endParaRPr lang="ko-KR" altLang="en-US" sz="1100" dirty="0"/>
+          </a:p>
+        </p:txBody>
+      </p:sp>
+      <p:sp>
+        <p:nvSpPr>
+          <p:cNvPr id="33" name="순서도: 판단 32">
+            <a:extLst>
+              <a:ext uri="{FF2B5EF4-FFF2-40B4-BE49-F238E27FC236}">
+                <a16:creationId xmlns:a16="http://schemas.microsoft.com/office/drawing/2014/main" id="{B7FD9707-19CF-4182-B4EF-0115CC078AAF}"/>
               </a:ext>
             </a:extLst>
           </p:cNvPr>
@@ -5619,10 +5615,10 @@
         </p:nvSpPr>
         <p:spPr>
           <a:xfrm>
-            <a:off x="11714135" y="3856495"/>
-            <a:ext cx="2422902" cy="821410"/>
-          </a:xfrm>
-          <a:prstGeom prst="flowChartProcess">
+            <a:off x="3780713" y="3270600"/>
+            <a:ext cx="1994116" cy="316799"/>
+          </a:xfrm>
+          <a:prstGeom prst="flowChartDecision">
             <a:avLst/>
           </a:prstGeom>
         </p:spPr>
@@ -5648,31 +5644,19 @@
           <a:p>
             <a:pPr algn="ctr"/>
             <a:r>
-              <a:rPr lang="en-US" altLang="ko-KR" dirty="0" err="1"/>
-              <a:t>UI_Sub.Second_Menu</a:t>
-            </a:r>
-            <a:r>
-              <a:rPr lang="en-US" altLang="ko-KR" dirty="0"/>
-              <a:t>(</a:t>
-            </a:r>
-            <a:r>
-              <a:rPr lang="en-US" altLang="ko-KR" dirty="0" err="1"/>
-              <a:t>‘Hood</a:t>
-            </a:r>
-            <a:r>
-              <a:rPr lang="en-US" altLang="ko-KR" dirty="0"/>
-              <a:t>-T’)</a:t>
-            </a:r>
-            <a:endParaRPr lang="ko-KR" altLang="en-US" dirty="0"/>
-          </a:p>
-        </p:txBody>
-      </p:sp>
-      <p:sp>
-        <p:nvSpPr>
-          <p:cNvPr id="27" name="순서도: 처리 26">
-            <a:extLst>
-              <a:ext uri="{FF2B5EF4-FFF2-40B4-BE49-F238E27FC236}">
-                <a16:creationId xmlns:a16="http://schemas.microsoft.com/office/drawing/2014/main" id="{D56334B4-6EF3-4D8D-B2D5-1DDAA5C0C43D}"/>
+              <a:rPr lang="en-US" altLang="ko-KR" sz="1100" dirty="0"/>
+              <a:t>Count1 &gt; 20</a:t>
+            </a:r>
+            <a:endParaRPr lang="ko-KR" altLang="en-US" sz="1100" dirty="0"/>
+          </a:p>
+        </p:txBody>
+      </p:sp>
+      <p:sp>
+        <p:nvSpPr>
+          <p:cNvPr id="34" name="순서도: 판단 33">
+            <a:extLst>
+              <a:ext uri="{FF2B5EF4-FFF2-40B4-BE49-F238E27FC236}">
+                <a16:creationId xmlns:a16="http://schemas.microsoft.com/office/drawing/2014/main" id="{530AFBE7-5899-4FC6-AE8D-86D4DC7F774A}"/>
               </a:ext>
             </a:extLst>
           </p:cNvPr>
@@ -5681,10 +5665,10 @@
         </p:nvSpPr>
         <p:spPr>
           <a:xfrm>
-            <a:off x="3890075" y="5912603"/>
-            <a:ext cx="1766806" cy="635431"/>
-          </a:xfrm>
-          <a:prstGeom prst="flowChartProcess">
+            <a:off x="8877739" y="3270113"/>
+            <a:ext cx="1994116" cy="316799"/>
+          </a:xfrm>
+          <a:prstGeom prst="flowChartDecision">
             <a:avLst/>
           </a:prstGeom>
         </p:spPr>
@@ -5710,19 +5694,19 @@
           <a:p>
             <a:pPr algn="ctr"/>
             <a:r>
-              <a:rPr lang="en-US" altLang="ko-KR" dirty="0" err="1"/>
-              <a:t>Click_Function</a:t>
-            </a:r>
-            <a:endParaRPr lang="ko-KR" altLang="en-US" dirty="0"/>
-          </a:p>
-        </p:txBody>
-      </p:sp>
-      <p:sp>
-        <p:nvSpPr>
-          <p:cNvPr id="28" name="순서도: 판단 27">
-            <a:extLst>
-              <a:ext uri="{FF2B5EF4-FFF2-40B4-BE49-F238E27FC236}">
-                <a16:creationId xmlns:a16="http://schemas.microsoft.com/office/drawing/2014/main" id="{0EC7E793-A813-4A40-A154-8FF46E34E539}"/>
+              <a:rPr lang="en-US" altLang="ko-KR" sz="1100" dirty="0"/>
+              <a:t>Count1 &gt; 20</a:t>
+            </a:r>
+            <a:endParaRPr lang="ko-KR" altLang="en-US" sz="1100" dirty="0"/>
+          </a:p>
+        </p:txBody>
+      </p:sp>
+      <p:sp>
+        <p:nvSpPr>
+          <p:cNvPr id="35" name="순서도: 판단 34">
+            <a:extLst>
+              <a:ext uri="{FF2B5EF4-FFF2-40B4-BE49-F238E27FC236}">
+                <a16:creationId xmlns:a16="http://schemas.microsoft.com/office/drawing/2014/main" id="{B6B05B20-E958-4D01-9C1E-F39E75757B4D}"/>
               </a:ext>
             </a:extLst>
           </p:cNvPr>
@@ -5731,8 +5715,8 @@
         </p:nvSpPr>
         <p:spPr>
           <a:xfrm>
-            <a:off x="6493790" y="5912603"/>
-            <a:ext cx="3285640" cy="635431"/>
+            <a:off x="6327106" y="3270113"/>
+            <a:ext cx="1994116" cy="316799"/>
           </a:xfrm>
           <a:prstGeom prst="flowChartDecision">
             <a:avLst/>
@@ -5760,19 +5744,19 @@
           <a:p>
             <a:pPr algn="ctr"/>
             <a:r>
-              <a:rPr lang="en-US" altLang="ko-KR" dirty="0"/>
+              <a:rPr lang="en-US" altLang="ko-KR" sz="1100" dirty="0"/>
               <a:t>Count1 &gt; 20</a:t>
             </a:r>
-            <a:endParaRPr lang="ko-KR" altLang="en-US" dirty="0"/>
-          </a:p>
-        </p:txBody>
-      </p:sp>
-      <p:sp>
-        <p:nvSpPr>
-          <p:cNvPr id="29" name="순서도: 판단 28">
-            <a:extLst>
-              <a:ext uri="{FF2B5EF4-FFF2-40B4-BE49-F238E27FC236}">
-                <a16:creationId xmlns:a16="http://schemas.microsoft.com/office/drawing/2014/main" id="{9369776B-0295-49B0-8649-3BF4EF0A3888}"/>
+            <a:endParaRPr lang="ko-KR" altLang="en-US" sz="1100" dirty="0"/>
+          </a:p>
+        </p:txBody>
+      </p:sp>
+      <p:sp>
+        <p:nvSpPr>
+          <p:cNvPr id="36" name="순서도: 처리 35">
+            <a:extLst>
+              <a:ext uri="{FF2B5EF4-FFF2-40B4-BE49-F238E27FC236}">
+                <a16:creationId xmlns:a16="http://schemas.microsoft.com/office/drawing/2014/main" id="{4C45B076-8A1A-40EE-90FA-37B206D6D2E9}"/>
               </a:ext>
             </a:extLst>
           </p:cNvPr>
@@ -5781,10 +5765,10 @@
         </p:nvSpPr>
         <p:spPr>
           <a:xfrm>
-            <a:off x="10616339" y="5920352"/>
-            <a:ext cx="3285640" cy="635431"/>
-          </a:xfrm>
-          <a:prstGeom prst="flowChartDecision">
+            <a:off x="4303496" y="3937406"/>
+            <a:ext cx="948549" cy="236777"/>
+          </a:xfrm>
+          <a:prstGeom prst="flowChartProcess">
             <a:avLst/>
           </a:prstGeom>
         </p:spPr>
@@ -5810,19 +5794,19 @@
           <a:p>
             <a:pPr algn="ctr"/>
             <a:r>
-              <a:rPr lang="en-US" altLang="ko-KR" dirty="0"/>
-              <a:t>Count2 &gt; 20</a:t>
-            </a:r>
-            <a:endParaRPr lang="ko-KR" altLang="en-US" dirty="0"/>
-          </a:p>
-        </p:txBody>
-      </p:sp>
-      <p:sp>
-        <p:nvSpPr>
-          <p:cNvPr id="30" name="순서도: 판단 29">
-            <a:extLst>
-              <a:ext uri="{FF2B5EF4-FFF2-40B4-BE49-F238E27FC236}">
-                <a16:creationId xmlns:a16="http://schemas.microsoft.com/office/drawing/2014/main" id="{741AB078-F110-485C-89B6-1A9762F01BAF}"/>
+              <a:rPr lang="en-US" altLang="ko-KR" sz="1100" dirty="0" err="1"/>
+              <a:t>Third_Menu</a:t>
+            </a:r>
+            <a:endParaRPr lang="ko-KR" altLang="en-US" sz="1100" dirty="0"/>
+          </a:p>
+        </p:txBody>
+      </p:sp>
+      <p:sp>
+        <p:nvSpPr>
+          <p:cNvPr id="37" name="순서도: 처리 36">
+            <a:extLst>
+              <a:ext uri="{FF2B5EF4-FFF2-40B4-BE49-F238E27FC236}">
+                <a16:creationId xmlns:a16="http://schemas.microsoft.com/office/drawing/2014/main" id="{7B0525B2-AA7D-4B73-86C6-C8982BF82F79}"/>
               </a:ext>
             </a:extLst>
           </p:cNvPr>
@@ -5831,10 +5815,10 @@
         </p:nvSpPr>
         <p:spPr>
           <a:xfrm>
-            <a:off x="14738888" y="5935850"/>
-            <a:ext cx="3285640" cy="635431"/>
-          </a:xfrm>
-          <a:prstGeom prst="flowChartDecision">
+            <a:off x="6799253" y="3898957"/>
+            <a:ext cx="1049822" cy="313674"/>
+          </a:xfrm>
+          <a:prstGeom prst="flowChartProcess">
             <a:avLst/>
           </a:prstGeom>
         </p:spPr>
@@ -5860,13 +5844,858 @@
           <a:p>
             <a:pPr algn="ctr"/>
             <a:r>
-              <a:rPr lang="en-US" altLang="ko-KR" dirty="0"/>
-              <a:t>Count3 &gt; 20</a:t>
-            </a:r>
-            <a:endParaRPr lang="ko-KR" altLang="en-US" dirty="0"/>
-          </a:p>
-        </p:txBody>
-      </p:sp>
+              <a:rPr lang="en-US" altLang="ko-KR" sz="1100" dirty="0" err="1"/>
+              <a:t>SelectClothes</a:t>
+            </a:r>
+            <a:endParaRPr lang="ko-KR" altLang="en-US" sz="1100" dirty="0"/>
+          </a:p>
+        </p:txBody>
+      </p:sp>
+      <p:sp>
+        <p:nvSpPr>
+          <p:cNvPr id="39" name="순서도: 처리 38">
+            <a:extLst>
+              <a:ext uri="{FF2B5EF4-FFF2-40B4-BE49-F238E27FC236}">
+                <a16:creationId xmlns:a16="http://schemas.microsoft.com/office/drawing/2014/main" id="{67F0419F-C495-4588-92AE-1DA5B85941A8}"/>
+              </a:ext>
+            </a:extLst>
+          </p:cNvPr>
+          <p:cNvSpPr/>
+          <p:nvPr/>
+        </p:nvSpPr>
+        <p:spPr>
+          <a:xfrm>
+            <a:off x="4778067" y="2248917"/>
+            <a:ext cx="1085938" cy="494447"/>
+          </a:xfrm>
+          <a:prstGeom prst="flowChartProcess">
+            <a:avLst/>
+          </a:prstGeom>
+        </p:spPr>
+        <p:style>
+          <a:lnRef idx="2">
+            <a:schemeClr val="accent1">
+              <a:shade val="50000"/>
+            </a:schemeClr>
+          </a:lnRef>
+          <a:fillRef idx="1">
+            <a:schemeClr val="accent1"/>
+          </a:fillRef>
+          <a:effectRef idx="0">
+            <a:schemeClr val="accent1"/>
+          </a:effectRef>
+          <a:fontRef idx="minor">
+            <a:schemeClr val="lt1"/>
+          </a:fontRef>
+        </p:style>
+        <p:txBody>
+          <a:bodyPr rtlCol="0" anchor="ctr"/>
+          <a:lstStyle/>
+          <a:p>
+            <a:pPr algn="ctr"/>
+            <a:r>
+              <a:rPr lang="en-US" altLang="ko-KR" sz="1100" dirty="0" err="1"/>
+              <a:t>Second_Menu</a:t>
+            </a:r>
+            <a:r>
+              <a:rPr lang="en-US" altLang="ko-KR" sz="1100" dirty="0"/>
+              <a:t>(‘Y-shirt’)</a:t>
+            </a:r>
+            <a:endParaRPr lang="ko-KR" altLang="en-US" sz="1100" dirty="0"/>
+          </a:p>
+        </p:txBody>
+      </p:sp>
+      <p:sp>
+        <p:nvSpPr>
+          <p:cNvPr id="40" name="순서도: 처리 39">
+            <a:extLst>
+              <a:ext uri="{FF2B5EF4-FFF2-40B4-BE49-F238E27FC236}">
+                <a16:creationId xmlns:a16="http://schemas.microsoft.com/office/drawing/2014/main" id="{F299989F-B0E4-4A99-916F-8B1C535D05E0}"/>
+              </a:ext>
+            </a:extLst>
+          </p:cNvPr>
+          <p:cNvSpPr/>
+          <p:nvPr/>
+        </p:nvSpPr>
+        <p:spPr>
+          <a:xfrm>
+            <a:off x="7327173" y="2248917"/>
+            <a:ext cx="1085938" cy="494447"/>
+          </a:xfrm>
+          <a:prstGeom prst="flowChartProcess">
+            <a:avLst/>
+          </a:prstGeom>
+        </p:spPr>
+        <p:style>
+          <a:lnRef idx="2">
+            <a:schemeClr val="accent1">
+              <a:shade val="50000"/>
+            </a:schemeClr>
+          </a:lnRef>
+          <a:fillRef idx="1">
+            <a:schemeClr val="accent1"/>
+          </a:fillRef>
+          <a:effectRef idx="0">
+            <a:schemeClr val="accent1"/>
+          </a:effectRef>
+          <a:fontRef idx="minor">
+            <a:schemeClr val="lt1"/>
+          </a:fontRef>
+        </p:style>
+        <p:txBody>
+          <a:bodyPr rtlCol="0" anchor="ctr"/>
+          <a:lstStyle/>
+          <a:p>
+            <a:pPr algn="ctr"/>
+            <a:r>
+              <a:rPr lang="en-US" altLang="ko-KR" sz="1100" dirty="0" err="1"/>
+              <a:t>Second_Menu</a:t>
+            </a:r>
+            <a:r>
+              <a:rPr lang="en-US" altLang="ko-KR" sz="1100" dirty="0"/>
+              <a:t>(</a:t>
+            </a:r>
+            <a:r>
+              <a:rPr lang="en-US" altLang="ko-KR" sz="1100" dirty="0" err="1"/>
+              <a:t>‘Hood</a:t>
+            </a:r>
+            <a:r>
+              <a:rPr lang="en-US" altLang="ko-KR" sz="1100" dirty="0"/>
+              <a:t>-T’)</a:t>
+            </a:r>
+            <a:endParaRPr lang="ko-KR" altLang="en-US" sz="1100" dirty="0"/>
+          </a:p>
+        </p:txBody>
+      </p:sp>
+      <p:cxnSp>
+        <p:nvCxnSpPr>
+          <p:cNvPr id="3" name="직선 화살표 연결선 2">
+            <a:extLst>
+              <a:ext uri="{FF2B5EF4-FFF2-40B4-BE49-F238E27FC236}">
+                <a16:creationId xmlns:a16="http://schemas.microsoft.com/office/drawing/2014/main" id="{95634405-84E6-4B70-9B2B-280F7672DECC}"/>
+              </a:ext>
+            </a:extLst>
+          </p:cNvPr>
+          <p:cNvCxnSpPr>
+            <a:stCxn id="18" idx="2"/>
+            <a:endCxn id="19" idx="0"/>
+          </p:cNvCxnSpPr>
+          <p:nvPr/>
+        </p:nvCxnSpPr>
+        <p:spPr>
+          <a:xfrm>
+            <a:off x="912982" y="945931"/>
+            <a:ext cx="11889" cy="148781"/>
+          </a:xfrm>
+          <a:prstGeom prst="straightConnector1">
+            <a:avLst/>
+          </a:prstGeom>
+          <a:ln>
+            <a:tailEnd type="triangle"/>
+          </a:ln>
+        </p:spPr>
+        <p:style>
+          <a:lnRef idx="1">
+            <a:schemeClr val="accent1"/>
+          </a:lnRef>
+          <a:fillRef idx="0">
+            <a:schemeClr val="accent1"/>
+          </a:fillRef>
+          <a:effectRef idx="0">
+            <a:schemeClr val="accent1"/>
+          </a:effectRef>
+          <a:fontRef idx="minor">
+            <a:schemeClr val="tx1"/>
+          </a:fontRef>
+        </p:style>
+      </p:cxnSp>
+      <p:cxnSp>
+        <p:nvCxnSpPr>
+          <p:cNvPr id="5" name="직선 화살표 연결선 4">
+            <a:extLst>
+              <a:ext uri="{FF2B5EF4-FFF2-40B4-BE49-F238E27FC236}">
+                <a16:creationId xmlns:a16="http://schemas.microsoft.com/office/drawing/2014/main" id="{90ADA965-EBDB-4F2C-814B-FC1F2F2CF88D}"/>
+              </a:ext>
+            </a:extLst>
+          </p:cNvPr>
+          <p:cNvCxnSpPr>
+            <a:stCxn id="19" idx="2"/>
+            <a:endCxn id="20" idx="0"/>
+          </p:cNvCxnSpPr>
+          <p:nvPr/>
+        </p:nvCxnSpPr>
+        <p:spPr>
+          <a:xfrm flipH="1">
+            <a:off x="912983" y="1408385"/>
+            <a:ext cx="11888" cy="148781"/>
+          </a:xfrm>
+          <a:prstGeom prst="straightConnector1">
+            <a:avLst/>
+          </a:prstGeom>
+          <a:ln>
+            <a:tailEnd type="triangle"/>
+          </a:ln>
+        </p:spPr>
+        <p:style>
+          <a:lnRef idx="1">
+            <a:schemeClr val="accent1"/>
+          </a:lnRef>
+          <a:fillRef idx="0">
+            <a:schemeClr val="accent1"/>
+          </a:fillRef>
+          <a:effectRef idx="0">
+            <a:schemeClr val="accent1"/>
+          </a:effectRef>
+          <a:fontRef idx="minor">
+            <a:schemeClr val="tx1"/>
+          </a:fontRef>
+        </p:style>
+      </p:cxnSp>
+      <p:cxnSp>
+        <p:nvCxnSpPr>
+          <p:cNvPr id="9" name="연결선: 꺾임 8">
+            <a:extLst>
+              <a:ext uri="{FF2B5EF4-FFF2-40B4-BE49-F238E27FC236}">
+                <a16:creationId xmlns:a16="http://schemas.microsoft.com/office/drawing/2014/main" id="{542D2A88-76CD-4EAA-91A0-C1C5139AAC86}"/>
+              </a:ext>
+            </a:extLst>
+          </p:cNvPr>
+          <p:cNvCxnSpPr>
+            <a:stCxn id="20" idx="3"/>
+            <a:endCxn id="21" idx="0"/>
+          </p:cNvCxnSpPr>
+          <p:nvPr/>
+        </p:nvCxnSpPr>
+        <p:spPr>
+          <a:xfrm flipV="1">
+            <a:off x="1347019" y="1603742"/>
+            <a:ext cx="1448843" cy="156235"/>
+          </a:xfrm>
+          <a:prstGeom prst="bentConnector4">
+            <a:avLst>
+              <a:gd name="adj1" fmla="val 15591"/>
+              <a:gd name="adj2" fmla="val 276130"/>
+            </a:avLst>
+          </a:prstGeom>
+          <a:ln>
+            <a:tailEnd type="triangle"/>
+          </a:ln>
+        </p:spPr>
+        <p:style>
+          <a:lnRef idx="1">
+            <a:schemeClr val="accent1"/>
+          </a:lnRef>
+          <a:fillRef idx="0">
+            <a:schemeClr val="accent1"/>
+          </a:fillRef>
+          <a:effectRef idx="0">
+            <a:schemeClr val="accent1"/>
+          </a:effectRef>
+          <a:fontRef idx="minor">
+            <a:schemeClr val="tx1"/>
+          </a:fontRef>
+        </p:style>
+      </p:cxnSp>
+      <p:cxnSp>
+        <p:nvCxnSpPr>
+          <p:cNvPr id="11" name="직선 화살표 연결선 10">
+            <a:extLst>
+              <a:ext uri="{FF2B5EF4-FFF2-40B4-BE49-F238E27FC236}">
+                <a16:creationId xmlns:a16="http://schemas.microsoft.com/office/drawing/2014/main" id="{5908CC07-5A71-4AC5-9E73-795F9DE4F47A}"/>
+              </a:ext>
+            </a:extLst>
+          </p:cNvPr>
+          <p:cNvCxnSpPr>
+            <a:stCxn id="21" idx="3"/>
+            <a:endCxn id="16" idx="1"/>
+          </p:cNvCxnSpPr>
+          <p:nvPr/>
+        </p:nvCxnSpPr>
+        <p:spPr>
+          <a:xfrm flipV="1">
+            <a:off x="3792920" y="1740584"/>
+            <a:ext cx="543024" cy="21558"/>
+          </a:xfrm>
+          <a:prstGeom prst="straightConnector1">
+            <a:avLst/>
+          </a:prstGeom>
+          <a:ln>
+            <a:tailEnd type="triangle"/>
+          </a:ln>
+        </p:spPr>
+        <p:style>
+          <a:lnRef idx="1">
+            <a:schemeClr val="accent1"/>
+          </a:lnRef>
+          <a:fillRef idx="0">
+            <a:schemeClr val="accent1"/>
+          </a:fillRef>
+          <a:effectRef idx="0">
+            <a:schemeClr val="accent1"/>
+          </a:effectRef>
+          <a:fontRef idx="minor">
+            <a:schemeClr val="tx1"/>
+          </a:fontRef>
+        </p:style>
+      </p:cxnSp>
+      <p:cxnSp>
+        <p:nvCxnSpPr>
+          <p:cNvPr id="13" name="직선 화살표 연결선 12">
+            <a:extLst>
+              <a:ext uri="{FF2B5EF4-FFF2-40B4-BE49-F238E27FC236}">
+                <a16:creationId xmlns:a16="http://schemas.microsoft.com/office/drawing/2014/main" id="{155D1A80-63B2-4E8F-97E8-37A43187429C}"/>
+              </a:ext>
+            </a:extLst>
+          </p:cNvPr>
+          <p:cNvCxnSpPr>
+            <a:stCxn id="16" idx="3"/>
+            <a:endCxn id="15" idx="1"/>
+          </p:cNvCxnSpPr>
+          <p:nvPr/>
+        </p:nvCxnSpPr>
+        <p:spPr>
+          <a:xfrm>
+            <a:off x="6330060" y="1740584"/>
+            <a:ext cx="543024" cy="15558"/>
+          </a:xfrm>
+          <a:prstGeom prst="straightConnector1">
+            <a:avLst/>
+          </a:prstGeom>
+          <a:ln>
+            <a:tailEnd type="triangle"/>
+          </a:ln>
+        </p:spPr>
+        <p:style>
+          <a:lnRef idx="1">
+            <a:schemeClr val="accent1"/>
+          </a:lnRef>
+          <a:fillRef idx="0">
+            <a:schemeClr val="accent1"/>
+          </a:fillRef>
+          <a:effectRef idx="0">
+            <a:schemeClr val="accent1"/>
+          </a:effectRef>
+          <a:fontRef idx="minor">
+            <a:schemeClr val="tx1"/>
+          </a:fontRef>
+        </p:style>
+      </p:cxnSp>
+      <p:cxnSp>
+        <p:nvCxnSpPr>
+          <p:cNvPr id="46" name="직선 화살표 연결선 45">
+            <a:extLst>
+              <a:ext uri="{FF2B5EF4-FFF2-40B4-BE49-F238E27FC236}">
+                <a16:creationId xmlns:a16="http://schemas.microsoft.com/office/drawing/2014/main" id="{1B595C0F-D61B-47AE-A5B6-EDFF122C0B40}"/>
+              </a:ext>
+            </a:extLst>
+          </p:cNvPr>
+          <p:cNvCxnSpPr>
+            <a:stCxn id="21" idx="2"/>
+            <a:endCxn id="24" idx="0"/>
+          </p:cNvCxnSpPr>
+          <p:nvPr/>
+        </p:nvCxnSpPr>
+        <p:spPr>
+          <a:xfrm flipH="1">
+            <a:off x="2790160" y="1920541"/>
+            <a:ext cx="5702" cy="328378"/>
+          </a:xfrm>
+          <a:prstGeom prst="straightConnector1">
+            <a:avLst/>
+          </a:prstGeom>
+          <a:ln>
+            <a:tailEnd type="triangle"/>
+          </a:ln>
+        </p:spPr>
+        <p:style>
+          <a:lnRef idx="1">
+            <a:schemeClr val="accent1"/>
+          </a:lnRef>
+          <a:fillRef idx="0">
+            <a:schemeClr val="accent1"/>
+          </a:fillRef>
+          <a:effectRef idx="0">
+            <a:schemeClr val="accent1"/>
+          </a:effectRef>
+          <a:fontRef idx="minor">
+            <a:schemeClr val="tx1"/>
+          </a:fontRef>
+        </p:style>
+      </p:cxnSp>
+      <p:cxnSp>
+        <p:nvCxnSpPr>
+          <p:cNvPr id="48" name="직선 화살표 연결선 47">
+            <a:extLst>
+              <a:ext uri="{FF2B5EF4-FFF2-40B4-BE49-F238E27FC236}">
+                <a16:creationId xmlns:a16="http://schemas.microsoft.com/office/drawing/2014/main" id="{5E9D418F-C99C-4250-B03B-B1CAB818014D}"/>
+              </a:ext>
+            </a:extLst>
+          </p:cNvPr>
+          <p:cNvCxnSpPr>
+            <a:stCxn id="16" idx="2"/>
+            <a:endCxn id="39" idx="0"/>
+          </p:cNvCxnSpPr>
+          <p:nvPr/>
+        </p:nvCxnSpPr>
+        <p:spPr>
+          <a:xfrm flipH="1">
+            <a:off x="5321036" y="1898983"/>
+            <a:ext cx="11966" cy="349934"/>
+          </a:xfrm>
+          <a:prstGeom prst="straightConnector1">
+            <a:avLst/>
+          </a:prstGeom>
+          <a:ln>
+            <a:tailEnd type="triangle"/>
+          </a:ln>
+        </p:spPr>
+        <p:style>
+          <a:lnRef idx="1">
+            <a:schemeClr val="accent1"/>
+          </a:lnRef>
+          <a:fillRef idx="0">
+            <a:schemeClr val="accent1"/>
+          </a:fillRef>
+          <a:effectRef idx="0">
+            <a:schemeClr val="accent1"/>
+          </a:effectRef>
+          <a:fontRef idx="minor">
+            <a:schemeClr val="tx1"/>
+          </a:fontRef>
+        </p:style>
+      </p:cxnSp>
+      <p:cxnSp>
+        <p:nvCxnSpPr>
+          <p:cNvPr id="50" name="직선 화살표 연결선 49">
+            <a:extLst>
+              <a:ext uri="{FF2B5EF4-FFF2-40B4-BE49-F238E27FC236}">
+                <a16:creationId xmlns:a16="http://schemas.microsoft.com/office/drawing/2014/main" id="{509C78DC-1C9F-4CD1-A05E-2B6FF1514966}"/>
+              </a:ext>
+            </a:extLst>
+          </p:cNvPr>
+          <p:cNvCxnSpPr>
+            <a:cxnSpLocks/>
+            <a:stCxn id="15" idx="2"/>
+            <a:endCxn id="40" idx="0"/>
+          </p:cNvCxnSpPr>
+          <p:nvPr/>
+        </p:nvCxnSpPr>
+        <p:spPr>
+          <a:xfrm>
+            <a:off x="7870142" y="1914541"/>
+            <a:ext cx="0" cy="334376"/>
+          </a:xfrm>
+          <a:prstGeom prst="straightConnector1">
+            <a:avLst/>
+          </a:prstGeom>
+          <a:ln>
+            <a:tailEnd type="triangle"/>
+          </a:ln>
+        </p:spPr>
+        <p:style>
+          <a:lnRef idx="1">
+            <a:schemeClr val="accent1"/>
+          </a:lnRef>
+          <a:fillRef idx="0">
+            <a:schemeClr val="accent1"/>
+          </a:fillRef>
+          <a:effectRef idx="0">
+            <a:schemeClr val="accent1"/>
+          </a:effectRef>
+          <a:fontRef idx="minor">
+            <a:schemeClr val="tx1"/>
+          </a:fontRef>
+        </p:style>
+      </p:cxnSp>
+      <p:cxnSp>
+        <p:nvCxnSpPr>
+          <p:cNvPr id="53" name="연결선: 꺾임 52">
+            <a:extLst>
+              <a:ext uri="{FF2B5EF4-FFF2-40B4-BE49-F238E27FC236}">
+                <a16:creationId xmlns:a16="http://schemas.microsoft.com/office/drawing/2014/main" id="{5E7B3FD9-456C-4A78-B25A-2CB8A7524E42}"/>
+              </a:ext>
+            </a:extLst>
+          </p:cNvPr>
+          <p:cNvCxnSpPr>
+            <a:cxnSpLocks/>
+            <a:stCxn id="15" idx="3"/>
+            <a:endCxn id="20" idx="2"/>
+          </p:cNvCxnSpPr>
+          <p:nvPr/>
+        </p:nvCxnSpPr>
+        <p:spPr>
+          <a:xfrm flipH="1">
+            <a:off x="912983" y="1756142"/>
+            <a:ext cx="7954217" cy="206646"/>
+          </a:xfrm>
+          <a:prstGeom prst="bentConnector4">
+            <a:avLst>
+              <a:gd name="adj1" fmla="val -2874"/>
+              <a:gd name="adj2" fmla="val 154677"/>
+            </a:avLst>
+          </a:prstGeom>
+          <a:ln>
+            <a:tailEnd type="triangle"/>
+          </a:ln>
+        </p:spPr>
+        <p:style>
+          <a:lnRef idx="1">
+            <a:schemeClr val="accent1"/>
+          </a:lnRef>
+          <a:fillRef idx="0">
+            <a:schemeClr val="accent1"/>
+          </a:fillRef>
+          <a:effectRef idx="0">
+            <a:schemeClr val="accent1"/>
+          </a:effectRef>
+          <a:fontRef idx="minor">
+            <a:schemeClr val="tx1"/>
+          </a:fontRef>
+        </p:style>
+      </p:cxnSp>
+      <p:cxnSp>
+        <p:nvCxnSpPr>
+          <p:cNvPr id="60" name="직선 화살표 연결선 59">
+            <a:extLst>
+              <a:ext uri="{FF2B5EF4-FFF2-40B4-BE49-F238E27FC236}">
+                <a16:creationId xmlns:a16="http://schemas.microsoft.com/office/drawing/2014/main" id="{995A42BA-60CE-4463-990E-F4C53CC11DBE}"/>
+              </a:ext>
+            </a:extLst>
+          </p:cNvPr>
+          <p:cNvCxnSpPr>
+            <a:stCxn id="24" idx="2"/>
+            <a:endCxn id="32" idx="0"/>
+          </p:cNvCxnSpPr>
+          <p:nvPr/>
+        </p:nvCxnSpPr>
+        <p:spPr>
+          <a:xfrm>
+            <a:off x="2790160" y="2743366"/>
+            <a:ext cx="0" cy="482823"/>
+          </a:xfrm>
+          <a:prstGeom prst="straightConnector1">
+            <a:avLst/>
+          </a:prstGeom>
+          <a:ln>
+            <a:tailEnd type="triangle"/>
+          </a:ln>
+        </p:spPr>
+        <p:style>
+          <a:lnRef idx="1">
+            <a:schemeClr val="accent1"/>
+          </a:lnRef>
+          <a:fillRef idx="0">
+            <a:schemeClr val="accent1"/>
+          </a:fillRef>
+          <a:effectRef idx="0">
+            <a:schemeClr val="accent1"/>
+          </a:effectRef>
+          <a:fontRef idx="minor">
+            <a:schemeClr val="tx1"/>
+          </a:fontRef>
+        </p:style>
+      </p:cxnSp>
+      <p:cxnSp>
+        <p:nvCxnSpPr>
+          <p:cNvPr id="62" name="직선 화살표 연결선 61">
+            <a:extLst>
+              <a:ext uri="{FF2B5EF4-FFF2-40B4-BE49-F238E27FC236}">
+                <a16:creationId xmlns:a16="http://schemas.microsoft.com/office/drawing/2014/main" id="{B16C6626-18AE-40CE-A67F-923ADB53F66A}"/>
+              </a:ext>
+            </a:extLst>
+          </p:cNvPr>
+          <p:cNvCxnSpPr>
+            <a:cxnSpLocks/>
+            <a:stCxn id="32" idx="3"/>
+            <a:endCxn id="33" idx="1"/>
+          </p:cNvCxnSpPr>
+          <p:nvPr/>
+        </p:nvCxnSpPr>
+        <p:spPr>
+          <a:xfrm>
+            <a:off x="3224196" y="3429000"/>
+            <a:ext cx="556517" cy="0"/>
+          </a:xfrm>
+          <a:prstGeom prst="straightConnector1">
+            <a:avLst/>
+          </a:prstGeom>
+          <a:ln>
+            <a:tailEnd type="triangle"/>
+          </a:ln>
+        </p:spPr>
+        <p:style>
+          <a:lnRef idx="1">
+            <a:schemeClr val="accent1"/>
+          </a:lnRef>
+          <a:fillRef idx="0">
+            <a:schemeClr val="accent1"/>
+          </a:fillRef>
+          <a:effectRef idx="0">
+            <a:schemeClr val="accent1"/>
+          </a:effectRef>
+          <a:fontRef idx="minor">
+            <a:schemeClr val="tx1"/>
+          </a:fontRef>
+        </p:style>
+      </p:cxnSp>
+      <p:cxnSp>
+        <p:nvCxnSpPr>
+          <p:cNvPr id="67" name="직선 화살표 연결선 66">
+            <a:extLst>
+              <a:ext uri="{FF2B5EF4-FFF2-40B4-BE49-F238E27FC236}">
+                <a16:creationId xmlns:a16="http://schemas.microsoft.com/office/drawing/2014/main" id="{E725A64C-C931-4DB5-AE3F-0161AE436200}"/>
+              </a:ext>
+            </a:extLst>
+          </p:cNvPr>
+          <p:cNvCxnSpPr>
+            <a:stCxn id="33" idx="3"/>
+            <a:endCxn id="35" idx="1"/>
+          </p:cNvCxnSpPr>
+          <p:nvPr/>
+        </p:nvCxnSpPr>
+        <p:spPr>
+          <a:xfrm flipV="1">
+            <a:off x="5774829" y="3428513"/>
+            <a:ext cx="552277" cy="487"/>
+          </a:xfrm>
+          <a:prstGeom prst="straightConnector1">
+            <a:avLst/>
+          </a:prstGeom>
+          <a:ln>
+            <a:tailEnd type="triangle"/>
+          </a:ln>
+        </p:spPr>
+        <p:style>
+          <a:lnRef idx="1">
+            <a:schemeClr val="accent1"/>
+          </a:lnRef>
+          <a:fillRef idx="0">
+            <a:schemeClr val="accent1"/>
+          </a:fillRef>
+          <a:effectRef idx="0">
+            <a:schemeClr val="accent1"/>
+          </a:effectRef>
+          <a:fontRef idx="minor">
+            <a:schemeClr val="tx1"/>
+          </a:fontRef>
+        </p:style>
+      </p:cxnSp>
+      <p:cxnSp>
+        <p:nvCxnSpPr>
+          <p:cNvPr id="69" name="직선 화살표 연결선 68">
+            <a:extLst>
+              <a:ext uri="{FF2B5EF4-FFF2-40B4-BE49-F238E27FC236}">
+                <a16:creationId xmlns:a16="http://schemas.microsoft.com/office/drawing/2014/main" id="{87EA7032-CEE1-4C41-823C-BFE4B3D7AA3F}"/>
+              </a:ext>
+            </a:extLst>
+          </p:cNvPr>
+          <p:cNvCxnSpPr>
+            <a:stCxn id="35" idx="3"/>
+            <a:endCxn id="34" idx="1"/>
+          </p:cNvCxnSpPr>
+          <p:nvPr/>
+        </p:nvCxnSpPr>
+        <p:spPr>
+          <a:xfrm>
+            <a:off x="8321222" y="3428513"/>
+            <a:ext cx="556517" cy="0"/>
+          </a:xfrm>
+          <a:prstGeom prst="straightConnector1">
+            <a:avLst/>
+          </a:prstGeom>
+          <a:ln>
+            <a:tailEnd type="triangle"/>
+          </a:ln>
+        </p:spPr>
+        <p:style>
+          <a:lnRef idx="1">
+            <a:schemeClr val="accent1"/>
+          </a:lnRef>
+          <a:fillRef idx="0">
+            <a:schemeClr val="accent1"/>
+          </a:fillRef>
+          <a:effectRef idx="0">
+            <a:schemeClr val="accent1"/>
+          </a:effectRef>
+          <a:fontRef idx="minor">
+            <a:schemeClr val="tx1"/>
+          </a:fontRef>
+        </p:style>
+      </p:cxnSp>
+      <p:cxnSp>
+        <p:nvCxnSpPr>
+          <p:cNvPr id="71" name="직선 화살표 연결선 70">
+            <a:extLst>
+              <a:ext uri="{FF2B5EF4-FFF2-40B4-BE49-F238E27FC236}">
+                <a16:creationId xmlns:a16="http://schemas.microsoft.com/office/drawing/2014/main" id="{B66CA6AF-FFD7-4835-9998-FC29C622A336}"/>
+              </a:ext>
+            </a:extLst>
+          </p:cNvPr>
+          <p:cNvCxnSpPr>
+            <a:stCxn id="33" idx="2"/>
+            <a:endCxn id="36" idx="0"/>
+          </p:cNvCxnSpPr>
+          <p:nvPr/>
+        </p:nvCxnSpPr>
+        <p:spPr>
+          <a:xfrm>
+            <a:off x="4777771" y="3587399"/>
+            <a:ext cx="0" cy="350007"/>
+          </a:xfrm>
+          <a:prstGeom prst="straightConnector1">
+            <a:avLst/>
+          </a:prstGeom>
+          <a:ln>
+            <a:tailEnd type="triangle"/>
+          </a:ln>
+        </p:spPr>
+        <p:style>
+          <a:lnRef idx="1">
+            <a:schemeClr val="accent1"/>
+          </a:lnRef>
+          <a:fillRef idx="0">
+            <a:schemeClr val="accent1"/>
+          </a:fillRef>
+          <a:effectRef idx="0">
+            <a:schemeClr val="accent1"/>
+          </a:effectRef>
+          <a:fontRef idx="minor">
+            <a:schemeClr val="tx1"/>
+          </a:fontRef>
+        </p:style>
+      </p:cxnSp>
+      <p:cxnSp>
+        <p:nvCxnSpPr>
+          <p:cNvPr id="73" name="직선 화살표 연결선 72">
+            <a:extLst>
+              <a:ext uri="{FF2B5EF4-FFF2-40B4-BE49-F238E27FC236}">
+                <a16:creationId xmlns:a16="http://schemas.microsoft.com/office/drawing/2014/main" id="{E9006923-7BB8-4F9C-B668-2E7A5D368EB7}"/>
+              </a:ext>
+            </a:extLst>
+          </p:cNvPr>
+          <p:cNvCxnSpPr>
+            <a:stCxn id="35" idx="2"/>
+            <a:endCxn id="37" idx="0"/>
+          </p:cNvCxnSpPr>
+          <p:nvPr/>
+        </p:nvCxnSpPr>
+        <p:spPr>
+          <a:xfrm>
+            <a:off x="7324164" y="3586912"/>
+            <a:ext cx="0" cy="312045"/>
+          </a:xfrm>
+          <a:prstGeom prst="straightConnector1">
+            <a:avLst/>
+          </a:prstGeom>
+          <a:ln>
+            <a:tailEnd type="triangle"/>
+          </a:ln>
+        </p:spPr>
+        <p:style>
+          <a:lnRef idx="1">
+            <a:schemeClr val="accent1"/>
+          </a:lnRef>
+          <a:fillRef idx="0">
+            <a:schemeClr val="accent1"/>
+          </a:fillRef>
+          <a:effectRef idx="0">
+            <a:schemeClr val="accent1"/>
+          </a:effectRef>
+          <a:fontRef idx="minor">
+            <a:schemeClr val="tx1"/>
+          </a:fontRef>
+        </p:style>
+      </p:cxnSp>
+      <p:cxnSp>
+        <p:nvCxnSpPr>
+          <p:cNvPr id="75" name="연결선: 꺾임 74">
+            <a:extLst>
+              <a:ext uri="{FF2B5EF4-FFF2-40B4-BE49-F238E27FC236}">
+                <a16:creationId xmlns:a16="http://schemas.microsoft.com/office/drawing/2014/main" id="{1B06AD8B-04D7-405D-877C-55A49B42A4A4}"/>
+              </a:ext>
+            </a:extLst>
+          </p:cNvPr>
+          <p:cNvCxnSpPr>
+            <a:stCxn id="34" idx="2"/>
+            <a:endCxn id="19" idx="1"/>
+          </p:cNvCxnSpPr>
+          <p:nvPr/>
+        </p:nvCxnSpPr>
+        <p:spPr>
+          <a:xfrm rot="5400000" flipH="1">
+            <a:off x="3993955" y="-2293929"/>
+            <a:ext cx="2335363" cy="9426321"/>
+          </a:xfrm>
+          <a:prstGeom prst="bentConnector4">
+            <a:avLst>
+              <a:gd name="adj1" fmla="val -36342"/>
+              <a:gd name="adj2" fmla="val 102425"/>
+            </a:avLst>
+          </a:prstGeom>
+          <a:ln>
+            <a:tailEnd type="triangle"/>
+          </a:ln>
+        </p:spPr>
+        <p:style>
+          <a:lnRef idx="1">
+            <a:schemeClr val="accent1"/>
+          </a:lnRef>
+          <a:fillRef idx="0">
+            <a:schemeClr val="accent1"/>
+          </a:fillRef>
+          <a:effectRef idx="0">
+            <a:schemeClr val="accent1"/>
+          </a:effectRef>
+          <a:fontRef idx="minor">
+            <a:schemeClr val="tx1"/>
+          </a:fontRef>
+        </p:style>
+      </p:cxnSp>
+      <p:cxnSp>
+        <p:nvCxnSpPr>
+          <p:cNvPr id="78" name="연결선: 꺾임 77">
+            <a:extLst>
+              <a:ext uri="{FF2B5EF4-FFF2-40B4-BE49-F238E27FC236}">
+                <a16:creationId xmlns:a16="http://schemas.microsoft.com/office/drawing/2014/main" id="{4B817C6E-EBA2-4FF1-AF88-FD5ACD6904CB}"/>
+              </a:ext>
+            </a:extLst>
+          </p:cNvPr>
+          <p:cNvCxnSpPr>
+            <a:stCxn id="34" idx="3"/>
+            <a:endCxn id="32" idx="2"/>
+          </p:cNvCxnSpPr>
+          <p:nvPr/>
+        </p:nvCxnSpPr>
+        <p:spPr>
+          <a:xfrm flipH="1">
+            <a:off x="2790160" y="3428513"/>
+            <a:ext cx="8081695" cy="203298"/>
+          </a:xfrm>
+          <a:prstGeom prst="bentConnector4">
+            <a:avLst>
+              <a:gd name="adj1" fmla="val -2829"/>
+              <a:gd name="adj2" fmla="val 165917"/>
+            </a:avLst>
+          </a:prstGeom>
+          <a:ln>
+            <a:tailEnd type="triangle"/>
+          </a:ln>
+        </p:spPr>
+        <p:style>
+          <a:lnRef idx="1">
+            <a:schemeClr val="accent1"/>
+          </a:lnRef>
+          <a:fillRef idx="0">
+            <a:schemeClr val="accent1"/>
+          </a:fillRef>
+          <a:effectRef idx="0">
+            <a:schemeClr val="accent1"/>
+          </a:effectRef>
+          <a:fontRef idx="minor">
+            <a:schemeClr val="tx1"/>
+          </a:fontRef>
+        </p:style>
+      </p:cxnSp>
     </p:spTree>
     <p:extLst>
       <p:ext uri="{BB962C8B-B14F-4D97-AF65-F5344CB8AC3E}">

--- a/project/ux/ux 디자인.pptx
+++ b/project/ux/ux 디자인.pptx
@@ -146,7 +146,7 @@
           <p:cNvPr id="2" name="제목 1">
             <a:extLst>
               <a:ext uri="{FF2B5EF4-FFF2-40B4-BE49-F238E27FC236}">
-                <a16:creationId xmlns:a16="http://schemas.microsoft.com/office/drawing/2014/main" id="{6132674E-6DB0-4F29-9A88-761AA61E89FC}"/>
+                <a16:creationId xmlns:a16="http://schemas.microsoft.com/office/drawing/2014/main" xmlns="" id="{6132674E-6DB0-4F29-9A88-761AA61E89FC}"/>
               </a:ext>
             </a:extLst>
           </p:cNvPr>
@@ -183,7 +183,7 @@
           <p:cNvPr id="3" name="부제목 2">
             <a:extLst>
               <a:ext uri="{FF2B5EF4-FFF2-40B4-BE49-F238E27FC236}">
-                <a16:creationId xmlns:a16="http://schemas.microsoft.com/office/drawing/2014/main" id="{A73682D2-7E33-4F8D-AC77-6E2F712010B8}"/>
+                <a16:creationId xmlns:a16="http://schemas.microsoft.com/office/drawing/2014/main" xmlns="" id="{A73682D2-7E33-4F8D-AC77-6E2F712010B8}"/>
               </a:ext>
             </a:extLst>
           </p:cNvPr>
@@ -253,7 +253,7 @@
           <p:cNvPr id="4" name="날짜 개체 틀 3">
             <a:extLst>
               <a:ext uri="{FF2B5EF4-FFF2-40B4-BE49-F238E27FC236}">
-                <a16:creationId xmlns:a16="http://schemas.microsoft.com/office/drawing/2014/main" id="{03E7F4D9-7C3A-432D-85FD-60B820D0C75E}"/>
+                <a16:creationId xmlns:a16="http://schemas.microsoft.com/office/drawing/2014/main" xmlns="" id="{03E7F4D9-7C3A-432D-85FD-60B820D0C75E}"/>
               </a:ext>
             </a:extLst>
           </p:cNvPr>
@@ -282,7 +282,7 @@
           <p:cNvPr id="5" name="바닥글 개체 틀 4">
             <a:extLst>
               <a:ext uri="{FF2B5EF4-FFF2-40B4-BE49-F238E27FC236}">
-                <a16:creationId xmlns:a16="http://schemas.microsoft.com/office/drawing/2014/main" id="{6A04B928-C247-41C4-A915-B001CB0465FB}"/>
+                <a16:creationId xmlns:a16="http://schemas.microsoft.com/office/drawing/2014/main" xmlns="" id="{6A04B928-C247-41C4-A915-B001CB0465FB}"/>
               </a:ext>
             </a:extLst>
           </p:cNvPr>
@@ -307,7 +307,7 @@
           <p:cNvPr id="6" name="슬라이드 번호 개체 틀 5">
             <a:extLst>
               <a:ext uri="{FF2B5EF4-FFF2-40B4-BE49-F238E27FC236}">
-                <a16:creationId xmlns:a16="http://schemas.microsoft.com/office/drawing/2014/main" id="{D2A20632-045F-4EFB-A453-30327EBCC56E}"/>
+                <a16:creationId xmlns:a16="http://schemas.microsoft.com/office/drawing/2014/main" xmlns="" id="{D2A20632-045F-4EFB-A453-30327EBCC56E}"/>
               </a:ext>
             </a:extLst>
           </p:cNvPr>
@@ -366,7 +366,7 @@
           <p:cNvPr id="2" name="제목 1">
             <a:extLst>
               <a:ext uri="{FF2B5EF4-FFF2-40B4-BE49-F238E27FC236}">
-                <a16:creationId xmlns:a16="http://schemas.microsoft.com/office/drawing/2014/main" id="{D66BE897-C2B2-4C47-8B27-D80136F10930}"/>
+                <a16:creationId xmlns:a16="http://schemas.microsoft.com/office/drawing/2014/main" xmlns="" id="{D66BE897-C2B2-4C47-8B27-D80136F10930}"/>
               </a:ext>
             </a:extLst>
           </p:cNvPr>
@@ -394,7 +394,7 @@
           <p:cNvPr id="3" name="세로 텍스트 개체 틀 2">
             <a:extLst>
               <a:ext uri="{FF2B5EF4-FFF2-40B4-BE49-F238E27FC236}">
-                <a16:creationId xmlns:a16="http://schemas.microsoft.com/office/drawing/2014/main" id="{C218157E-90A1-4E27-866F-0D27DD9F980B}"/>
+                <a16:creationId xmlns:a16="http://schemas.microsoft.com/office/drawing/2014/main" xmlns="" id="{C218157E-90A1-4E27-866F-0D27DD9F980B}"/>
               </a:ext>
             </a:extLst>
           </p:cNvPr>
@@ -451,7 +451,7 @@
           <p:cNvPr id="4" name="날짜 개체 틀 3">
             <a:extLst>
               <a:ext uri="{FF2B5EF4-FFF2-40B4-BE49-F238E27FC236}">
-                <a16:creationId xmlns:a16="http://schemas.microsoft.com/office/drawing/2014/main" id="{700ADDD3-3D56-4CE0-B5DD-F7E2D0DAEB7F}"/>
+                <a16:creationId xmlns:a16="http://schemas.microsoft.com/office/drawing/2014/main" xmlns="" id="{700ADDD3-3D56-4CE0-B5DD-F7E2D0DAEB7F}"/>
               </a:ext>
             </a:extLst>
           </p:cNvPr>
@@ -480,7 +480,7 @@
           <p:cNvPr id="5" name="바닥글 개체 틀 4">
             <a:extLst>
               <a:ext uri="{FF2B5EF4-FFF2-40B4-BE49-F238E27FC236}">
-                <a16:creationId xmlns:a16="http://schemas.microsoft.com/office/drawing/2014/main" id="{78FC38BC-62AA-427E-8388-2AD1B6547561}"/>
+                <a16:creationId xmlns:a16="http://schemas.microsoft.com/office/drawing/2014/main" xmlns="" id="{78FC38BC-62AA-427E-8388-2AD1B6547561}"/>
               </a:ext>
             </a:extLst>
           </p:cNvPr>
@@ -505,7 +505,7 @@
           <p:cNvPr id="6" name="슬라이드 번호 개체 틀 5">
             <a:extLst>
               <a:ext uri="{FF2B5EF4-FFF2-40B4-BE49-F238E27FC236}">
-                <a16:creationId xmlns:a16="http://schemas.microsoft.com/office/drawing/2014/main" id="{2FDB24DA-8908-4956-AEFA-1A53AEFEDECD}"/>
+                <a16:creationId xmlns:a16="http://schemas.microsoft.com/office/drawing/2014/main" xmlns="" id="{2FDB24DA-8908-4956-AEFA-1A53AEFEDECD}"/>
               </a:ext>
             </a:extLst>
           </p:cNvPr>
@@ -564,7 +564,7 @@
           <p:cNvPr id="2" name="세로 제목 1">
             <a:extLst>
               <a:ext uri="{FF2B5EF4-FFF2-40B4-BE49-F238E27FC236}">
-                <a16:creationId xmlns:a16="http://schemas.microsoft.com/office/drawing/2014/main" id="{2E5D269E-78DF-408F-AED2-CA5F454261A3}"/>
+                <a16:creationId xmlns:a16="http://schemas.microsoft.com/office/drawing/2014/main" xmlns="" id="{2E5D269E-78DF-408F-AED2-CA5F454261A3}"/>
               </a:ext>
             </a:extLst>
           </p:cNvPr>
@@ -597,7 +597,7 @@
           <p:cNvPr id="3" name="세로 텍스트 개체 틀 2">
             <a:extLst>
               <a:ext uri="{FF2B5EF4-FFF2-40B4-BE49-F238E27FC236}">
-                <a16:creationId xmlns:a16="http://schemas.microsoft.com/office/drawing/2014/main" id="{91BB0F85-A93E-47F5-9F50-2B8CBC9BE240}"/>
+                <a16:creationId xmlns:a16="http://schemas.microsoft.com/office/drawing/2014/main" xmlns="" id="{91BB0F85-A93E-47F5-9F50-2B8CBC9BE240}"/>
               </a:ext>
             </a:extLst>
           </p:cNvPr>
@@ -659,7 +659,7 @@
           <p:cNvPr id="4" name="날짜 개체 틀 3">
             <a:extLst>
               <a:ext uri="{FF2B5EF4-FFF2-40B4-BE49-F238E27FC236}">
-                <a16:creationId xmlns:a16="http://schemas.microsoft.com/office/drawing/2014/main" id="{1FFECC0B-9038-4024-AD8F-89DCE7D217A7}"/>
+                <a16:creationId xmlns:a16="http://schemas.microsoft.com/office/drawing/2014/main" xmlns="" id="{1FFECC0B-9038-4024-AD8F-89DCE7D217A7}"/>
               </a:ext>
             </a:extLst>
           </p:cNvPr>
@@ -688,7 +688,7 @@
           <p:cNvPr id="5" name="바닥글 개체 틀 4">
             <a:extLst>
               <a:ext uri="{FF2B5EF4-FFF2-40B4-BE49-F238E27FC236}">
-                <a16:creationId xmlns:a16="http://schemas.microsoft.com/office/drawing/2014/main" id="{CCF32A53-F2A0-4E69-BF05-B58BA95E9DE4}"/>
+                <a16:creationId xmlns:a16="http://schemas.microsoft.com/office/drawing/2014/main" xmlns="" id="{CCF32A53-F2A0-4E69-BF05-B58BA95E9DE4}"/>
               </a:ext>
             </a:extLst>
           </p:cNvPr>
@@ -713,7 +713,7 @@
           <p:cNvPr id="6" name="슬라이드 번호 개체 틀 5">
             <a:extLst>
               <a:ext uri="{FF2B5EF4-FFF2-40B4-BE49-F238E27FC236}">
-                <a16:creationId xmlns:a16="http://schemas.microsoft.com/office/drawing/2014/main" id="{38A53D74-92CE-4C9D-BE84-2E0100F8448D}"/>
+                <a16:creationId xmlns:a16="http://schemas.microsoft.com/office/drawing/2014/main" xmlns="" id="{38A53D74-92CE-4C9D-BE84-2E0100F8448D}"/>
               </a:ext>
             </a:extLst>
           </p:cNvPr>
@@ -772,7 +772,7 @@
           <p:cNvPr id="2" name="제목 1">
             <a:extLst>
               <a:ext uri="{FF2B5EF4-FFF2-40B4-BE49-F238E27FC236}">
-                <a16:creationId xmlns:a16="http://schemas.microsoft.com/office/drawing/2014/main" id="{7659B837-7A6C-4434-8565-D30A1184C14F}"/>
+                <a16:creationId xmlns:a16="http://schemas.microsoft.com/office/drawing/2014/main" xmlns="" id="{7659B837-7A6C-4434-8565-D30A1184C14F}"/>
               </a:ext>
             </a:extLst>
           </p:cNvPr>
@@ -800,7 +800,7 @@
           <p:cNvPr id="3" name="내용 개체 틀 2">
             <a:extLst>
               <a:ext uri="{FF2B5EF4-FFF2-40B4-BE49-F238E27FC236}">
-                <a16:creationId xmlns:a16="http://schemas.microsoft.com/office/drawing/2014/main" id="{EB9C9F62-6136-4A16-BC7E-9683344DC983}"/>
+                <a16:creationId xmlns:a16="http://schemas.microsoft.com/office/drawing/2014/main" xmlns="" id="{EB9C9F62-6136-4A16-BC7E-9683344DC983}"/>
               </a:ext>
             </a:extLst>
           </p:cNvPr>
@@ -857,7 +857,7 @@
           <p:cNvPr id="4" name="날짜 개체 틀 3">
             <a:extLst>
               <a:ext uri="{FF2B5EF4-FFF2-40B4-BE49-F238E27FC236}">
-                <a16:creationId xmlns:a16="http://schemas.microsoft.com/office/drawing/2014/main" id="{A6DD54C3-8EED-44FD-9CF2-DC897181BB02}"/>
+                <a16:creationId xmlns:a16="http://schemas.microsoft.com/office/drawing/2014/main" xmlns="" id="{A6DD54C3-8EED-44FD-9CF2-DC897181BB02}"/>
               </a:ext>
             </a:extLst>
           </p:cNvPr>
@@ -886,7 +886,7 @@
           <p:cNvPr id="5" name="바닥글 개체 틀 4">
             <a:extLst>
               <a:ext uri="{FF2B5EF4-FFF2-40B4-BE49-F238E27FC236}">
-                <a16:creationId xmlns:a16="http://schemas.microsoft.com/office/drawing/2014/main" id="{FDB385F2-766C-49C9-BD2C-F4CFFE515541}"/>
+                <a16:creationId xmlns:a16="http://schemas.microsoft.com/office/drawing/2014/main" xmlns="" id="{FDB385F2-766C-49C9-BD2C-F4CFFE515541}"/>
               </a:ext>
             </a:extLst>
           </p:cNvPr>
@@ -911,7 +911,7 @@
           <p:cNvPr id="6" name="슬라이드 번호 개체 틀 5">
             <a:extLst>
               <a:ext uri="{FF2B5EF4-FFF2-40B4-BE49-F238E27FC236}">
-                <a16:creationId xmlns:a16="http://schemas.microsoft.com/office/drawing/2014/main" id="{A86D6FE6-6B8A-45B4-934A-244EC11C5B9F}"/>
+                <a16:creationId xmlns:a16="http://schemas.microsoft.com/office/drawing/2014/main" xmlns="" id="{A86D6FE6-6B8A-45B4-934A-244EC11C5B9F}"/>
               </a:ext>
             </a:extLst>
           </p:cNvPr>
@@ -970,7 +970,7 @@
           <p:cNvPr id="2" name="제목 1">
             <a:extLst>
               <a:ext uri="{FF2B5EF4-FFF2-40B4-BE49-F238E27FC236}">
-                <a16:creationId xmlns:a16="http://schemas.microsoft.com/office/drawing/2014/main" id="{3DE84662-493A-4377-BEA5-CA06032A8559}"/>
+                <a16:creationId xmlns:a16="http://schemas.microsoft.com/office/drawing/2014/main" xmlns="" id="{3DE84662-493A-4377-BEA5-CA06032A8559}"/>
               </a:ext>
             </a:extLst>
           </p:cNvPr>
@@ -1007,7 +1007,7 @@
           <p:cNvPr id="3" name="텍스트 개체 틀 2">
             <a:extLst>
               <a:ext uri="{FF2B5EF4-FFF2-40B4-BE49-F238E27FC236}">
-                <a16:creationId xmlns:a16="http://schemas.microsoft.com/office/drawing/2014/main" id="{55DC545D-EE63-41AB-983E-6D7E015B25C6}"/>
+                <a16:creationId xmlns:a16="http://schemas.microsoft.com/office/drawing/2014/main" xmlns="" id="{55DC545D-EE63-41AB-983E-6D7E015B25C6}"/>
               </a:ext>
             </a:extLst>
           </p:cNvPr>
@@ -1132,7 +1132,7 @@
           <p:cNvPr id="4" name="날짜 개체 틀 3">
             <a:extLst>
               <a:ext uri="{FF2B5EF4-FFF2-40B4-BE49-F238E27FC236}">
-                <a16:creationId xmlns:a16="http://schemas.microsoft.com/office/drawing/2014/main" id="{A5E80717-E072-4624-AE59-F1BF218F4AB2}"/>
+                <a16:creationId xmlns:a16="http://schemas.microsoft.com/office/drawing/2014/main" xmlns="" id="{A5E80717-E072-4624-AE59-F1BF218F4AB2}"/>
               </a:ext>
             </a:extLst>
           </p:cNvPr>
@@ -1161,7 +1161,7 @@
           <p:cNvPr id="5" name="바닥글 개체 틀 4">
             <a:extLst>
               <a:ext uri="{FF2B5EF4-FFF2-40B4-BE49-F238E27FC236}">
-                <a16:creationId xmlns:a16="http://schemas.microsoft.com/office/drawing/2014/main" id="{1760F6EC-24E5-409E-B08E-A59D7179CC13}"/>
+                <a16:creationId xmlns:a16="http://schemas.microsoft.com/office/drawing/2014/main" xmlns="" id="{1760F6EC-24E5-409E-B08E-A59D7179CC13}"/>
               </a:ext>
             </a:extLst>
           </p:cNvPr>
@@ -1186,7 +1186,7 @@
           <p:cNvPr id="6" name="슬라이드 번호 개체 틀 5">
             <a:extLst>
               <a:ext uri="{FF2B5EF4-FFF2-40B4-BE49-F238E27FC236}">
-                <a16:creationId xmlns:a16="http://schemas.microsoft.com/office/drawing/2014/main" id="{775004FF-5EA4-4EA0-84F2-587E57A7055D}"/>
+                <a16:creationId xmlns:a16="http://schemas.microsoft.com/office/drawing/2014/main" xmlns="" id="{775004FF-5EA4-4EA0-84F2-587E57A7055D}"/>
               </a:ext>
             </a:extLst>
           </p:cNvPr>
@@ -1245,7 +1245,7 @@
           <p:cNvPr id="2" name="제목 1">
             <a:extLst>
               <a:ext uri="{FF2B5EF4-FFF2-40B4-BE49-F238E27FC236}">
-                <a16:creationId xmlns:a16="http://schemas.microsoft.com/office/drawing/2014/main" id="{968B4831-7B31-4297-9737-ECC70F70CFB6}"/>
+                <a16:creationId xmlns:a16="http://schemas.microsoft.com/office/drawing/2014/main" xmlns="" id="{968B4831-7B31-4297-9737-ECC70F70CFB6}"/>
               </a:ext>
             </a:extLst>
           </p:cNvPr>
@@ -1273,7 +1273,7 @@
           <p:cNvPr id="3" name="내용 개체 틀 2">
             <a:extLst>
               <a:ext uri="{FF2B5EF4-FFF2-40B4-BE49-F238E27FC236}">
-                <a16:creationId xmlns:a16="http://schemas.microsoft.com/office/drawing/2014/main" id="{70CCB293-3867-4A69-879C-CE3F4BA43246}"/>
+                <a16:creationId xmlns:a16="http://schemas.microsoft.com/office/drawing/2014/main" xmlns="" id="{70CCB293-3867-4A69-879C-CE3F4BA43246}"/>
               </a:ext>
             </a:extLst>
           </p:cNvPr>
@@ -1335,7 +1335,7 @@
           <p:cNvPr id="4" name="내용 개체 틀 3">
             <a:extLst>
               <a:ext uri="{FF2B5EF4-FFF2-40B4-BE49-F238E27FC236}">
-                <a16:creationId xmlns:a16="http://schemas.microsoft.com/office/drawing/2014/main" id="{85E2DB7A-5373-41E6-894F-43B260885720}"/>
+                <a16:creationId xmlns:a16="http://schemas.microsoft.com/office/drawing/2014/main" xmlns="" id="{85E2DB7A-5373-41E6-894F-43B260885720}"/>
               </a:ext>
             </a:extLst>
           </p:cNvPr>
@@ -1397,7 +1397,7 @@
           <p:cNvPr id="5" name="날짜 개체 틀 4">
             <a:extLst>
               <a:ext uri="{FF2B5EF4-FFF2-40B4-BE49-F238E27FC236}">
-                <a16:creationId xmlns:a16="http://schemas.microsoft.com/office/drawing/2014/main" id="{CAD3A554-BFDA-445B-A800-578CC97D65AF}"/>
+                <a16:creationId xmlns:a16="http://schemas.microsoft.com/office/drawing/2014/main" xmlns="" id="{CAD3A554-BFDA-445B-A800-578CC97D65AF}"/>
               </a:ext>
             </a:extLst>
           </p:cNvPr>
@@ -1426,7 +1426,7 @@
           <p:cNvPr id="6" name="바닥글 개체 틀 5">
             <a:extLst>
               <a:ext uri="{FF2B5EF4-FFF2-40B4-BE49-F238E27FC236}">
-                <a16:creationId xmlns:a16="http://schemas.microsoft.com/office/drawing/2014/main" id="{3FC81FA4-0090-4086-8A77-7753C50E533E}"/>
+                <a16:creationId xmlns:a16="http://schemas.microsoft.com/office/drawing/2014/main" xmlns="" id="{3FC81FA4-0090-4086-8A77-7753C50E533E}"/>
               </a:ext>
             </a:extLst>
           </p:cNvPr>
@@ -1451,7 +1451,7 @@
           <p:cNvPr id="7" name="슬라이드 번호 개체 틀 6">
             <a:extLst>
               <a:ext uri="{FF2B5EF4-FFF2-40B4-BE49-F238E27FC236}">
-                <a16:creationId xmlns:a16="http://schemas.microsoft.com/office/drawing/2014/main" id="{A5DF257A-8C56-4388-8D32-50C8B113FBAB}"/>
+                <a16:creationId xmlns:a16="http://schemas.microsoft.com/office/drawing/2014/main" xmlns="" id="{A5DF257A-8C56-4388-8D32-50C8B113FBAB}"/>
               </a:ext>
             </a:extLst>
           </p:cNvPr>
@@ -1510,7 +1510,7 @@
           <p:cNvPr id="2" name="제목 1">
             <a:extLst>
               <a:ext uri="{FF2B5EF4-FFF2-40B4-BE49-F238E27FC236}">
-                <a16:creationId xmlns:a16="http://schemas.microsoft.com/office/drawing/2014/main" id="{AD57C545-8322-4207-9FC3-FFF7C87F45E9}"/>
+                <a16:creationId xmlns:a16="http://schemas.microsoft.com/office/drawing/2014/main" xmlns="" id="{AD57C545-8322-4207-9FC3-FFF7C87F45E9}"/>
               </a:ext>
             </a:extLst>
           </p:cNvPr>
@@ -1543,7 +1543,7 @@
           <p:cNvPr id="3" name="텍스트 개체 틀 2">
             <a:extLst>
               <a:ext uri="{FF2B5EF4-FFF2-40B4-BE49-F238E27FC236}">
-                <a16:creationId xmlns:a16="http://schemas.microsoft.com/office/drawing/2014/main" id="{9E8D6303-81F7-489B-A543-0573A6FF2D41}"/>
+                <a16:creationId xmlns:a16="http://schemas.microsoft.com/office/drawing/2014/main" xmlns="" id="{9E8D6303-81F7-489B-A543-0573A6FF2D41}"/>
               </a:ext>
             </a:extLst>
           </p:cNvPr>
@@ -1614,7 +1614,7 @@
           <p:cNvPr id="4" name="내용 개체 틀 3">
             <a:extLst>
               <a:ext uri="{FF2B5EF4-FFF2-40B4-BE49-F238E27FC236}">
-                <a16:creationId xmlns:a16="http://schemas.microsoft.com/office/drawing/2014/main" id="{8F9BDF20-BBAD-48CA-B584-7AD12E2694D3}"/>
+                <a16:creationId xmlns:a16="http://schemas.microsoft.com/office/drawing/2014/main" xmlns="" id="{8F9BDF20-BBAD-48CA-B584-7AD12E2694D3}"/>
               </a:ext>
             </a:extLst>
           </p:cNvPr>
@@ -1676,7 +1676,7 @@
           <p:cNvPr id="5" name="텍스트 개체 틀 4">
             <a:extLst>
               <a:ext uri="{FF2B5EF4-FFF2-40B4-BE49-F238E27FC236}">
-                <a16:creationId xmlns:a16="http://schemas.microsoft.com/office/drawing/2014/main" id="{1BF96D60-47FF-4680-A50D-FD569C27496D}"/>
+                <a16:creationId xmlns:a16="http://schemas.microsoft.com/office/drawing/2014/main" xmlns="" id="{1BF96D60-47FF-4680-A50D-FD569C27496D}"/>
               </a:ext>
             </a:extLst>
           </p:cNvPr>
@@ -1747,7 +1747,7 @@
           <p:cNvPr id="6" name="내용 개체 틀 5">
             <a:extLst>
               <a:ext uri="{FF2B5EF4-FFF2-40B4-BE49-F238E27FC236}">
-                <a16:creationId xmlns:a16="http://schemas.microsoft.com/office/drawing/2014/main" id="{C0A89DF4-777D-4640-B7F4-3C7F230AF690}"/>
+                <a16:creationId xmlns:a16="http://schemas.microsoft.com/office/drawing/2014/main" xmlns="" id="{C0A89DF4-777D-4640-B7F4-3C7F230AF690}"/>
               </a:ext>
             </a:extLst>
           </p:cNvPr>
@@ -1809,7 +1809,7 @@
           <p:cNvPr id="7" name="날짜 개체 틀 6">
             <a:extLst>
               <a:ext uri="{FF2B5EF4-FFF2-40B4-BE49-F238E27FC236}">
-                <a16:creationId xmlns:a16="http://schemas.microsoft.com/office/drawing/2014/main" id="{865B49EB-DFEC-423E-94F5-B7A39B6C95F4}"/>
+                <a16:creationId xmlns:a16="http://schemas.microsoft.com/office/drawing/2014/main" xmlns="" id="{865B49EB-DFEC-423E-94F5-B7A39B6C95F4}"/>
               </a:ext>
             </a:extLst>
           </p:cNvPr>
@@ -1838,7 +1838,7 @@
           <p:cNvPr id="8" name="바닥글 개체 틀 7">
             <a:extLst>
               <a:ext uri="{FF2B5EF4-FFF2-40B4-BE49-F238E27FC236}">
-                <a16:creationId xmlns:a16="http://schemas.microsoft.com/office/drawing/2014/main" id="{3EFD901A-0801-46BC-84BB-7653BB64FB97}"/>
+                <a16:creationId xmlns:a16="http://schemas.microsoft.com/office/drawing/2014/main" xmlns="" id="{3EFD901A-0801-46BC-84BB-7653BB64FB97}"/>
               </a:ext>
             </a:extLst>
           </p:cNvPr>
@@ -1863,7 +1863,7 @@
           <p:cNvPr id="9" name="슬라이드 번호 개체 틀 8">
             <a:extLst>
               <a:ext uri="{FF2B5EF4-FFF2-40B4-BE49-F238E27FC236}">
-                <a16:creationId xmlns:a16="http://schemas.microsoft.com/office/drawing/2014/main" id="{189DC16B-047A-4DD3-BCC4-CD484940CFA2}"/>
+                <a16:creationId xmlns:a16="http://schemas.microsoft.com/office/drawing/2014/main" xmlns="" id="{189DC16B-047A-4DD3-BCC4-CD484940CFA2}"/>
               </a:ext>
             </a:extLst>
           </p:cNvPr>
@@ -1922,7 +1922,7 @@
           <p:cNvPr id="2" name="제목 1">
             <a:extLst>
               <a:ext uri="{FF2B5EF4-FFF2-40B4-BE49-F238E27FC236}">
-                <a16:creationId xmlns:a16="http://schemas.microsoft.com/office/drawing/2014/main" id="{A69691D4-14EC-493F-9A5D-D84FC56E2C61}"/>
+                <a16:creationId xmlns:a16="http://schemas.microsoft.com/office/drawing/2014/main" xmlns="" id="{A69691D4-14EC-493F-9A5D-D84FC56E2C61}"/>
               </a:ext>
             </a:extLst>
           </p:cNvPr>
@@ -1950,7 +1950,7 @@
           <p:cNvPr id="3" name="날짜 개체 틀 2">
             <a:extLst>
               <a:ext uri="{FF2B5EF4-FFF2-40B4-BE49-F238E27FC236}">
-                <a16:creationId xmlns:a16="http://schemas.microsoft.com/office/drawing/2014/main" id="{1ED0D791-C158-4BE8-B66A-897BF2CE2B31}"/>
+                <a16:creationId xmlns:a16="http://schemas.microsoft.com/office/drawing/2014/main" xmlns="" id="{1ED0D791-C158-4BE8-B66A-897BF2CE2B31}"/>
               </a:ext>
             </a:extLst>
           </p:cNvPr>
@@ -1979,7 +1979,7 @@
           <p:cNvPr id="4" name="바닥글 개체 틀 3">
             <a:extLst>
               <a:ext uri="{FF2B5EF4-FFF2-40B4-BE49-F238E27FC236}">
-                <a16:creationId xmlns:a16="http://schemas.microsoft.com/office/drawing/2014/main" id="{5284DDA6-F47A-4AE8-8E7B-F2E830A366EC}"/>
+                <a16:creationId xmlns:a16="http://schemas.microsoft.com/office/drawing/2014/main" xmlns="" id="{5284DDA6-F47A-4AE8-8E7B-F2E830A366EC}"/>
               </a:ext>
             </a:extLst>
           </p:cNvPr>
@@ -2004,7 +2004,7 @@
           <p:cNvPr id="5" name="슬라이드 번호 개체 틀 4">
             <a:extLst>
               <a:ext uri="{FF2B5EF4-FFF2-40B4-BE49-F238E27FC236}">
-                <a16:creationId xmlns:a16="http://schemas.microsoft.com/office/drawing/2014/main" id="{D5C18EF9-32F1-4DC0-97F1-AD075958A6CD}"/>
+                <a16:creationId xmlns:a16="http://schemas.microsoft.com/office/drawing/2014/main" xmlns="" id="{D5C18EF9-32F1-4DC0-97F1-AD075958A6CD}"/>
               </a:ext>
             </a:extLst>
           </p:cNvPr>
@@ -2063,7 +2063,7 @@
           <p:cNvPr id="2" name="날짜 개체 틀 1">
             <a:extLst>
               <a:ext uri="{FF2B5EF4-FFF2-40B4-BE49-F238E27FC236}">
-                <a16:creationId xmlns:a16="http://schemas.microsoft.com/office/drawing/2014/main" id="{2CFFB397-9837-4B08-8644-17B4249B6276}"/>
+                <a16:creationId xmlns:a16="http://schemas.microsoft.com/office/drawing/2014/main" xmlns="" id="{2CFFB397-9837-4B08-8644-17B4249B6276}"/>
               </a:ext>
             </a:extLst>
           </p:cNvPr>
@@ -2092,7 +2092,7 @@
           <p:cNvPr id="3" name="바닥글 개체 틀 2">
             <a:extLst>
               <a:ext uri="{FF2B5EF4-FFF2-40B4-BE49-F238E27FC236}">
-                <a16:creationId xmlns:a16="http://schemas.microsoft.com/office/drawing/2014/main" id="{D922FA8A-3244-46D2-96C3-E7C43C143462}"/>
+                <a16:creationId xmlns:a16="http://schemas.microsoft.com/office/drawing/2014/main" xmlns="" id="{D922FA8A-3244-46D2-96C3-E7C43C143462}"/>
               </a:ext>
             </a:extLst>
           </p:cNvPr>
@@ -2117,7 +2117,7 @@
           <p:cNvPr id="4" name="슬라이드 번호 개체 틀 3">
             <a:extLst>
               <a:ext uri="{FF2B5EF4-FFF2-40B4-BE49-F238E27FC236}">
-                <a16:creationId xmlns:a16="http://schemas.microsoft.com/office/drawing/2014/main" id="{3684835D-7AD9-48E4-A14E-0AA50710DA8F}"/>
+                <a16:creationId xmlns:a16="http://schemas.microsoft.com/office/drawing/2014/main" xmlns="" id="{3684835D-7AD9-48E4-A14E-0AA50710DA8F}"/>
               </a:ext>
             </a:extLst>
           </p:cNvPr>
@@ -2176,7 +2176,7 @@
           <p:cNvPr id="2" name="제목 1">
             <a:extLst>
               <a:ext uri="{FF2B5EF4-FFF2-40B4-BE49-F238E27FC236}">
-                <a16:creationId xmlns:a16="http://schemas.microsoft.com/office/drawing/2014/main" id="{EC9C0E10-E692-4BB2-B41B-B296C176816A}"/>
+                <a16:creationId xmlns:a16="http://schemas.microsoft.com/office/drawing/2014/main" xmlns="" id="{EC9C0E10-E692-4BB2-B41B-B296C176816A}"/>
               </a:ext>
             </a:extLst>
           </p:cNvPr>
@@ -2213,7 +2213,7 @@
           <p:cNvPr id="3" name="내용 개체 틀 2">
             <a:extLst>
               <a:ext uri="{FF2B5EF4-FFF2-40B4-BE49-F238E27FC236}">
-                <a16:creationId xmlns:a16="http://schemas.microsoft.com/office/drawing/2014/main" id="{15ED443F-B03D-4827-80CB-F5C37F09ABBD}"/>
+                <a16:creationId xmlns:a16="http://schemas.microsoft.com/office/drawing/2014/main" xmlns="" id="{15ED443F-B03D-4827-80CB-F5C37F09ABBD}"/>
               </a:ext>
             </a:extLst>
           </p:cNvPr>
@@ -2303,7 +2303,7 @@
           <p:cNvPr id="4" name="텍스트 개체 틀 3">
             <a:extLst>
               <a:ext uri="{FF2B5EF4-FFF2-40B4-BE49-F238E27FC236}">
-                <a16:creationId xmlns:a16="http://schemas.microsoft.com/office/drawing/2014/main" id="{923CABFD-20B8-47FD-BBC8-1B7DC556485C}"/>
+                <a16:creationId xmlns:a16="http://schemas.microsoft.com/office/drawing/2014/main" xmlns="" id="{923CABFD-20B8-47FD-BBC8-1B7DC556485C}"/>
               </a:ext>
             </a:extLst>
           </p:cNvPr>
@@ -2374,7 +2374,7 @@
           <p:cNvPr id="5" name="날짜 개체 틀 4">
             <a:extLst>
               <a:ext uri="{FF2B5EF4-FFF2-40B4-BE49-F238E27FC236}">
-                <a16:creationId xmlns:a16="http://schemas.microsoft.com/office/drawing/2014/main" id="{0889DCF5-7070-49DA-91A1-83F5A63CFBD1}"/>
+                <a16:creationId xmlns:a16="http://schemas.microsoft.com/office/drawing/2014/main" xmlns="" id="{0889DCF5-7070-49DA-91A1-83F5A63CFBD1}"/>
               </a:ext>
             </a:extLst>
           </p:cNvPr>
@@ -2403,7 +2403,7 @@
           <p:cNvPr id="6" name="바닥글 개체 틀 5">
             <a:extLst>
               <a:ext uri="{FF2B5EF4-FFF2-40B4-BE49-F238E27FC236}">
-                <a16:creationId xmlns:a16="http://schemas.microsoft.com/office/drawing/2014/main" id="{4ED8535D-E00F-4A33-830F-AE4FCBD80B18}"/>
+                <a16:creationId xmlns:a16="http://schemas.microsoft.com/office/drawing/2014/main" xmlns="" id="{4ED8535D-E00F-4A33-830F-AE4FCBD80B18}"/>
               </a:ext>
             </a:extLst>
           </p:cNvPr>
@@ -2428,7 +2428,7 @@
           <p:cNvPr id="7" name="슬라이드 번호 개체 틀 6">
             <a:extLst>
               <a:ext uri="{FF2B5EF4-FFF2-40B4-BE49-F238E27FC236}">
-                <a16:creationId xmlns:a16="http://schemas.microsoft.com/office/drawing/2014/main" id="{AFB49387-A1B8-4965-B3C2-804EEF30337C}"/>
+                <a16:creationId xmlns:a16="http://schemas.microsoft.com/office/drawing/2014/main" xmlns="" id="{AFB49387-A1B8-4965-B3C2-804EEF30337C}"/>
               </a:ext>
             </a:extLst>
           </p:cNvPr>
@@ -2487,7 +2487,7 @@
           <p:cNvPr id="2" name="제목 1">
             <a:extLst>
               <a:ext uri="{FF2B5EF4-FFF2-40B4-BE49-F238E27FC236}">
-                <a16:creationId xmlns:a16="http://schemas.microsoft.com/office/drawing/2014/main" id="{E1CA7442-8035-4A7A-A874-D9CD2B6D5D81}"/>
+                <a16:creationId xmlns:a16="http://schemas.microsoft.com/office/drawing/2014/main" xmlns="" id="{E1CA7442-8035-4A7A-A874-D9CD2B6D5D81}"/>
               </a:ext>
             </a:extLst>
           </p:cNvPr>
@@ -2524,7 +2524,7 @@
           <p:cNvPr id="3" name="그림 개체 틀 2">
             <a:extLst>
               <a:ext uri="{FF2B5EF4-FFF2-40B4-BE49-F238E27FC236}">
-                <a16:creationId xmlns:a16="http://schemas.microsoft.com/office/drawing/2014/main" id="{7622CE00-C426-4E56-B1EF-EEF65E5F5611}"/>
+                <a16:creationId xmlns:a16="http://schemas.microsoft.com/office/drawing/2014/main" xmlns="" id="{7622CE00-C426-4E56-B1EF-EEF65E5F5611}"/>
               </a:ext>
             </a:extLst>
           </p:cNvPr>
@@ -2591,7 +2591,7 @@
           <p:cNvPr id="4" name="텍스트 개체 틀 3">
             <a:extLst>
               <a:ext uri="{FF2B5EF4-FFF2-40B4-BE49-F238E27FC236}">
-                <a16:creationId xmlns:a16="http://schemas.microsoft.com/office/drawing/2014/main" id="{495E60F2-84CE-419E-9C9F-0278E82FA1F6}"/>
+                <a16:creationId xmlns:a16="http://schemas.microsoft.com/office/drawing/2014/main" xmlns="" id="{495E60F2-84CE-419E-9C9F-0278E82FA1F6}"/>
               </a:ext>
             </a:extLst>
           </p:cNvPr>
@@ -2662,7 +2662,7 @@
           <p:cNvPr id="5" name="날짜 개체 틀 4">
             <a:extLst>
               <a:ext uri="{FF2B5EF4-FFF2-40B4-BE49-F238E27FC236}">
-                <a16:creationId xmlns:a16="http://schemas.microsoft.com/office/drawing/2014/main" id="{F722F0C8-E1C8-4905-A976-E44E5C66ECF3}"/>
+                <a16:creationId xmlns:a16="http://schemas.microsoft.com/office/drawing/2014/main" xmlns="" id="{F722F0C8-E1C8-4905-A976-E44E5C66ECF3}"/>
               </a:ext>
             </a:extLst>
           </p:cNvPr>
@@ -2691,7 +2691,7 @@
           <p:cNvPr id="6" name="바닥글 개체 틀 5">
             <a:extLst>
               <a:ext uri="{FF2B5EF4-FFF2-40B4-BE49-F238E27FC236}">
-                <a16:creationId xmlns:a16="http://schemas.microsoft.com/office/drawing/2014/main" id="{C71FB099-70B8-4949-8CC4-4991B7D80CA5}"/>
+                <a16:creationId xmlns:a16="http://schemas.microsoft.com/office/drawing/2014/main" xmlns="" id="{C71FB099-70B8-4949-8CC4-4991B7D80CA5}"/>
               </a:ext>
             </a:extLst>
           </p:cNvPr>
@@ -2716,7 +2716,7 @@
           <p:cNvPr id="7" name="슬라이드 번호 개체 틀 6">
             <a:extLst>
               <a:ext uri="{FF2B5EF4-FFF2-40B4-BE49-F238E27FC236}">
-                <a16:creationId xmlns:a16="http://schemas.microsoft.com/office/drawing/2014/main" id="{10251FBF-2A69-46B4-83CB-D3BE42F3BC6E}"/>
+                <a16:creationId xmlns:a16="http://schemas.microsoft.com/office/drawing/2014/main" xmlns="" id="{10251FBF-2A69-46B4-83CB-D3BE42F3BC6E}"/>
               </a:ext>
             </a:extLst>
           </p:cNvPr>
@@ -2780,7 +2780,7 @@
           <p:cNvPr id="2" name="제목 개체 틀 1">
             <a:extLst>
               <a:ext uri="{FF2B5EF4-FFF2-40B4-BE49-F238E27FC236}">
-                <a16:creationId xmlns:a16="http://schemas.microsoft.com/office/drawing/2014/main" id="{EFD96383-E15A-4F35-8C81-8811376A662C}"/>
+                <a16:creationId xmlns:a16="http://schemas.microsoft.com/office/drawing/2014/main" xmlns="" id="{EFD96383-E15A-4F35-8C81-8811376A662C}"/>
               </a:ext>
             </a:extLst>
           </p:cNvPr>
@@ -2818,7 +2818,7 @@
           <p:cNvPr id="3" name="텍스트 개체 틀 2">
             <a:extLst>
               <a:ext uri="{FF2B5EF4-FFF2-40B4-BE49-F238E27FC236}">
-                <a16:creationId xmlns:a16="http://schemas.microsoft.com/office/drawing/2014/main" id="{3039CF5D-F915-44BA-9FD0-88DF7342D48E}"/>
+                <a16:creationId xmlns:a16="http://schemas.microsoft.com/office/drawing/2014/main" xmlns="" id="{3039CF5D-F915-44BA-9FD0-88DF7342D48E}"/>
               </a:ext>
             </a:extLst>
           </p:cNvPr>
@@ -2885,7 +2885,7 @@
           <p:cNvPr id="4" name="날짜 개체 틀 3">
             <a:extLst>
               <a:ext uri="{FF2B5EF4-FFF2-40B4-BE49-F238E27FC236}">
-                <a16:creationId xmlns:a16="http://schemas.microsoft.com/office/drawing/2014/main" id="{0D22F11B-2A3D-4DA4-ADD8-6DA62431D684}"/>
+                <a16:creationId xmlns:a16="http://schemas.microsoft.com/office/drawing/2014/main" xmlns="" id="{0D22F11B-2A3D-4DA4-ADD8-6DA62431D684}"/>
               </a:ext>
             </a:extLst>
           </p:cNvPr>
@@ -2932,7 +2932,7 @@
           <p:cNvPr id="5" name="바닥글 개체 틀 4">
             <a:extLst>
               <a:ext uri="{FF2B5EF4-FFF2-40B4-BE49-F238E27FC236}">
-                <a16:creationId xmlns:a16="http://schemas.microsoft.com/office/drawing/2014/main" id="{8214A520-D927-4F06-92E1-2FFEF1AB4E97}"/>
+                <a16:creationId xmlns:a16="http://schemas.microsoft.com/office/drawing/2014/main" xmlns="" id="{8214A520-D927-4F06-92E1-2FFEF1AB4E97}"/>
               </a:ext>
             </a:extLst>
           </p:cNvPr>
@@ -2975,7 +2975,7 @@
           <p:cNvPr id="6" name="슬라이드 번호 개체 틀 5">
             <a:extLst>
               <a:ext uri="{FF2B5EF4-FFF2-40B4-BE49-F238E27FC236}">
-                <a16:creationId xmlns:a16="http://schemas.microsoft.com/office/drawing/2014/main" id="{8E52F654-ECB2-4687-973C-CC9C21A6FE98}"/>
+                <a16:creationId xmlns:a16="http://schemas.microsoft.com/office/drawing/2014/main" xmlns="" id="{8E52F654-ECB2-4687-973C-CC9C21A6FE98}"/>
               </a:ext>
             </a:extLst>
           </p:cNvPr>
@@ -3343,7 +3343,7 @@
           <p:cNvPr id="5" name="TextBox 4">
             <a:extLst>
               <a:ext uri="{FF2B5EF4-FFF2-40B4-BE49-F238E27FC236}">
-                <a16:creationId xmlns:a16="http://schemas.microsoft.com/office/drawing/2014/main" id="{1687122A-1A6F-42D7-B28A-CA0446A74A85}"/>
+                <a16:creationId xmlns:a16="http://schemas.microsoft.com/office/drawing/2014/main" xmlns="" id="{1687122A-1A6F-42D7-B28A-CA0446A74A85}"/>
               </a:ext>
             </a:extLst>
           </p:cNvPr>
@@ -3387,7 +3387,7 @@
           <p:cNvPr id="6" name="TextBox 5">
             <a:extLst>
               <a:ext uri="{FF2B5EF4-FFF2-40B4-BE49-F238E27FC236}">
-                <a16:creationId xmlns:a16="http://schemas.microsoft.com/office/drawing/2014/main" id="{61814FDB-3A10-4CAE-A101-A4D783960531}"/>
+                <a16:creationId xmlns:a16="http://schemas.microsoft.com/office/drawing/2014/main" xmlns="" id="{61814FDB-3A10-4CAE-A101-A4D783960531}"/>
               </a:ext>
             </a:extLst>
           </p:cNvPr>
@@ -3552,7 +3552,7 @@
           <p:cNvPr id="7" name="TextBox 6">
             <a:extLst>
               <a:ext uri="{FF2B5EF4-FFF2-40B4-BE49-F238E27FC236}">
-                <a16:creationId xmlns:a16="http://schemas.microsoft.com/office/drawing/2014/main" id="{4437C0AC-FF21-434A-B3E5-1D425393A8CC}"/>
+                <a16:creationId xmlns:a16="http://schemas.microsoft.com/office/drawing/2014/main" xmlns="" id="{4437C0AC-FF21-434A-B3E5-1D425393A8CC}"/>
               </a:ext>
             </a:extLst>
           </p:cNvPr>
@@ -3617,7 +3617,7 @@
           <p:cNvPr id="2" name="제목 1">
             <a:extLst>
               <a:ext uri="{FF2B5EF4-FFF2-40B4-BE49-F238E27FC236}">
-                <a16:creationId xmlns:a16="http://schemas.microsoft.com/office/drawing/2014/main" id="{004B6B19-4B0F-4D9E-AA2E-2D93DBE1FDE8}"/>
+                <a16:creationId xmlns:a16="http://schemas.microsoft.com/office/drawing/2014/main" xmlns="" id="{004B6B19-4B0F-4D9E-AA2E-2D93DBE1FDE8}"/>
               </a:ext>
             </a:extLst>
           </p:cNvPr>
@@ -3645,7 +3645,7 @@
           <p:cNvPr id="4" name="내용 개체 틀 3">
             <a:extLst>
               <a:ext uri="{FF2B5EF4-FFF2-40B4-BE49-F238E27FC236}">
-                <a16:creationId xmlns:a16="http://schemas.microsoft.com/office/drawing/2014/main" id="{6CC133D3-1D69-473F-8C05-5537E578312A}"/>
+                <a16:creationId xmlns:a16="http://schemas.microsoft.com/office/drawing/2014/main" xmlns="" id="{6CC133D3-1D69-473F-8C05-5537E578312A}"/>
               </a:ext>
             </a:extLst>
           </p:cNvPr>
@@ -3675,7 +3675,7 @@
           <p:cNvPr id="5" name="직사각형 4">
             <a:extLst>
               <a:ext uri="{FF2B5EF4-FFF2-40B4-BE49-F238E27FC236}">
-                <a16:creationId xmlns:a16="http://schemas.microsoft.com/office/drawing/2014/main" id="{8783E420-3634-4577-A5F3-DE3C8F46E103}"/>
+                <a16:creationId xmlns:a16="http://schemas.microsoft.com/office/drawing/2014/main" xmlns="" id="{8783E420-3634-4577-A5F3-DE3C8F46E103}"/>
               </a:ext>
             </a:extLst>
           </p:cNvPr>
@@ -3731,7 +3731,7 @@
           <p:cNvPr id="6" name="표 5">
             <a:extLst>
               <a:ext uri="{FF2B5EF4-FFF2-40B4-BE49-F238E27FC236}">
-                <a16:creationId xmlns:a16="http://schemas.microsoft.com/office/drawing/2014/main" id="{C9997A80-668F-48A8-80B1-1CFC6A5C7AB4}"/>
+                <a16:creationId xmlns:a16="http://schemas.microsoft.com/office/drawing/2014/main" xmlns="" id="{C9997A80-668F-48A8-80B1-1CFC6A5C7AB4}"/>
               </a:ext>
             </a:extLst>
           </p:cNvPr>
@@ -3760,7 +3760,7 @@
                 <a:gridCol w="1618678">
                   <a:extLst>
                     <a:ext uri="{9D8B030D-6E8A-4147-A177-3AD203B41FA5}">
-                      <a16:colId xmlns:a16="http://schemas.microsoft.com/office/drawing/2014/main" val="2750948999"/>
+                      <a16:colId xmlns:a16="http://schemas.microsoft.com/office/drawing/2014/main" xmlns="" val="2750948999"/>
                     </a:ext>
                   </a:extLst>
                 </a:gridCol>
@@ -3782,7 +3782,7 @@
                 </a:tc>
                 <a:extLst>
                   <a:ext uri="{0D108BD9-81ED-4DB2-BD59-A6C34878D82A}">
-                    <a16:rowId xmlns:a16="http://schemas.microsoft.com/office/drawing/2014/main" val="3884695047"/>
+                    <a16:rowId xmlns:a16="http://schemas.microsoft.com/office/drawing/2014/main" xmlns="" val="3884695047"/>
                   </a:ext>
                 </a:extLst>
               </a:tr>
@@ -3803,7 +3803,7 @@
                 </a:tc>
                 <a:extLst>
                   <a:ext uri="{0D108BD9-81ED-4DB2-BD59-A6C34878D82A}">
-                    <a16:rowId xmlns:a16="http://schemas.microsoft.com/office/drawing/2014/main" val="3546185854"/>
+                    <a16:rowId xmlns:a16="http://schemas.microsoft.com/office/drawing/2014/main" xmlns="" val="3546185854"/>
                   </a:ext>
                 </a:extLst>
               </a:tr>
@@ -3824,7 +3824,7 @@
                 </a:tc>
                 <a:extLst>
                   <a:ext uri="{0D108BD9-81ED-4DB2-BD59-A6C34878D82A}">
-                    <a16:rowId xmlns:a16="http://schemas.microsoft.com/office/drawing/2014/main" val="3600756719"/>
+                    <a16:rowId xmlns:a16="http://schemas.microsoft.com/office/drawing/2014/main" xmlns="" val="3600756719"/>
                   </a:ext>
                 </a:extLst>
               </a:tr>
@@ -3845,7 +3845,7 @@
                 </a:tc>
                 <a:extLst>
                   <a:ext uri="{0D108BD9-81ED-4DB2-BD59-A6C34878D82A}">
-                    <a16:rowId xmlns:a16="http://schemas.microsoft.com/office/drawing/2014/main" val="2952049210"/>
+                    <a16:rowId xmlns:a16="http://schemas.microsoft.com/office/drawing/2014/main" xmlns="" val="2952049210"/>
                   </a:ext>
                 </a:extLst>
               </a:tr>
@@ -3858,7 +3858,7 @@
           <p:cNvPr id="18" name="그림 17">
             <a:extLst>
               <a:ext uri="{FF2B5EF4-FFF2-40B4-BE49-F238E27FC236}">
-                <a16:creationId xmlns:a16="http://schemas.microsoft.com/office/drawing/2014/main" id="{A554B26D-8AC3-43D2-8E99-643BAA2ECEB3}"/>
+                <a16:creationId xmlns:a16="http://schemas.microsoft.com/office/drawing/2014/main" xmlns="" id="{A554B26D-8AC3-43D2-8E99-643BAA2ECEB3}"/>
               </a:ext>
             </a:extLst>
           </p:cNvPr>
@@ -3888,7 +3888,7 @@
           <p:cNvPr id="20" name="TextBox 19">
             <a:extLst>
               <a:ext uri="{FF2B5EF4-FFF2-40B4-BE49-F238E27FC236}">
-                <a16:creationId xmlns:a16="http://schemas.microsoft.com/office/drawing/2014/main" id="{533949C0-7155-4EDD-930B-AB4696F5C499}"/>
+                <a16:creationId xmlns:a16="http://schemas.microsoft.com/office/drawing/2014/main" xmlns="" id="{533949C0-7155-4EDD-930B-AB4696F5C499}"/>
               </a:ext>
             </a:extLst>
           </p:cNvPr>
@@ -4024,7 +4024,7 @@
           <p:cNvPr id="2" name="제목 1">
             <a:extLst>
               <a:ext uri="{FF2B5EF4-FFF2-40B4-BE49-F238E27FC236}">
-                <a16:creationId xmlns:a16="http://schemas.microsoft.com/office/drawing/2014/main" id="{98533831-1F11-4577-BE1D-683C048F248F}"/>
+                <a16:creationId xmlns:a16="http://schemas.microsoft.com/office/drawing/2014/main" xmlns="" id="{98533831-1F11-4577-BE1D-683C048F248F}"/>
               </a:ext>
             </a:extLst>
           </p:cNvPr>
@@ -4052,7 +4052,7 @@
           <p:cNvPr id="3" name="내용 개체 틀 2">
             <a:extLst>
               <a:ext uri="{FF2B5EF4-FFF2-40B4-BE49-F238E27FC236}">
-                <a16:creationId xmlns:a16="http://schemas.microsoft.com/office/drawing/2014/main" id="{4FBA18E0-6D4A-4569-B2C8-69ED727CD8BA}"/>
+                <a16:creationId xmlns:a16="http://schemas.microsoft.com/office/drawing/2014/main" xmlns="" id="{4FBA18E0-6D4A-4569-B2C8-69ED727CD8BA}"/>
               </a:ext>
             </a:extLst>
           </p:cNvPr>
@@ -4349,7 +4349,7 @@
           <p:cNvPr id="2" name="제목 1">
             <a:extLst>
               <a:ext uri="{FF2B5EF4-FFF2-40B4-BE49-F238E27FC236}">
-                <a16:creationId xmlns:a16="http://schemas.microsoft.com/office/drawing/2014/main" id="{A60C6562-9B6E-4F54-957F-C6A22BA24F5A}"/>
+                <a16:creationId xmlns:a16="http://schemas.microsoft.com/office/drawing/2014/main" xmlns="" id="{A60C6562-9B6E-4F54-957F-C6A22BA24F5A}"/>
               </a:ext>
             </a:extLst>
           </p:cNvPr>
@@ -4377,7 +4377,7 @@
           <p:cNvPr id="3" name="내용 개체 틀 2">
             <a:extLst>
               <a:ext uri="{FF2B5EF4-FFF2-40B4-BE49-F238E27FC236}">
-                <a16:creationId xmlns:a16="http://schemas.microsoft.com/office/drawing/2014/main" id="{B69CF6FA-8DE7-407F-A44E-54C4BBA17053}"/>
+                <a16:creationId xmlns:a16="http://schemas.microsoft.com/office/drawing/2014/main" xmlns="" id="{B69CF6FA-8DE7-407F-A44E-54C4BBA17053}"/>
               </a:ext>
             </a:extLst>
           </p:cNvPr>
@@ -4481,7 +4481,7 @@
           <p:cNvPr id="2" name="제목 1">
             <a:extLst>
               <a:ext uri="{FF2B5EF4-FFF2-40B4-BE49-F238E27FC236}">
-                <a16:creationId xmlns:a16="http://schemas.microsoft.com/office/drawing/2014/main" id="{BC98C92E-643E-426E-ABEC-9AC2E16ECF95}"/>
+                <a16:creationId xmlns:a16="http://schemas.microsoft.com/office/drawing/2014/main" xmlns="" id="{BC98C92E-643E-426E-ABEC-9AC2E16ECF95}"/>
               </a:ext>
             </a:extLst>
           </p:cNvPr>
@@ -4509,7 +4509,7 @@
           <p:cNvPr id="3" name="내용 개체 틀 2">
             <a:extLst>
               <a:ext uri="{FF2B5EF4-FFF2-40B4-BE49-F238E27FC236}">
-                <a16:creationId xmlns:a16="http://schemas.microsoft.com/office/drawing/2014/main" id="{FAD6D609-BAFB-4E5E-AD3C-8384CA1435B4}"/>
+                <a16:creationId xmlns:a16="http://schemas.microsoft.com/office/drawing/2014/main" xmlns="" id="{FAD6D609-BAFB-4E5E-AD3C-8384CA1435B4}"/>
               </a:ext>
             </a:extLst>
           </p:cNvPr>
@@ -4679,7 +4679,7 @@
           <p:cNvPr id="2" name="제목 1">
             <a:extLst>
               <a:ext uri="{FF2B5EF4-FFF2-40B4-BE49-F238E27FC236}">
-                <a16:creationId xmlns:a16="http://schemas.microsoft.com/office/drawing/2014/main" id="{9C453DEA-3F9E-4E77-86F9-26EAD4D40208}"/>
+                <a16:creationId xmlns:a16="http://schemas.microsoft.com/office/drawing/2014/main" xmlns="" id="{9C453DEA-3F9E-4E77-86F9-26EAD4D40208}"/>
               </a:ext>
             </a:extLst>
           </p:cNvPr>
@@ -4707,7 +4707,7 @@
           <p:cNvPr id="4" name="직사각형 3">
             <a:extLst>
               <a:ext uri="{FF2B5EF4-FFF2-40B4-BE49-F238E27FC236}">
-                <a16:creationId xmlns:a16="http://schemas.microsoft.com/office/drawing/2014/main" id="{B9D918CF-1AFD-40D5-A753-A8294AA96329}"/>
+                <a16:creationId xmlns:a16="http://schemas.microsoft.com/office/drawing/2014/main" xmlns="" id="{B9D918CF-1AFD-40D5-A753-A8294AA96329}"/>
               </a:ext>
             </a:extLst>
           </p:cNvPr>
@@ -4761,7 +4761,7 @@
           <p:cNvPr id="6" name="직사각형 5">
             <a:extLst>
               <a:ext uri="{FF2B5EF4-FFF2-40B4-BE49-F238E27FC236}">
-                <a16:creationId xmlns:a16="http://schemas.microsoft.com/office/drawing/2014/main" id="{71C8DD33-CFA0-4662-B24B-5E6F1A0AECFE}"/>
+                <a16:creationId xmlns:a16="http://schemas.microsoft.com/office/drawing/2014/main" xmlns="" id="{71C8DD33-CFA0-4662-B24B-5E6F1A0AECFE}"/>
               </a:ext>
             </a:extLst>
           </p:cNvPr>
@@ -4815,7 +4815,7 @@
           <p:cNvPr id="7" name="직사각형 6">
             <a:extLst>
               <a:ext uri="{FF2B5EF4-FFF2-40B4-BE49-F238E27FC236}">
-                <a16:creationId xmlns:a16="http://schemas.microsoft.com/office/drawing/2014/main" id="{321D4089-DBD3-456F-9369-D5989B7C72E5}"/>
+                <a16:creationId xmlns:a16="http://schemas.microsoft.com/office/drawing/2014/main" xmlns="" id="{321D4089-DBD3-456F-9369-D5989B7C72E5}"/>
               </a:ext>
             </a:extLst>
           </p:cNvPr>
@@ -4864,7 +4864,7 @@
           <p:cNvPr id="9" name="직사각형 8">
             <a:extLst>
               <a:ext uri="{FF2B5EF4-FFF2-40B4-BE49-F238E27FC236}">
-                <a16:creationId xmlns:a16="http://schemas.microsoft.com/office/drawing/2014/main" id="{59DBF39D-17FD-40E3-B10E-9A66B7CC928A}"/>
+                <a16:creationId xmlns:a16="http://schemas.microsoft.com/office/drawing/2014/main" xmlns="" id="{59DBF39D-17FD-40E3-B10E-9A66B7CC928A}"/>
               </a:ext>
             </a:extLst>
           </p:cNvPr>
@@ -4913,7 +4913,7 @@
           <p:cNvPr id="10" name="직사각형 9">
             <a:extLst>
               <a:ext uri="{FF2B5EF4-FFF2-40B4-BE49-F238E27FC236}">
-                <a16:creationId xmlns:a16="http://schemas.microsoft.com/office/drawing/2014/main" id="{3C428059-CDC7-48C0-9D51-E2B1235B3CCC}"/>
+                <a16:creationId xmlns:a16="http://schemas.microsoft.com/office/drawing/2014/main" xmlns="" id="{3C428059-CDC7-48C0-9D51-E2B1235B3CCC}"/>
               </a:ext>
             </a:extLst>
           </p:cNvPr>
@@ -4962,7 +4962,7 @@
           <p:cNvPr id="32" name="연결선: 꺾임 31">
             <a:extLst>
               <a:ext uri="{FF2B5EF4-FFF2-40B4-BE49-F238E27FC236}">
-                <a16:creationId xmlns:a16="http://schemas.microsoft.com/office/drawing/2014/main" id="{8B4654AD-E666-41B4-8E94-E247981578BD}"/>
+                <a16:creationId xmlns:a16="http://schemas.microsoft.com/office/drawing/2014/main" xmlns="" id="{8B4654AD-E666-41B4-8E94-E247981578BD}"/>
               </a:ext>
             </a:extLst>
           </p:cNvPr>
@@ -5004,7 +5004,7 @@
           <p:cNvPr id="34" name="연결선: 꺾임 33">
             <a:extLst>
               <a:ext uri="{FF2B5EF4-FFF2-40B4-BE49-F238E27FC236}">
-                <a16:creationId xmlns:a16="http://schemas.microsoft.com/office/drawing/2014/main" id="{1D746EC3-5089-4269-ADB4-3C6A520ACFBE}"/>
+                <a16:creationId xmlns:a16="http://schemas.microsoft.com/office/drawing/2014/main" xmlns="" id="{1D746EC3-5089-4269-ADB4-3C6A520ACFBE}"/>
               </a:ext>
             </a:extLst>
           </p:cNvPr>
@@ -5046,7 +5046,7 @@
           <p:cNvPr id="36" name="연결선: 꺾임 35">
             <a:extLst>
               <a:ext uri="{FF2B5EF4-FFF2-40B4-BE49-F238E27FC236}">
-                <a16:creationId xmlns:a16="http://schemas.microsoft.com/office/drawing/2014/main" id="{241A9D86-A593-4DF6-8988-429D9F091CD3}"/>
+                <a16:creationId xmlns:a16="http://schemas.microsoft.com/office/drawing/2014/main" xmlns="" id="{241A9D86-A593-4DF6-8988-429D9F091CD3}"/>
               </a:ext>
             </a:extLst>
           </p:cNvPr>
@@ -5088,7 +5088,7 @@
           <p:cNvPr id="38" name="연결선: 꺾임 37">
             <a:extLst>
               <a:ext uri="{FF2B5EF4-FFF2-40B4-BE49-F238E27FC236}">
-                <a16:creationId xmlns:a16="http://schemas.microsoft.com/office/drawing/2014/main" id="{78CFE43B-4B96-4DEE-83B4-CE323763FCF8}"/>
+                <a16:creationId xmlns:a16="http://schemas.microsoft.com/office/drawing/2014/main" xmlns="" id="{78CFE43B-4B96-4DEE-83B4-CE323763FCF8}"/>
               </a:ext>
             </a:extLst>
           </p:cNvPr>
@@ -5130,7 +5130,7 @@
           <p:cNvPr id="40" name="연결선: 꺾임 39">
             <a:extLst>
               <a:ext uri="{FF2B5EF4-FFF2-40B4-BE49-F238E27FC236}">
-                <a16:creationId xmlns:a16="http://schemas.microsoft.com/office/drawing/2014/main" id="{BF610956-03C4-45DF-82F4-1DE4757FCA4D}"/>
+                <a16:creationId xmlns:a16="http://schemas.microsoft.com/office/drawing/2014/main" xmlns="" id="{BF610956-03C4-45DF-82F4-1DE4757FCA4D}"/>
               </a:ext>
             </a:extLst>
           </p:cNvPr>
@@ -5202,7 +5202,7 @@
           <p:cNvPr id="18" name="순서도: 처리 17">
             <a:extLst>
               <a:ext uri="{FF2B5EF4-FFF2-40B4-BE49-F238E27FC236}">
-                <a16:creationId xmlns:a16="http://schemas.microsoft.com/office/drawing/2014/main" id="{511C6ADE-C057-4591-8827-8FC5883C96B2}"/>
+                <a16:creationId xmlns:a16="http://schemas.microsoft.com/office/drawing/2014/main" xmlns="" id="{511C6ADE-C057-4591-8827-8FC5883C96B2}"/>
               </a:ext>
             </a:extLst>
           </p:cNvPr>
@@ -5252,7 +5252,7 @@
           <p:cNvPr id="19" name="순서도: 처리 18">
             <a:extLst>
               <a:ext uri="{FF2B5EF4-FFF2-40B4-BE49-F238E27FC236}">
-                <a16:creationId xmlns:a16="http://schemas.microsoft.com/office/drawing/2014/main" id="{FCED0C5B-1BF3-4803-BC7D-98AF97D6E753}"/>
+                <a16:creationId xmlns:a16="http://schemas.microsoft.com/office/drawing/2014/main" xmlns="" id="{FCED0C5B-1BF3-4803-BC7D-98AF97D6E753}"/>
               </a:ext>
             </a:extLst>
           </p:cNvPr>
@@ -5302,7 +5302,7 @@
           <p:cNvPr id="20" name="순서도: 처리 19">
             <a:extLst>
               <a:ext uri="{FF2B5EF4-FFF2-40B4-BE49-F238E27FC236}">
-                <a16:creationId xmlns:a16="http://schemas.microsoft.com/office/drawing/2014/main" id="{488780A5-F517-4896-AD18-06C1737B5DD4}"/>
+                <a16:creationId xmlns:a16="http://schemas.microsoft.com/office/drawing/2014/main" xmlns="" id="{488780A5-F517-4896-AD18-06C1737B5DD4}"/>
               </a:ext>
             </a:extLst>
           </p:cNvPr>
@@ -5352,7 +5352,7 @@
           <p:cNvPr id="21" name="순서도: 판단 20">
             <a:extLst>
               <a:ext uri="{FF2B5EF4-FFF2-40B4-BE49-F238E27FC236}">
-                <a16:creationId xmlns:a16="http://schemas.microsoft.com/office/drawing/2014/main" id="{D9393A02-5792-4F96-94C5-1F84EB193CF9}"/>
+                <a16:creationId xmlns:a16="http://schemas.microsoft.com/office/drawing/2014/main" xmlns="" id="{D9393A02-5792-4F96-94C5-1F84EB193CF9}"/>
               </a:ext>
             </a:extLst>
           </p:cNvPr>
@@ -5402,7 +5402,7 @@
           <p:cNvPr id="24" name="순서도: 처리 23">
             <a:extLst>
               <a:ext uri="{FF2B5EF4-FFF2-40B4-BE49-F238E27FC236}">
-                <a16:creationId xmlns:a16="http://schemas.microsoft.com/office/drawing/2014/main" id="{F87C29D1-77E0-4777-A88C-A78BCBBFC029}"/>
+                <a16:creationId xmlns:a16="http://schemas.microsoft.com/office/drawing/2014/main" xmlns="" id="{F87C29D1-77E0-4777-A88C-A78BCBBFC029}"/>
               </a:ext>
             </a:extLst>
           </p:cNvPr>
@@ -5456,7 +5456,7 @@
           <p:cNvPr id="15" name="순서도: 판단 14">
             <a:extLst>
               <a:ext uri="{FF2B5EF4-FFF2-40B4-BE49-F238E27FC236}">
-                <a16:creationId xmlns:a16="http://schemas.microsoft.com/office/drawing/2014/main" id="{775BABEA-0B1E-474D-89EA-C4FD2A396EC2}"/>
+                <a16:creationId xmlns:a16="http://schemas.microsoft.com/office/drawing/2014/main" xmlns="" id="{775BABEA-0B1E-474D-89EA-C4FD2A396EC2}"/>
               </a:ext>
             </a:extLst>
           </p:cNvPr>
@@ -5506,7 +5506,7 @@
           <p:cNvPr id="16" name="순서도: 판단 15">
             <a:extLst>
               <a:ext uri="{FF2B5EF4-FFF2-40B4-BE49-F238E27FC236}">
-                <a16:creationId xmlns:a16="http://schemas.microsoft.com/office/drawing/2014/main" id="{A6EB6343-4924-4DEB-9E63-7F2040A9F596}"/>
+                <a16:creationId xmlns:a16="http://schemas.microsoft.com/office/drawing/2014/main" xmlns="" id="{A6EB6343-4924-4DEB-9E63-7F2040A9F596}"/>
               </a:ext>
             </a:extLst>
           </p:cNvPr>
@@ -5556,7 +5556,7 @@
           <p:cNvPr id="32" name="순서도: 처리 31">
             <a:extLst>
               <a:ext uri="{FF2B5EF4-FFF2-40B4-BE49-F238E27FC236}">
-                <a16:creationId xmlns:a16="http://schemas.microsoft.com/office/drawing/2014/main" id="{B579A163-29A1-4BBE-9FCC-BF464978503C}"/>
+                <a16:creationId xmlns:a16="http://schemas.microsoft.com/office/drawing/2014/main" xmlns="" id="{B579A163-29A1-4BBE-9FCC-BF464978503C}"/>
               </a:ext>
             </a:extLst>
           </p:cNvPr>
@@ -5606,7 +5606,7 @@
           <p:cNvPr id="33" name="순서도: 판단 32">
             <a:extLst>
               <a:ext uri="{FF2B5EF4-FFF2-40B4-BE49-F238E27FC236}">
-                <a16:creationId xmlns:a16="http://schemas.microsoft.com/office/drawing/2014/main" id="{B7FD9707-19CF-4182-B4EF-0115CC078AAF}"/>
+                <a16:creationId xmlns:a16="http://schemas.microsoft.com/office/drawing/2014/main" xmlns="" id="{B7FD9707-19CF-4182-B4EF-0115CC078AAF}"/>
               </a:ext>
             </a:extLst>
           </p:cNvPr>
@@ -5656,7 +5656,7 @@
           <p:cNvPr id="34" name="순서도: 판단 33">
             <a:extLst>
               <a:ext uri="{FF2B5EF4-FFF2-40B4-BE49-F238E27FC236}">
-                <a16:creationId xmlns:a16="http://schemas.microsoft.com/office/drawing/2014/main" id="{530AFBE7-5899-4FC6-AE8D-86D4DC7F774A}"/>
+                <a16:creationId xmlns:a16="http://schemas.microsoft.com/office/drawing/2014/main" xmlns="" id="{530AFBE7-5899-4FC6-AE8D-86D4DC7F774A}"/>
               </a:ext>
             </a:extLst>
           </p:cNvPr>
@@ -5706,7 +5706,7 @@
           <p:cNvPr id="35" name="순서도: 판단 34">
             <a:extLst>
               <a:ext uri="{FF2B5EF4-FFF2-40B4-BE49-F238E27FC236}">
-                <a16:creationId xmlns:a16="http://schemas.microsoft.com/office/drawing/2014/main" id="{B6B05B20-E958-4D01-9C1E-F39E75757B4D}"/>
+                <a16:creationId xmlns:a16="http://schemas.microsoft.com/office/drawing/2014/main" xmlns="" id="{B6B05B20-E958-4D01-9C1E-F39E75757B4D}"/>
               </a:ext>
             </a:extLst>
           </p:cNvPr>
@@ -5756,7 +5756,7 @@
           <p:cNvPr id="36" name="순서도: 처리 35">
             <a:extLst>
               <a:ext uri="{FF2B5EF4-FFF2-40B4-BE49-F238E27FC236}">
-                <a16:creationId xmlns:a16="http://schemas.microsoft.com/office/drawing/2014/main" id="{4C45B076-8A1A-40EE-90FA-37B206D6D2E9}"/>
+                <a16:creationId xmlns:a16="http://schemas.microsoft.com/office/drawing/2014/main" xmlns="" id="{4C45B076-8A1A-40EE-90FA-37B206D6D2E9}"/>
               </a:ext>
             </a:extLst>
           </p:cNvPr>
@@ -5806,7 +5806,7 @@
           <p:cNvPr id="37" name="순서도: 처리 36">
             <a:extLst>
               <a:ext uri="{FF2B5EF4-FFF2-40B4-BE49-F238E27FC236}">
-                <a16:creationId xmlns:a16="http://schemas.microsoft.com/office/drawing/2014/main" id="{7B0525B2-AA7D-4B73-86C6-C8982BF82F79}"/>
+                <a16:creationId xmlns:a16="http://schemas.microsoft.com/office/drawing/2014/main" xmlns="" id="{7B0525B2-AA7D-4B73-86C6-C8982BF82F79}"/>
               </a:ext>
             </a:extLst>
           </p:cNvPr>
@@ -5856,7 +5856,7 @@
           <p:cNvPr id="39" name="순서도: 처리 38">
             <a:extLst>
               <a:ext uri="{FF2B5EF4-FFF2-40B4-BE49-F238E27FC236}">
-                <a16:creationId xmlns:a16="http://schemas.microsoft.com/office/drawing/2014/main" id="{67F0419F-C495-4588-92AE-1DA5B85941A8}"/>
+                <a16:creationId xmlns:a16="http://schemas.microsoft.com/office/drawing/2014/main" xmlns="" id="{67F0419F-C495-4588-92AE-1DA5B85941A8}"/>
               </a:ext>
             </a:extLst>
           </p:cNvPr>
@@ -5910,7 +5910,7 @@
           <p:cNvPr id="40" name="순서도: 처리 39">
             <a:extLst>
               <a:ext uri="{FF2B5EF4-FFF2-40B4-BE49-F238E27FC236}">
-                <a16:creationId xmlns:a16="http://schemas.microsoft.com/office/drawing/2014/main" id="{F299989F-B0E4-4A99-916F-8B1C535D05E0}"/>
+                <a16:creationId xmlns:a16="http://schemas.microsoft.com/office/drawing/2014/main" xmlns="" id="{F299989F-B0E4-4A99-916F-8B1C535D05E0}"/>
               </a:ext>
             </a:extLst>
           </p:cNvPr>
@@ -5972,7 +5972,7 @@
           <p:cNvPr id="3" name="직선 화살표 연결선 2">
             <a:extLst>
               <a:ext uri="{FF2B5EF4-FFF2-40B4-BE49-F238E27FC236}">
-                <a16:creationId xmlns:a16="http://schemas.microsoft.com/office/drawing/2014/main" id="{95634405-84E6-4B70-9B2B-280F7672DECC}"/>
+                <a16:creationId xmlns:a16="http://schemas.microsoft.com/office/drawing/2014/main" xmlns="" id="{95634405-84E6-4B70-9B2B-280F7672DECC}"/>
               </a:ext>
             </a:extLst>
           </p:cNvPr>
@@ -6014,7 +6014,7 @@
           <p:cNvPr id="5" name="직선 화살표 연결선 4">
             <a:extLst>
               <a:ext uri="{FF2B5EF4-FFF2-40B4-BE49-F238E27FC236}">
-                <a16:creationId xmlns:a16="http://schemas.microsoft.com/office/drawing/2014/main" id="{90ADA965-EBDB-4F2C-814B-FC1F2F2CF88D}"/>
+                <a16:creationId xmlns:a16="http://schemas.microsoft.com/office/drawing/2014/main" xmlns="" id="{90ADA965-EBDB-4F2C-814B-FC1F2F2CF88D}"/>
               </a:ext>
             </a:extLst>
           </p:cNvPr>
@@ -6056,7 +6056,7 @@
           <p:cNvPr id="9" name="연결선: 꺾임 8">
             <a:extLst>
               <a:ext uri="{FF2B5EF4-FFF2-40B4-BE49-F238E27FC236}">
-                <a16:creationId xmlns:a16="http://schemas.microsoft.com/office/drawing/2014/main" id="{542D2A88-76CD-4EAA-91A0-C1C5139AAC86}"/>
+                <a16:creationId xmlns:a16="http://schemas.microsoft.com/office/drawing/2014/main" xmlns="" id="{542D2A88-76CD-4EAA-91A0-C1C5139AAC86}"/>
               </a:ext>
             </a:extLst>
           </p:cNvPr>
@@ -6101,7 +6101,7 @@
           <p:cNvPr id="11" name="직선 화살표 연결선 10">
             <a:extLst>
               <a:ext uri="{FF2B5EF4-FFF2-40B4-BE49-F238E27FC236}">
-                <a16:creationId xmlns:a16="http://schemas.microsoft.com/office/drawing/2014/main" id="{5908CC07-5A71-4AC5-9E73-795F9DE4F47A}"/>
+                <a16:creationId xmlns:a16="http://schemas.microsoft.com/office/drawing/2014/main" xmlns="" id="{5908CC07-5A71-4AC5-9E73-795F9DE4F47A}"/>
               </a:ext>
             </a:extLst>
           </p:cNvPr>
@@ -6143,7 +6143,7 @@
           <p:cNvPr id="13" name="직선 화살표 연결선 12">
             <a:extLst>
               <a:ext uri="{FF2B5EF4-FFF2-40B4-BE49-F238E27FC236}">
-                <a16:creationId xmlns:a16="http://schemas.microsoft.com/office/drawing/2014/main" id="{155D1A80-63B2-4E8F-97E8-37A43187429C}"/>
+                <a16:creationId xmlns:a16="http://schemas.microsoft.com/office/drawing/2014/main" xmlns="" id="{155D1A80-63B2-4E8F-97E8-37A43187429C}"/>
               </a:ext>
             </a:extLst>
           </p:cNvPr>
@@ -6185,7 +6185,7 @@
           <p:cNvPr id="46" name="직선 화살표 연결선 45">
             <a:extLst>
               <a:ext uri="{FF2B5EF4-FFF2-40B4-BE49-F238E27FC236}">
-                <a16:creationId xmlns:a16="http://schemas.microsoft.com/office/drawing/2014/main" id="{1B595C0F-D61B-47AE-A5B6-EDFF122C0B40}"/>
+                <a16:creationId xmlns:a16="http://schemas.microsoft.com/office/drawing/2014/main" xmlns="" id="{1B595C0F-D61B-47AE-A5B6-EDFF122C0B40}"/>
               </a:ext>
             </a:extLst>
           </p:cNvPr>
@@ -6227,7 +6227,7 @@
           <p:cNvPr id="48" name="직선 화살표 연결선 47">
             <a:extLst>
               <a:ext uri="{FF2B5EF4-FFF2-40B4-BE49-F238E27FC236}">
-                <a16:creationId xmlns:a16="http://schemas.microsoft.com/office/drawing/2014/main" id="{5E9D418F-C99C-4250-B03B-B1CAB818014D}"/>
+                <a16:creationId xmlns:a16="http://schemas.microsoft.com/office/drawing/2014/main" xmlns="" id="{5E9D418F-C99C-4250-B03B-B1CAB818014D}"/>
               </a:ext>
             </a:extLst>
           </p:cNvPr>
@@ -6269,7 +6269,7 @@
           <p:cNvPr id="50" name="직선 화살표 연결선 49">
             <a:extLst>
               <a:ext uri="{FF2B5EF4-FFF2-40B4-BE49-F238E27FC236}">
-                <a16:creationId xmlns:a16="http://schemas.microsoft.com/office/drawing/2014/main" id="{509C78DC-1C9F-4CD1-A05E-2B6FF1514966}"/>
+                <a16:creationId xmlns:a16="http://schemas.microsoft.com/office/drawing/2014/main" xmlns="" id="{509C78DC-1C9F-4CD1-A05E-2B6FF1514966}"/>
               </a:ext>
             </a:extLst>
           </p:cNvPr>
@@ -6312,7 +6312,7 @@
           <p:cNvPr id="53" name="연결선: 꺾임 52">
             <a:extLst>
               <a:ext uri="{FF2B5EF4-FFF2-40B4-BE49-F238E27FC236}">
-                <a16:creationId xmlns:a16="http://schemas.microsoft.com/office/drawing/2014/main" id="{5E7B3FD9-456C-4A78-B25A-2CB8A7524E42}"/>
+                <a16:creationId xmlns:a16="http://schemas.microsoft.com/office/drawing/2014/main" xmlns="" id="{5E7B3FD9-456C-4A78-B25A-2CB8A7524E42}"/>
               </a:ext>
             </a:extLst>
           </p:cNvPr>
@@ -6358,7 +6358,7 @@
           <p:cNvPr id="60" name="직선 화살표 연결선 59">
             <a:extLst>
               <a:ext uri="{FF2B5EF4-FFF2-40B4-BE49-F238E27FC236}">
-                <a16:creationId xmlns:a16="http://schemas.microsoft.com/office/drawing/2014/main" id="{995A42BA-60CE-4463-990E-F4C53CC11DBE}"/>
+                <a16:creationId xmlns:a16="http://schemas.microsoft.com/office/drawing/2014/main" xmlns="" id="{995A42BA-60CE-4463-990E-F4C53CC11DBE}"/>
               </a:ext>
             </a:extLst>
           </p:cNvPr>
@@ -6400,7 +6400,7 @@
           <p:cNvPr id="62" name="직선 화살표 연결선 61">
             <a:extLst>
               <a:ext uri="{FF2B5EF4-FFF2-40B4-BE49-F238E27FC236}">
-                <a16:creationId xmlns:a16="http://schemas.microsoft.com/office/drawing/2014/main" id="{B16C6626-18AE-40CE-A67F-923ADB53F66A}"/>
+                <a16:creationId xmlns:a16="http://schemas.microsoft.com/office/drawing/2014/main" xmlns="" id="{B16C6626-18AE-40CE-A67F-923ADB53F66A}"/>
               </a:ext>
             </a:extLst>
           </p:cNvPr>
@@ -6443,7 +6443,7 @@
           <p:cNvPr id="67" name="직선 화살표 연결선 66">
             <a:extLst>
               <a:ext uri="{FF2B5EF4-FFF2-40B4-BE49-F238E27FC236}">
-                <a16:creationId xmlns:a16="http://schemas.microsoft.com/office/drawing/2014/main" id="{E725A64C-C931-4DB5-AE3F-0161AE436200}"/>
+                <a16:creationId xmlns:a16="http://schemas.microsoft.com/office/drawing/2014/main" xmlns="" id="{E725A64C-C931-4DB5-AE3F-0161AE436200}"/>
               </a:ext>
             </a:extLst>
           </p:cNvPr>
@@ -6485,7 +6485,7 @@
           <p:cNvPr id="69" name="직선 화살표 연결선 68">
             <a:extLst>
               <a:ext uri="{FF2B5EF4-FFF2-40B4-BE49-F238E27FC236}">
-                <a16:creationId xmlns:a16="http://schemas.microsoft.com/office/drawing/2014/main" id="{87EA7032-CEE1-4C41-823C-BFE4B3D7AA3F}"/>
+                <a16:creationId xmlns:a16="http://schemas.microsoft.com/office/drawing/2014/main" xmlns="" id="{87EA7032-CEE1-4C41-823C-BFE4B3D7AA3F}"/>
               </a:ext>
             </a:extLst>
           </p:cNvPr>
@@ -6527,7 +6527,7 @@
           <p:cNvPr id="71" name="직선 화살표 연결선 70">
             <a:extLst>
               <a:ext uri="{FF2B5EF4-FFF2-40B4-BE49-F238E27FC236}">
-                <a16:creationId xmlns:a16="http://schemas.microsoft.com/office/drawing/2014/main" id="{B66CA6AF-FFD7-4835-9998-FC29C622A336}"/>
+                <a16:creationId xmlns:a16="http://schemas.microsoft.com/office/drawing/2014/main" xmlns="" id="{B66CA6AF-FFD7-4835-9998-FC29C622A336}"/>
               </a:ext>
             </a:extLst>
           </p:cNvPr>
@@ -6569,7 +6569,7 @@
           <p:cNvPr id="73" name="직선 화살표 연결선 72">
             <a:extLst>
               <a:ext uri="{FF2B5EF4-FFF2-40B4-BE49-F238E27FC236}">
-                <a16:creationId xmlns:a16="http://schemas.microsoft.com/office/drawing/2014/main" id="{E9006923-7BB8-4F9C-B668-2E7A5D368EB7}"/>
+                <a16:creationId xmlns:a16="http://schemas.microsoft.com/office/drawing/2014/main" xmlns="" id="{E9006923-7BB8-4F9C-B668-2E7A5D368EB7}"/>
               </a:ext>
             </a:extLst>
           </p:cNvPr>
@@ -6611,7 +6611,7 @@
           <p:cNvPr id="75" name="연결선: 꺾임 74">
             <a:extLst>
               <a:ext uri="{FF2B5EF4-FFF2-40B4-BE49-F238E27FC236}">
-                <a16:creationId xmlns:a16="http://schemas.microsoft.com/office/drawing/2014/main" id="{1B06AD8B-04D7-405D-877C-55A49B42A4A4}"/>
+                <a16:creationId xmlns:a16="http://schemas.microsoft.com/office/drawing/2014/main" xmlns="" id="{1B06AD8B-04D7-405D-877C-55A49B42A4A4}"/>
               </a:ext>
             </a:extLst>
           </p:cNvPr>
@@ -6656,7 +6656,7 @@
           <p:cNvPr id="78" name="연결선: 꺾임 77">
             <a:extLst>
               <a:ext uri="{FF2B5EF4-FFF2-40B4-BE49-F238E27FC236}">
-                <a16:creationId xmlns:a16="http://schemas.microsoft.com/office/drawing/2014/main" id="{4B817C6E-EBA2-4FF1-AF88-FD5ACD6904CB}"/>
+                <a16:creationId xmlns:a16="http://schemas.microsoft.com/office/drawing/2014/main" xmlns="" id="{4B817C6E-EBA2-4FF1-AF88-FD5ACD6904CB}"/>
               </a:ext>
             </a:extLst>
           </p:cNvPr>
@@ -6676,6 +6676,603 @@
               <a:gd name="adj1" fmla="val -2829"/>
               <a:gd name="adj2" fmla="val 165917"/>
             </a:avLst>
+          </a:prstGeom>
+          <a:ln>
+            <a:tailEnd type="triangle"/>
+          </a:ln>
+        </p:spPr>
+        <p:style>
+          <a:lnRef idx="1">
+            <a:schemeClr val="accent1"/>
+          </a:lnRef>
+          <a:fillRef idx="0">
+            <a:schemeClr val="accent1"/>
+          </a:fillRef>
+          <a:effectRef idx="0">
+            <a:schemeClr val="accent1"/>
+          </a:effectRef>
+          <a:fontRef idx="minor">
+            <a:schemeClr val="tx1"/>
+          </a:fontRef>
+        </p:style>
+      </p:cxnSp>
+      <p:sp>
+        <p:nvSpPr>
+          <p:cNvPr id="38" name="순서도: 판단 37">
+            <a:extLst>
+              <a:ext uri="{FF2B5EF4-FFF2-40B4-BE49-F238E27FC236}">
+                <a16:creationId xmlns:a16="http://schemas.microsoft.com/office/drawing/2014/main" xmlns="" id="{B6B05B20-E958-4D01-9C1E-F39E75757B4D}"/>
+              </a:ext>
+            </a:extLst>
+          </p:cNvPr>
+          <p:cNvSpPr/>
+          <p:nvPr/>
+        </p:nvSpPr>
+        <p:spPr>
+          <a:xfrm>
+            <a:off x="6211553" y="4775433"/>
+            <a:ext cx="2225222" cy="849023"/>
+          </a:xfrm>
+          <a:prstGeom prst="flowChartDecision">
+            <a:avLst/>
+          </a:prstGeom>
+        </p:spPr>
+        <p:style>
+          <a:lnRef idx="2">
+            <a:schemeClr val="accent1">
+              <a:shade val="50000"/>
+            </a:schemeClr>
+          </a:lnRef>
+          <a:fillRef idx="1">
+            <a:schemeClr val="accent1"/>
+          </a:fillRef>
+          <a:effectRef idx="0">
+            <a:schemeClr val="accent1"/>
+          </a:effectRef>
+          <a:fontRef idx="minor">
+            <a:schemeClr val="lt1"/>
+          </a:fontRef>
+        </p:style>
+        <p:txBody>
+          <a:bodyPr rtlCol="0" anchor="ctr"/>
+          <a:lstStyle/>
+          <a:p>
+            <a:pPr algn="ctr"/>
+            <a:endParaRPr lang="en-US" altLang="ko-KR" sz="1100" dirty="0" smtClean="0"/>
+          </a:p>
+          <a:p>
+            <a:pPr algn="ctr"/>
+            <a:r>
+              <a:rPr lang="en-US" altLang="ko-KR" sz="1100" dirty="0" err="1" smtClean="0"/>
+              <a:t>RightOn</a:t>
+            </a:r>
+            <a:r>
+              <a:rPr lang="en-US" altLang="ko-KR" sz="1100" dirty="0" smtClean="0"/>
+              <a:t> ==1</a:t>
+            </a:r>
+          </a:p>
+          <a:p>
+            <a:pPr algn="ctr"/>
+            <a:r>
+              <a:rPr lang="en-US" altLang="ko-KR" sz="1100" dirty="0" smtClean="0"/>
+              <a:t>And</a:t>
+            </a:r>
+          </a:p>
+          <a:p>
+            <a:pPr algn="ctr"/>
+            <a:r>
+              <a:rPr lang="en-US" altLang="ko-KR" sz="1100" dirty="0" smtClean="0"/>
+              <a:t>Move ==1</a:t>
+            </a:r>
+          </a:p>
+          <a:p>
+            <a:pPr algn="ctr"/>
+            <a:endParaRPr lang="ko-KR" altLang="en-US" sz="1100" dirty="0"/>
+          </a:p>
+        </p:txBody>
+      </p:sp>
+      <p:cxnSp>
+        <p:nvCxnSpPr>
+          <p:cNvPr id="41" name="직선 화살표 연결선 40">
+            <a:extLst>
+              <a:ext uri="{FF2B5EF4-FFF2-40B4-BE49-F238E27FC236}">
+                <a16:creationId xmlns:a16="http://schemas.microsoft.com/office/drawing/2014/main" xmlns="" id="{E9006923-7BB8-4F9C-B668-2E7A5D368EB7}"/>
+              </a:ext>
+            </a:extLst>
+          </p:cNvPr>
+          <p:cNvCxnSpPr/>
+          <p:nvPr/>
+        </p:nvCxnSpPr>
+        <p:spPr>
+          <a:xfrm flipH="1">
+            <a:off x="7324164" y="4204307"/>
+            <a:ext cx="1" cy="550940"/>
+          </a:xfrm>
+          <a:prstGeom prst="straightConnector1">
+            <a:avLst/>
+          </a:prstGeom>
+          <a:ln>
+            <a:tailEnd type="triangle"/>
+          </a:ln>
+        </p:spPr>
+        <p:style>
+          <a:lnRef idx="1">
+            <a:schemeClr val="accent1"/>
+          </a:lnRef>
+          <a:fillRef idx="0">
+            <a:schemeClr val="accent1"/>
+          </a:fillRef>
+          <a:effectRef idx="0">
+            <a:schemeClr val="accent1"/>
+          </a:effectRef>
+          <a:fontRef idx="minor">
+            <a:schemeClr val="tx1"/>
+          </a:fontRef>
+        </p:style>
+      </p:cxnSp>
+      <p:sp>
+        <p:nvSpPr>
+          <p:cNvPr id="42" name="순서도: 처리 41">
+            <a:extLst>
+              <a:ext uri="{FF2B5EF4-FFF2-40B4-BE49-F238E27FC236}">
+                <a16:creationId xmlns:a16="http://schemas.microsoft.com/office/drawing/2014/main" xmlns="" id="{F299989F-B0E4-4A99-916F-8B1C535D05E0}"/>
+              </a:ext>
+            </a:extLst>
+          </p:cNvPr>
+          <p:cNvSpPr/>
+          <p:nvPr/>
+        </p:nvSpPr>
+        <p:spPr>
+          <a:xfrm>
+            <a:off x="6781195" y="5940034"/>
+            <a:ext cx="1085938" cy="494447"/>
+          </a:xfrm>
+          <a:prstGeom prst="flowChartProcess">
+            <a:avLst/>
+          </a:prstGeom>
+        </p:spPr>
+        <p:style>
+          <a:lnRef idx="2">
+            <a:schemeClr val="accent1">
+              <a:shade val="50000"/>
+            </a:schemeClr>
+          </a:lnRef>
+          <a:fillRef idx="1">
+            <a:schemeClr val="accent1"/>
+          </a:fillRef>
+          <a:effectRef idx="0">
+            <a:schemeClr val="accent1"/>
+          </a:effectRef>
+          <a:fontRef idx="minor">
+            <a:schemeClr val="lt1"/>
+          </a:fontRef>
+        </p:style>
+        <p:txBody>
+          <a:bodyPr rtlCol="0" anchor="ctr"/>
+          <a:lstStyle/>
+          <a:p>
+            <a:pPr algn="ctr"/>
+            <a:r>
+              <a:rPr lang="en-US" altLang="ko-KR" sz="1100" dirty="0" err="1" smtClean="0"/>
+              <a:t>AnimationRightCall</a:t>
+            </a:r>
+            <a:endParaRPr lang="ko-KR" altLang="en-US" sz="1100" dirty="0"/>
+          </a:p>
+        </p:txBody>
+      </p:sp>
+      <p:cxnSp>
+        <p:nvCxnSpPr>
+          <p:cNvPr id="43" name="직선 화살표 연결선 42">
+            <a:extLst>
+              <a:ext uri="{FF2B5EF4-FFF2-40B4-BE49-F238E27FC236}">
+                <a16:creationId xmlns:a16="http://schemas.microsoft.com/office/drawing/2014/main" xmlns="" id="{509C78DC-1C9F-4CD1-A05E-2B6FF1514966}"/>
+              </a:ext>
+            </a:extLst>
+          </p:cNvPr>
+          <p:cNvCxnSpPr>
+            <a:cxnSpLocks/>
+            <a:endCxn id="42" idx="0"/>
+          </p:cNvCxnSpPr>
+          <p:nvPr/>
+        </p:nvCxnSpPr>
+        <p:spPr>
+          <a:xfrm>
+            <a:off x="7324164" y="5605658"/>
+            <a:ext cx="0" cy="334376"/>
+          </a:xfrm>
+          <a:prstGeom prst="straightConnector1">
+            <a:avLst/>
+          </a:prstGeom>
+          <a:ln>
+            <a:tailEnd type="triangle"/>
+          </a:ln>
+        </p:spPr>
+        <p:style>
+          <a:lnRef idx="1">
+            <a:schemeClr val="accent1"/>
+          </a:lnRef>
+          <a:fillRef idx="0">
+            <a:schemeClr val="accent1"/>
+          </a:fillRef>
+          <a:effectRef idx="0">
+            <a:schemeClr val="accent1"/>
+          </a:effectRef>
+          <a:fontRef idx="minor">
+            <a:schemeClr val="tx1"/>
+          </a:fontRef>
+        </p:style>
+      </p:cxnSp>
+      <p:sp>
+        <p:nvSpPr>
+          <p:cNvPr id="45" name="순서도: 판단 44">
+            <a:extLst>
+              <a:ext uri="{FF2B5EF4-FFF2-40B4-BE49-F238E27FC236}">
+                <a16:creationId xmlns:a16="http://schemas.microsoft.com/office/drawing/2014/main" xmlns="" id="{B6B05B20-E958-4D01-9C1E-F39E75757B4D}"/>
+              </a:ext>
+            </a:extLst>
+          </p:cNvPr>
+          <p:cNvSpPr/>
+          <p:nvPr/>
+        </p:nvSpPr>
+        <p:spPr>
+          <a:xfrm>
+            <a:off x="3792920" y="4775433"/>
+            <a:ext cx="2225222" cy="849023"/>
+          </a:xfrm>
+          <a:prstGeom prst="flowChartDecision">
+            <a:avLst/>
+          </a:prstGeom>
+        </p:spPr>
+        <p:style>
+          <a:lnRef idx="2">
+            <a:schemeClr val="accent1">
+              <a:shade val="50000"/>
+            </a:schemeClr>
+          </a:lnRef>
+          <a:fillRef idx="1">
+            <a:schemeClr val="accent1"/>
+          </a:fillRef>
+          <a:effectRef idx="0">
+            <a:schemeClr val="accent1"/>
+          </a:effectRef>
+          <a:fontRef idx="minor">
+            <a:schemeClr val="lt1"/>
+          </a:fontRef>
+        </p:style>
+        <p:txBody>
+          <a:bodyPr rtlCol="0" anchor="ctr"/>
+          <a:lstStyle/>
+          <a:p>
+            <a:pPr algn="ctr"/>
+            <a:endParaRPr lang="en-US" altLang="ko-KR" sz="1100" dirty="0"/>
+          </a:p>
+          <a:p>
+            <a:pPr algn="ctr"/>
+            <a:r>
+              <a:rPr lang="en-US" altLang="ko-KR" sz="1100" dirty="0" err="1" smtClean="0"/>
+              <a:t>LeftOn</a:t>
+            </a:r>
+            <a:r>
+              <a:rPr lang="en-US" altLang="ko-KR" sz="1100" dirty="0" smtClean="0"/>
+              <a:t> ==1</a:t>
+            </a:r>
+          </a:p>
+          <a:p>
+            <a:pPr algn="ctr"/>
+            <a:r>
+              <a:rPr lang="en-US" altLang="ko-KR" sz="1100" dirty="0" smtClean="0"/>
+              <a:t>And</a:t>
+            </a:r>
+          </a:p>
+          <a:p>
+            <a:pPr algn="ctr"/>
+            <a:r>
+              <a:rPr lang="en-US" altLang="ko-KR" sz="1100" dirty="0" smtClean="0"/>
+              <a:t>Move ==1</a:t>
+            </a:r>
+          </a:p>
+          <a:p>
+            <a:pPr algn="ctr"/>
+            <a:endParaRPr lang="ko-KR" altLang="en-US" sz="1100" dirty="0"/>
+          </a:p>
+        </p:txBody>
+      </p:sp>
+      <p:sp>
+        <p:nvSpPr>
+          <p:cNvPr id="47" name="순서도: 처리 46">
+            <a:extLst>
+              <a:ext uri="{FF2B5EF4-FFF2-40B4-BE49-F238E27FC236}">
+                <a16:creationId xmlns:a16="http://schemas.microsoft.com/office/drawing/2014/main" xmlns="" id="{F299989F-B0E4-4A99-916F-8B1C535D05E0}"/>
+              </a:ext>
+            </a:extLst>
+          </p:cNvPr>
+          <p:cNvSpPr/>
+          <p:nvPr/>
+        </p:nvSpPr>
+        <p:spPr>
+          <a:xfrm>
+            <a:off x="4362562" y="5940034"/>
+            <a:ext cx="1085938" cy="494447"/>
+          </a:xfrm>
+          <a:prstGeom prst="flowChartProcess">
+            <a:avLst/>
+          </a:prstGeom>
+        </p:spPr>
+        <p:style>
+          <a:lnRef idx="2">
+            <a:schemeClr val="accent1">
+              <a:shade val="50000"/>
+            </a:schemeClr>
+          </a:lnRef>
+          <a:fillRef idx="1">
+            <a:schemeClr val="accent1"/>
+          </a:fillRef>
+          <a:effectRef idx="0">
+            <a:schemeClr val="accent1"/>
+          </a:effectRef>
+          <a:fontRef idx="minor">
+            <a:schemeClr val="lt1"/>
+          </a:fontRef>
+        </p:style>
+        <p:txBody>
+          <a:bodyPr rtlCol="0" anchor="ctr"/>
+          <a:lstStyle/>
+          <a:p>
+            <a:pPr algn="ctr"/>
+            <a:r>
+              <a:rPr lang="en-US" altLang="ko-KR" sz="1100" dirty="0" err="1" smtClean="0"/>
+              <a:t>AnimationLeftCall</a:t>
+            </a:r>
+            <a:endParaRPr lang="ko-KR" altLang="en-US" sz="1100" dirty="0"/>
+          </a:p>
+        </p:txBody>
+      </p:sp>
+      <p:cxnSp>
+        <p:nvCxnSpPr>
+          <p:cNvPr id="49" name="직선 화살표 연결선 48">
+            <a:extLst>
+              <a:ext uri="{FF2B5EF4-FFF2-40B4-BE49-F238E27FC236}">
+                <a16:creationId xmlns:a16="http://schemas.microsoft.com/office/drawing/2014/main" xmlns="" id="{509C78DC-1C9F-4CD1-A05E-2B6FF1514966}"/>
+              </a:ext>
+            </a:extLst>
+          </p:cNvPr>
+          <p:cNvCxnSpPr>
+            <a:cxnSpLocks/>
+            <a:endCxn id="47" idx="0"/>
+          </p:cNvCxnSpPr>
+          <p:nvPr/>
+        </p:nvCxnSpPr>
+        <p:spPr>
+          <a:xfrm>
+            <a:off x="4905531" y="5605658"/>
+            <a:ext cx="0" cy="334376"/>
+          </a:xfrm>
+          <a:prstGeom prst="straightConnector1">
+            <a:avLst/>
+          </a:prstGeom>
+          <a:ln>
+            <a:tailEnd type="triangle"/>
+          </a:ln>
+        </p:spPr>
+        <p:style>
+          <a:lnRef idx="1">
+            <a:schemeClr val="accent1"/>
+          </a:lnRef>
+          <a:fillRef idx="0">
+            <a:schemeClr val="accent1"/>
+          </a:fillRef>
+          <a:effectRef idx="0">
+            <a:schemeClr val="accent1"/>
+          </a:effectRef>
+          <a:fontRef idx="minor">
+            <a:schemeClr val="tx1"/>
+          </a:fontRef>
+        </p:style>
+      </p:cxnSp>
+      <p:sp>
+        <p:nvSpPr>
+          <p:cNvPr id="51" name="순서도: 판단 50">
+            <a:extLst>
+              <a:ext uri="{FF2B5EF4-FFF2-40B4-BE49-F238E27FC236}">
+                <a16:creationId xmlns:a16="http://schemas.microsoft.com/office/drawing/2014/main" xmlns="" id="{B6B05B20-E958-4D01-9C1E-F39E75757B4D}"/>
+              </a:ext>
+            </a:extLst>
+          </p:cNvPr>
+          <p:cNvSpPr/>
+          <p:nvPr/>
+        </p:nvSpPr>
+        <p:spPr>
+          <a:xfrm>
+            <a:off x="8646633" y="4775433"/>
+            <a:ext cx="2225222" cy="849023"/>
+          </a:xfrm>
+          <a:prstGeom prst="flowChartDecision">
+            <a:avLst/>
+          </a:prstGeom>
+        </p:spPr>
+        <p:style>
+          <a:lnRef idx="2">
+            <a:schemeClr val="accent1">
+              <a:shade val="50000"/>
+            </a:schemeClr>
+          </a:lnRef>
+          <a:fillRef idx="1">
+            <a:schemeClr val="accent1"/>
+          </a:fillRef>
+          <a:effectRef idx="0">
+            <a:schemeClr val="accent1"/>
+          </a:effectRef>
+          <a:fontRef idx="minor">
+            <a:schemeClr val="lt1"/>
+          </a:fontRef>
+        </p:style>
+        <p:txBody>
+          <a:bodyPr rtlCol="0" anchor="ctr"/>
+          <a:lstStyle/>
+          <a:p>
+            <a:pPr algn="ctr"/>
+            <a:endParaRPr lang="en-US" altLang="ko-KR" sz="1100" dirty="0" smtClean="0"/>
+          </a:p>
+          <a:p>
+            <a:pPr algn="ctr"/>
+            <a:r>
+              <a:rPr lang="en-US" altLang="ko-KR" sz="1100" dirty="0" err="1" smtClean="0"/>
+              <a:t>Overlaycount</a:t>
+            </a:r>
+            <a:r>
+              <a:rPr lang="en-US" altLang="ko-KR" sz="1100" dirty="0" smtClean="0"/>
+              <a:t> == 20</a:t>
+            </a:r>
+            <a:endParaRPr lang="en-US" altLang="ko-KR" sz="1100" dirty="0" smtClean="0"/>
+          </a:p>
+          <a:p>
+            <a:pPr algn="ctr"/>
+            <a:endParaRPr lang="ko-KR" altLang="en-US" sz="1100" dirty="0"/>
+          </a:p>
+        </p:txBody>
+      </p:sp>
+      <p:sp>
+        <p:nvSpPr>
+          <p:cNvPr id="52" name="순서도: 처리 51">
+            <a:extLst>
+              <a:ext uri="{FF2B5EF4-FFF2-40B4-BE49-F238E27FC236}">
+                <a16:creationId xmlns:a16="http://schemas.microsoft.com/office/drawing/2014/main" xmlns="" id="{F299989F-B0E4-4A99-916F-8B1C535D05E0}"/>
+              </a:ext>
+            </a:extLst>
+          </p:cNvPr>
+          <p:cNvSpPr/>
+          <p:nvPr/>
+        </p:nvSpPr>
+        <p:spPr>
+          <a:xfrm>
+            <a:off x="9216275" y="5940034"/>
+            <a:ext cx="1085938" cy="494447"/>
+          </a:xfrm>
+          <a:prstGeom prst="flowChartProcess">
+            <a:avLst/>
+          </a:prstGeom>
+        </p:spPr>
+        <p:style>
+          <a:lnRef idx="2">
+            <a:schemeClr val="accent1">
+              <a:shade val="50000"/>
+            </a:schemeClr>
+          </a:lnRef>
+          <a:fillRef idx="1">
+            <a:schemeClr val="accent1"/>
+          </a:fillRef>
+          <a:effectRef idx="0">
+            <a:schemeClr val="accent1"/>
+          </a:effectRef>
+          <a:fontRef idx="minor">
+            <a:schemeClr val="lt1"/>
+          </a:fontRef>
+        </p:style>
+        <p:txBody>
+          <a:bodyPr rtlCol="0" anchor="ctr"/>
+          <a:lstStyle/>
+          <a:p>
+            <a:pPr algn="ctr"/>
+            <a:r>
+              <a:rPr lang="en-US" altLang="ko-KR" sz="1100" dirty="0" smtClean="0"/>
+              <a:t>overlay</a:t>
+            </a:r>
+            <a:endParaRPr lang="ko-KR" altLang="en-US" sz="1100" dirty="0"/>
+          </a:p>
+        </p:txBody>
+      </p:sp>
+      <p:cxnSp>
+        <p:nvCxnSpPr>
+          <p:cNvPr id="54" name="직선 화살표 연결선 53">
+            <a:extLst>
+              <a:ext uri="{FF2B5EF4-FFF2-40B4-BE49-F238E27FC236}">
+                <a16:creationId xmlns:a16="http://schemas.microsoft.com/office/drawing/2014/main" xmlns="" id="{509C78DC-1C9F-4CD1-A05E-2B6FF1514966}"/>
+              </a:ext>
+            </a:extLst>
+          </p:cNvPr>
+          <p:cNvCxnSpPr>
+            <a:cxnSpLocks/>
+            <a:endCxn id="52" idx="0"/>
+          </p:cNvCxnSpPr>
+          <p:nvPr/>
+        </p:nvCxnSpPr>
+        <p:spPr>
+          <a:xfrm>
+            <a:off x="9759244" y="5605658"/>
+            <a:ext cx="0" cy="334376"/>
+          </a:xfrm>
+          <a:prstGeom prst="straightConnector1">
+            <a:avLst/>
+          </a:prstGeom>
+          <a:ln>
+            <a:tailEnd type="triangle"/>
+          </a:ln>
+        </p:spPr>
+        <p:style>
+          <a:lnRef idx="1">
+            <a:schemeClr val="accent1"/>
+          </a:lnRef>
+          <a:fillRef idx="0">
+            <a:schemeClr val="accent1"/>
+          </a:fillRef>
+          <a:effectRef idx="0">
+            <a:schemeClr val="accent1"/>
+          </a:effectRef>
+          <a:fontRef idx="minor">
+            <a:schemeClr val="tx1"/>
+          </a:fontRef>
+        </p:style>
+      </p:cxnSp>
+      <p:cxnSp>
+        <p:nvCxnSpPr>
+          <p:cNvPr id="10" name="직선 화살표 연결선 9"/>
+          <p:cNvCxnSpPr>
+            <a:stCxn id="37" idx="2"/>
+          </p:cNvCxnSpPr>
+          <p:nvPr/>
+        </p:nvCxnSpPr>
+        <p:spPr>
+          <a:xfrm flipH="1">
+            <a:off x="4905531" y="4212631"/>
+            <a:ext cx="2418633" cy="542616"/>
+          </a:xfrm>
+          <a:prstGeom prst="straightConnector1">
+            <a:avLst/>
+          </a:prstGeom>
+          <a:ln>
+            <a:tailEnd type="triangle"/>
+          </a:ln>
+        </p:spPr>
+        <p:style>
+          <a:lnRef idx="1">
+            <a:schemeClr val="accent1"/>
+          </a:lnRef>
+          <a:fillRef idx="0">
+            <a:schemeClr val="accent1"/>
+          </a:fillRef>
+          <a:effectRef idx="0">
+            <a:schemeClr val="accent1"/>
+          </a:effectRef>
+          <a:fontRef idx="minor">
+            <a:schemeClr val="tx1"/>
+          </a:fontRef>
+        </p:style>
+      </p:cxnSp>
+      <p:cxnSp>
+        <p:nvCxnSpPr>
+          <p:cNvPr id="14" name="직선 화살표 연결선 13"/>
+          <p:cNvCxnSpPr>
+            <a:stCxn id="37" idx="2"/>
+          </p:cNvCxnSpPr>
+          <p:nvPr/>
+        </p:nvCxnSpPr>
+        <p:spPr>
+          <a:xfrm>
+            <a:off x="7324164" y="4212631"/>
+            <a:ext cx="2338820" cy="542616"/>
+          </a:xfrm>
+          <a:prstGeom prst="straightConnector1">
+            <a:avLst/>
           </a:prstGeom>
           <a:ln>
             <a:tailEnd type="triangle"/>
@@ -6731,7 +7328,7 @@
           <p:cNvPr id="2" name="제목 1">
             <a:extLst>
               <a:ext uri="{FF2B5EF4-FFF2-40B4-BE49-F238E27FC236}">
-                <a16:creationId xmlns:a16="http://schemas.microsoft.com/office/drawing/2014/main" id="{960D5968-87FD-4F53-B0A4-8A6B068BF2F0}"/>
+                <a16:creationId xmlns:a16="http://schemas.microsoft.com/office/drawing/2014/main" xmlns="" id="{960D5968-87FD-4F53-B0A4-8A6B068BF2F0}"/>
               </a:ext>
             </a:extLst>
           </p:cNvPr>
@@ -6764,7 +7361,7 @@
           <p:cNvPr id="4" name="내용 개체 틀 3">
             <a:extLst>
               <a:ext uri="{FF2B5EF4-FFF2-40B4-BE49-F238E27FC236}">
-                <a16:creationId xmlns:a16="http://schemas.microsoft.com/office/drawing/2014/main" id="{B6464F43-8EC3-466E-A6F6-AC030B8ABEF8}"/>
+                <a16:creationId xmlns:a16="http://schemas.microsoft.com/office/drawing/2014/main" xmlns="" id="{B6464F43-8EC3-466E-A6F6-AC030B8ABEF8}"/>
               </a:ext>
             </a:extLst>
           </p:cNvPr>
@@ -6796,7 +7393,7 @@
           <p:cNvPr id="6" name="표 5">
             <a:extLst>
               <a:ext uri="{FF2B5EF4-FFF2-40B4-BE49-F238E27FC236}">
-                <a16:creationId xmlns:a16="http://schemas.microsoft.com/office/drawing/2014/main" id="{C7030643-B004-41E5-8B8D-9A70B3312B81}"/>
+                <a16:creationId xmlns:a16="http://schemas.microsoft.com/office/drawing/2014/main" xmlns="" id="{C7030643-B004-41E5-8B8D-9A70B3312B81}"/>
               </a:ext>
             </a:extLst>
           </p:cNvPr>
@@ -6825,7 +7422,7 @@
                 <a:gridCol w="1618678">
                   <a:extLst>
                     <a:ext uri="{9D8B030D-6E8A-4147-A177-3AD203B41FA5}">
-                      <a16:colId xmlns:a16="http://schemas.microsoft.com/office/drawing/2014/main" val="2750948999"/>
+                      <a16:colId xmlns:a16="http://schemas.microsoft.com/office/drawing/2014/main" xmlns="" val="2750948999"/>
                     </a:ext>
                   </a:extLst>
                 </a:gridCol>
@@ -6848,7 +7445,7 @@
                 </a:tc>
                 <a:extLst>
                   <a:ext uri="{0D108BD9-81ED-4DB2-BD59-A6C34878D82A}">
-                    <a16:rowId xmlns:a16="http://schemas.microsoft.com/office/drawing/2014/main" val="3884695047"/>
+                    <a16:rowId xmlns:a16="http://schemas.microsoft.com/office/drawing/2014/main" xmlns="" val="3884695047"/>
                   </a:ext>
                 </a:extLst>
               </a:tr>
@@ -6870,7 +7467,7 @@
                 </a:tc>
                 <a:extLst>
                   <a:ext uri="{0D108BD9-81ED-4DB2-BD59-A6C34878D82A}">
-                    <a16:rowId xmlns:a16="http://schemas.microsoft.com/office/drawing/2014/main" val="3546185854"/>
+                    <a16:rowId xmlns:a16="http://schemas.microsoft.com/office/drawing/2014/main" xmlns="" val="3546185854"/>
                   </a:ext>
                 </a:extLst>
               </a:tr>
@@ -6892,7 +7489,7 @@
                 </a:tc>
                 <a:extLst>
                   <a:ext uri="{0D108BD9-81ED-4DB2-BD59-A6C34878D82A}">
-                    <a16:rowId xmlns:a16="http://schemas.microsoft.com/office/drawing/2014/main" val="3600756719"/>
+                    <a16:rowId xmlns:a16="http://schemas.microsoft.com/office/drawing/2014/main" xmlns="" val="3600756719"/>
                   </a:ext>
                 </a:extLst>
               </a:tr>
@@ -6914,7 +7511,7 @@
                 </a:tc>
                 <a:extLst>
                   <a:ext uri="{0D108BD9-81ED-4DB2-BD59-A6C34878D82A}">
-                    <a16:rowId xmlns:a16="http://schemas.microsoft.com/office/drawing/2014/main" val="2952049210"/>
+                    <a16:rowId xmlns:a16="http://schemas.microsoft.com/office/drawing/2014/main" xmlns="" val="2952049210"/>
                   </a:ext>
                 </a:extLst>
               </a:tr>
@@ -6936,7 +7533,7 @@
                 </a:tc>
                 <a:extLst>
                   <a:ext uri="{0D108BD9-81ED-4DB2-BD59-A6C34878D82A}">
-                    <a16:rowId xmlns:a16="http://schemas.microsoft.com/office/drawing/2014/main" val="3051025707"/>
+                    <a16:rowId xmlns:a16="http://schemas.microsoft.com/office/drawing/2014/main" xmlns="" val="3051025707"/>
                   </a:ext>
                 </a:extLst>
               </a:tr>
@@ -6958,7 +7555,7 @@
                 </a:tc>
                 <a:extLst>
                   <a:ext uri="{0D108BD9-81ED-4DB2-BD59-A6C34878D82A}">
-                    <a16:rowId xmlns:a16="http://schemas.microsoft.com/office/drawing/2014/main" val="1596961051"/>
+                    <a16:rowId xmlns:a16="http://schemas.microsoft.com/office/drawing/2014/main" xmlns="" val="1596961051"/>
                   </a:ext>
                 </a:extLst>
               </a:tr>
@@ -6980,7 +7577,7 @@
                 </a:tc>
                 <a:extLst>
                   <a:ext uri="{0D108BD9-81ED-4DB2-BD59-A6C34878D82A}">
-                    <a16:rowId xmlns:a16="http://schemas.microsoft.com/office/drawing/2014/main" val="2758856301"/>
+                    <a16:rowId xmlns:a16="http://schemas.microsoft.com/office/drawing/2014/main" xmlns="" val="2758856301"/>
                   </a:ext>
                 </a:extLst>
               </a:tr>
@@ -6993,7 +7590,7 @@
           <p:cNvPr id="8" name="TextBox 7">
             <a:extLst>
               <a:ext uri="{FF2B5EF4-FFF2-40B4-BE49-F238E27FC236}">
-                <a16:creationId xmlns:a16="http://schemas.microsoft.com/office/drawing/2014/main" id="{EE8D7CF4-3C56-4BE3-91E7-9505C5FEE772}"/>
+                <a16:creationId xmlns:a16="http://schemas.microsoft.com/office/drawing/2014/main" xmlns="" id="{EE8D7CF4-3C56-4BE3-91E7-9505C5FEE772}"/>
               </a:ext>
             </a:extLst>
           </p:cNvPr>
@@ -7176,7 +7773,7 @@
           <p:cNvPr id="3" name="타원 2">
             <a:extLst>
               <a:ext uri="{FF2B5EF4-FFF2-40B4-BE49-F238E27FC236}">
-                <a16:creationId xmlns:a16="http://schemas.microsoft.com/office/drawing/2014/main" id="{FAC84D3E-C281-4020-9AA7-C03071690BA3}"/>
+                <a16:creationId xmlns:a16="http://schemas.microsoft.com/office/drawing/2014/main" xmlns="" id="{FAC84D3E-C281-4020-9AA7-C03071690BA3}"/>
               </a:ext>
             </a:extLst>
           </p:cNvPr>
@@ -7222,7 +7819,7 @@
           <p:cNvPr id="7" name="타원 6">
             <a:extLst>
               <a:ext uri="{FF2B5EF4-FFF2-40B4-BE49-F238E27FC236}">
-                <a16:creationId xmlns:a16="http://schemas.microsoft.com/office/drawing/2014/main" id="{E90DCBBE-FBF7-4C08-B7AF-22F699A3B5B6}"/>
+                <a16:creationId xmlns:a16="http://schemas.microsoft.com/office/drawing/2014/main" xmlns="" id="{E90DCBBE-FBF7-4C08-B7AF-22F699A3B5B6}"/>
               </a:ext>
             </a:extLst>
           </p:cNvPr>
@@ -7298,7 +7895,7 @@
           <p:cNvPr id="2" name="제목 1">
             <a:extLst>
               <a:ext uri="{FF2B5EF4-FFF2-40B4-BE49-F238E27FC236}">
-                <a16:creationId xmlns:a16="http://schemas.microsoft.com/office/drawing/2014/main" id="{B0497BC4-A30D-4F53-AAD3-9B51EBF97CAB}"/>
+                <a16:creationId xmlns:a16="http://schemas.microsoft.com/office/drawing/2014/main" xmlns="" id="{B0497BC4-A30D-4F53-AAD3-9B51EBF97CAB}"/>
               </a:ext>
             </a:extLst>
           </p:cNvPr>
@@ -7331,7 +7928,7 @@
           <p:cNvPr id="4" name="내용 개체 틀 3">
             <a:extLst>
               <a:ext uri="{FF2B5EF4-FFF2-40B4-BE49-F238E27FC236}">
-                <a16:creationId xmlns:a16="http://schemas.microsoft.com/office/drawing/2014/main" id="{1FE717B5-C397-4D21-BBF9-00CDBF9C50B6}"/>
+                <a16:creationId xmlns:a16="http://schemas.microsoft.com/office/drawing/2014/main" xmlns="" id="{1FE717B5-C397-4D21-BBF9-00CDBF9C50B6}"/>
               </a:ext>
             </a:extLst>
           </p:cNvPr>
@@ -7363,7 +7960,7 @@
           <p:cNvPr id="5" name="직사각형 4">
             <a:extLst>
               <a:ext uri="{FF2B5EF4-FFF2-40B4-BE49-F238E27FC236}">
-                <a16:creationId xmlns:a16="http://schemas.microsoft.com/office/drawing/2014/main" id="{2A399D5F-01B0-4F20-BEA7-D16EBAB26132}"/>
+                <a16:creationId xmlns:a16="http://schemas.microsoft.com/office/drawing/2014/main" xmlns="" id="{2A399D5F-01B0-4F20-BEA7-D16EBAB26132}"/>
               </a:ext>
             </a:extLst>
           </p:cNvPr>
@@ -7417,7 +8014,7 @@
           <p:cNvPr id="6" name="직사각형 5">
             <a:extLst>
               <a:ext uri="{FF2B5EF4-FFF2-40B4-BE49-F238E27FC236}">
-                <a16:creationId xmlns:a16="http://schemas.microsoft.com/office/drawing/2014/main" id="{4355B051-452D-4CF3-A855-0A9016B26D01}"/>
+                <a16:creationId xmlns:a16="http://schemas.microsoft.com/office/drawing/2014/main" xmlns="" id="{4355B051-452D-4CF3-A855-0A9016B26D01}"/>
               </a:ext>
             </a:extLst>
           </p:cNvPr>
@@ -7466,7 +8063,7 @@
           <p:cNvPr id="7" name="직사각형 6">
             <a:extLst>
               <a:ext uri="{FF2B5EF4-FFF2-40B4-BE49-F238E27FC236}">
-                <a16:creationId xmlns:a16="http://schemas.microsoft.com/office/drawing/2014/main" id="{9A487E40-8904-4F36-ACDC-87A5C8C3C1AA}"/>
+                <a16:creationId xmlns:a16="http://schemas.microsoft.com/office/drawing/2014/main" xmlns="" id="{9A487E40-8904-4F36-ACDC-87A5C8C3C1AA}"/>
               </a:ext>
             </a:extLst>
           </p:cNvPr>
@@ -7515,7 +8112,7 @@
           <p:cNvPr id="8" name="TextBox 7">
             <a:extLst>
               <a:ext uri="{FF2B5EF4-FFF2-40B4-BE49-F238E27FC236}">
-                <a16:creationId xmlns:a16="http://schemas.microsoft.com/office/drawing/2014/main" id="{63E8E266-182F-4435-8EF5-DDB6533D26C4}"/>
+                <a16:creationId xmlns:a16="http://schemas.microsoft.com/office/drawing/2014/main" xmlns="" id="{63E8E266-182F-4435-8EF5-DDB6533D26C4}"/>
               </a:ext>
             </a:extLst>
           </p:cNvPr>
@@ -7584,7 +8181,7 @@
           <p:cNvPr id="10" name="직사각형 9">
             <a:extLst>
               <a:ext uri="{FF2B5EF4-FFF2-40B4-BE49-F238E27FC236}">
-                <a16:creationId xmlns:a16="http://schemas.microsoft.com/office/drawing/2014/main" id="{67167894-2ACE-4D2F-97E4-F2320D033EEE}"/>
+                <a16:creationId xmlns:a16="http://schemas.microsoft.com/office/drawing/2014/main" xmlns="" id="{67167894-2ACE-4D2F-97E4-F2320D033EEE}"/>
               </a:ext>
             </a:extLst>
           </p:cNvPr>
@@ -7633,7 +8230,7 @@
           <p:cNvPr id="11" name="TextBox 10">
             <a:extLst>
               <a:ext uri="{FF2B5EF4-FFF2-40B4-BE49-F238E27FC236}">
-                <a16:creationId xmlns:a16="http://schemas.microsoft.com/office/drawing/2014/main" id="{BD46B30C-E848-423C-AA38-62346A38FD1C}"/>
+                <a16:creationId xmlns:a16="http://schemas.microsoft.com/office/drawing/2014/main" xmlns="" id="{BD46B30C-E848-423C-AA38-62346A38FD1C}"/>
               </a:ext>
             </a:extLst>
           </p:cNvPr>
@@ -7698,7 +8295,7 @@
           <p:cNvPr id="2" name="제목 1">
             <a:extLst>
               <a:ext uri="{FF2B5EF4-FFF2-40B4-BE49-F238E27FC236}">
-                <a16:creationId xmlns:a16="http://schemas.microsoft.com/office/drawing/2014/main" id="{B04E45A7-D351-48AD-880F-200B6627552D}"/>
+                <a16:creationId xmlns:a16="http://schemas.microsoft.com/office/drawing/2014/main" xmlns="" id="{B04E45A7-D351-48AD-880F-200B6627552D}"/>
               </a:ext>
             </a:extLst>
           </p:cNvPr>
@@ -7726,7 +8323,7 @@
           <p:cNvPr id="4" name="내용 개체 틀 3">
             <a:extLst>
               <a:ext uri="{FF2B5EF4-FFF2-40B4-BE49-F238E27FC236}">
-                <a16:creationId xmlns:a16="http://schemas.microsoft.com/office/drawing/2014/main" id="{3912487D-4762-4AD2-9264-BB76B79BD7F4}"/>
+                <a16:creationId xmlns:a16="http://schemas.microsoft.com/office/drawing/2014/main" xmlns="" id="{3912487D-4762-4AD2-9264-BB76B79BD7F4}"/>
               </a:ext>
             </a:extLst>
           </p:cNvPr>
@@ -7758,7 +8355,7 @@
           <p:cNvPr id="5" name="그림 4">
             <a:extLst>
               <a:ext uri="{FF2B5EF4-FFF2-40B4-BE49-F238E27FC236}">
-                <a16:creationId xmlns:a16="http://schemas.microsoft.com/office/drawing/2014/main" id="{23E5B027-2DAC-4E0C-BD5D-393D71219AD9}"/>
+                <a16:creationId xmlns:a16="http://schemas.microsoft.com/office/drawing/2014/main" xmlns="" id="{23E5B027-2DAC-4E0C-BD5D-393D71219AD9}"/>
               </a:ext>
             </a:extLst>
           </p:cNvPr>
@@ -7788,7 +8385,7 @@
           <p:cNvPr id="6" name="직사각형 5">
             <a:extLst>
               <a:ext uri="{FF2B5EF4-FFF2-40B4-BE49-F238E27FC236}">
-                <a16:creationId xmlns:a16="http://schemas.microsoft.com/office/drawing/2014/main" id="{E233E353-9391-46C0-A53C-004D829D9F65}"/>
+                <a16:creationId xmlns:a16="http://schemas.microsoft.com/office/drawing/2014/main" xmlns="" id="{E233E353-9391-46C0-A53C-004D829D9F65}"/>
               </a:ext>
             </a:extLst>
           </p:cNvPr>
@@ -7837,7 +8434,7 @@
           <p:cNvPr id="7" name="직사각형 6">
             <a:extLst>
               <a:ext uri="{FF2B5EF4-FFF2-40B4-BE49-F238E27FC236}">
-                <a16:creationId xmlns:a16="http://schemas.microsoft.com/office/drawing/2014/main" id="{CC0DEA45-42E9-4178-ACF7-8FF3A960C2AC}"/>
+                <a16:creationId xmlns:a16="http://schemas.microsoft.com/office/drawing/2014/main" xmlns="" id="{CC0DEA45-42E9-4178-ACF7-8FF3A960C2AC}"/>
               </a:ext>
             </a:extLst>
           </p:cNvPr>
@@ -7886,7 +8483,7 @@
           <p:cNvPr id="8" name="직사각형 7">
             <a:extLst>
               <a:ext uri="{FF2B5EF4-FFF2-40B4-BE49-F238E27FC236}">
-                <a16:creationId xmlns:a16="http://schemas.microsoft.com/office/drawing/2014/main" id="{0A392887-527F-4A59-AB25-93786BE92509}"/>
+                <a16:creationId xmlns:a16="http://schemas.microsoft.com/office/drawing/2014/main" xmlns="" id="{0A392887-527F-4A59-AB25-93786BE92509}"/>
               </a:ext>
             </a:extLst>
           </p:cNvPr>
@@ -7935,7 +8532,7 @@
           <p:cNvPr id="3" name="TextBox 2">
             <a:extLst>
               <a:ext uri="{FF2B5EF4-FFF2-40B4-BE49-F238E27FC236}">
-                <a16:creationId xmlns:a16="http://schemas.microsoft.com/office/drawing/2014/main" id="{CB9EC69E-7152-4308-B931-320EC17F22E7}"/>
+                <a16:creationId xmlns:a16="http://schemas.microsoft.com/office/drawing/2014/main" xmlns="" id="{CB9EC69E-7152-4308-B931-320EC17F22E7}"/>
               </a:ext>
             </a:extLst>
           </p:cNvPr>
@@ -8045,7 +8642,7 @@
           <p:cNvPr id="2" name="제목 1">
             <a:extLst>
               <a:ext uri="{FF2B5EF4-FFF2-40B4-BE49-F238E27FC236}">
-                <a16:creationId xmlns:a16="http://schemas.microsoft.com/office/drawing/2014/main" id="{EB5F4D01-9872-49D1-81E1-648F5588808B}"/>
+                <a16:creationId xmlns:a16="http://schemas.microsoft.com/office/drawing/2014/main" xmlns="" id="{EB5F4D01-9872-49D1-81E1-648F5588808B}"/>
               </a:ext>
             </a:extLst>
           </p:cNvPr>
@@ -8078,7 +8675,7 @@
           <p:cNvPr id="5" name="내용 개체 틀 3">
             <a:extLst>
               <a:ext uri="{FF2B5EF4-FFF2-40B4-BE49-F238E27FC236}">
-                <a16:creationId xmlns:a16="http://schemas.microsoft.com/office/drawing/2014/main" id="{DD87A239-C3E0-46B6-BDDD-A59B295952BE}"/>
+                <a16:creationId xmlns:a16="http://schemas.microsoft.com/office/drawing/2014/main" xmlns="" id="{DD87A239-C3E0-46B6-BDDD-A59B295952BE}"/>
               </a:ext>
             </a:extLst>
           </p:cNvPr>
@@ -8110,7 +8707,7 @@
           <p:cNvPr id="12" name="직사각형 11">
             <a:extLst>
               <a:ext uri="{FF2B5EF4-FFF2-40B4-BE49-F238E27FC236}">
-                <a16:creationId xmlns:a16="http://schemas.microsoft.com/office/drawing/2014/main" id="{9E739080-653D-4A24-AF53-A669BBA776A5}"/>
+                <a16:creationId xmlns:a16="http://schemas.microsoft.com/office/drawing/2014/main" xmlns="" id="{9E739080-653D-4A24-AF53-A669BBA776A5}"/>
               </a:ext>
             </a:extLst>
           </p:cNvPr>
@@ -8168,7 +8765,7 @@
           <p:cNvPr id="20" name="직사각형 19">
             <a:extLst>
               <a:ext uri="{FF2B5EF4-FFF2-40B4-BE49-F238E27FC236}">
-                <a16:creationId xmlns:a16="http://schemas.microsoft.com/office/drawing/2014/main" id="{501CE7CF-D015-4856-900A-3D70DD072E6F}"/>
+                <a16:creationId xmlns:a16="http://schemas.microsoft.com/office/drawing/2014/main" xmlns="" id="{501CE7CF-D015-4856-900A-3D70DD072E6F}"/>
               </a:ext>
             </a:extLst>
           </p:cNvPr>
@@ -8226,7 +8823,7 @@
           <p:cNvPr id="21" name="직사각형 20">
             <a:extLst>
               <a:ext uri="{FF2B5EF4-FFF2-40B4-BE49-F238E27FC236}">
-                <a16:creationId xmlns:a16="http://schemas.microsoft.com/office/drawing/2014/main" id="{BAF13379-D48A-4989-B5A9-701D4311E2C7}"/>
+                <a16:creationId xmlns:a16="http://schemas.microsoft.com/office/drawing/2014/main" xmlns="" id="{BAF13379-D48A-4989-B5A9-701D4311E2C7}"/>
               </a:ext>
             </a:extLst>
           </p:cNvPr>
@@ -8284,7 +8881,7 @@
           <p:cNvPr id="22" name="직사각형 21">
             <a:extLst>
               <a:ext uri="{FF2B5EF4-FFF2-40B4-BE49-F238E27FC236}">
-                <a16:creationId xmlns:a16="http://schemas.microsoft.com/office/drawing/2014/main" id="{CA3240FE-D196-41C9-8310-0D7D91FDE6B8}"/>
+                <a16:creationId xmlns:a16="http://schemas.microsoft.com/office/drawing/2014/main" xmlns="" id="{CA3240FE-D196-41C9-8310-0D7D91FDE6B8}"/>
               </a:ext>
             </a:extLst>
           </p:cNvPr>
@@ -8342,7 +8939,7 @@
           <p:cNvPr id="23" name="직사각형 22">
             <a:extLst>
               <a:ext uri="{FF2B5EF4-FFF2-40B4-BE49-F238E27FC236}">
-                <a16:creationId xmlns:a16="http://schemas.microsoft.com/office/drawing/2014/main" id="{DAF3C5F9-C0B1-401B-99F6-B4BEBECED633}"/>
+                <a16:creationId xmlns:a16="http://schemas.microsoft.com/office/drawing/2014/main" xmlns="" id="{DAF3C5F9-C0B1-401B-99F6-B4BEBECED633}"/>
               </a:ext>
             </a:extLst>
           </p:cNvPr>
@@ -8400,7 +8997,7 @@
           <p:cNvPr id="24" name="직사각형 23">
             <a:extLst>
               <a:ext uri="{FF2B5EF4-FFF2-40B4-BE49-F238E27FC236}">
-                <a16:creationId xmlns:a16="http://schemas.microsoft.com/office/drawing/2014/main" id="{FB9EAE7C-FFD4-480A-896A-70FDD791E296}"/>
+                <a16:creationId xmlns:a16="http://schemas.microsoft.com/office/drawing/2014/main" xmlns="" id="{FB9EAE7C-FFD4-480A-896A-70FDD791E296}"/>
               </a:ext>
             </a:extLst>
           </p:cNvPr>
@@ -8458,7 +9055,7 @@
           <p:cNvPr id="25" name="TextBox 24">
             <a:extLst>
               <a:ext uri="{FF2B5EF4-FFF2-40B4-BE49-F238E27FC236}">
-                <a16:creationId xmlns:a16="http://schemas.microsoft.com/office/drawing/2014/main" id="{F394ACC3-1090-4441-B7D7-8F107EF46302}"/>
+                <a16:creationId xmlns:a16="http://schemas.microsoft.com/office/drawing/2014/main" xmlns="" id="{F394ACC3-1090-4441-B7D7-8F107EF46302}"/>
               </a:ext>
             </a:extLst>
           </p:cNvPr>
@@ -8608,7 +9205,7 @@
           <p:cNvPr id="26" name="직사각형 25">
             <a:extLst>
               <a:ext uri="{FF2B5EF4-FFF2-40B4-BE49-F238E27FC236}">
-                <a16:creationId xmlns:a16="http://schemas.microsoft.com/office/drawing/2014/main" id="{3F45730B-F2E1-42A3-852A-A9DDF2CCFF9F}"/>
+                <a16:creationId xmlns:a16="http://schemas.microsoft.com/office/drawing/2014/main" xmlns="" id="{3F45730B-F2E1-42A3-852A-A9DDF2CCFF9F}"/>
               </a:ext>
             </a:extLst>
           </p:cNvPr>
@@ -8666,7 +9263,7 @@
           <p:cNvPr id="27" name="직사각형 26">
             <a:extLst>
               <a:ext uri="{FF2B5EF4-FFF2-40B4-BE49-F238E27FC236}">
-                <a16:creationId xmlns:a16="http://schemas.microsoft.com/office/drawing/2014/main" id="{96A454B5-D595-491D-AF2F-9807A51C88B7}"/>
+                <a16:creationId xmlns:a16="http://schemas.microsoft.com/office/drawing/2014/main" xmlns="" id="{96A454B5-D595-491D-AF2F-9807A51C88B7}"/>
               </a:ext>
             </a:extLst>
           </p:cNvPr>
@@ -8724,7 +9321,7 @@
           <p:cNvPr id="28" name="직사각형 27">
             <a:extLst>
               <a:ext uri="{FF2B5EF4-FFF2-40B4-BE49-F238E27FC236}">
-                <a16:creationId xmlns:a16="http://schemas.microsoft.com/office/drawing/2014/main" id="{C0EA6BD9-45DF-4263-BC06-B27AD246AA48}"/>
+                <a16:creationId xmlns:a16="http://schemas.microsoft.com/office/drawing/2014/main" xmlns="" id="{C0EA6BD9-45DF-4263-BC06-B27AD246AA48}"/>
               </a:ext>
             </a:extLst>
           </p:cNvPr>
@@ -8782,7 +9379,7 @@
           <p:cNvPr id="29" name="이등변 삼각형 28">
             <a:extLst>
               <a:ext uri="{FF2B5EF4-FFF2-40B4-BE49-F238E27FC236}">
-                <a16:creationId xmlns:a16="http://schemas.microsoft.com/office/drawing/2014/main" id="{19FDE23D-C599-4963-BAB9-70C361F18577}"/>
+                <a16:creationId xmlns:a16="http://schemas.microsoft.com/office/drawing/2014/main" xmlns="" id="{19FDE23D-C599-4963-BAB9-70C361F18577}"/>
               </a:ext>
             </a:extLst>
           </p:cNvPr>
@@ -8830,7 +9427,7 @@
           <p:cNvPr id="16" name="이등변 삼각형 15">
             <a:extLst>
               <a:ext uri="{FF2B5EF4-FFF2-40B4-BE49-F238E27FC236}">
-                <a16:creationId xmlns:a16="http://schemas.microsoft.com/office/drawing/2014/main" id="{5948595C-0AC5-4573-B59A-97740C99B486}"/>
+                <a16:creationId xmlns:a16="http://schemas.microsoft.com/office/drawing/2014/main" xmlns="" id="{5948595C-0AC5-4573-B59A-97740C99B486}"/>
               </a:ext>
             </a:extLst>
           </p:cNvPr>
@@ -8908,7 +9505,7 @@
           <p:cNvPr id="2" name="제목 1">
             <a:extLst>
               <a:ext uri="{FF2B5EF4-FFF2-40B4-BE49-F238E27FC236}">
-                <a16:creationId xmlns:a16="http://schemas.microsoft.com/office/drawing/2014/main" id="{41313CD4-E571-43EE-A625-5C47561F8CBD}"/>
+                <a16:creationId xmlns:a16="http://schemas.microsoft.com/office/drawing/2014/main" xmlns="" id="{41313CD4-E571-43EE-A625-5C47561F8CBD}"/>
               </a:ext>
             </a:extLst>
           </p:cNvPr>
@@ -8941,7 +9538,7 @@
           <p:cNvPr id="4" name="내용 개체 틀 3">
             <a:extLst>
               <a:ext uri="{FF2B5EF4-FFF2-40B4-BE49-F238E27FC236}">
-                <a16:creationId xmlns:a16="http://schemas.microsoft.com/office/drawing/2014/main" id="{AD8EFBB7-2D5E-42F3-A609-8B2DCC9A5AAA}"/>
+                <a16:creationId xmlns:a16="http://schemas.microsoft.com/office/drawing/2014/main" xmlns="" id="{AD8EFBB7-2D5E-42F3-A609-8B2DCC9A5AAA}"/>
               </a:ext>
             </a:extLst>
           </p:cNvPr>
@@ -8971,7 +9568,7 @@
           <p:cNvPr id="5" name="직사각형 4">
             <a:extLst>
               <a:ext uri="{FF2B5EF4-FFF2-40B4-BE49-F238E27FC236}">
-                <a16:creationId xmlns:a16="http://schemas.microsoft.com/office/drawing/2014/main" id="{64582FCA-FBD4-4D74-B2F2-993693D600EA}"/>
+                <a16:creationId xmlns:a16="http://schemas.microsoft.com/office/drawing/2014/main" xmlns="" id="{64582FCA-FBD4-4D74-B2F2-993693D600EA}"/>
               </a:ext>
             </a:extLst>
           </p:cNvPr>
@@ -9027,7 +9624,7 @@
           <p:cNvPr id="6" name="직사각형 5">
             <a:extLst>
               <a:ext uri="{FF2B5EF4-FFF2-40B4-BE49-F238E27FC236}">
-                <a16:creationId xmlns:a16="http://schemas.microsoft.com/office/drawing/2014/main" id="{90C27918-2D27-4D88-A47C-0FC7F96F4D08}"/>
+                <a16:creationId xmlns:a16="http://schemas.microsoft.com/office/drawing/2014/main" xmlns="" id="{90C27918-2D27-4D88-A47C-0FC7F96F4D08}"/>
               </a:ext>
             </a:extLst>
           </p:cNvPr>
@@ -9083,7 +9680,7 @@
           <p:cNvPr id="7" name="직사각형 6">
             <a:extLst>
               <a:ext uri="{FF2B5EF4-FFF2-40B4-BE49-F238E27FC236}">
-                <a16:creationId xmlns:a16="http://schemas.microsoft.com/office/drawing/2014/main" id="{F848F59D-4E2E-454A-ADF1-03352FB237A1}"/>
+                <a16:creationId xmlns:a16="http://schemas.microsoft.com/office/drawing/2014/main" xmlns="" id="{F848F59D-4E2E-454A-ADF1-03352FB237A1}"/>
               </a:ext>
             </a:extLst>
           </p:cNvPr>
@@ -9139,7 +9736,7 @@
           <p:cNvPr id="8" name="TextBox 7">
             <a:extLst>
               <a:ext uri="{FF2B5EF4-FFF2-40B4-BE49-F238E27FC236}">
-                <a16:creationId xmlns:a16="http://schemas.microsoft.com/office/drawing/2014/main" id="{5BE10D8B-42CA-479C-9E80-85B13AAA5BBE}"/>
+                <a16:creationId xmlns:a16="http://schemas.microsoft.com/office/drawing/2014/main" xmlns="" id="{5BE10D8B-42CA-479C-9E80-85B13AAA5BBE}"/>
               </a:ext>
             </a:extLst>
           </p:cNvPr>
@@ -9261,7 +9858,7 @@
           <p:cNvPr id="9" name="이등변 삼각형 8">
             <a:extLst>
               <a:ext uri="{FF2B5EF4-FFF2-40B4-BE49-F238E27FC236}">
-                <a16:creationId xmlns:a16="http://schemas.microsoft.com/office/drawing/2014/main" id="{EECA2CDF-EBE9-4BC2-A35D-92DEB10F7C5B}"/>
+                <a16:creationId xmlns:a16="http://schemas.microsoft.com/office/drawing/2014/main" xmlns="" id="{EECA2CDF-EBE9-4BC2-A35D-92DEB10F7C5B}"/>
               </a:ext>
             </a:extLst>
           </p:cNvPr>
@@ -9307,7 +9904,7 @@
           <p:cNvPr id="10" name="이등변 삼각형 9">
             <a:extLst>
               <a:ext uri="{FF2B5EF4-FFF2-40B4-BE49-F238E27FC236}">
-                <a16:creationId xmlns:a16="http://schemas.microsoft.com/office/drawing/2014/main" id="{4F5F6EB1-6B09-4EF0-BF18-4D225B2C2D16}"/>
+                <a16:creationId xmlns:a16="http://schemas.microsoft.com/office/drawing/2014/main" xmlns="" id="{4F5F6EB1-6B09-4EF0-BF18-4D225B2C2D16}"/>
               </a:ext>
             </a:extLst>
           </p:cNvPr>
@@ -9383,7 +9980,7 @@
           <p:cNvPr id="2" name="제목 1">
             <a:extLst>
               <a:ext uri="{FF2B5EF4-FFF2-40B4-BE49-F238E27FC236}">
-                <a16:creationId xmlns:a16="http://schemas.microsoft.com/office/drawing/2014/main" id="{FADA963E-F77B-49EE-B198-BCBC60F5CA7B}"/>
+                <a16:creationId xmlns:a16="http://schemas.microsoft.com/office/drawing/2014/main" xmlns="" id="{FADA963E-F77B-49EE-B198-BCBC60F5CA7B}"/>
               </a:ext>
             </a:extLst>
           </p:cNvPr>
@@ -9416,7 +10013,7 @@
           <p:cNvPr id="4" name="내용 개체 틀 3">
             <a:extLst>
               <a:ext uri="{FF2B5EF4-FFF2-40B4-BE49-F238E27FC236}">
-                <a16:creationId xmlns:a16="http://schemas.microsoft.com/office/drawing/2014/main" id="{0DC64D5B-DDF0-41C9-BAD5-26A56AC585DD}"/>
+                <a16:creationId xmlns:a16="http://schemas.microsoft.com/office/drawing/2014/main" xmlns="" id="{0DC64D5B-DDF0-41C9-BAD5-26A56AC585DD}"/>
               </a:ext>
             </a:extLst>
           </p:cNvPr>
@@ -9446,7 +10043,7 @@
           <p:cNvPr id="5" name="직사각형 4">
             <a:extLst>
               <a:ext uri="{FF2B5EF4-FFF2-40B4-BE49-F238E27FC236}">
-                <a16:creationId xmlns:a16="http://schemas.microsoft.com/office/drawing/2014/main" id="{D3C6EF9E-E8AB-4189-A495-17FA36C51FF0}"/>
+                <a16:creationId xmlns:a16="http://schemas.microsoft.com/office/drawing/2014/main" xmlns="" id="{D3C6EF9E-E8AB-4189-A495-17FA36C51FF0}"/>
               </a:ext>
             </a:extLst>
           </p:cNvPr>
@@ -9502,7 +10099,7 @@
           <p:cNvPr id="6" name="직사각형 5">
             <a:extLst>
               <a:ext uri="{FF2B5EF4-FFF2-40B4-BE49-F238E27FC236}">
-                <a16:creationId xmlns:a16="http://schemas.microsoft.com/office/drawing/2014/main" id="{A84BB32B-035F-4A1D-ABF4-A988EF6A1BA3}"/>
+                <a16:creationId xmlns:a16="http://schemas.microsoft.com/office/drawing/2014/main" xmlns="" id="{A84BB32B-035F-4A1D-ABF4-A988EF6A1BA3}"/>
               </a:ext>
             </a:extLst>
           </p:cNvPr>
@@ -9558,7 +10155,7 @@
           <p:cNvPr id="7" name="직사각형 6">
             <a:extLst>
               <a:ext uri="{FF2B5EF4-FFF2-40B4-BE49-F238E27FC236}">
-                <a16:creationId xmlns:a16="http://schemas.microsoft.com/office/drawing/2014/main" id="{4199F35B-CF20-4DFD-9560-535A35B7C6F5}"/>
+                <a16:creationId xmlns:a16="http://schemas.microsoft.com/office/drawing/2014/main" xmlns="" id="{4199F35B-CF20-4DFD-9560-535A35B7C6F5}"/>
               </a:ext>
             </a:extLst>
           </p:cNvPr>
@@ -9614,7 +10211,7 @@
           <p:cNvPr id="8" name="직사각형 7">
             <a:extLst>
               <a:ext uri="{FF2B5EF4-FFF2-40B4-BE49-F238E27FC236}">
-                <a16:creationId xmlns:a16="http://schemas.microsoft.com/office/drawing/2014/main" id="{9D0A0CCB-E7EE-4F28-ADF0-39C0248C4EB5}"/>
+                <a16:creationId xmlns:a16="http://schemas.microsoft.com/office/drawing/2014/main" xmlns="" id="{9D0A0CCB-E7EE-4F28-ADF0-39C0248C4EB5}"/>
               </a:ext>
             </a:extLst>
           </p:cNvPr>
@@ -9670,7 +10267,7 @@
           <p:cNvPr id="10" name="직사각형 9">
             <a:extLst>
               <a:ext uri="{FF2B5EF4-FFF2-40B4-BE49-F238E27FC236}">
-                <a16:creationId xmlns:a16="http://schemas.microsoft.com/office/drawing/2014/main" id="{57F20438-5447-4573-BEBD-9653F801E3F8}"/>
+                <a16:creationId xmlns:a16="http://schemas.microsoft.com/office/drawing/2014/main" xmlns="" id="{57F20438-5447-4573-BEBD-9653F801E3F8}"/>
               </a:ext>
             </a:extLst>
           </p:cNvPr>
@@ -9726,7 +10323,7 @@
           <p:cNvPr id="11" name="직사각형 10">
             <a:extLst>
               <a:ext uri="{FF2B5EF4-FFF2-40B4-BE49-F238E27FC236}">
-                <a16:creationId xmlns:a16="http://schemas.microsoft.com/office/drawing/2014/main" id="{6E654F82-B47B-4490-8D67-92463A6B4BA2}"/>
+                <a16:creationId xmlns:a16="http://schemas.microsoft.com/office/drawing/2014/main" xmlns="" id="{6E654F82-B47B-4490-8D67-92463A6B4BA2}"/>
               </a:ext>
             </a:extLst>
           </p:cNvPr>
@@ -9782,7 +10379,7 @@
           <p:cNvPr id="12" name="직사각형 11">
             <a:extLst>
               <a:ext uri="{FF2B5EF4-FFF2-40B4-BE49-F238E27FC236}">
-                <a16:creationId xmlns:a16="http://schemas.microsoft.com/office/drawing/2014/main" id="{B59C0136-6A19-469D-AF93-B79763E036C6}"/>
+                <a16:creationId xmlns:a16="http://schemas.microsoft.com/office/drawing/2014/main" xmlns="" id="{B59C0136-6A19-469D-AF93-B79763E036C6}"/>
               </a:ext>
             </a:extLst>
           </p:cNvPr>
@@ -9838,7 +10435,7 @@
           <p:cNvPr id="13" name="타원 12">
             <a:extLst>
               <a:ext uri="{FF2B5EF4-FFF2-40B4-BE49-F238E27FC236}">
-                <a16:creationId xmlns:a16="http://schemas.microsoft.com/office/drawing/2014/main" id="{56D09819-B0A5-47EC-9147-1F1DA32F7F74}"/>
+                <a16:creationId xmlns:a16="http://schemas.microsoft.com/office/drawing/2014/main" xmlns="" id="{56D09819-B0A5-47EC-9147-1F1DA32F7F74}"/>
               </a:ext>
             </a:extLst>
           </p:cNvPr>
@@ -9884,7 +10481,7 @@
           <p:cNvPr id="14" name="타원 13">
             <a:extLst>
               <a:ext uri="{FF2B5EF4-FFF2-40B4-BE49-F238E27FC236}">
-                <a16:creationId xmlns:a16="http://schemas.microsoft.com/office/drawing/2014/main" id="{918C3A79-D717-40DF-B9DB-94169E23D823}"/>
+                <a16:creationId xmlns:a16="http://schemas.microsoft.com/office/drawing/2014/main" xmlns="" id="{918C3A79-D717-40DF-B9DB-94169E23D823}"/>
               </a:ext>
             </a:extLst>
           </p:cNvPr>
@@ -9930,7 +10527,7 @@
           <p:cNvPr id="15" name="타원 14">
             <a:extLst>
               <a:ext uri="{FF2B5EF4-FFF2-40B4-BE49-F238E27FC236}">
-                <a16:creationId xmlns:a16="http://schemas.microsoft.com/office/drawing/2014/main" id="{D14A3DA4-6A21-4DE2-BEB9-8BB8A3B02DAA}"/>
+                <a16:creationId xmlns:a16="http://schemas.microsoft.com/office/drawing/2014/main" xmlns="" id="{D14A3DA4-6A21-4DE2-BEB9-8BB8A3B02DAA}"/>
               </a:ext>
             </a:extLst>
           </p:cNvPr>
@@ -9976,7 +10573,7 @@
           <p:cNvPr id="16" name="타원 15">
             <a:extLst>
               <a:ext uri="{FF2B5EF4-FFF2-40B4-BE49-F238E27FC236}">
-                <a16:creationId xmlns:a16="http://schemas.microsoft.com/office/drawing/2014/main" id="{558F4AC8-FA4C-49C5-87D7-FD621AEFBC13}"/>
+                <a16:creationId xmlns:a16="http://schemas.microsoft.com/office/drawing/2014/main" xmlns="" id="{558F4AC8-FA4C-49C5-87D7-FD621AEFBC13}"/>
               </a:ext>
             </a:extLst>
           </p:cNvPr>
@@ -10022,7 +10619,7 @@
           <p:cNvPr id="17" name="타원 16">
             <a:extLst>
               <a:ext uri="{FF2B5EF4-FFF2-40B4-BE49-F238E27FC236}">
-                <a16:creationId xmlns:a16="http://schemas.microsoft.com/office/drawing/2014/main" id="{3051631D-C430-4BFD-A9C3-C188C699DB61}"/>
+                <a16:creationId xmlns:a16="http://schemas.microsoft.com/office/drawing/2014/main" xmlns="" id="{3051631D-C430-4BFD-A9C3-C188C699DB61}"/>
               </a:ext>
             </a:extLst>
           </p:cNvPr>
@@ -10068,7 +10665,7 @@
           <p:cNvPr id="18" name="타원 17">
             <a:extLst>
               <a:ext uri="{FF2B5EF4-FFF2-40B4-BE49-F238E27FC236}">
-                <a16:creationId xmlns:a16="http://schemas.microsoft.com/office/drawing/2014/main" id="{16BB8330-7B73-4E8E-A992-69EF251A6221}"/>
+                <a16:creationId xmlns:a16="http://schemas.microsoft.com/office/drawing/2014/main" xmlns="" id="{16BB8330-7B73-4E8E-A992-69EF251A6221}"/>
               </a:ext>
             </a:extLst>
           </p:cNvPr>
@@ -10114,7 +10711,7 @@
           <p:cNvPr id="19" name="TextBox 18">
             <a:extLst>
               <a:ext uri="{FF2B5EF4-FFF2-40B4-BE49-F238E27FC236}">
-                <a16:creationId xmlns:a16="http://schemas.microsoft.com/office/drawing/2014/main" id="{CBE37928-685A-423A-89FF-EFBD513E3801}"/>
+                <a16:creationId xmlns:a16="http://schemas.microsoft.com/office/drawing/2014/main" xmlns="" id="{CBE37928-685A-423A-89FF-EFBD513E3801}"/>
               </a:ext>
             </a:extLst>
           </p:cNvPr>
@@ -10269,7 +10866,7 @@
           <p:cNvPr id="20" name="이등변 삼각형 19">
             <a:extLst>
               <a:ext uri="{FF2B5EF4-FFF2-40B4-BE49-F238E27FC236}">
-                <a16:creationId xmlns:a16="http://schemas.microsoft.com/office/drawing/2014/main" id="{825B801C-D17B-4BE2-BDCE-A9A86976A3E0}"/>
+                <a16:creationId xmlns:a16="http://schemas.microsoft.com/office/drawing/2014/main" xmlns="" id="{825B801C-D17B-4BE2-BDCE-A9A86976A3E0}"/>
               </a:ext>
             </a:extLst>
           </p:cNvPr>
@@ -10315,7 +10912,7 @@
           <p:cNvPr id="21" name="이등변 삼각형 20">
             <a:extLst>
               <a:ext uri="{FF2B5EF4-FFF2-40B4-BE49-F238E27FC236}">
-                <a16:creationId xmlns:a16="http://schemas.microsoft.com/office/drawing/2014/main" id="{E18465E8-FEAE-4300-81F0-FD9BE33F21D5}"/>
+                <a16:creationId xmlns:a16="http://schemas.microsoft.com/office/drawing/2014/main" xmlns="" id="{E18465E8-FEAE-4300-81F0-FD9BE33F21D5}"/>
               </a:ext>
             </a:extLst>
           </p:cNvPr>

--- a/project/ux/ux 디자인.pptx
+++ b/project/ux/ux 디자인.pptx
@@ -146,7 +146,7 @@
           <p:cNvPr id="2" name="제목 1">
             <a:extLst>
               <a:ext uri="{FF2B5EF4-FFF2-40B4-BE49-F238E27FC236}">
-                <a16:creationId xmlns:a16="http://schemas.microsoft.com/office/drawing/2014/main" xmlns="" id="{6132674E-6DB0-4F29-9A88-761AA61E89FC}"/>
+                <a16:creationId xmlns:a16="http://schemas.microsoft.com/office/drawing/2014/main" id="{6132674E-6DB0-4F29-9A88-761AA61E89FC}"/>
               </a:ext>
             </a:extLst>
           </p:cNvPr>
@@ -183,7 +183,7 @@
           <p:cNvPr id="3" name="부제목 2">
             <a:extLst>
               <a:ext uri="{FF2B5EF4-FFF2-40B4-BE49-F238E27FC236}">
-                <a16:creationId xmlns:a16="http://schemas.microsoft.com/office/drawing/2014/main" xmlns="" id="{A73682D2-7E33-4F8D-AC77-6E2F712010B8}"/>
+                <a16:creationId xmlns:a16="http://schemas.microsoft.com/office/drawing/2014/main" id="{A73682D2-7E33-4F8D-AC77-6E2F712010B8}"/>
               </a:ext>
             </a:extLst>
           </p:cNvPr>
@@ -253,7 +253,7 @@
           <p:cNvPr id="4" name="날짜 개체 틀 3">
             <a:extLst>
               <a:ext uri="{FF2B5EF4-FFF2-40B4-BE49-F238E27FC236}">
-                <a16:creationId xmlns:a16="http://schemas.microsoft.com/office/drawing/2014/main" xmlns="" id="{03E7F4D9-7C3A-432D-85FD-60B820D0C75E}"/>
+                <a16:creationId xmlns:a16="http://schemas.microsoft.com/office/drawing/2014/main" id="{03E7F4D9-7C3A-432D-85FD-60B820D0C75E}"/>
               </a:ext>
             </a:extLst>
           </p:cNvPr>
@@ -271,7 +271,7 @@
           <a:p>
             <a:fld id="{4BC8B23F-C733-49F7-9003-80DFB68AFED6}" type="datetimeFigureOut">
               <a:rPr lang="ko-KR" altLang="en-US" smtClean="0"/>
-              <a:t>2018-03-10</a:t>
+              <a:t>2018-03-27</a:t>
             </a:fld>
             <a:endParaRPr lang="ko-KR" altLang="en-US"/>
           </a:p>
@@ -282,7 +282,7 @@
           <p:cNvPr id="5" name="바닥글 개체 틀 4">
             <a:extLst>
               <a:ext uri="{FF2B5EF4-FFF2-40B4-BE49-F238E27FC236}">
-                <a16:creationId xmlns:a16="http://schemas.microsoft.com/office/drawing/2014/main" xmlns="" id="{6A04B928-C247-41C4-A915-B001CB0465FB}"/>
+                <a16:creationId xmlns:a16="http://schemas.microsoft.com/office/drawing/2014/main" id="{6A04B928-C247-41C4-A915-B001CB0465FB}"/>
               </a:ext>
             </a:extLst>
           </p:cNvPr>
@@ -307,7 +307,7 @@
           <p:cNvPr id="6" name="슬라이드 번호 개체 틀 5">
             <a:extLst>
               <a:ext uri="{FF2B5EF4-FFF2-40B4-BE49-F238E27FC236}">
-                <a16:creationId xmlns:a16="http://schemas.microsoft.com/office/drawing/2014/main" xmlns="" id="{D2A20632-045F-4EFB-A453-30327EBCC56E}"/>
+                <a16:creationId xmlns:a16="http://schemas.microsoft.com/office/drawing/2014/main" id="{D2A20632-045F-4EFB-A453-30327EBCC56E}"/>
               </a:ext>
             </a:extLst>
           </p:cNvPr>
@@ -366,7 +366,7 @@
           <p:cNvPr id="2" name="제목 1">
             <a:extLst>
               <a:ext uri="{FF2B5EF4-FFF2-40B4-BE49-F238E27FC236}">
-                <a16:creationId xmlns:a16="http://schemas.microsoft.com/office/drawing/2014/main" xmlns="" id="{D66BE897-C2B2-4C47-8B27-D80136F10930}"/>
+                <a16:creationId xmlns:a16="http://schemas.microsoft.com/office/drawing/2014/main" id="{D66BE897-C2B2-4C47-8B27-D80136F10930}"/>
               </a:ext>
             </a:extLst>
           </p:cNvPr>
@@ -394,7 +394,7 @@
           <p:cNvPr id="3" name="세로 텍스트 개체 틀 2">
             <a:extLst>
               <a:ext uri="{FF2B5EF4-FFF2-40B4-BE49-F238E27FC236}">
-                <a16:creationId xmlns:a16="http://schemas.microsoft.com/office/drawing/2014/main" xmlns="" id="{C218157E-90A1-4E27-866F-0D27DD9F980B}"/>
+                <a16:creationId xmlns:a16="http://schemas.microsoft.com/office/drawing/2014/main" id="{C218157E-90A1-4E27-866F-0D27DD9F980B}"/>
               </a:ext>
             </a:extLst>
           </p:cNvPr>
@@ -451,7 +451,7 @@
           <p:cNvPr id="4" name="날짜 개체 틀 3">
             <a:extLst>
               <a:ext uri="{FF2B5EF4-FFF2-40B4-BE49-F238E27FC236}">
-                <a16:creationId xmlns:a16="http://schemas.microsoft.com/office/drawing/2014/main" xmlns="" id="{700ADDD3-3D56-4CE0-B5DD-F7E2D0DAEB7F}"/>
+                <a16:creationId xmlns:a16="http://schemas.microsoft.com/office/drawing/2014/main" id="{700ADDD3-3D56-4CE0-B5DD-F7E2D0DAEB7F}"/>
               </a:ext>
             </a:extLst>
           </p:cNvPr>
@@ -469,7 +469,7 @@
           <a:p>
             <a:fld id="{4BC8B23F-C733-49F7-9003-80DFB68AFED6}" type="datetimeFigureOut">
               <a:rPr lang="ko-KR" altLang="en-US" smtClean="0"/>
-              <a:t>2018-03-10</a:t>
+              <a:t>2018-03-27</a:t>
             </a:fld>
             <a:endParaRPr lang="ko-KR" altLang="en-US"/>
           </a:p>
@@ -480,7 +480,7 @@
           <p:cNvPr id="5" name="바닥글 개체 틀 4">
             <a:extLst>
               <a:ext uri="{FF2B5EF4-FFF2-40B4-BE49-F238E27FC236}">
-                <a16:creationId xmlns:a16="http://schemas.microsoft.com/office/drawing/2014/main" xmlns="" id="{78FC38BC-62AA-427E-8388-2AD1B6547561}"/>
+                <a16:creationId xmlns:a16="http://schemas.microsoft.com/office/drawing/2014/main" id="{78FC38BC-62AA-427E-8388-2AD1B6547561}"/>
               </a:ext>
             </a:extLst>
           </p:cNvPr>
@@ -505,7 +505,7 @@
           <p:cNvPr id="6" name="슬라이드 번호 개체 틀 5">
             <a:extLst>
               <a:ext uri="{FF2B5EF4-FFF2-40B4-BE49-F238E27FC236}">
-                <a16:creationId xmlns:a16="http://schemas.microsoft.com/office/drawing/2014/main" xmlns="" id="{2FDB24DA-8908-4956-AEFA-1A53AEFEDECD}"/>
+                <a16:creationId xmlns:a16="http://schemas.microsoft.com/office/drawing/2014/main" id="{2FDB24DA-8908-4956-AEFA-1A53AEFEDECD}"/>
               </a:ext>
             </a:extLst>
           </p:cNvPr>
@@ -564,7 +564,7 @@
           <p:cNvPr id="2" name="세로 제목 1">
             <a:extLst>
               <a:ext uri="{FF2B5EF4-FFF2-40B4-BE49-F238E27FC236}">
-                <a16:creationId xmlns:a16="http://schemas.microsoft.com/office/drawing/2014/main" xmlns="" id="{2E5D269E-78DF-408F-AED2-CA5F454261A3}"/>
+                <a16:creationId xmlns:a16="http://schemas.microsoft.com/office/drawing/2014/main" id="{2E5D269E-78DF-408F-AED2-CA5F454261A3}"/>
               </a:ext>
             </a:extLst>
           </p:cNvPr>
@@ -597,7 +597,7 @@
           <p:cNvPr id="3" name="세로 텍스트 개체 틀 2">
             <a:extLst>
               <a:ext uri="{FF2B5EF4-FFF2-40B4-BE49-F238E27FC236}">
-                <a16:creationId xmlns:a16="http://schemas.microsoft.com/office/drawing/2014/main" xmlns="" id="{91BB0F85-A93E-47F5-9F50-2B8CBC9BE240}"/>
+                <a16:creationId xmlns:a16="http://schemas.microsoft.com/office/drawing/2014/main" id="{91BB0F85-A93E-47F5-9F50-2B8CBC9BE240}"/>
               </a:ext>
             </a:extLst>
           </p:cNvPr>
@@ -659,7 +659,7 @@
           <p:cNvPr id="4" name="날짜 개체 틀 3">
             <a:extLst>
               <a:ext uri="{FF2B5EF4-FFF2-40B4-BE49-F238E27FC236}">
-                <a16:creationId xmlns:a16="http://schemas.microsoft.com/office/drawing/2014/main" xmlns="" id="{1FFECC0B-9038-4024-AD8F-89DCE7D217A7}"/>
+                <a16:creationId xmlns:a16="http://schemas.microsoft.com/office/drawing/2014/main" id="{1FFECC0B-9038-4024-AD8F-89DCE7D217A7}"/>
               </a:ext>
             </a:extLst>
           </p:cNvPr>
@@ -677,7 +677,7 @@
           <a:p>
             <a:fld id="{4BC8B23F-C733-49F7-9003-80DFB68AFED6}" type="datetimeFigureOut">
               <a:rPr lang="ko-KR" altLang="en-US" smtClean="0"/>
-              <a:t>2018-03-10</a:t>
+              <a:t>2018-03-27</a:t>
             </a:fld>
             <a:endParaRPr lang="ko-KR" altLang="en-US"/>
           </a:p>
@@ -688,7 +688,7 @@
           <p:cNvPr id="5" name="바닥글 개체 틀 4">
             <a:extLst>
               <a:ext uri="{FF2B5EF4-FFF2-40B4-BE49-F238E27FC236}">
-                <a16:creationId xmlns:a16="http://schemas.microsoft.com/office/drawing/2014/main" xmlns="" id="{CCF32A53-F2A0-4E69-BF05-B58BA95E9DE4}"/>
+                <a16:creationId xmlns:a16="http://schemas.microsoft.com/office/drawing/2014/main" id="{CCF32A53-F2A0-4E69-BF05-B58BA95E9DE4}"/>
               </a:ext>
             </a:extLst>
           </p:cNvPr>
@@ -713,7 +713,7 @@
           <p:cNvPr id="6" name="슬라이드 번호 개체 틀 5">
             <a:extLst>
               <a:ext uri="{FF2B5EF4-FFF2-40B4-BE49-F238E27FC236}">
-                <a16:creationId xmlns:a16="http://schemas.microsoft.com/office/drawing/2014/main" xmlns="" id="{38A53D74-92CE-4C9D-BE84-2E0100F8448D}"/>
+                <a16:creationId xmlns:a16="http://schemas.microsoft.com/office/drawing/2014/main" id="{38A53D74-92CE-4C9D-BE84-2E0100F8448D}"/>
               </a:ext>
             </a:extLst>
           </p:cNvPr>
@@ -772,7 +772,7 @@
           <p:cNvPr id="2" name="제목 1">
             <a:extLst>
               <a:ext uri="{FF2B5EF4-FFF2-40B4-BE49-F238E27FC236}">
-                <a16:creationId xmlns:a16="http://schemas.microsoft.com/office/drawing/2014/main" xmlns="" id="{7659B837-7A6C-4434-8565-D30A1184C14F}"/>
+                <a16:creationId xmlns:a16="http://schemas.microsoft.com/office/drawing/2014/main" id="{7659B837-7A6C-4434-8565-D30A1184C14F}"/>
               </a:ext>
             </a:extLst>
           </p:cNvPr>
@@ -800,7 +800,7 @@
           <p:cNvPr id="3" name="내용 개체 틀 2">
             <a:extLst>
               <a:ext uri="{FF2B5EF4-FFF2-40B4-BE49-F238E27FC236}">
-                <a16:creationId xmlns:a16="http://schemas.microsoft.com/office/drawing/2014/main" xmlns="" id="{EB9C9F62-6136-4A16-BC7E-9683344DC983}"/>
+                <a16:creationId xmlns:a16="http://schemas.microsoft.com/office/drawing/2014/main" id="{EB9C9F62-6136-4A16-BC7E-9683344DC983}"/>
               </a:ext>
             </a:extLst>
           </p:cNvPr>
@@ -857,7 +857,7 @@
           <p:cNvPr id="4" name="날짜 개체 틀 3">
             <a:extLst>
               <a:ext uri="{FF2B5EF4-FFF2-40B4-BE49-F238E27FC236}">
-                <a16:creationId xmlns:a16="http://schemas.microsoft.com/office/drawing/2014/main" xmlns="" id="{A6DD54C3-8EED-44FD-9CF2-DC897181BB02}"/>
+                <a16:creationId xmlns:a16="http://schemas.microsoft.com/office/drawing/2014/main" id="{A6DD54C3-8EED-44FD-9CF2-DC897181BB02}"/>
               </a:ext>
             </a:extLst>
           </p:cNvPr>
@@ -875,7 +875,7 @@
           <a:p>
             <a:fld id="{4BC8B23F-C733-49F7-9003-80DFB68AFED6}" type="datetimeFigureOut">
               <a:rPr lang="ko-KR" altLang="en-US" smtClean="0"/>
-              <a:t>2018-03-10</a:t>
+              <a:t>2018-03-27</a:t>
             </a:fld>
             <a:endParaRPr lang="ko-KR" altLang="en-US"/>
           </a:p>
@@ -886,7 +886,7 @@
           <p:cNvPr id="5" name="바닥글 개체 틀 4">
             <a:extLst>
               <a:ext uri="{FF2B5EF4-FFF2-40B4-BE49-F238E27FC236}">
-                <a16:creationId xmlns:a16="http://schemas.microsoft.com/office/drawing/2014/main" xmlns="" id="{FDB385F2-766C-49C9-BD2C-F4CFFE515541}"/>
+                <a16:creationId xmlns:a16="http://schemas.microsoft.com/office/drawing/2014/main" id="{FDB385F2-766C-49C9-BD2C-F4CFFE515541}"/>
               </a:ext>
             </a:extLst>
           </p:cNvPr>
@@ -911,7 +911,7 @@
           <p:cNvPr id="6" name="슬라이드 번호 개체 틀 5">
             <a:extLst>
               <a:ext uri="{FF2B5EF4-FFF2-40B4-BE49-F238E27FC236}">
-                <a16:creationId xmlns:a16="http://schemas.microsoft.com/office/drawing/2014/main" xmlns="" id="{A86D6FE6-6B8A-45B4-934A-244EC11C5B9F}"/>
+                <a16:creationId xmlns:a16="http://schemas.microsoft.com/office/drawing/2014/main" id="{A86D6FE6-6B8A-45B4-934A-244EC11C5B9F}"/>
               </a:ext>
             </a:extLst>
           </p:cNvPr>
@@ -970,7 +970,7 @@
           <p:cNvPr id="2" name="제목 1">
             <a:extLst>
               <a:ext uri="{FF2B5EF4-FFF2-40B4-BE49-F238E27FC236}">
-                <a16:creationId xmlns:a16="http://schemas.microsoft.com/office/drawing/2014/main" xmlns="" id="{3DE84662-493A-4377-BEA5-CA06032A8559}"/>
+                <a16:creationId xmlns:a16="http://schemas.microsoft.com/office/drawing/2014/main" id="{3DE84662-493A-4377-BEA5-CA06032A8559}"/>
               </a:ext>
             </a:extLst>
           </p:cNvPr>
@@ -1007,7 +1007,7 @@
           <p:cNvPr id="3" name="텍스트 개체 틀 2">
             <a:extLst>
               <a:ext uri="{FF2B5EF4-FFF2-40B4-BE49-F238E27FC236}">
-                <a16:creationId xmlns:a16="http://schemas.microsoft.com/office/drawing/2014/main" xmlns="" id="{55DC545D-EE63-41AB-983E-6D7E015B25C6}"/>
+                <a16:creationId xmlns:a16="http://schemas.microsoft.com/office/drawing/2014/main" id="{55DC545D-EE63-41AB-983E-6D7E015B25C6}"/>
               </a:ext>
             </a:extLst>
           </p:cNvPr>
@@ -1132,7 +1132,7 @@
           <p:cNvPr id="4" name="날짜 개체 틀 3">
             <a:extLst>
               <a:ext uri="{FF2B5EF4-FFF2-40B4-BE49-F238E27FC236}">
-                <a16:creationId xmlns:a16="http://schemas.microsoft.com/office/drawing/2014/main" xmlns="" id="{A5E80717-E072-4624-AE59-F1BF218F4AB2}"/>
+                <a16:creationId xmlns:a16="http://schemas.microsoft.com/office/drawing/2014/main" id="{A5E80717-E072-4624-AE59-F1BF218F4AB2}"/>
               </a:ext>
             </a:extLst>
           </p:cNvPr>
@@ -1150,7 +1150,7 @@
           <a:p>
             <a:fld id="{4BC8B23F-C733-49F7-9003-80DFB68AFED6}" type="datetimeFigureOut">
               <a:rPr lang="ko-KR" altLang="en-US" smtClean="0"/>
-              <a:t>2018-03-10</a:t>
+              <a:t>2018-03-27</a:t>
             </a:fld>
             <a:endParaRPr lang="ko-KR" altLang="en-US"/>
           </a:p>
@@ -1161,7 +1161,7 @@
           <p:cNvPr id="5" name="바닥글 개체 틀 4">
             <a:extLst>
               <a:ext uri="{FF2B5EF4-FFF2-40B4-BE49-F238E27FC236}">
-                <a16:creationId xmlns:a16="http://schemas.microsoft.com/office/drawing/2014/main" xmlns="" id="{1760F6EC-24E5-409E-B08E-A59D7179CC13}"/>
+                <a16:creationId xmlns:a16="http://schemas.microsoft.com/office/drawing/2014/main" id="{1760F6EC-24E5-409E-B08E-A59D7179CC13}"/>
               </a:ext>
             </a:extLst>
           </p:cNvPr>
@@ -1186,7 +1186,7 @@
           <p:cNvPr id="6" name="슬라이드 번호 개체 틀 5">
             <a:extLst>
               <a:ext uri="{FF2B5EF4-FFF2-40B4-BE49-F238E27FC236}">
-                <a16:creationId xmlns:a16="http://schemas.microsoft.com/office/drawing/2014/main" xmlns="" id="{775004FF-5EA4-4EA0-84F2-587E57A7055D}"/>
+                <a16:creationId xmlns:a16="http://schemas.microsoft.com/office/drawing/2014/main" id="{775004FF-5EA4-4EA0-84F2-587E57A7055D}"/>
               </a:ext>
             </a:extLst>
           </p:cNvPr>
@@ -1245,7 +1245,7 @@
           <p:cNvPr id="2" name="제목 1">
             <a:extLst>
               <a:ext uri="{FF2B5EF4-FFF2-40B4-BE49-F238E27FC236}">
-                <a16:creationId xmlns:a16="http://schemas.microsoft.com/office/drawing/2014/main" xmlns="" id="{968B4831-7B31-4297-9737-ECC70F70CFB6}"/>
+                <a16:creationId xmlns:a16="http://schemas.microsoft.com/office/drawing/2014/main" id="{968B4831-7B31-4297-9737-ECC70F70CFB6}"/>
               </a:ext>
             </a:extLst>
           </p:cNvPr>
@@ -1273,7 +1273,7 @@
           <p:cNvPr id="3" name="내용 개체 틀 2">
             <a:extLst>
               <a:ext uri="{FF2B5EF4-FFF2-40B4-BE49-F238E27FC236}">
-                <a16:creationId xmlns:a16="http://schemas.microsoft.com/office/drawing/2014/main" xmlns="" id="{70CCB293-3867-4A69-879C-CE3F4BA43246}"/>
+                <a16:creationId xmlns:a16="http://schemas.microsoft.com/office/drawing/2014/main" id="{70CCB293-3867-4A69-879C-CE3F4BA43246}"/>
               </a:ext>
             </a:extLst>
           </p:cNvPr>
@@ -1335,7 +1335,7 @@
           <p:cNvPr id="4" name="내용 개체 틀 3">
             <a:extLst>
               <a:ext uri="{FF2B5EF4-FFF2-40B4-BE49-F238E27FC236}">
-                <a16:creationId xmlns:a16="http://schemas.microsoft.com/office/drawing/2014/main" xmlns="" id="{85E2DB7A-5373-41E6-894F-43B260885720}"/>
+                <a16:creationId xmlns:a16="http://schemas.microsoft.com/office/drawing/2014/main" id="{85E2DB7A-5373-41E6-894F-43B260885720}"/>
               </a:ext>
             </a:extLst>
           </p:cNvPr>
@@ -1397,7 +1397,7 @@
           <p:cNvPr id="5" name="날짜 개체 틀 4">
             <a:extLst>
               <a:ext uri="{FF2B5EF4-FFF2-40B4-BE49-F238E27FC236}">
-                <a16:creationId xmlns:a16="http://schemas.microsoft.com/office/drawing/2014/main" xmlns="" id="{CAD3A554-BFDA-445B-A800-578CC97D65AF}"/>
+                <a16:creationId xmlns:a16="http://schemas.microsoft.com/office/drawing/2014/main" id="{CAD3A554-BFDA-445B-A800-578CC97D65AF}"/>
               </a:ext>
             </a:extLst>
           </p:cNvPr>
@@ -1415,7 +1415,7 @@
           <a:p>
             <a:fld id="{4BC8B23F-C733-49F7-9003-80DFB68AFED6}" type="datetimeFigureOut">
               <a:rPr lang="ko-KR" altLang="en-US" smtClean="0"/>
-              <a:t>2018-03-10</a:t>
+              <a:t>2018-03-27</a:t>
             </a:fld>
             <a:endParaRPr lang="ko-KR" altLang="en-US"/>
           </a:p>
@@ -1426,7 +1426,7 @@
           <p:cNvPr id="6" name="바닥글 개체 틀 5">
             <a:extLst>
               <a:ext uri="{FF2B5EF4-FFF2-40B4-BE49-F238E27FC236}">
-                <a16:creationId xmlns:a16="http://schemas.microsoft.com/office/drawing/2014/main" xmlns="" id="{3FC81FA4-0090-4086-8A77-7753C50E533E}"/>
+                <a16:creationId xmlns:a16="http://schemas.microsoft.com/office/drawing/2014/main" id="{3FC81FA4-0090-4086-8A77-7753C50E533E}"/>
               </a:ext>
             </a:extLst>
           </p:cNvPr>
@@ -1451,7 +1451,7 @@
           <p:cNvPr id="7" name="슬라이드 번호 개체 틀 6">
             <a:extLst>
               <a:ext uri="{FF2B5EF4-FFF2-40B4-BE49-F238E27FC236}">
-                <a16:creationId xmlns:a16="http://schemas.microsoft.com/office/drawing/2014/main" xmlns="" id="{A5DF257A-8C56-4388-8D32-50C8B113FBAB}"/>
+                <a16:creationId xmlns:a16="http://schemas.microsoft.com/office/drawing/2014/main" id="{A5DF257A-8C56-4388-8D32-50C8B113FBAB}"/>
               </a:ext>
             </a:extLst>
           </p:cNvPr>
@@ -1510,7 +1510,7 @@
           <p:cNvPr id="2" name="제목 1">
             <a:extLst>
               <a:ext uri="{FF2B5EF4-FFF2-40B4-BE49-F238E27FC236}">
-                <a16:creationId xmlns:a16="http://schemas.microsoft.com/office/drawing/2014/main" xmlns="" id="{AD57C545-8322-4207-9FC3-FFF7C87F45E9}"/>
+                <a16:creationId xmlns:a16="http://schemas.microsoft.com/office/drawing/2014/main" id="{AD57C545-8322-4207-9FC3-FFF7C87F45E9}"/>
               </a:ext>
             </a:extLst>
           </p:cNvPr>
@@ -1543,7 +1543,7 @@
           <p:cNvPr id="3" name="텍스트 개체 틀 2">
             <a:extLst>
               <a:ext uri="{FF2B5EF4-FFF2-40B4-BE49-F238E27FC236}">
-                <a16:creationId xmlns:a16="http://schemas.microsoft.com/office/drawing/2014/main" xmlns="" id="{9E8D6303-81F7-489B-A543-0573A6FF2D41}"/>
+                <a16:creationId xmlns:a16="http://schemas.microsoft.com/office/drawing/2014/main" id="{9E8D6303-81F7-489B-A543-0573A6FF2D41}"/>
               </a:ext>
             </a:extLst>
           </p:cNvPr>
@@ -1614,7 +1614,7 @@
           <p:cNvPr id="4" name="내용 개체 틀 3">
             <a:extLst>
               <a:ext uri="{FF2B5EF4-FFF2-40B4-BE49-F238E27FC236}">
-                <a16:creationId xmlns:a16="http://schemas.microsoft.com/office/drawing/2014/main" xmlns="" id="{8F9BDF20-BBAD-48CA-B584-7AD12E2694D3}"/>
+                <a16:creationId xmlns:a16="http://schemas.microsoft.com/office/drawing/2014/main" id="{8F9BDF20-BBAD-48CA-B584-7AD12E2694D3}"/>
               </a:ext>
             </a:extLst>
           </p:cNvPr>
@@ -1676,7 +1676,7 @@
           <p:cNvPr id="5" name="텍스트 개체 틀 4">
             <a:extLst>
               <a:ext uri="{FF2B5EF4-FFF2-40B4-BE49-F238E27FC236}">
-                <a16:creationId xmlns:a16="http://schemas.microsoft.com/office/drawing/2014/main" xmlns="" id="{1BF96D60-47FF-4680-A50D-FD569C27496D}"/>
+                <a16:creationId xmlns:a16="http://schemas.microsoft.com/office/drawing/2014/main" id="{1BF96D60-47FF-4680-A50D-FD569C27496D}"/>
               </a:ext>
             </a:extLst>
           </p:cNvPr>
@@ -1747,7 +1747,7 @@
           <p:cNvPr id="6" name="내용 개체 틀 5">
             <a:extLst>
               <a:ext uri="{FF2B5EF4-FFF2-40B4-BE49-F238E27FC236}">
-                <a16:creationId xmlns:a16="http://schemas.microsoft.com/office/drawing/2014/main" xmlns="" id="{C0A89DF4-777D-4640-B7F4-3C7F230AF690}"/>
+                <a16:creationId xmlns:a16="http://schemas.microsoft.com/office/drawing/2014/main" id="{C0A89DF4-777D-4640-B7F4-3C7F230AF690}"/>
               </a:ext>
             </a:extLst>
           </p:cNvPr>
@@ -1809,7 +1809,7 @@
           <p:cNvPr id="7" name="날짜 개체 틀 6">
             <a:extLst>
               <a:ext uri="{FF2B5EF4-FFF2-40B4-BE49-F238E27FC236}">
-                <a16:creationId xmlns:a16="http://schemas.microsoft.com/office/drawing/2014/main" xmlns="" id="{865B49EB-DFEC-423E-94F5-B7A39B6C95F4}"/>
+                <a16:creationId xmlns:a16="http://schemas.microsoft.com/office/drawing/2014/main" id="{865B49EB-DFEC-423E-94F5-B7A39B6C95F4}"/>
               </a:ext>
             </a:extLst>
           </p:cNvPr>
@@ -1827,7 +1827,7 @@
           <a:p>
             <a:fld id="{4BC8B23F-C733-49F7-9003-80DFB68AFED6}" type="datetimeFigureOut">
               <a:rPr lang="ko-KR" altLang="en-US" smtClean="0"/>
-              <a:t>2018-03-10</a:t>
+              <a:t>2018-03-27</a:t>
             </a:fld>
             <a:endParaRPr lang="ko-KR" altLang="en-US"/>
           </a:p>
@@ -1838,7 +1838,7 @@
           <p:cNvPr id="8" name="바닥글 개체 틀 7">
             <a:extLst>
               <a:ext uri="{FF2B5EF4-FFF2-40B4-BE49-F238E27FC236}">
-                <a16:creationId xmlns:a16="http://schemas.microsoft.com/office/drawing/2014/main" xmlns="" id="{3EFD901A-0801-46BC-84BB-7653BB64FB97}"/>
+                <a16:creationId xmlns:a16="http://schemas.microsoft.com/office/drawing/2014/main" id="{3EFD901A-0801-46BC-84BB-7653BB64FB97}"/>
               </a:ext>
             </a:extLst>
           </p:cNvPr>
@@ -1863,7 +1863,7 @@
           <p:cNvPr id="9" name="슬라이드 번호 개체 틀 8">
             <a:extLst>
               <a:ext uri="{FF2B5EF4-FFF2-40B4-BE49-F238E27FC236}">
-                <a16:creationId xmlns:a16="http://schemas.microsoft.com/office/drawing/2014/main" xmlns="" id="{189DC16B-047A-4DD3-BCC4-CD484940CFA2}"/>
+                <a16:creationId xmlns:a16="http://schemas.microsoft.com/office/drawing/2014/main" id="{189DC16B-047A-4DD3-BCC4-CD484940CFA2}"/>
               </a:ext>
             </a:extLst>
           </p:cNvPr>
@@ -1922,7 +1922,7 @@
           <p:cNvPr id="2" name="제목 1">
             <a:extLst>
               <a:ext uri="{FF2B5EF4-FFF2-40B4-BE49-F238E27FC236}">
-                <a16:creationId xmlns:a16="http://schemas.microsoft.com/office/drawing/2014/main" xmlns="" id="{A69691D4-14EC-493F-9A5D-D84FC56E2C61}"/>
+                <a16:creationId xmlns:a16="http://schemas.microsoft.com/office/drawing/2014/main" id="{A69691D4-14EC-493F-9A5D-D84FC56E2C61}"/>
               </a:ext>
             </a:extLst>
           </p:cNvPr>
@@ -1950,7 +1950,7 @@
           <p:cNvPr id="3" name="날짜 개체 틀 2">
             <a:extLst>
               <a:ext uri="{FF2B5EF4-FFF2-40B4-BE49-F238E27FC236}">
-                <a16:creationId xmlns:a16="http://schemas.microsoft.com/office/drawing/2014/main" xmlns="" id="{1ED0D791-C158-4BE8-B66A-897BF2CE2B31}"/>
+                <a16:creationId xmlns:a16="http://schemas.microsoft.com/office/drawing/2014/main" id="{1ED0D791-C158-4BE8-B66A-897BF2CE2B31}"/>
               </a:ext>
             </a:extLst>
           </p:cNvPr>
@@ -1968,7 +1968,7 @@
           <a:p>
             <a:fld id="{4BC8B23F-C733-49F7-9003-80DFB68AFED6}" type="datetimeFigureOut">
               <a:rPr lang="ko-KR" altLang="en-US" smtClean="0"/>
-              <a:t>2018-03-10</a:t>
+              <a:t>2018-03-27</a:t>
             </a:fld>
             <a:endParaRPr lang="ko-KR" altLang="en-US"/>
           </a:p>
@@ -1979,7 +1979,7 @@
           <p:cNvPr id="4" name="바닥글 개체 틀 3">
             <a:extLst>
               <a:ext uri="{FF2B5EF4-FFF2-40B4-BE49-F238E27FC236}">
-                <a16:creationId xmlns:a16="http://schemas.microsoft.com/office/drawing/2014/main" xmlns="" id="{5284DDA6-F47A-4AE8-8E7B-F2E830A366EC}"/>
+                <a16:creationId xmlns:a16="http://schemas.microsoft.com/office/drawing/2014/main" id="{5284DDA6-F47A-4AE8-8E7B-F2E830A366EC}"/>
               </a:ext>
             </a:extLst>
           </p:cNvPr>
@@ -2004,7 +2004,7 @@
           <p:cNvPr id="5" name="슬라이드 번호 개체 틀 4">
             <a:extLst>
               <a:ext uri="{FF2B5EF4-FFF2-40B4-BE49-F238E27FC236}">
-                <a16:creationId xmlns:a16="http://schemas.microsoft.com/office/drawing/2014/main" xmlns="" id="{D5C18EF9-32F1-4DC0-97F1-AD075958A6CD}"/>
+                <a16:creationId xmlns:a16="http://schemas.microsoft.com/office/drawing/2014/main" id="{D5C18EF9-32F1-4DC0-97F1-AD075958A6CD}"/>
               </a:ext>
             </a:extLst>
           </p:cNvPr>
@@ -2063,7 +2063,7 @@
           <p:cNvPr id="2" name="날짜 개체 틀 1">
             <a:extLst>
               <a:ext uri="{FF2B5EF4-FFF2-40B4-BE49-F238E27FC236}">
-                <a16:creationId xmlns:a16="http://schemas.microsoft.com/office/drawing/2014/main" xmlns="" id="{2CFFB397-9837-4B08-8644-17B4249B6276}"/>
+                <a16:creationId xmlns:a16="http://schemas.microsoft.com/office/drawing/2014/main" id="{2CFFB397-9837-4B08-8644-17B4249B6276}"/>
               </a:ext>
             </a:extLst>
           </p:cNvPr>
@@ -2081,7 +2081,7 @@
           <a:p>
             <a:fld id="{4BC8B23F-C733-49F7-9003-80DFB68AFED6}" type="datetimeFigureOut">
               <a:rPr lang="ko-KR" altLang="en-US" smtClean="0"/>
-              <a:t>2018-03-10</a:t>
+              <a:t>2018-03-27</a:t>
             </a:fld>
             <a:endParaRPr lang="ko-KR" altLang="en-US"/>
           </a:p>
@@ -2092,7 +2092,7 @@
           <p:cNvPr id="3" name="바닥글 개체 틀 2">
             <a:extLst>
               <a:ext uri="{FF2B5EF4-FFF2-40B4-BE49-F238E27FC236}">
-                <a16:creationId xmlns:a16="http://schemas.microsoft.com/office/drawing/2014/main" xmlns="" id="{D922FA8A-3244-46D2-96C3-E7C43C143462}"/>
+                <a16:creationId xmlns:a16="http://schemas.microsoft.com/office/drawing/2014/main" id="{D922FA8A-3244-46D2-96C3-E7C43C143462}"/>
               </a:ext>
             </a:extLst>
           </p:cNvPr>
@@ -2117,7 +2117,7 @@
           <p:cNvPr id="4" name="슬라이드 번호 개체 틀 3">
             <a:extLst>
               <a:ext uri="{FF2B5EF4-FFF2-40B4-BE49-F238E27FC236}">
-                <a16:creationId xmlns:a16="http://schemas.microsoft.com/office/drawing/2014/main" xmlns="" id="{3684835D-7AD9-48E4-A14E-0AA50710DA8F}"/>
+                <a16:creationId xmlns:a16="http://schemas.microsoft.com/office/drawing/2014/main" id="{3684835D-7AD9-48E4-A14E-0AA50710DA8F}"/>
               </a:ext>
             </a:extLst>
           </p:cNvPr>
@@ -2176,7 +2176,7 @@
           <p:cNvPr id="2" name="제목 1">
             <a:extLst>
               <a:ext uri="{FF2B5EF4-FFF2-40B4-BE49-F238E27FC236}">
-                <a16:creationId xmlns:a16="http://schemas.microsoft.com/office/drawing/2014/main" xmlns="" id="{EC9C0E10-E692-4BB2-B41B-B296C176816A}"/>
+                <a16:creationId xmlns:a16="http://schemas.microsoft.com/office/drawing/2014/main" id="{EC9C0E10-E692-4BB2-B41B-B296C176816A}"/>
               </a:ext>
             </a:extLst>
           </p:cNvPr>
@@ -2213,7 +2213,7 @@
           <p:cNvPr id="3" name="내용 개체 틀 2">
             <a:extLst>
               <a:ext uri="{FF2B5EF4-FFF2-40B4-BE49-F238E27FC236}">
-                <a16:creationId xmlns:a16="http://schemas.microsoft.com/office/drawing/2014/main" xmlns="" id="{15ED443F-B03D-4827-80CB-F5C37F09ABBD}"/>
+                <a16:creationId xmlns:a16="http://schemas.microsoft.com/office/drawing/2014/main" id="{15ED443F-B03D-4827-80CB-F5C37F09ABBD}"/>
               </a:ext>
             </a:extLst>
           </p:cNvPr>
@@ -2303,7 +2303,7 @@
           <p:cNvPr id="4" name="텍스트 개체 틀 3">
             <a:extLst>
               <a:ext uri="{FF2B5EF4-FFF2-40B4-BE49-F238E27FC236}">
-                <a16:creationId xmlns:a16="http://schemas.microsoft.com/office/drawing/2014/main" xmlns="" id="{923CABFD-20B8-47FD-BBC8-1B7DC556485C}"/>
+                <a16:creationId xmlns:a16="http://schemas.microsoft.com/office/drawing/2014/main" id="{923CABFD-20B8-47FD-BBC8-1B7DC556485C}"/>
               </a:ext>
             </a:extLst>
           </p:cNvPr>
@@ -2374,7 +2374,7 @@
           <p:cNvPr id="5" name="날짜 개체 틀 4">
             <a:extLst>
               <a:ext uri="{FF2B5EF4-FFF2-40B4-BE49-F238E27FC236}">
-                <a16:creationId xmlns:a16="http://schemas.microsoft.com/office/drawing/2014/main" xmlns="" id="{0889DCF5-7070-49DA-91A1-83F5A63CFBD1}"/>
+                <a16:creationId xmlns:a16="http://schemas.microsoft.com/office/drawing/2014/main" id="{0889DCF5-7070-49DA-91A1-83F5A63CFBD1}"/>
               </a:ext>
             </a:extLst>
           </p:cNvPr>
@@ -2392,7 +2392,7 @@
           <a:p>
             <a:fld id="{4BC8B23F-C733-49F7-9003-80DFB68AFED6}" type="datetimeFigureOut">
               <a:rPr lang="ko-KR" altLang="en-US" smtClean="0"/>
-              <a:t>2018-03-10</a:t>
+              <a:t>2018-03-27</a:t>
             </a:fld>
             <a:endParaRPr lang="ko-KR" altLang="en-US"/>
           </a:p>
@@ -2403,7 +2403,7 @@
           <p:cNvPr id="6" name="바닥글 개체 틀 5">
             <a:extLst>
               <a:ext uri="{FF2B5EF4-FFF2-40B4-BE49-F238E27FC236}">
-                <a16:creationId xmlns:a16="http://schemas.microsoft.com/office/drawing/2014/main" xmlns="" id="{4ED8535D-E00F-4A33-830F-AE4FCBD80B18}"/>
+                <a16:creationId xmlns:a16="http://schemas.microsoft.com/office/drawing/2014/main" id="{4ED8535D-E00F-4A33-830F-AE4FCBD80B18}"/>
               </a:ext>
             </a:extLst>
           </p:cNvPr>
@@ -2428,7 +2428,7 @@
           <p:cNvPr id="7" name="슬라이드 번호 개체 틀 6">
             <a:extLst>
               <a:ext uri="{FF2B5EF4-FFF2-40B4-BE49-F238E27FC236}">
-                <a16:creationId xmlns:a16="http://schemas.microsoft.com/office/drawing/2014/main" xmlns="" id="{AFB49387-A1B8-4965-B3C2-804EEF30337C}"/>
+                <a16:creationId xmlns:a16="http://schemas.microsoft.com/office/drawing/2014/main" id="{AFB49387-A1B8-4965-B3C2-804EEF30337C}"/>
               </a:ext>
             </a:extLst>
           </p:cNvPr>
@@ -2487,7 +2487,7 @@
           <p:cNvPr id="2" name="제목 1">
             <a:extLst>
               <a:ext uri="{FF2B5EF4-FFF2-40B4-BE49-F238E27FC236}">
-                <a16:creationId xmlns:a16="http://schemas.microsoft.com/office/drawing/2014/main" xmlns="" id="{E1CA7442-8035-4A7A-A874-D9CD2B6D5D81}"/>
+                <a16:creationId xmlns:a16="http://schemas.microsoft.com/office/drawing/2014/main" id="{E1CA7442-8035-4A7A-A874-D9CD2B6D5D81}"/>
               </a:ext>
             </a:extLst>
           </p:cNvPr>
@@ -2524,7 +2524,7 @@
           <p:cNvPr id="3" name="그림 개체 틀 2">
             <a:extLst>
               <a:ext uri="{FF2B5EF4-FFF2-40B4-BE49-F238E27FC236}">
-                <a16:creationId xmlns:a16="http://schemas.microsoft.com/office/drawing/2014/main" xmlns="" id="{7622CE00-C426-4E56-B1EF-EEF65E5F5611}"/>
+                <a16:creationId xmlns:a16="http://schemas.microsoft.com/office/drawing/2014/main" id="{7622CE00-C426-4E56-B1EF-EEF65E5F5611}"/>
               </a:ext>
             </a:extLst>
           </p:cNvPr>
@@ -2591,7 +2591,7 @@
           <p:cNvPr id="4" name="텍스트 개체 틀 3">
             <a:extLst>
               <a:ext uri="{FF2B5EF4-FFF2-40B4-BE49-F238E27FC236}">
-                <a16:creationId xmlns:a16="http://schemas.microsoft.com/office/drawing/2014/main" xmlns="" id="{495E60F2-84CE-419E-9C9F-0278E82FA1F6}"/>
+                <a16:creationId xmlns:a16="http://schemas.microsoft.com/office/drawing/2014/main" id="{495E60F2-84CE-419E-9C9F-0278E82FA1F6}"/>
               </a:ext>
             </a:extLst>
           </p:cNvPr>
@@ -2662,7 +2662,7 @@
           <p:cNvPr id="5" name="날짜 개체 틀 4">
             <a:extLst>
               <a:ext uri="{FF2B5EF4-FFF2-40B4-BE49-F238E27FC236}">
-                <a16:creationId xmlns:a16="http://schemas.microsoft.com/office/drawing/2014/main" xmlns="" id="{F722F0C8-E1C8-4905-A976-E44E5C66ECF3}"/>
+                <a16:creationId xmlns:a16="http://schemas.microsoft.com/office/drawing/2014/main" id="{F722F0C8-E1C8-4905-A976-E44E5C66ECF3}"/>
               </a:ext>
             </a:extLst>
           </p:cNvPr>
@@ -2680,7 +2680,7 @@
           <a:p>
             <a:fld id="{4BC8B23F-C733-49F7-9003-80DFB68AFED6}" type="datetimeFigureOut">
               <a:rPr lang="ko-KR" altLang="en-US" smtClean="0"/>
-              <a:t>2018-03-10</a:t>
+              <a:t>2018-03-27</a:t>
             </a:fld>
             <a:endParaRPr lang="ko-KR" altLang="en-US"/>
           </a:p>
@@ -2691,7 +2691,7 @@
           <p:cNvPr id="6" name="바닥글 개체 틀 5">
             <a:extLst>
               <a:ext uri="{FF2B5EF4-FFF2-40B4-BE49-F238E27FC236}">
-                <a16:creationId xmlns:a16="http://schemas.microsoft.com/office/drawing/2014/main" xmlns="" id="{C71FB099-70B8-4949-8CC4-4991B7D80CA5}"/>
+                <a16:creationId xmlns:a16="http://schemas.microsoft.com/office/drawing/2014/main" id="{C71FB099-70B8-4949-8CC4-4991B7D80CA5}"/>
               </a:ext>
             </a:extLst>
           </p:cNvPr>
@@ -2716,7 +2716,7 @@
           <p:cNvPr id="7" name="슬라이드 번호 개체 틀 6">
             <a:extLst>
               <a:ext uri="{FF2B5EF4-FFF2-40B4-BE49-F238E27FC236}">
-                <a16:creationId xmlns:a16="http://schemas.microsoft.com/office/drawing/2014/main" xmlns="" id="{10251FBF-2A69-46B4-83CB-D3BE42F3BC6E}"/>
+                <a16:creationId xmlns:a16="http://schemas.microsoft.com/office/drawing/2014/main" id="{10251FBF-2A69-46B4-83CB-D3BE42F3BC6E}"/>
               </a:ext>
             </a:extLst>
           </p:cNvPr>
@@ -2780,7 +2780,7 @@
           <p:cNvPr id="2" name="제목 개체 틀 1">
             <a:extLst>
               <a:ext uri="{FF2B5EF4-FFF2-40B4-BE49-F238E27FC236}">
-                <a16:creationId xmlns:a16="http://schemas.microsoft.com/office/drawing/2014/main" xmlns="" id="{EFD96383-E15A-4F35-8C81-8811376A662C}"/>
+                <a16:creationId xmlns:a16="http://schemas.microsoft.com/office/drawing/2014/main" id="{EFD96383-E15A-4F35-8C81-8811376A662C}"/>
               </a:ext>
             </a:extLst>
           </p:cNvPr>
@@ -2818,7 +2818,7 @@
           <p:cNvPr id="3" name="텍스트 개체 틀 2">
             <a:extLst>
               <a:ext uri="{FF2B5EF4-FFF2-40B4-BE49-F238E27FC236}">
-                <a16:creationId xmlns:a16="http://schemas.microsoft.com/office/drawing/2014/main" xmlns="" id="{3039CF5D-F915-44BA-9FD0-88DF7342D48E}"/>
+                <a16:creationId xmlns:a16="http://schemas.microsoft.com/office/drawing/2014/main" id="{3039CF5D-F915-44BA-9FD0-88DF7342D48E}"/>
               </a:ext>
             </a:extLst>
           </p:cNvPr>
@@ -2885,7 +2885,7 @@
           <p:cNvPr id="4" name="날짜 개체 틀 3">
             <a:extLst>
               <a:ext uri="{FF2B5EF4-FFF2-40B4-BE49-F238E27FC236}">
-                <a16:creationId xmlns:a16="http://schemas.microsoft.com/office/drawing/2014/main" xmlns="" id="{0D22F11B-2A3D-4DA4-ADD8-6DA62431D684}"/>
+                <a16:creationId xmlns:a16="http://schemas.microsoft.com/office/drawing/2014/main" id="{0D22F11B-2A3D-4DA4-ADD8-6DA62431D684}"/>
               </a:ext>
             </a:extLst>
           </p:cNvPr>
@@ -2921,7 +2921,7 @@
           <a:p>
             <a:fld id="{4BC8B23F-C733-49F7-9003-80DFB68AFED6}" type="datetimeFigureOut">
               <a:rPr lang="ko-KR" altLang="en-US" smtClean="0"/>
-              <a:t>2018-03-10</a:t>
+              <a:t>2018-03-27</a:t>
             </a:fld>
             <a:endParaRPr lang="ko-KR" altLang="en-US"/>
           </a:p>
@@ -2932,7 +2932,7 @@
           <p:cNvPr id="5" name="바닥글 개체 틀 4">
             <a:extLst>
               <a:ext uri="{FF2B5EF4-FFF2-40B4-BE49-F238E27FC236}">
-                <a16:creationId xmlns:a16="http://schemas.microsoft.com/office/drawing/2014/main" xmlns="" id="{8214A520-D927-4F06-92E1-2FFEF1AB4E97}"/>
+                <a16:creationId xmlns:a16="http://schemas.microsoft.com/office/drawing/2014/main" id="{8214A520-D927-4F06-92E1-2FFEF1AB4E97}"/>
               </a:ext>
             </a:extLst>
           </p:cNvPr>
@@ -2975,7 +2975,7 @@
           <p:cNvPr id="6" name="슬라이드 번호 개체 틀 5">
             <a:extLst>
               <a:ext uri="{FF2B5EF4-FFF2-40B4-BE49-F238E27FC236}">
-                <a16:creationId xmlns:a16="http://schemas.microsoft.com/office/drawing/2014/main" xmlns="" id="{8E52F654-ECB2-4687-973C-CC9C21A6FE98}"/>
+                <a16:creationId xmlns:a16="http://schemas.microsoft.com/office/drawing/2014/main" id="{8E52F654-ECB2-4687-973C-CC9C21A6FE98}"/>
               </a:ext>
             </a:extLst>
           </p:cNvPr>
@@ -3343,7 +3343,7 @@
           <p:cNvPr id="5" name="TextBox 4">
             <a:extLst>
               <a:ext uri="{FF2B5EF4-FFF2-40B4-BE49-F238E27FC236}">
-                <a16:creationId xmlns:a16="http://schemas.microsoft.com/office/drawing/2014/main" xmlns="" id="{1687122A-1A6F-42D7-B28A-CA0446A74A85}"/>
+                <a16:creationId xmlns:a16="http://schemas.microsoft.com/office/drawing/2014/main" id="{1687122A-1A6F-42D7-B28A-CA0446A74A85}"/>
               </a:ext>
             </a:extLst>
           </p:cNvPr>
@@ -3387,7 +3387,7 @@
           <p:cNvPr id="6" name="TextBox 5">
             <a:extLst>
               <a:ext uri="{FF2B5EF4-FFF2-40B4-BE49-F238E27FC236}">
-                <a16:creationId xmlns:a16="http://schemas.microsoft.com/office/drawing/2014/main" xmlns="" id="{61814FDB-3A10-4CAE-A101-A4D783960531}"/>
+                <a16:creationId xmlns:a16="http://schemas.microsoft.com/office/drawing/2014/main" id="{61814FDB-3A10-4CAE-A101-A4D783960531}"/>
               </a:ext>
             </a:extLst>
           </p:cNvPr>
@@ -3552,7 +3552,7 @@
           <p:cNvPr id="7" name="TextBox 6">
             <a:extLst>
               <a:ext uri="{FF2B5EF4-FFF2-40B4-BE49-F238E27FC236}">
-                <a16:creationId xmlns:a16="http://schemas.microsoft.com/office/drawing/2014/main" xmlns="" id="{4437C0AC-FF21-434A-B3E5-1D425393A8CC}"/>
+                <a16:creationId xmlns:a16="http://schemas.microsoft.com/office/drawing/2014/main" id="{4437C0AC-FF21-434A-B3E5-1D425393A8CC}"/>
               </a:ext>
             </a:extLst>
           </p:cNvPr>
@@ -3617,7 +3617,7 @@
           <p:cNvPr id="2" name="제목 1">
             <a:extLst>
               <a:ext uri="{FF2B5EF4-FFF2-40B4-BE49-F238E27FC236}">
-                <a16:creationId xmlns:a16="http://schemas.microsoft.com/office/drawing/2014/main" xmlns="" id="{004B6B19-4B0F-4D9E-AA2E-2D93DBE1FDE8}"/>
+                <a16:creationId xmlns:a16="http://schemas.microsoft.com/office/drawing/2014/main" id="{004B6B19-4B0F-4D9E-AA2E-2D93DBE1FDE8}"/>
               </a:ext>
             </a:extLst>
           </p:cNvPr>
@@ -3645,7 +3645,7 @@
           <p:cNvPr id="4" name="내용 개체 틀 3">
             <a:extLst>
               <a:ext uri="{FF2B5EF4-FFF2-40B4-BE49-F238E27FC236}">
-                <a16:creationId xmlns:a16="http://schemas.microsoft.com/office/drawing/2014/main" xmlns="" id="{6CC133D3-1D69-473F-8C05-5537E578312A}"/>
+                <a16:creationId xmlns:a16="http://schemas.microsoft.com/office/drawing/2014/main" id="{6CC133D3-1D69-473F-8C05-5537E578312A}"/>
               </a:ext>
             </a:extLst>
           </p:cNvPr>
@@ -3675,7 +3675,7 @@
           <p:cNvPr id="5" name="직사각형 4">
             <a:extLst>
               <a:ext uri="{FF2B5EF4-FFF2-40B4-BE49-F238E27FC236}">
-                <a16:creationId xmlns:a16="http://schemas.microsoft.com/office/drawing/2014/main" xmlns="" id="{8783E420-3634-4577-A5F3-DE3C8F46E103}"/>
+                <a16:creationId xmlns:a16="http://schemas.microsoft.com/office/drawing/2014/main" id="{8783E420-3634-4577-A5F3-DE3C8F46E103}"/>
               </a:ext>
             </a:extLst>
           </p:cNvPr>
@@ -3731,7 +3731,7 @@
           <p:cNvPr id="6" name="표 5">
             <a:extLst>
               <a:ext uri="{FF2B5EF4-FFF2-40B4-BE49-F238E27FC236}">
-                <a16:creationId xmlns:a16="http://schemas.microsoft.com/office/drawing/2014/main" xmlns="" id="{C9997A80-668F-48A8-80B1-1CFC6A5C7AB4}"/>
+                <a16:creationId xmlns:a16="http://schemas.microsoft.com/office/drawing/2014/main" id="{C9997A80-668F-48A8-80B1-1CFC6A5C7AB4}"/>
               </a:ext>
             </a:extLst>
           </p:cNvPr>
@@ -3760,7 +3760,7 @@
                 <a:gridCol w="1618678">
                   <a:extLst>
                     <a:ext uri="{9D8B030D-6E8A-4147-A177-3AD203B41FA5}">
-                      <a16:colId xmlns:a16="http://schemas.microsoft.com/office/drawing/2014/main" xmlns="" val="2750948999"/>
+                      <a16:colId xmlns:a16="http://schemas.microsoft.com/office/drawing/2014/main" val="2750948999"/>
                     </a:ext>
                   </a:extLst>
                 </a:gridCol>
@@ -3782,7 +3782,7 @@
                 </a:tc>
                 <a:extLst>
                   <a:ext uri="{0D108BD9-81ED-4DB2-BD59-A6C34878D82A}">
-                    <a16:rowId xmlns:a16="http://schemas.microsoft.com/office/drawing/2014/main" xmlns="" val="3884695047"/>
+                    <a16:rowId xmlns:a16="http://schemas.microsoft.com/office/drawing/2014/main" val="3884695047"/>
                   </a:ext>
                 </a:extLst>
               </a:tr>
@@ -3803,7 +3803,7 @@
                 </a:tc>
                 <a:extLst>
                   <a:ext uri="{0D108BD9-81ED-4DB2-BD59-A6C34878D82A}">
-                    <a16:rowId xmlns:a16="http://schemas.microsoft.com/office/drawing/2014/main" xmlns="" val="3546185854"/>
+                    <a16:rowId xmlns:a16="http://schemas.microsoft.com/office/drawing/2014/main" val="3546185854"/>
                   </a:ext>
                 </a:extLst>
               </a:tr>
@@ -3824,7 +3824,7 @@
                 </a:tc>
                 <a:extLst>
                   <a:ext uri="{0D108BD9-81ED-4DB2-BD59-A6C34878D82A}">
-                    <a16:rowId xmlns:a16="http://schemas.microsoft.com/office/drawing/2014/main" xmlns="" val="3600756719"/>
+                    <a16:rowId xmlns:a16="http://schemas.microsoft.com/office/drawing/2014/main" val="3600756719"/>
                   </a:ext>
                 </a:extLst>
               </a:tr>
@@ -3845,7 +3845,7 @@
                 </a:tc>
                 <a:extLst>
                   <a:ext uri="{0D108BD9-81ED-4DB2-BD59-A6C34878D82A}">
-                    <a16:rowId xmlns:a16="http://schemas.microsoft.com/office/drawing/2014/main" xmlns="" val="2952049210"/>
+                    <a16:rowId xmlns:a16="http://schemas.microsoft.com/office/drawing/2014/main" val="2952049210"/>
                   </a:ext>
                 </a:extLst>
               </a:tr>
@@ -3858,7 +3858,7 @@
           <p:cNvPr id="18" name="그림 17">
             <a:extLst>
               <a:ext uri="{FF2B5EF4-FFF2-40B4-BE49-F238E27FC236}">
-                <a16:creationId xmlns:a16="http://schemas.microsoft.com/office/drawing/2014/main" xmlns="" id="{A554B26D-8AC3-43D2-8E99-643BAA2ECEB3}"/>
+                <a16:creationId xmlns:a16="http://schemas.microsoft.com/office/drawing/2014/main" id="{A554B26D-8AC3-43D2-8E99-643BAA2ECEB3}"/>
               </a:ext>
             </a:extLst>
           </p:cNvPr>
@@ -3888,7 +3888,7 @@
           <p:cNvPr id="20" name="TextBox 19">
             <a:extLst>
               <a:ext uri="{FF2B5EF4-FFF2-40B4-BE49-F238E27FC236}">
-                <a16:creationId xmlns:a16="http://schemas.microsoft.com/office/drawing/2014/main" xmlns="" id="{533949C0-7155-4EDD-930B-AB4696F5C499}"/>
+                <a16:creationId xmlns:a16="http://schemas.microsoft.com/office/drawing/2014/main" id="{533949C0-7155-4EDD-930B-AB4696F5C499}"/>
               </a:ext>
             </a:extLst>
           </p:cNvPr>
@@ -4024,7 +4024,7 @@
           <p:cNvPr id="2" name="제목 1">
             <a:extLst>
               <a:ext uri="{FF2B5EF4-FFF2-40B4-BE49-F238E27FC236}">
-                <a16:creationId xmlns:a16="http://schemas.microsoft.com/office/drawing/2014/main" xmlns="" id="{98533831-1F11-4577-BE1D-683C048F248F}"/>
+                <a16:creationId xmlns:a16="http://schemas.microsoft.com/office/drawing/2014/main" id="{98533831-1F11-4577-BE1D-683C048F248F}"/>
               </a:ext>
             </a:extLst>
           </p:cNvPr>
@@ -4052,7 +4052,7 @@
           <p:cNvPr id="3" name="내용 개체 틀 2">
             <a:extLst>
               <a:ext uri="{FF2B5EF4-FFF2-40B4-BE49-F238E27FC236}">
-                <a16:creationId xmlns:a16="http://schemas.microsoft.com/office/drawing/2014/main" xmlns="" id="{4FBA18E0-6D4A-4569-B2C8-69ED727CD8BA}"/>
+                <a16:creationId xmlns:a16="http://schemas.microsoft.com/office/drawing/2014/main" id="{4FBA18E0-6D4A-4569-B2C8-69ED727CD8BA}"/>
               </a:ext>
             </a:extLst>
           </p:cNvPr>
@@ -4349,7 +4349,7 @@
           <p:cNvPr id="2" name="제목 1">
             <a:extLst>
               <a:ext uri="{FF2B5EF4-FFF2-40B4-BE49-F238E27FC236}">
-                <a16:creationId xmlns:a16="http://schemas.microsoft.com/office/drawing/2014/main" xmlns="" id="{A60C6562-9B6E-4F54-957F-C6A22BA24F5A}"/>
+                <a16:creationId xmlns:a16="http://schemas.microsoft.com/office/drawing/2014/main" id="{A60C6562-9B6E-4F54-957F-C6A22BA24F5A}"/>
               </a:ext>
             </a:extLst>
           </p:cNvPr>
@@ -4377,7 +4377,7 @@
           <p:cNvPr id="3" name="내용 개체 틀 2">
             <a:extLst>
               <a:ext uri="{FF2B5EF4-FFF2-40B4-BE49-F238E27FC236}">
-                <a16:creationId xmlns:a16="http://schemas.microsoft.com/office/drawing/2014/main" xmlns="" id="{B69CF6FA-8DE7-407F-A44E-54C4BBA17053}"/>
+                <a16:creationId xmlns:a16="http://schemas.microsoft.com/office/drawing/2014/main" id="{B69CF6FA-8DE7-407F-A44E-54C4BBA17053}"/>
               </a:ext>
             </a:extLst>
           </p:cNvPr>
@@ -4481,7 +4481,7 @@
           <p:cNvPr id="2" name="제목 1">
             <a:extLst>
               <a:ext uri="{FF2B5EF4-FFF2-40B4-BE49-F238E27FC236}">
-                <a16:creationId xmlns:a16="http://schemas.microsoft.com/office/drawing/2014/main" xmlns="" id="{BC98C92E-643E-426E-ABEC-9AC2E16ECF95}"/>
+                <a16:creationId xmlns:a16="http://schemas.microsoft.com/office/drawing/2014/main" id="{BC98C92E-643E-426E-ABEC-9AC2E16ECF95}"/>
               </a:ext>
             </a:extLst>
           </p:cNvPr>
@@ -4509,7 +4509,7 @@
           <p:cNvPr id="3" name="내용 개체 틀 2">
             <a:extLst>
               <a:ext uri="{FF2B5EF4-FFF2-40B4-BE49-F238E27FC236}">
-                <a16:creationId xmlns:a16="http://schemas.microsoft.com/office/drawing/2014/main" xmlns="" id="{FAD6D609-BAFB-4E5E-AD3C-8384CA1435B4}"/>
+                <a16:creationId xmlns:a16="http://schemas.microsoft.com/office/drawing/2014/main" id="{FAD6D609-BAFB-4E5E-AD3C-8384CA1435B4}"/>
               </a:ext>
             </a:extLst>
           </p:cNvPr>
@@ -4679,7 +4679,7 @@
           <p:cNvPr id="2" name="제목 1">
             <a:extLst>
               <a:ext uri="{FF2B5EF4-FFF2-40B4-BE49-F238E27FC236}">
-                <a16:creationId xmlns:a16="http://schemas.microsoft.com/office/drawing/2014/main" xmlns="" id="{9C453DEA-3F9E-4E77-86F9-26EAD4D40208}"/>
+                <a16:creationId xmlns:a16="http://schemas.microsoft.com/office/drawing/2014/main" id="{9C453DEA-3F9E-4E77-86F9-26EAD4D40208}"/>
               </a:ext>
             </a:extLst>
           </p:cNvPr>
@@ -4696,9 +4696,10 @@
           <a:lstStyle/>
           <a:p>
             <a:r>
-              <a:rPr lang="ko-KR" altLang="en-US" dirty="0"/>
-              <a:t>프로그램 순서</a:t>
-            </a:r>
+              <a:rPr lang="en-US" altLang="ko-KR" dirty="0"/>
+              <a:t>Layered Architecture</a:t>
+            </a:r>
+            <a:endParaRPr lang="ko-KR" altLang="en-US" dirty="0"/>
           </a:p>
         </p:txBody>
       </p:sp>
@@ -4707,7 +4708,7 @@
           <p:cNvPr id="4" name="직사각형 3">
             <a:extLst>
               <a:ext uri="{FF2B5EF4-FFF2-40B4-BE49-F238E27FC236}">
-                <a16:creationId xmlns:a16="http://schemas.microsoft.com/office/drawing/2014/main" xmlns="" id="{B9D918CF-1AFD-40D5-A753-A8294AA96329}"/>
+                <a16:creationId xmlns:a16="http://schemas.microsoft.com/office/drawing/2014/main" id="{B9D918CF-1AFD-40D5-A753-A8294AA96329}"/>
               </a:ext>
             </a:extLst>
           </p:cNvPr>
@@ -4745,12 +4746,8 @@
           <a:p>
             <a:pPr algn="ctr"/>
             <a:r>
-              <a:rPr lang="ko-KR" altLang="en-US" dirty="0"/>
-              <a:t>초기화면 </a:t>
-            </a:r>
-            <a:r>
               <a:rPr lang="en-US" altLang="ko-KR" dirty="0"/>
-              <a:t>1</a:t>
+              <a:t>Start</a:t>
             </a:r>
             <a:endParaRPr lang="ko-KR" altLang="en-US" dirty="0"/>
           </a:p>
@@ -4761,7 +4758,7 @@
           <p:cNvPr id="6" name="직사각형 5">
             <a:extLst>
               <a:ext uri="{FF2B5EF4-FFF2-40B4-BE49-F238E27FC236}">
-                <a16:creationId xmlns:a16="http://schemas.microsoft.com/office/drawing/2014/main" xmlns="" id="{71C8DD33-CFA0-4662-B24B-5E6F1A0AECFE}"/>
+                <a16:creationId xmlns:a16="http://schemas.microsoft.com/office/drawing/2014/main" id="{71C8DD33-CFA0-4662-B24B-5E6F1A0AECFE}"/>
               </a:ext>
             </a:extLst>
           </p:cNvPr>
@@ -4799,12 +4796,8 @@
           <a:p>
             <a:pPr algn="ctr"/>
             <a:r>
-              <a:rPr lang="ko-KR" altLang="en-US" dirty="0"/>
-              <a:t>초기화면 </a:t>
-            </a:r>
-            <a:r>
               <a:rPr lang="en-US" altLang="ko-KR" dirty="0"/>
-              <a:t>2</a:t>
+              <a:t>Sub</a:t>
             </a:r>
             <a:endParaRPr lang="ko-KR" altLang="en-US" dirty="0"/>
           </a:p>
@@ -4815,7 +4808,7 @@
           <p:cNvPr id="7" name="직사각형 6">
             <a:extLst>
               <a:ext uri="{FF2B5EF4-FFF2-40B4-BE49-F238E27FC236}">
-                <a16:creationId xmlns:a16="http://schemas.microsoft.com/office/drawing/2014/main" xmlns="" id="{321D4089-DBD3-456F-9369-D5989B7C72E5}"/>
+                <a16:creationId xmlns:a16="http://schemas.microsoft.com/office/drawing/2014/main" id="{321D4089-DBD3-456F-9369-D5989B7C72E5}"/>
               </a:ext>
             </a:extLst>
           </p:cNvPr>
@@ -4853,9 +4846,10 @@
           <a:p>
             <a:pPr algn="ctr"/>
             <a:r>
-              <a:rPr lang="ko-KR" altLang="en-US" dirty="0"/>
-              <a:t>추천화면</a:t>
-            </a:r>
+              <a:rPr lang="en-US" altLang="ko-KR" dirty="0" err="1"/>
+              <a:t>Reco</a:t>
+            </a:r>
+            <a:endParaRPr lang="ko-KR" altLang="en-US" dirty="0"/>
           </a:p>
         </p:txBody>
       </p:sp>
@@ -4864,7 +4858,7 @@
           <p:cNvPr id="9" name="직사각형 8">
             <a:extLst>
               <a:ext uri="{FF2B5EF4-FFF2-40B4-BE49-F238E27FC236}">
-                <a16:creationId xmlns:a16="http://schemas.microsoft.com/office/drawing/2014/main" xmlns="" id="{59DBF39D-17FD-40E3-B10E-9A66B7CC928A}"/>
+                <a16:creationId xmlns:a16="http://schemas.microsoft.com/office/drawing/2014/main" id="{59DBF39D-17FD-40E3-B10E-9A66B7CC928A}"/>
               </a:ext>
             </a:extLst>
           </p:cNvPr>
@@ -4902,9 +4896,10 @@
           <a:p>
             <a:pPr algn="ctr"/>
             <a:r>
-              <a:rPr lang="ko-KR" altLang="en-US" dirty="0"/>
-              <a:t>목록화면</a:t>
-            </a:r>
+              <a:rPr lang="en-US" altLang="ko-KR" dirty="0"/>
+              <a:t>List</a:t>
+            </a:r>
+            <a:endParaRPr lang="ko-KR" altLang="en-US" dirty="0"/>
           </a:p>
         </p:txBody>
       </p:sp>
@@ -4913,7 +4908,7 @@
           <p:cNvPr id="10" name="직사각형 9">
             <a:extLst>
               <a:ext uri="{FF2B5EF4-FFF2-40B4-BE49-F238E27FC236}">
-                <a16:creationId xmlns:a16="http://schemas.microsoft.com/office/drawing/2014/main" xmlns="" id="{3C428059-CDC7-48C0-9D51-E2B1235B3CCC}"/>
+                <a16:creationId xmlns:a16="http://schemas.microsoft.com/office/drawing/2014/main" id="{3C428059-CDC7-48C0-9D51-E2B1235B3CCC}"/>
               </a:ext>
             </a:extLst>
           </p:cNvPr>
@@ -4951,9 +4946,10 @@
           <a:p>
             <a:pPr algn="ctr"/>
             <a:r>
-              <a:rPr lang="ko-KR" altLang="en-US" dirty="0"/>
-              <a:t>오버레이 화면</a:t>
-            </a:r>
+              <a:rPr lang="en-US" altLang="ko-KR" dirty="0"/>
+              <a:t>Overlay</a:t>
+            </a:r>
+            <a:endParaRPr lang="ko-KR" altLang="en-US" dirty="0"/>
           </a:p>
         </p:txBody>
       </p:sp>
@@ -4962,7 +4958,7 @@
           <p:cNvPr id="32" name="연결선: 꺾임 31">
             <a:extLst>
               <a:ext uri="{FF2B5EF4-FFF2-40B4-BE49-F238E27FC236}">
-                <a16:creationId xmlns:a16="http://schemas.microsoft.com/office/drawing/2014/main" xmlns="" id="{8B4654AD-E666-41B4-8E94-E247981578BD}"/>
+                <a16:creationId xmlns:a16="http://schemas.microsoft.com/office/drawing/2014/main" id="{8B4654AD-E666-41B4-8E94-E247981578BD}"/>
               </a:ext>
             </a:extLst>
           </p:cNvPr>
@@ -5004,7 +5000,7 @@
           <p:cNvPr id="34" name="연결선: 꺾임 33">
             <a:extLst>
               <a:ext uri="{FF2B5EF4-FFF2-40B4-BE49-F238E27FC236}">
-                <a16:creationId xmlns:a16="http://schemas.microsoft.com/office/drawing/2014/main" xmlns="" id="{1D746EC3-5089-4269-ADB4-3C6A520ACFBE}"/>
+                <a16:creationId xmlns:a16="http://schemas.microsoft.com/office/drawing/2014/main" id="{1D746EC3-5089-4269-ADB4-3C6A520ACFBE}"/>
               </a:ext>
             </a:extLst>
           </p:cNvPr>
@@ -5046,7 +5042,7 @@
           <p:cNvPr id="36" name="연결선: 꺾임 35">
             <a:extLst>
               <a:ext uri="{FF2B5EF4-FFF2-40B4-BE49-F238E27FC236}">
-                <a16:creationId xmlns:a16="http://schemas.microsoft.com/office/drawing/2014/main" xmlns="" id="{241A9D86-A593-4DF6-8988-429D9F091CD3}"/>
+                <a16:creationId xmlns:a16="http://schemas.microsoft.com/office/drawing/2014/main" id="{241A9D86-A593-4DF6-8988-429D9F091CD3}"/>
               </a:ext>
             </a:extLst>
           </p:cNvPr>
@@ -5088,7 +5084,7 @@
           <p:cNvPr id="38" name="연결선: 꺾임 37">
             <a:extLst>
               <a:ext uri="{FF2B5EF4-FFF2-40B4-BE49-F238E27FC236}">
-                <a16:creationId xmlns:a16="http://schemas.microsoft.com/office/drawing/2014/main" xmlns="" id="{78CFE43B-4B96-4DEE-83B4-CE323763FCF8}"/>
+                <a16:creationId xmlns:a16="http://schemas.microsoft.com/office/drawing/2014/main" id="{78CFE43B-4B96-4DEE-83B4-CE323763FCF8}"/>
               </a:ext>
             </a:extLst>
           </p:cNvPr>
@@ -5130,7 +5126,7 @@
           <p:cNvPr id="40" name="연결선: 꺾임 39">
             <a:extLst>
               <a:ext uri="{FF2B5EF4-FFF2-40B4-BE49-F238E27FC236}">
-                <a16:creationId xmlns:a16="http://schemas.microsoft.com/office/drawing/2014/main" xmlns="" id="{BF610956-03C4-45DF-82F4-1DE4757FCA4D}"/>
+                <a16:creationId xmlns:a16="http://schemas.microsoft.com/office/drawing/2014/main" id="{BF610956-03C4-45DF-82F4-1DE4757FCA4D}"/>
               </a:ext>
             </a:extLst>
           </p:cNvPr>
@@ -5202,7 +5198,7 @@
           <p:cNvPr id="18" name="순서도: 처리 17">
             <a:extLst>
               <a:ext uri="{FF2B5EF4-FFF2-40B4-BE49-F238E27FC236}">
-                <a16:creationId xmlns:a16="http://schemas.microsoft.com/office/drawing/2014/main" xmlns="" id="{511C6ADE-C057-4591-8827-8FC5883C96B2}"/>
+                <a16:creationId xmlns:a16="http://schemas.microsoft.com/office/drawing/2014/main" id="{511C6ADE-C057-4591-8827-8FC5883C96B2}"/>
               </a:ext>
             </a:extLst>
           </p:cNvPr>
@@ -5252,7 +5248,7 @@
           <p:cNvPr id="19" name="순서도: 처리 18">
             <a:extLst>
               <a:ext uri="{FF2B5EF4-FFF2-40B4-BE49-F238E27FC236}">
-                <a16:creationId xmlns:a16="http://schemas.microsoft.com/office/drawing/2014/main" xmlns="" id="{FCED0C5B-1BF3-4803-BC7D-98AF97D6E753}"/>
+                <a16:creationId xmlns:a16="http://schemas.microsoft.com/office/drawing/2014/main" id="{FCED0C5B-1BF3-4803-BC7D-98AF97D6E753}"/>
               </a:ext>
             </a:extLst>
           </p:cNvPr>
@@ -5302,7 +5298,7 @@
           <p:cNvPr id="20" name="순서도: 처리 19">
             <a:extLst>
               <a:ext uri="{FF2B5EF4-FFF2-40B4-BE49-F238E27FC236}">
-                <a16:creationId xmlns:a16="http://schemas.microsoft.com/office/drawing/2014/main" xmlns="" id="{488780A5-F517-4896-AD18-06C1737B5DD4}"/>
+                <a16:creationId xmlns:a16="http://schemas.microsoft.com/office/drawing/2014/main" id="{488780A5-F517-4896-AD18-06C1737B5DD4}"/>
               </a:ext>
             </a:extLst>
           </p:cNvPr>
@@ -5352,7 +5348,7 @@
           <p:cNvPr id="21" name="순서도: 판단 20">
             <a:extLst>
               <a:ext uri="{FF2B5EF4-FFF2-40B4-BE49-F238E27FC236}">
-                <a16:creationId xmlns:a16="http://schemas.microsoft.com/office/drawing/2014/main" xmlns="" id="{D9393A02-5792-4F96-94C5-1F84EB193CF9}"/>
+                <a16:creationId xmlns:a16="http://schemas.microsoft.com/office/drawing/2014/main" id="{D9393A02-5792-4F96-94C5-1F84EB193CF9}"/>
               </a:ext>
             </a:extLst>
           </p:cNvPr>
@@ -5402,7 +5398,7 @@
           <p:cNvPr id="24" name="순서도: 처리 23">
             <a:extLst>
               <a:ext uri="{FF2B5EF4-FFF2-40B4-BE49-F238E27FC236}">
-                <a16:creationId xmlns:a16="http://schemas.microsoft.com/office/drawing/2014/main" xmlns="" id="{F87C29D1-77E0-4777-A88C-A78BCBBFC029}"/>
+                <a16:creationId xmlns:a16="http://schemas.microsoft.com/office/drawing/2014/main" id="{F87C29D1-77E0-4777-A88C-A78BCBBFC029}"/>
               </a:ext>
             </a:extLst>
           </p:cNvPr>
@@ -5456,7 +5452,7 @@
           <p:cNvPr id="15" name="순서도: 판단 14">
             <a:extLst>
               <a:ext uri="{FF2B5EF4-FFF2-40B4-BE49-F238E27FC236}">
-                <a16:creationId xmlns:a16="http://schemas.microsoft.com/office/drawing/2014/main" xmlns="" id="{775BABEA-0B1E-474D-89EA-C4FD2A396EC2}"/>
+                <a16:creationId xmlns:a16="http://schemas.microsoft.com/office/drawing/2014/main" id="{775BABEA-0B1E-474D-89EA-C4FD2A396EC2}"/>
               </a:ext>
             </a:extLst>
           </p:cNvPr>
@@ -5506,7 +5502,7 @@
           <p:cNvPr id="16" name="순서도: 판단 15">
             <a:extLst>
               <a:ext uri="{FF2B5EF4-FFF2-40B4-BE49-F238E27FC236}">
-                <a16:creationId xmlns:a16="http://schemas.microsoft.com/office/drawing/2014/main" xmlns="" id="{A6EB6343-4924-4DEB-9E63-7F2040A9F596}"/>
+                <a16:creationId xmlns:a16="http://schemas.microsoft.com/office/drawing/2014/main" id="{A6EB6343-4924-4DEB-9E63-7F2040A9F596}"/>
               </a:ext>
             </a:extLst>
           </p:cNvPr>
@@ -5556,7 +5552,7 @@
           <p:cNvPr id="32" name="순서도: 처리 31">
             <a:extLst>
               <a:ext uri="{FF2B5EF4-FFF2-40B4-BE49-F238E27FC236}">
-                <a16:creationId xmlns:a16="http://schemas.microsoft.com/office/drawing/2014/main" xmlns="" id="{B579A163-29A1-4BBE-9FCC-BF464978503C}"/>
+                <a16:creationId xmlns:a16="http://schemas.microsoft.com/office/drawing/2014/main" id="{B579A163-29A1-4BBE-9FCC-BF464978503C}"/>
               </a:ext>
             </a:extLst>
           </p:cNvPr>
@@ -5606,7 +5602,7 @@
           <p:cNvPr id="33" name="순서도: 판단 32">
             <a:extLst>
               <a:ext uri="{FF2B5EF4-FFF2-40B4-BE49-F238E27FC236}">
-                <a16:creationId xmlns:a16="http://schemas.microsoft.com/office/drawing/2014/main" xmlns="" id="{B7FD9707-19CF-4182-B4EF-0115CC078AAF}"/>
+                <a16:creationId xmlns:a16="http://schemas.microsoft.com/office/drawing/2014/main" id="{B7FD9707-19CF-4182-B4EF-0115CC078AAF}"/>
               </a:ext>
             </a:extLst>
           </p:cNvPr>
@@ -5656,7 +5652,7 @@
           <p:cNvPr id="34" name="순서도: 판단 33">
             <a:extLst>
               <a:ext uri="{FF2B5EF4-FFF2-40B4-BE49-F238E27FC236}">
-                <a16:creationId xmlns:a16="http://schemas.microsoft.com/office/drawing/2014/main" xmlns="" id="{530AFBE7-5899-4FC6-AE8D-86D4DC7F774A}"/>
+                <a16:creationId xmlns:a16="http://schemas.microsoft.com/office/drawing/2014/main" id="{530AFBE7-5899-4FC6-AE8D-86D4DC7F774A}"/>
               </a:ext>
             </a:extLst>
           </p:cNvPr>
@@ -5706,7 +5702,7 @@
           <p:cNvPr id="35" name="순서도: 판단 34">
             <a:extLst>
               <a:ext uri="{FF2B5EF4-FFF2-40B4-BE49-F238E27FC236}">
-                <a16:creationId xmlns:a16="http://schemas.microsoft.com/office/drawing/2014/main" xmlns="" id="{B6B05B20-E958-4D01-9C1E-F39E75757B4D}"/>
+                <a16:creationId xmlns:a16="http://schemas.microsoft.com/office/drawing/2014/main" id="{B6B05B20-E958-4D01-9C1E-F39E75757B4D}"/>
               </a:ext>
             </a:extLst>
           </p:cNvPr>
@@ -5756,7 +5752,7 @@
           <p:cNvPr id="36" name="순서도: 처리 35">
             <a:extLst>
               <a:ext uri="{FF2B5EF4-FFF2-40B4-BE49-F238E27FC236}">
-                <a16:creationId xmlns:a16="http://schemas.microsoft.com/office/drawing/2014/main" xmlns="" id="{4C45B076-8A1A-40EE-90FA-37B206D6D2E9}"/>
+                <a16:creationId xmlns:a16="http://schemas.microsoft.com/office/drawing/2014/main" id="{4C45B076-8A1A-40EE-90FA-37B206D6D2E9}"/>
               </a:ext>
             </a:extLst>
           </p:cNvPr>
@@ -5806,7 +5802,7 @@
           <p:cNvPr id="37" name="순서도: 처리 36">
             <a:extLst>
               <a:ext uri="{FF2B5EF4-FFF2-40B4-BE49-F238E27FC236}">
-                <a16:creationId xmlns:a16="http://schemas.microsoft.com/office/drawing/2014/main" xmlns="" id="{7B0525B2-AA7D-4B73-86C6-C8982BF82F79}"/>
+                <a16:creationId xmlns:a16="http://schemas.microsoft.com/office/drawing/2014/main" id="{7B0525B2-AA7D-4B73-86C6-C8982BF82F79}"/>
               </a:ext>
             </a:extLst>
           </p:cNvPr>
@@ -5815,7 +5811,7 @@
         </p:nvSpPr>
         <p:spPr>
           <a:xfrm>
-            <a:off x="6799253" y="3898957"/>
+            <a:off x="6799253" y="4250383"/>
             <a:ext cx="1049822" cy="313674"/>
           </a:xfrm>
           <a:prstGeom prst="flowChartProcess">
@@ -5856,7 +5852,7 @@
           <p:cNvPr id="39" name="순서도: 처리 38">
             <a:extLst>
               <a:ext uri="{FF2B5EF4-FFF2-40B4-BE49-F238E27FC236}">
-                <a16:creationId xmlns:a16="http://schemas.microsoft.com/office/drawing/2014/main" xmlns="" id="{67F0419F-C495-4588-92AE-1DA5B85941A8}"/>
+                <a16:creationId xmlns:a16="http://schemas.microsoft.com/office/drawing/2014/main" id="{67F0419F-C495-4588-92AE-1DA5B85941A8}"/>
               </a:ext>
             </a:extLst>
           </p:cNvPr>
@@ -5910,7 +5906,7 @@
           <p:cNvPr id="40" name="순서도: 처리 39">
             <a:extLst>
               <a:ext uri="{FF2B5EF4-FFF2-40B4-BE49-F238E27FC236}">
-                <a16:creationId xmlns:a16="http://schemas.microsoft.com/office/drawing/2014/main" xmlns="" id="{F299989F-B0E4-4A99-916F-8B1C535D05E0}"/>
+                <a16:creationId xmlns:a16="http://schemas.microsoft.com/office/drawing/2014/main" id="{F299989F-B0E4-4A99-916F-8B1C535D05E0}"/>
               </a:ext>
             </a:extLst>
           </p:cNvPr>
@@ -5972,7 +5968,7 @@
           <p:cNvPr id="3" name="직선 화살표 연결선 2">
             <a:extLst>
               <a:ext uri="{FF2B5EF4-FFF2-40B4-BE49-F238E27FC236}">
-                <a16:creationId xmlns:a16="http://schemas.microsoft.com/office/drawing/2014/main" xmlns="" id="{95634405-84E6-4B70-9B2B-280F7672DECC}"/>
+                <a16:creationId xmlns:a16="http://schemas.microsoft.com/office/drawing/2014/main" id="{95634405-84E6-4B70-9B2B-280F7672DECC}"/>
               </a:ext>
             </a:extLst>
           </p:cNvPr>
@@ -6014,7 +6010,7 @@
           <p:cNvPr id="5" name="직선 화살표 연결선 4">
             <a:extLst>
               <a:ext uri="{FF2B5EF4-FFF2-40B4-BE49-F238E27FC236}">
-                <a16:creationId xmlns:a16="http://schemas.microsoft.com/office/drawing/2014/main" xmlns="" id="{90ADA965-EBDB-4F2C-814B-FC1F2F2CF88D}"/>
+                <a16:creationId xmlns:a16="http://schemas.microsoft.com/office/drawing/2014/main" id="{90ADA965-EBDB-4F2C-814B-FC1F2F2CF88D}"/>
               </a:ext>
             </a:extLst>
           </p:cNvPr>
@@ -6056,7 +6052,7 @@
           <p:cNvPr id="9" name="연결선: 꺾임 8">
             <a:extLst>
               <a:ext uri="{FF2B5EF4-FFF2-40B4-BE49-F238E27FC236}">
-                <a16:creationId xmlns:a16="http://schemas.microsoft.com/office/drawing/2014/main" xmlns="" id="{542D2A88-76CD-4EAA-91A0-C1C5139AAC86}"/>
+                <a16:creationId xmlns:a16="http://schemas.microsoft.com/office/drawing/2014/main" id="{542D2A88-76CD-4EAA-91A0-C1C5139AAC86}"/>
               </a:ext>
             </a:extLst>
           </p:cNvPr>
@@ -6101,7 +6097,7 @@
           <p:cNvPr id="11" name="직선 화살표 연결선 10">
             <a:extLst>
               <a:ext uri="{FF2B5EF4-FFF2-40B4-BE49-F238E27FC236}">
-                <a16:creationId xmlns:a16="http://schemas.microsoft.com/office/drawing/2014/main" xmlns="" id="{5908CC07-5A71-4AC5-9E73-795F9DE4F47A}"/>
+                <a16:creationId xmlns:a16="http://schemas.microsoft.com/office/drawing/2014/main" id="{5908CC07-5A71-4AC5-9E73-795F9DE4F47A}"/>
               </a:ext>
             </a:extLst>
           </p:cNvPr>
@@ -6143,7 +6139,7 @@
           <p:cNvPr id="13" name="직선 화살표 연결선 12">
             <a:extLst>
               <a:ext uri="{FF2B5EF4-FFF2-40B4-BE49-F238E27FC236}">
-                <a16:creationId xmlns:a16="http://schemas.microsoft.com/office/drawing/2014/main" xmlns="" id="{155D1A80-63B2-4E8F-97E8-37A43187429C}"/>
+                <a16:creationId xmlns:a16="http://schemas.microsoft.com/office/drawing/2014/main" id="{155D1A80-63B2-4E8F-97E8-37A43187429C}"/>
               </a:ext>
             </a:extLst>
           </p:cNvPr>
@@ -6185,7 +6181,7 @@
           <p:cNvPr id="46" name="직선 화살표 연결선 45">
             <a:extLst>
               <a:ext uri="{FF2B5EF4-FFF2-40B4-BE49-F238E27FC236}">
-                <a16:creationId xmlns:a16="http://schemas.microsoft.com/office/drawing/2014/main" xmlns="" id="{1B595C0F-D61B-47AE-A5B6-EDFF122C0B40}"/>
+                <a16:creationId xmlns:a16="http://schemas.microsoft.com/office/drawing/2014/main" id="{1B595C0F-D61B-47AE-A5B6-EDFF122C0B40}"/>
               </a:ext>
             </a:extLst>
           </p:cNvPr>
@@ -6227,7 +6223,7 @@
           <p:cNvPr id="48" name="직선 화살표 연결선 47">
             <a:extLst>
               <a:ext uri="{FF2B5EF4-FFF2-40B4-BE49-F238E27FC236}">
-                <a16:creationId xmlns:a16="http://schemas.microsoft.com/office/drawing/2014/main" xmlns="" id="{5E9D418F-C99C-4250-B03B-B1CAB818014D}"/>
+                <a16:creationId xmlns:a16="http://schemas.microsoft.com/office/drawing/2014/main" id="{5E9D418F-C99C-4250-B03B-B1CAB818014D}"/>
               </a:ext>
             </a:extLst>
           </p:cNvPr>
@@ -6269,7 +6265,7 @@
           <p:cNvPr id="50" name="직선 화살표 연결선 49">
             <a:extLst>
               <a:ext uri="{FF2B5EF4-FFF2-40B4-BE49-F238E27FC236}">
-                <a16:creationId xmlns:a16="http://schemas.microsoft.com/office/drawing/2014/main" xmlns="" id="{509C78DC-1C9F-4CD1-A05E-2B6FF1514966}"/>
+                <a16:creationId xmlns:a16="http://schemas.microsoft.com/office/drawing/2014/main" id="{509C78DC-1C9F-4CD1-A05E-2B6FF1514966}"/>
               </a:ext>
             </a:extLst>
           </p:cNvPr>
@@ -6312,7 +6308,7 @@
           <p:cNvPr id="53" name="연결선: 꺾임 52">
             <a:extLst>
               <a:ext uri="{FF2B5EF4-FFF2-40B4-BE49-F238E27FC236}">
-                <a16:creationId xmlns:a16="http://schemas.microsoft.com/office/drawing/2014/main" xmlns="" id="{5E7B3FD9-456C-4A78-B25A-2CB8A7524E42}"/>
+                <a16:creationId xmlns:a16="http://schemas.microsoft.com/office/drawing/2014/main" id="{5E7B3FD9-456C-4A78-B25A-2CB8A7524E42}"/>
               </a:ext>
             </a:extLst>
           </p:cNvPr>
@@ -6358,7 +6354,7 @@
           <p:cNvPr id="60" name="직선 화살표 연결선 59">
             <a:extLst>
               <a:ext uri="{FF2B5EF4-FFF2-40B4-BE49-F238E27FC236}">
-                <a16:creationId xmlns:a16="http://schemas.microsoft.com/office/drawing/2014/main" xmlns="" id="{995A42BA-60CE-4463-990E-F4C53CC11DBE}"/>
+                <a16:creationId xmlns:a16="http://schemas.microsoft.com/office/drawing/2014/main" id="{995A42BA-60CE-4463-990E-F4C53CC11DBE}"/>
               </a:ext>
             </a:extLst>
           </p:cNvPr>
@@ -6400,7 +6396,7 @@
           <p:cNvPr id="62" name="직선 화살표 연결선 61">
             <a:extLst>
               <a:ext uri="{FF2B5EF4-FFF2-40B4-BE49-F238E27FC236}">
-                <a16:creationId xmlns:a16="http://schemas.microsoft.com/office/drawing/2014/main" xmlns="" id="{B16C6626-18AE-40CE-A67F-923ADB53F66A}"/>
+                <a16:creationId xmlns:a16="http://schemas.microsoft.com/office/drawing/2014/main" id="{B16C6626-18AE-40CE-A67F-923ADB53F66A}"/>
               </a:ext>
             </a:extLst>
           </p:cNvPr>
@@ -6443,7 +6439,7 @@
           <p:cNvPr id="67" name="직선 화살표 연결선 66">
             <a:extLst>
               <a:ext uri="{FF2B5EF4-FFF2-40B4-BE49-F238E27FC236}">
-                <a16:creationId xmlns:a16="http://schemas.microsoft.com/office/drawing/2014/main" xmlns="" id="{E725A64C-C931-4DB5-AE3F-0161AE436200}"/>
+                <a16:creationId xmlns:a16="http://schemas.microsoft.com/office/drawing/2014/main" id="{E725A64C-C931-4DB5-AE3F-0161AE436200}"/>
               </a:ext>
             </a:extLst>
           </p:cNvPr>
@@ -6485,7 +6481,7 @@
           <p:cNvPr id="69" name="직선 화살표 연결선 68">
             <a:extLst>
               <a:ext uri="{FF2B5EF4-FFF2-40B4-BE49-F238E27FC236}">
-                <a16:creationId xmlns:a16="http://schemas.microsoft.com/office/drawing/2014/main" xmlns="" id="{87EA7032-CEE1-4C41-823C-BFE4B3D7AA3F}"/>
+                <a16:creationId xmlns:a16="http://schemas.microsoft.com/office/drawing/2014/main" id="{87EA7032-CEE1-4C41-823C-BFE4B3D7AA3F}"/>
               </a:ext>
             </a:extLst>
           </p:cNvPr>
@@ -6527,7 +6523,7 @@
           <p:cNvPr id="71" name="직선 화살표 연결선 70">
             <a:extLst>
               <a:ext uri="{FF2B5EF4-FFF2-40B4-BE49-F238E27FC236}">
-                <a16:creationId xmlns:a16="http://schemas.microsoft.com/office/drawing/2014/main" xmlns="" id="{B66CA6AF-FFD7-4835-9998-FC29C622A336}"/>
+                <a16:creationId xmlns:a16="http://schemas.microsoft.com/office/drawing/2014/main" id="{B66CA6AF-FFD7-4835-9998-FC29C622A336}"/>
               </a:ext>
             </a:extLst>
           </p:cNvPr>
@@ -6569,7 +6565,7 @@
           <p:cNvPr id="73" name="직선 화살표 연결선 72">
             <a:extLst>
               <a:ext uri="{FF2B5EF4-FFF2-40B4-BE49-F238E27FC236}">
-                <a16:creationId xmlns:a16="http://schemas.microsoft.com/office/drawing/2014/main" xmlns="" id="{E9006923-7BB8-4F9C-B668-2E7A5D368EB7}"/>
+                <a16:creationId xmlns:a16="http://schemas.microsoft.com/office/drawing/2014/main" id="{E9006923-7BB8-4F9C-B668-2E7A5D368EB7}"/>
               </a:ext>
             </a:extLst>
           </p:cNvPr>
@@ -6582,7 +6578,7 @@
         <p:spPr>
           <a:xfrm>
             <a:off x="7324164" y="3586912"/>
-            <a:ext cx="0" cy="312045"/>
+            <a:ext cx="0" cy="663471"/>
           </a:xfrm>
           <a:prstGeom prst="straightConnector1">
             <a:avLst/>
@@ -6611,7 +6607,7 @@
           <p:cNvPr id="75" name="연결선: 꺾임 74">
             <a:extLst>
               <a:ext uri="{FF2B5EF4-FFF2-40B4-BE49-F238E27FC236}">
-                <a16:creationId xmlns:a16="http://schemas.microsoft.com/office/drawing/2014/main" xmlns="" id="{1B06AD8B-04D7-405D-877C-55A49B42A4A4}"/>
+                <a16:creationId xmlns:a16="http://schemas.microsoft.com/office/drawing/2014/main" id="{1B06AD8B-04D7-405D-877C-55A49B42A4A4}"/>
               </a:ext>
             </a:extLst>
           </p:cNvPr>
@@ -6628,7 +6624,7 @@
           </a:xfrm>
           <a:prstGeom prst="bentConnector4">
             <a:avLst>
-              <a:gd name="adj1" fmla="val -36342"/>
+              <a:gd name="adj1" fmla="val -11055"/>
               <a:gd name="adj2" fmla="val 102425"/>
             </a:avLst>
           </a:prstGeom>
@@ -6656,7 +6652,7 @@
           <p:cNvPr id="78" name="연결선: 꺾임 77">
             <a:extLst>
               <a:ext uri="{FF2B5EF4-FFF2-40B4-BE49-F238E27FC236}">
-                <a16:creationId xmlns:a16="http://schemas.microsoft.com/office/drawing/2014/main" xmlns="" id="{4B817C6E-EBA2-4FF1-AF88-FD5ACD6904CB}"/>
+                <a16:creationId xmlns:a16="http://schemas.microsoft.com/office/drawing/2014/main" id="{4B817C6E-EBA2-4FF1-AF88-FD5ACD6904CB}"/>
               </a:ext>
             </a:extLst>
           </p:cNvPr>
@@ -6701,7 +6697,7 @@
           <p:cNvPr id="38" name="순서도: 판단 37">
             <a:extLst>
               <a:ext uri="{FF2B5EF4-FFF2-40B4-BE49-F238E27FC236}">
-                <a16:creationId xmlns:a16="http://schemas.microsoft.com/office/drawing/2014/main" xmlns="" id="{B6B05B20-E958-4D01-9C1E-F39E75757B4D}"/>
+                <a16:creationId xmlns:a16="http://schemas.microsoft.com/office/drawing/2014/main" id="{B6B05B20-E958-4D01-9C1E-F39E75757B4D}"/>
               </a:ext>
             </a:extLst>
           </p:cNvPr>
@@ -6710,7 +6706,7 @@
         </p:nvSpPr>
         <p:spPr>
           <a:xfrm>
-            <a:off x="6211553" y="4775433"/>
+            <a:off x="6211553" y="5017752"/>
             <a:ext cx="2225222" cy="849023"/>
           </a:xfrm>
           <a:prstGeom prst="flowChartDecision">
@@ -6738,30 +6734,30 @@
           <a:lstStyle/>
           <a:p>
             <a:pPr algn="ctr"/>
-            <a:endParaRPr lang="en-US" altLang="ko-KR" sz="1100" dirty="0" smtClean="0"/>
+            <a:endParaRPr lang="en-US" altLang="ko-KR" sz="1100" dirty="0"/>
           </a:p>
           <a:p>
             <a:pPr algn="ctr"/>
             <a:r>
-              <a:rPr lang="en-US" altLang="ko-KR" sz="1100" dirty="0" err="1" smtClean="0"/>
+              <a:rPr lang="en-US" altLang="ko-KR" sz="1100" dirty="0" err="1"/>
               <a:t>RightOn</a:t>
             </a:r>
             <a:r>
-              <a:rPr lang="en-US" altLang="ko-KR" sz="1100" dirty="0" smtClean="0"/>
+              <a:rPr lang="en-US" altLang="ko-KR" sz="1100" dirty="0"/>
               <a:t> ==1</a:t>
             </a:r>
           </a:p>
           <a:p>
             <a:pPr algn="ctr"/>
             <a:r>
-              <a:rPr lang="en-US" altLang="ko-KR" sz="1100" dirty="0" smtClean="0"/>
+              <a:rPr lang="en-US" altLang="ko-KR" sz="1100" dirty="0"/>
               <a:t>And</a:t>
             </a:r>
           </a:p>
           <a:p>
             <a:pPr algn="ctr"/>
             <a:r>
-              <a:rPr lang="en-US" altLang="ko-KR" sz="1100" dirty="0" smtClean="0"/>
+              <a:rPr lang="en-US" altLang="ko-KR" sz="1100" dirty="0"/>
               <a:t>Move ==1</a:t>
             </a:r>
           </a:p>
@@ -6776,7 +6772,7 @@
           <p:cNvPr id="41" name="직선 화살표 연결선 40">
             <a:extLst>
               <a:ext uri="{FF2B5EF4-FFF2-40B4-BE49-F238E27FC236}">
-                <a16:creationId xmlns:a16="http://schemas.microsoft.com/office/drawing/2014/main" xmlns="" id="{E9006923-7BB8-4F9C-B668-2E7A5D368EB7}"/>
+                <a16:creationId xmlns:a16="http://schemas.microsoft.com/office/drawing/2014/main" id="{E9006923-7BB8-4F9C-B668-2E7A5D368EB7}"/>
               </a:ext>
             </a:extLst>
           </p:cNvPr>
@@ -6785,7 +6781,7 @@
         </p:nvCxnSpPr>
         <p:spPr>
           <a:xfrm flipH="1">
-            <a:off x="7324164" y="4204307"/>
+            <a:off x="7324163" y="4458173"/>
             <a:ext cx="1" cy="550940"/>
           </a:xfrm>
           <a:prstGeom prst="straightConnector1">
@@ -6815,7 +6811,7 @@
           <p:cNvPr id="42" name="순서도: 처리 41">
             <a:extLst>
               <a:ext uri="{FF2B5EF4-FFF2-40B4-BE49-F238E27FC236}">
-                <a16:creationId xmlns:a16="http://schemas.microsoft.com/office/drawing/2014/main" xmlns="" id="{F299989F-B0E4-4A99-916F-8B1C535D05E0}"/>
+                <a16:creationId xmlns:a16="http://schemas.microsoft.com/office/drawing/2014/main" id="{F299989F-B0E4-4A99-916F-8B1C535D05E0}"/>
               </a:ext>
             </a:extLst>
           </p:cNvPr>
@@ -6824,7 +6820,7 @@
         </p:nvSpPr>
         <p:spPr>
           <a:xfrm>
-            <a:off x="6781195" y="5940034"/>
+            <a:off x="6781195" y="6182353"/>
             <a:ext cx="1085938" cy="494447"/>
           </a:xfrm>
           <a:prstGeom prst="flowChartProcess">
@@ -6853,7 +6849,7 @@
           <a:p>
             <a:pPr algn="ctr"/>
             <a:r>
-              <a:rPr lang="en-US" altLang="ko-KR" sz="1100" dirty="0" err="1" smtClean="0"/>
+              <a:rPr lang="en-US" altLang="ko-KR" sz="1100" dirty="0" err="1"/>
               <a:t>AnimationRightCall</a:t>
             </a:r>
             <a:endParaRPr lang="ko-KR" altLang="en-US" sz="1100" dirty="0"/>
@@ -6865,7 +6861,7 @@
           <p:cNvPr id="43" name="직선 화살표 연결선 42">
             <a:extLst>
               <a:ext uri="{FF2B5EF4-FFF2-40B4-BE49-F238E27FC236}">
-                <a16:creationId xmlns:a16="http://schemas.microsoft.com/office/drawing/2014/main" xmlns="" id="{509C78DC-1C9F-4CD1-A05E-2B6FF1514966}"/>
+                <a16:creationId xmlns:a16="http://schemas.microsoft.com/office/drawing/2014/main" id="{509C78DC-1C9F-4CD1-A05E-2B6FF1514966}"/>
               </a:ext>
             </a:extLst>
           </p:cNvPr>
@@ -6877,7 +6873,7 @@
         </p:nvCxnSpPr>
         <p:spPr>
           <a:xfrm>
-            <a:off x="7324164" y="5605658"/>
+            <a:off x="7324164" y="5847977"/>
             <a:ext cx="0" cy="334376"/>
           </a:xfrm>
           <a:prstGeom prst="straightConnector1">
@@ -6907,7 +6903,7 @@
           <p:cNvPr id="45" name="순서도: 판단 44">
             <a:extLst>
               <a:ext uri="{FF2B5EF4-FFF2-40B4-BE49-F238E27FC236}">
-                <a16:creationId xmlns:a16="http://schemas.microsoft.com/office/drawing/2014/main" xmlns="" id="{B6B05B20-E958-4D01-9C1E-F39E75757B4D}"/>
+                <a16:creationId xmlns:a16="http://schemas.microsoft.com/office/drawing/2014/main" id="{B6B05B20-E958-4D01-9C1E-F39E75757B4D}"/>
               </a:ext>
             </a:extLst>
           </p:cNvPr>
@@ -6916,7 +6912,7 @@
         </p:nvSpPr>
         <p:spPr>
           <a:xfrm>
-            <a:off x="3792920" y="4775433"/>
+            <a:off x="3792920" y="5017752"/>
             <a:ext cx="2225222" cy="849023"/>
           </a:xfrm>
           <a:prstGeom prst="flowChartDecision">
@@ -6949,25 +6945,25 @@
           <a:p>
             <a:pPr algn="ctr"/>
             <a:r>
-              <a:rPr lang="en-US" altLang="ko-KR" sz="1100" dirty="0" err="1" smtClean="0"/>
+              <a:rPr lang="en-US" altLang="ko-KR" sz="1100" dirty="0" err="1"/>
               <a:t>LeftOn</a:t>
             </a:r>
             <a:r>
-              <a:rPr lang="en-US" altLang="ko-KR" sz="1100" dirty="0" smtClean="0"/>
+              <a:rPr lang="en-US" altLang="ko-KR" sz="1100" dirty="0"/>
               <a:t> ==1</a:t>
             </a:r>
           </a:p>
           <a:p>
             <a:pPr algn="ctr"/>
             <a:r>
-              <a:rPr lang="en-US" altLang="ko-KR" sz="1100" dirty="0" smtClean="0"/>
+              <a:rPr lang="en-US" altLang="ko-KR" sz="1100" dirty="0"/>
               <a:t>And</a:t>
             </a:r>
           </a:p>
           <a:p>
             <a:pPr algn="ctr"/>
             <a:r>
-              <a:rPr lang="en-US" altLang="ko-KR" sz="1100" dirty="0" smtClean="0"/>
+              <a:rPr lang="en-US" altLang="ko-KR" sz="1100" dirty="0"/>
               <a:t>Move ==1</a:t>
             </a:r>
           </a:p>
@@ -6982,7 +6978,7 @@
           <p:cNvPr id="47" name="순서도: 처리 46">
             <a:extLst>
               <a:ext uri="{FF2B5EF4-FFF2-40B4-BE49-F238E27FC236}">
-                <a16:creationId xmlns:a16="http://schemas.microsoft.com/office/drawing/2014/main" xmlns="" id="{F299989F-B0E4-4A99-916F-8B1C535D05E0}"/>
+                <a16:creationId xmlns:a16="http://schemas.microsoft.com/office/drawing/2014/main" id="{F299989F-B0E4-4A99-916F-8B1C535D05E0}"/>
               </a:ext>
             </a:extLst>
           </p:cNvPr>
@@ -6991,7 +6987,7 @@
         </p:nvSpPr>
         <p:spPr>
           <a:xfrm>
-            <a:off x="4362562" y="5940034"/>
+            <a:off x="4362562" y="6182353"/>
             <a:ext cx="1085938" cy="494447"/>
           </a:xfrm>
           <a:prstGeom prst="flowChartProcess">
@@ -7020,7 +7016,7 @@
           <a:p>
             <a:pPr algn="ctr"/>
             <a:r>
-              <a:rPr lang="en-US" altLang="ko-KR" sz="1100" dirty="0" err="1" smtClean="0"/>
+              <a:rPr lang="en-US" altLang="ko-KR" sz="1100" dirty="0" err="1"/>
               <a:t>AnimationLeftCall</a:t>
             </a:r>
             <a:endParaRPr lang="ko-KR" altLang="en-US" sz="1100" dirty="0"/>
@@ -7032,7 +7028,7 @@
           <p:cNvPr id="49" name="직선 화살표 연결선 48">
             <a:extLst>
               <a:ext uri="{FF2B5EF4-FFF2-40B4-BE49-F238E27FC236}">
-                <a16:creationId xmlns:a16="http://schemas.microsoft.com/office/drawing/2014/main" xmlns="" id="{509C78DC-1C9F-4CD1-A05E-2B6FF1514966}"/>
+                <a16:creationId xmlns:a16="http://schemas.microsoft.com/office/drawing/2014/main" id="{509C78DC-1C9F-4CD1-A05E-2B6FF1514966}"/>
               </a:ext>
             </a:extLst>
           </p:cNvPr>
@@ -7044,7 +7040,7 @@
         </p:nvCxnSpPr>
         <p:spPr>
           <a:xfrm>
-            <a:off x="4905531" y="5605658"/>
+            <a:off x="4905531" y="5847977"/>
             <a:ext cx="0" cy="334376"/>
           </a:xfrm>
           <a:prstGeom prst="straightConnector1">
@@ -7074,7 +7070,7 @@
           <p:cNvPr id="51" name="순서도: 판단 50">
             <a:extLst>
               <a:ext uri="{FF2B5EF4-FFF2-40B4-BE49-F238E27FC236}">
-                <a16:creationId xmlns:a16="http://schemas.microsoft.com/office/drawing/2014/main" xmlns="" id="{B6B05B20-E958-4D01-9C1E-F39E75757B4D}"/>
+                <a16:creationId xmlns:a16="http://schemas.microsoft.com/office/drawing/2014/main" id="{B6B05B20-E958-4D01-9C1E-F39E75757B4D}"/>
               </a:ext>
             </a:extLst>
           </p:cNvPr>
@@ -7083,7 +7079,7 @@
         </p:nvSpPr>
         <p:spPr>
           <a:xfrm>
-            <a:off x="8646633" y="4775433"/>
+            <a:off x="8646633" y="5017752"/>
             <a:ext cx="2225222" cy="849023"/>
           </a:xfrm>
           <a:prstGeom prst="flowChartDecision">
@@ -7111,19 +7107,18 @@
           <a:lstStyle/>
           <a:p>
             <a:pPr algn="ctr"/>
-            <a:endParaRPr lang="en-US" altLang="ko-KR" sz="1100" dirty="0" smtClean="0"/>
+            <a:endParaRPr lang="en-US" altLang="ko-KR" sz="1100" dirty="0"/>
           </a:p>
           <a:p>
             <a:pPr algn="ctr"/>
             <a:r>
-              <a:rPr lang="en-US" altLang="ko-KR" sz="1100" dirty="0" err="1" smtClean="0"/>
+              <a:rPr lang="en-US" altLang="ko-KR" sz="1100" dirty="0" err="1"/>
               <a:t>Overlaycount</a:t>
             </a:r>
             <a:r>
-              <a:rPr lang="en-US" altLang="ko-KR" sz="1100" dirty="0" smtClean="0"/>
+              <a:rPr lang="en-US" altLang="ko-KR" sz="1100" dirty="0"/>
               <a:t> == 20</a:t>
             </a:r>
-            <a:endParaRPr lang="en-US" altLang="ko-KR" sz="1100" dirty="0" smtClean="0"/>
           </a:p>
           <a:p>
             <a:pPr algn="ctr"/>
@@ -7136,7 +7131,7 @@
           <p:cNvPr id="52" name="순서도: 처리 51">
             <a:extLst>
               <a:ext uri="{FF2B5EF4-FFF2-40B4-BE49-F238E27FC236}">
-                <a16:creationId xmlns:a16="http://schemas.microsoft.com/office/drawing/2014/main" xmlns="" id="{F299989F-B0E4-4A99-916F-8B1C535D05E0}"/>
+                <a16:creationId xmlns:a16="http://schemas.microsoft.com/office/drawing/2014/main" id="{F299989F-B0E4-4A99-916F-8B1C535D05E0}"/>
               </a:ext>
             </a:extLst>
           </p:cNvPr>
@@ -7145,7 +7140,7 @@
         </p:nvSpPr>
         <p:spPr>
           <a:xfrm>
-            <a:off x="9216275" y="5940034"/>
+            <a:off x="9216275" y="6182353"/>
             <a:ext cx="1085938" cy="494447"/>
           </a:xfrm>
           <a:prstGeom prst="flowChartProcess">
@@ -7174,7 +7169,7 @@
           <a:p>
             <a:pPr algn="ctr"/>
             <a:r>
-              <a:rPr lang="en-US" altLang="ko-KR" sz="1100" dirty="0" smtClean="0"/>
+              <a:rPr lang="en-US" altLang="ko-KR" sz="1100" dirty="0"/>
               <a:t>overlay</a:t>
             </a:r>
             <a:endParaRPr lang="ko-KR" altLang="en-US" sz="1100" dirty="0"/>
@@ -7186,7 +7181,7 @@
           <p:cNvPr id="54" name="직선 화살표 연결선 53">
             <a:extLst>
               <a:ext uri="{FF2B5EF4-FFF2-40B4-BE49-F238E27FC236}">
-                <a16:creationId xmlns:a16="http://schemas.microsoft.com/office/drawing/2014/main" xmlns="" id="{509C78DC-1C9F-4CD1-A05E-2B6FF1514966}"/>
+                <a16:creationId xmlns:a16="http://schemas.microsoft.com/office/drawing/2014/main" id="{509C78DC-1C9F-4CD1-A05E-2B6FF1514966}"/>
               </a:ext>
             </a:extLst>
           </p:cNvPr>
@@ -7198,7 +7193,7 @@
         </p:nvCxnSpPr>
         <p:spPr>
           <a:xfrm>
-            <a:off x="9759244" y="5605658"/>
+            <a:off x="9759244" y="5847977"/>
             <a:ext cx="0" cy="334376"/>
           </a:xfrm>
           <a:prstGeom prst="straightConnector1">
@@ -7233,7 +7228,7 @@
         </p:nvCxnSpPr>
         <p:spPr>
           <a:xfrm flipH="1">
-            <a:off x="4905531" y="4212631"/>
+            <a:off x="4905531" y="4564057"/>
             <a:ext cx="2418633" cy="542616"/>
           </a:xfrm>
           <a:prstGeom prst="straightConnector1">
@@ -7262,14 +7257,16 @@
         <p:nvCxnSpPr>
           <p:cNvPr id="14" name="직선 화살표 연결선 13"/>
           <p:cNvCxnSpPr>
+            <a:cxnSpLocks/>
             <a:stCxn id="37" idx="2"/>
+            <a:endCxn id="51" idx="0"/>
           </p:cNvCxnSpPr>
           <p:nvPr/>
         </p:nvCxnSpPr>
         <p:spPr>
           <a:xfrm>
-            <a:off x="7324164" y="4212631"/>
-            <a:ext cx="2338820" cy="542616"/>
+            <a:off x="7324164" y="4564057"/>
+            <a:ext cx="2435080" cy="453695"/>
           </a:xfrm>
           <a:prstGeom prst="straightConnector1">
             <a:avLst/>
@@ -7293,6 +7290,315 @@
           </a:fontRef>
         </p:style>
       </p:cxnSp>
+      <p:sp>
+        <p:nvSpPr>
+          <p:cNvPr id="4" name="직사각형 3">
+            <a:extLst>
+              <a:ext uri="{FF2B5EF4-FFF2-40B4-BE49-F238E27FC236}">
+                <a16:creationId xmlns:a16="http://schemas.microsoft.com/office/drawing/2014/main" id="{3F8A52F0-DCB9-45A1-86FA-9D8D284FC43F}"/>
+              </a:ext>
+            </a:extLst>
+          </p:cNvPr>
+          <p:cNvSpPr/>
+          <p:nvPr/>
+        </p:nvSpPr>
+        <p:spPr>
+          <a:xfrm>
+            <a:off x="133350" y="257176"/>
+            <a:ext cx="9182100" cy="1876814"/>
+          </a:xfrm>
+          <a:prstGeom prst="rect">
+            <a:avLst/>
+          </a:prstGeom>
+          <a:noFill/>
+          <a:ln w="28575">
+            <a:solidFill>
+              <a:schemeClr val="tx1"/>
+            </a:solidFill>
+            <a:prstDash val="sysDot"/>
+          </a:ln>
+        </p:spPr>
+        <p:style>
+          <a:lnRef idx="2">
+            <a:schemeClr val="accent1">
+              <a:shade val="50000"/>
+            </a:schemeClr>
+          </a:lnRef>
+          <a:fillRef idx="1">
+            <a:schemeClr val="accent1"/>
+          </a:fillRef>
+          <a:effectRef idx="0">
+            <a:schemeClr val="accent1"/>
+          </a:effectRef>
+          <a:fontRef idx="minor">
+            <a:schemeClr val="lt1"/>
+          </a:fontRef>
+        </p:style>
+        <p:txBody>
+          <a:bodyPr rtlCol="0" anchor="ctr"/>
+          <a:lstStyle/>
+          <a:p>
+            <a:pPr algn="ctr"/>
+            <a:endParaRPr lang="ko-KR" altLang="en-US"/>
+          </a:p>
+        </p:txBody>
+      </p:sp>
+      <p:sp>
+        <p:nvSpPr>
+          <p:cNvPr id="55" name="직사각형 54">
+            <a:extLst>
+              <a:ext uri="{FF2B5EF4-FFF2-40B4-BE49-F238E27FC236}">
+                <a16:creationId xmlns:a16="http://schemas.microsoft.com/office/drawing/2014/main" id="{76BE2A3F-7400-43BC-9F2C-32816782D8F5}"/>
+              </a:ext>
+            </a:extLst>
+          </p:cNvPr>
+          <p:cNvSpPr/>
+          <p:nvPr/>
+        </p:nvSpPr>
+        <p:spPr>
+          <a:xfrm>
+            <a:off x="1866900" y="2170578"/>
+            <a:ext cx="9559985" cy="1751602"/>
+          </a:xfrm>
+          <a:prstGeom prst="rect">
+            <a:avLst/>
+          </a:prstGeom>
+          <a:noFill/>
+          <a:ln w="19050">
+            <a:solidFill>
+              <a:schemeClr val="tx1"/>
+            </a:solidFill>
+            <a:prstDash val="sysDash"/>
+          </a:ln>
+        </p:spPr>
+        <p:style>
+          <a:lnRef idx="2">
+            <a:schemeClr val="accent1">
+              <a:shade val="50000"/>
+            </a:schemeClr>
+          </a:lnRef>
+          <a:fillRef idx="1">
+            <a:schemeClr val="accent1"/>
+          </a:fillRef>
+          <a:effectRef idx="0">
+            <a:schemeClr val="accent1"/>
+          </a:effectRef>
+          <a:fontRef idx="minor">
+            <a:schemeClr val="lt1"/>
+          </a:fontRef>
+        </p:style>
+        <p:txBody>
+          <a:bodyPr rtlCol="0" anchor="ctr"/>
+          <a:lstStyle/>
+          <a:p>
+            <a:pPr algn="ctr"/>
+            <a:endParaRPr lang="ko-KR" altLang="en-US"/>
+          </a:p>
+        </p:txBody>
+      </p:sp>
+      <p:sp>
+        <p:nvSpPr>
+          <p:cNvPr id="56" name="직사각형 55">
+            <a:extLst>
+              <a:ext uri="{FF2B5EF4-FFF2-40B4-BE49-F238E27FC236}">
+                <a16:creationId xmlns:a16="http://schemas.microsoft.com/office/drawing/2014/main" id="{5266FFB1-392D-4D9D-A620-B89B45423D9B}"/>
+              </a:ext>
+            </a:extLst>
+          </p:cNvPr>
+          <p:cNvSpPr/>
+          <p:nvPr/>
+        </p:nvSpPr>
+        <p:spPr>
+          <a:xfrm>
+            <a:off x="3638554" y="4161881"/>
+            <a:ext cx="7620557" cy="1905544"/>
+          </a:xfrm>
+          <a:prstGeom prst="rect">
+            <a:avLst/>
+          </a:prstGeom>
+          <a:noFill/>
+          <a:ln w="19050">
+            <a:solidFill>
+              <a:schemeClr val="tx1"/>
+            </a:solidFill>
+            <a:prstDash val="sysDash"/>
+          </a:ln>
+        </p:spPr>
+        <p:style>
+          <a:lnRef idx="2">
+            <a:schemeClr val="accent1">
+              <a:shade val="50000"/>
+            </a:schemeClr>
+          </a:lnRef>
+          <a:fillRef idx="1">
+            <a:schemeClr val="accent1"/>
+          </a:fillRef>
+          <a:effectRef idx="0">
+            <a:schemeClr val="accent1"/>
+          </a:effectRef>
+          <a:fontRef idx="minor">
+            <a:schemeClr val="lt1"/>
+          </a:fontRef>
+        </p:style>
+        <p:txBody>
+          <a:bodyPr rtlCol="0" anchor="ctr"/>
+          <a:lstStyle/>
+          <a:p>
+            <a:pPr algn="ctr"/>
+            <a:endParaRPr lang="ko-KR" altLang="en-US"/>
+          </a:p>
+        </p:txBody>
+      </p:sp>
+      <p:sp>
+        <p:nvSpPr>
+          <p:cNvPr id="2" name="직사각형 1">
+            <a:extLst>
+              <a:ext uri="{FF2B5EF4-FFF2-40B4-BE49-F238E27FC236}">
+                <a16:creationId xmlns:a16="http://schemas.microsoft.com/office/drawing/2014/main" id="{CF9D609E-F948-4DB4-858D-E94BFC5C5C5E}"/>
+              </a:ext>
+            </a:extLst>
+          </p:cNvPr>
+          <p:cNvSpPr/>
+          <p:nvPr/>
+        </p:nvSpPr>
+        <p:spPr>
+          <a:xfrm>
+            <a:off x="3936274" y="139337"/>
+            <a:ext cx="1071155" cy="268644"/>
+          </a:xfrm>
+          <a:prstGeom prst="rect">
+            <a:avLst/>
+          </a:prstGeom>
+        </p:spPr>
+        <p:style>
+          <a:lnRef idx="2">
+            <a:schemeClr val="accent1">
+              <a:shade val="50000"/>
+            </a:schemeClr>
+          </a:lnRef>
+          <a:fillRef idx="1">
+            <a:schemeClr val="accent1"/>
+          </a:fillRef>
+          <a:effectRef idx="0">
+            <a:schemeClr val="accent1"/>
+          </a:effectRef>
+          <a:fontRef idx="minor">
+            <a:schemeClr val="lt1"/>
+          </a:fontRef>
+        </p:style>
+        <p:txBody>
+          <a:bodyPr rtlCol="0" anchor="ctr"/>
+          <a:lstStyle/>
+          <a:p>
+            <a:pPr algn="ctr"/>
+            <a:r>
+              <a:rPr lang="en-US" altLang="ko-KR" dirty="0"/>
+              <a:t>Start</a:t>
+            </a:r>
+            <a:endParaRPr lang="ko-KR" altLang="en-US" dirty="0"/>
+          </a:p>
+        </p:txBody>
+      </p:sp>
+      <p:sp>
+        <p:nvSpPr>
+          <p:cNvPr id="6" name="직사각형 5">
+            <a:extLst>
+              <a:ext uri="{FF2B5EF4-FFF2-40B4-BE49-F238E27FC236}">
+                <a16:creationId xmlns:a16="http://schemas.microsoft.com/office/drawing/2014/main" id="{98A58359-5747-4E40-A971-A319D0639B1D}"/>
+              </a:ext>
+            </a:extLst>
+          </p:cNvPr>
+          <p:cNvSpPr/>
+          <p:nvPr/>
+        </p:nvSpPr>
+        <p:spPr>
+          <a:xfrm>
+            <a:off x="10302213" y="2046514"/>
+            <a:ext cx="1001144" cy="383177"/>
+          </a:xfrm>
+          <a:prstGeom prst="rect">
+            <a:avLst/>
+          </a:prstGeom>
+        </p:spPr>
+        <p:style>
+          <a:lnRef idx="2">
+            <a:schemeClr val="accent1">
+              <a:shade val="50000"/>
+            </a:schemeClr>
+          </a:lnRef>
+          <a:fillRef idx="1">
+            <a:schemeClr val="accent1"/>
+          </a:fillRef>
+          <a:effectRef idx="0">
+            <a:schemeClr val="accent1"/>
+          </a:effectRef>
+          <a:fontRef idx="minor">
+            <a:schemeClr val="lt1"/>
+          </a:fontRef>
+        </p:style>
+        <p:txBody>
+          <a:bodyPr rtlCol="0" anchor="ctr"/>
+          <a:lstStyle/>
+          <a:p>
+            <a:pPr algn="ctr"/>
+            <a:r>
+              <a:rPr lang="en-US" altLang="ko-KR" dirty="0"/>
+              <a:t>Sub</a:t>
+            </a:r>
+            <a:endParaRPr lang="ko-KR" altLang="en-US" dirty="0"/>
+          </a:p>
+        </p:txBody>
+      </p:sp>
+      <p:sp>
+        <p:nvSpPr>
+          <p:cNvPr id="7" name="직사각형 6">
+            <a:extLst>
+              <a:ext uri="{FF2B5EF4-FFF2-40B4-BE49-F238E27FC236}">
+                <a16:creationId xmlns:a16="http://schemas.microsoft.com/office/drawing/2014/main" id="{514DBDC9-B714-4E0A-85E9-4B4A40B3CE61}"/>
+              </a:ext>
+            </a:extLst>
+          </p:cNvPr>
+          <p:cNvSpPr/>
+          <p:nvPr/>
+        </p:nvSpPr>
+        <p:spPr>
+          <a:xfrm>
+            <a:off x="9874797" y="4014651"/>
+            <a:ext cx="1202500" cy="491290"/>
+          </a:xfrm>
+          <a:prstGeom prst="rect">
+            <a:avLst/>
+          </a:prstGeom>
+        </p:spPr>
+        <p:style>
+          <a:lnRef idx="2">
+            <a:schemeClr val="accent1">
+              <a:shade val="50000"/>
+            </a:schemeClr>
+          </a:lnRef>
+          <a:fillRef idx="1">
+            <a:schemeClr val="accent1"/>
+          </a:fillRef>
+          <a:effectRef idx="0">
+            <a:schemeClr val="accent1"/>
+          </a:effectRef>
+          <a:fontRef idx="minor">
+            <a:schemeClr val="lt1"/>
+          </a:fontRef>
+        </p:style>
+        <p:txBody>
+          <a:bodyPr rtlCol="0" anchor="ctr"/>
+          <a:lstStyle/>
+          <a:p>
+            <a:pPr algn="ctr"/>
+            <a:r>
+              <a:rPr lang="en-US" altLang="ko-KR" dirty="0"/>
+              <a:t>List</a:t>
+            </a:r>
+            <a:endParaRPr lang="ko-KR" altLang="en-US" dirty="0"/>
+          </a:p>
+        </p:txBody>
+      </p:sp>
     </p:spTree>
     <p:extLst>
       <p:ext uri="{BB962C8B-B14F-4D97-AF65-F5344CB8AC3E}">
@@ -7328,7 +7634,7 @@
           <p:cNvPr id="2" name="제목 1">
             <a:extLst>
               <a:ext uri="{FF2B5EF4-FFF2-40B4-BE49-F238E27FC236}">
-                <a16:creationId xmlns:a16="http://schemas.microsoft.com/office/drawing/2014/main" xmlns="" id="{960D5968-87FD-4F53-B0A4-8A6B068BF2F0}"/>
+                <a16:creationId xmlns:a16="http://schemas.microsoft.com/office/drawing/2014/main" id="{960D5968-87FD-4F53-B0A4-8A6B068BF2F0}"/>
               </a:ext>
             </a:extLst>
           </p:cNvPr>
@@ -7361,7 +7667,7 @@
           <p:cNvPr id="4" name="내용 개체 틀 3">
             <a:extLst>
               <a:ext uri="{FF2B5EF4-FFF2-40B4-BE49-F238E27FC236}">
-                <a16:creationId xmlns:a16="http://schemas.microsoft.com/office/drawing/2014/main" xmlns="" id="{B6464F43-8EC3-466E-A6F6-AC030B8ABEF8}"/>
+                <a16:creationId xmlns:a16="http://schemas.microsoft.com/office/drawing/2014/main" id="{B6464F43-8EC3-466E-A6F6-AC030B8ABEF8}"/>
               </a:ext>
             </a:extLst>
           </p:cNvPr>
@@ -7393,7 +7699,7 @@
           <p:cNvPr id="6" name="표 5">
             <a:extLst>
               <a:ext uri="{FF2B5EF4-FFF2-40B4-BE49-F238E27FC236}">
-                <a16:creationId xmlns:a16="http://schemas.microsoft.com/office/drawing/2014/main" xmlns="" id="{C7030643-B004-41E5-8B8D-9A70B3312B81}"/>
+                <a16:creationId xmlns:a16="http://schemas.microsoft.com/office/drawing/2014/main" id="{C7030643-B004-41E5-8B8D-9A70B3312B81}"/>
               </a:ext>
             </a:extLst>
           </p:cNvPr>
@@ -7422,7 +7728,7 @@
                 <a:gridCol w="1618678">
                   <a:extLst>
                     <a:ext uri="{9D8B030D-6E8A-4147-A177-3AD203B41FA5}">
-                      <a16:colId xmlns:a16="http://schemas.microsoft.com/office/drawing/2014/main" xmlns="" val="2750948999"/>
+                      <a16:colId xmlns:a16="http://schemas.microsoft.com/office/drawing/2014/main" val="2750948999"/>
                     </a:ext>
                   </a:extLst>
                 </a:gridCol>
@@ -7445,7 +7751,7 @@
                 </a:tc>
                 <a:extLst>
                   <a:ext uri="{0D108BD9-81ED-4DB2-BD59-A6C34878D82A}">
-                    <a16:rowId xmlns:a16="http://schemas.microsoft.com/office/drawing/2014/main" xmlns="" val="3884695047"/>
+                    <a16:rowId xmlns:a16="http://schemas.microsoft.com/office/drawing/2014/main" val="3884695047"/>
                   </a:ext>
                 </a:extLst>
               </a:tr>
@@ -7467,7 +7773,7 @@
                 </a:tc>
                 <a:extLst>
                   <a:ext uri="{0D108BD9-81ED-4DB2-BD59-A6C34878D82A}">
-                    <a16:rowId xmlns:a16="http://schemas.microsoft.com/office/drawing/2014/main" xmlns="" val="3546185854"/>
+                    <a16:rowId xmlns:a16="http://schemas.microsoft.com/office/drawing/2014/main" val="3546185854"/>
                   </a:ext>
                 </a:extLst>
               </a:tr>
@@ -7489,7 +7795,7 @@
                 </a:tc>
                 <a:extLst>
                   <a:ext uri="{0D108BD9-81ED-4DB2-BD59-A6C34878D82A}">
-                    <a16:rowId xmlns:a16="http://schemas.microsoft.com/office/drawing/2014/main" xmlns="" val="3600756719"/>
+                    <a16:rowId xmlns:a16="http://schemas.microsoft.com/office/drawing/2014/main" val="3600756719"/>
                   </a:ext>
                 </a:extLst>
               </a:tr>
@@ -7511,7 +7817,7 @@
                 </a:tc>
                 <a:extLst>
                   <a:ext uri="{0D108BD9-81ED-4DB2-BD59-A6C34878D82A}">
-                    <a16:rowId xmlns:a16="http://schemas.microsoft.com/office/drawing/2014/main" xmlns="" val="2952049210"/>
+                    <a16:rowId xmlns:a16="http://schemas.microsoft.com/office/drawing/2014/main" val="2952049210"/>
                   </a:ext>
                 </a:extLst>
               </a:tr>
@@ -7533,7 +7839,7 @@
                 </a:tc>
                 <a:extLst>
                   <a:ext uri="{0D108BD9-81ED-4DB2-BD59-A6C34878D82A}">
-                    <a16:rowId xmlns:a16="http://schemas.microsoft.com/office/drawing/2014/main" xmlns="" val="3051025707"/>
+                    <a16:rowId xmlns:a16="http://schemas.microsoft.com/office/drawing/2014/main" val="3051025707"/>
                   </a:ext>
                 </a:extLst>
               </a:tr>
@@ -7555,7 +7861,7 @@
                 </a:tc>
                 <a:extLst>
                   <a:ext uri="{0D108BD9-81ED-4DB2-BD59-A6C34878D82A}">
-                    <a16:rowId xmlns:a16="http://schemas.microsoft.com/office/drawing/2014/main" xmlns="" val="1596961051"/>
+                    <a16:rowId xmlns:a16="http://schemas.microsoft.com/office/drawing/2014/main" val="1596961051"/>
                   </a:ext>
                 </a:extLst>
               </a:tr>
@@ -7577,7 +7883,7 @@
                 </a:tc>
                 <a:extLst>
                   <a:ext uri="{0D108BD9-81ED-4DB2-BD59-A6C34878D82A}">
-                    <a16:rowId xmlns:a16="http://schemas.microsoft.com/office/drawing/2014/main" xmlns="" val="2758856301"/>
+                    <a16:rowId xmlns:a16="http://schemas.microsoft.com/office/drawing/2014/main" val="2758856301"/>
                   </a:ext>
                 </a:extLst>
               </a:tr>
@@ -7590,7 +7896,7 @@
           <p:cNvPr id="8" name="TextBox 7">
             <a:extLst>
               <a:ext uri="{FF2B5EF4-FFF2-40B4-BE49-F238E27FC236}">
-                <a16:creationId xmlns:a16="http://schemas.microsoft.com/office/drawing/2014/main" xmlns="" id="{EE8D7CF4-3C56-4BE3-91E7-9505C5FEE772}"/>
+                <a16:creationId xmlns:a16="http://schemas.microsoft.com/office/drawing/2014/main" id="{EE8D7CF4-3C56-4BE3-91E7-9505C5FEE772}"/>
               </a:ext>
             </a:extLst>
           </p:cNvPr>
@@ -7773,7 +8079,7 @@
           <p:cNvPr id="3" name="타원 2">
             <a:extLst>
               <a:ext uri="{FF2B5EF4-FFF2-40B4-BE49-F238E27FC236}">
-                <a16:creationId xmlns:a16="http://schemas.microsoft.com/office/drawing/2014/main" xmlns="" id="{FAC84D3E-C281-4020-9AA7-C03071690BA3}"/>
+                <a16:creationId xmlns:a16="http://schemas.microsoft.com/office/drawing/2014/main" id="{FAC84D3E-C281-4020-9AA7-C03071690BA3}"/>
               </a:ext>
             </a:extLst>
           </p:cNvPr>
@@ -7819,7 +8125,7 @@
           <p:cNvPr id="7" name="타원 6">
             <a:extLst>
               <a:ext uri="{FF2B5EF4-FFF2-40B4-BE49-F238E27FC236}">
-                <a16:creationId xmlns:a16="http://schemas.microsoft.com/office/drawing/2014/main" xmlns="" id="{E90DCBBE-FBF7-4C08-B7AF-22F699A3B5B6}"/>
+                <a16:creationId xmlns:a16="http://schemas.microsoft.com/office/drawing/2014/main" id="{E90DCBBE-FBF7-4C08-B7AF-22F699A3B5B6}"/>
               </a:ext>
             </a:extLst>
           </p:cNvPr>
@@ -7895,7 +8201,7 @@
           <p:cNvPr id="2" name="제목 1">
             <a:extLst>
               <a:ext uri="{FF2B5EF4-FFF2-40B4-BE49-F238E27FC236}">
-                <a16:creationId xmlns:a16="http://schemas.microsoft.com/office/drawing/2014/main" xmlns="" id="{B0497BC4-A30D-4F53-AAD3-9B51EBF97CAB}"/>
+                <a16:creationId xmlns:a16="http://schemas.microsoft.com/office/drawing/2014/main" id="{B0497BC4-A30D-4F53-AAD3-9B51EBF97CAB}"/>
               </a:ext>
             </a:extLst>
           </p:cNvPr>
@@ -7928,7 +8234,7 @@
           <p:cNvPr id="4" name="내용 개체 틀 3">
             <a:extLst>
               <a:ext uri="{FF2B5EF4-FFF2-40B4-BE49-F238E27FC236}">
-                <a16:creationId xmlns:a16="http://schemas.microsoft.com/office/drawing/2014/main" xmlns="" id="{1FE717B5-C397-4D21-BBF9-00CDBF9C50B6}"/>
+                <a16:creationId xmlns:a16="http://schemas.microsoft.com/office/drawing/2014/main" id="{1FE717B5-C397-4D21-BBF9-00CDBF9C50B6}"/>
               </a:ext>
             </a:extLst>
           </p:cNvPr>
@@ -7960,7 +8266,7 @@
           <p:cNvPr id="5" name="직사각형 4">
             <a:extLst>
               <a:ext uri="{FF2B5EF4-FFF2-40B4-BE49-F238E27FC236}">
-                <a16:creationId xmlns:a16="http://schemas.microsoft.com/office/drawing/2014/main" xmlns="" id="{2A399D5F-01B0-4F20-BEA7-D16EBAB26132}"/>
+                <a16:creationId xmlns:a16="http://schemas.microsoft.com/office/drawing/2014/main" id="{2A399D5F-01B0-4F20-BEA7-D16EBAB26132}"/>
               </a:ext>
             </a:extLst>
           </p:cNvPr>
@@ -8014,7 +8320,7 @@
           <p:cNvPr id="6" name="직사각형 5">
             <a:extLst>
               <a:ext uri="{FF2B5EF4-FFF2-40B4-BE49-F238E27FC236}">
-                <a16:creationId xmlns:a16="http://schemas.microsoft.com/office/drawing/2014/main" xmlns="" id="{4355B051-452D-4CF3-A855-0A9016B26D01}"/>
+                <a16:creationId xmlns:a16="http://schemas.microsoft.com/office/drawing/2014/main" id="{4355B051-452D-4CF3-A855-0A9016B26D01}"/>
               </a:ext>
             </a:extLst>
           </p:cNvPr>
@@ -8063,7 +8369,7 @@
           <p:cNvPr id="7" name="직사각형 6">
             <a:extLst>
               <a:ext uri="{FF2B5EF4-FFF2-40B4-BE49-F238E27FC236}">
-                <a16:creationId xmlns:a16="http://schemas.microsoft.com/office/drawing/2014/main" xmlns="" id="{9A487E40-8904-4F36-ACDC-87A5C8C3C1AA}"/>
+                <a16:creationId xmlns:a16="http://schemas.microsoft.com/office/drawing/2014/main" id="{9A487E40-8904-4F36-ACDC-87A5C8C3C1AA}"/>
               </a:ext>
             </a:extLst>
           </p:cNvPr>
@@ -8112,7 +8418,7 @@
           <p:cNvPr id="8" name="TextBox 7">
             <a:extLst>
               <a:ext uri="{FF2B5EF4-FFF2-40B4-BE49-F238E27FC236}">
-                <a16:creationId xmlns:a16="http://schemas.microsoft.com/office/drawing/2014/main" xmlns="" id="{63E8E266-182F-4435-8EF5-DDB6533D26C4}"/>
+                <a16:creationId xmlns:a16="http://schemas.microsoft.com/office/drawing/2014/main" id="{63E8E266-182F-4435-8EF5-DDB6533D26C4}"/>
               </a:ext>
             </a:extLst>
           </p:cNvPr>
@@ -8181,7 +8487,7 @@
           <p:cNvPr id="10" name="직사각형 9">
             <a:extLst>
               <a:ext uri="{FF2B5EF4-FFF2-40B4-BE49-F238E27FC236}">
-                <a16:creationId xmlns:a16="http://schemas.microsoft.com/office/drawing/2014/main" xmlns="" id="{67167894-2ACE-4D2F-97E4-F2320D033EEE}"/>
+                <a16:creationId xmlns:a16="http://schemas.microsoft.com/office/drawing/2014/main" id="{67167894-2ACE-4D2F-97E4-F2320D033EEE}"/>
               </a:ext>
             </a:extLst>
           </p:cNvPr>
@@ -8230,7 +8536,7 @@
           <p:cNvPr id="11" name="TextBox 10">
             <a:extLst>
               <a:ext uri="{FF2B5EF4-FFF2-40B4-BE49-F238E27FC236}">
-                <a16:creationId xmlns:a16="http://schemas.microsoft.com/office/drawing/2014/main" xmlns="" id="{BD46B30C-E848-423C-AA38-62346A38FD1C}"/>
+                <a16:creationId xmlns:a16="http://schemas.microsoft.com/office/drawing/2014/main" id="{BD46B30C-E848-423C-AA38-62346A38FD1C}"/>
               </a:ext>
             </a:extLst>
           </p:cNvPr>
@@ -8295,7 +8601,7 @@
           <p:cNvPr id="2" name="제목 1">
             <a:extLst>
               <a:ext uri="{FF2B5EF4-FFF2-40B4-BE49-F238E27FC236}">
-                <a16:creationId xmlns:a16="http://schemas.microsoft.com/office/drawing/2014/main" xmlns="" id="{B04E45A7-D351-48AD-880F-200B6627552D}"/>
+                <a16:creationId xmlns:a16="http://schemas.microsoft.com/office/drawing/2014/main" id="{B04E45A7-D351-48AD-880F-200B6627552D}"/>
               </a:ext>
             </a:extLst>
           </p:cNvPr>
@@ -8323,7 +8629,7 @@
           <p:cNvPr id="4" name="내용 개체 틀 3">
             <a:extLst>
               <a:ext uri="{FF2B5EF4-FFF2-40B4-BE49-F238E27FC236}">
-                <a16:creationId xmlns:a16="http://schemas.microsoft.com/office/drawing/2014/main" xmlns="" id="{3912487D-4762-4AD2-9264-BB76B79BD7F4}"/>
+                <a16:creationId xmlns:a16="http://schemas.microsoft.com/office/drawing/2014/main" id="{3912487D-4762-4AD2-9264-BB76B79BD7F4}"/>
               </a:ext>
             </a:extLst>
           </p:cNvPr>
@@ -8355,7 +8661,7 @@
           <p:cNvPr id="5" name="그림 4">
             <a:extLst>
               <a:ext uri="{FF2B5EF4-FFF2-40B4-BE49-F238E27FC236}">
-                <a16:creationId xmlns:a16="http://schemas.microsoft.com/office/drawing/2014/main" xmlns="" id="{23E5B027-2DAC-4E0C-BD5D-393D71219AD9}"/>
+                <a16:creationId xmlns:a16="http://schemas.microsoft.com/office/drawing/2014/main" id="{23E5B027-2DAC-4E0C-BD5D-393D71219AD9}"/>
               </a:ext>
             </a:extLst>
           </p:cNvPr>
@@ -8385,7 +8691,7 @@
           <p:cNvPr id="6" name="직사각형 5">
             <a:extLst>
               <a:ext uri="{FF2B5EF4-FFF2-40B4-BE49-F238E27FC236}">
-                <a16:creationId xmlns:a16="http://schemas.microsoft.com/office/drawing/2014/main" xmlns="" id="{E233E353-9391-46C0-A53C-004D829D9F65}"/>
+                <a16:creationId xmlns:a16="http://schemas.microsoft.com/office/drawing/2014/main" id="{E233E353-9391-46C0-A53C-004D829D9F65}"/>
               </a:ext>
             </a:extLst>
           </p:cNvPr>
@@ -8434,7 +8740,7 @@
           <p:cNvPr id="7" name="직사각형 6">
             <a:extLst>
               <a:ext uri="{FF2B5EF4-FFF2-40B4-BE49-F238E27FC236}">
-                <a16:creationId xmlns:a16="http://schemas.microsoft.com/office/drawing/2014/main" xmlns="" id="{CC0DEA45-42E9-4178-ACF7-8FF3A960C2AC}"/>
+                <a16:creationId xmlns:a16="http://schemas.microsoft.com/office/drawing/2014/main" id="{CC0DEA45-42E9-4178-ACF7-8FF3A960C2AC}"/>
               </a:ext>
             </a:extLst>
           </p:cNvPr>
@@ -8483,7 +8789,7 @@
           <p:cNvPr id="8" name="직사각형 7">
             <a:extLst>
               <a:ext uri="{FF2B5EF4-FFF2-40B4-BE49-F238E27FC236}">
-                <a16:creationId xmlns:a16="http://schemas.microsoft.com/office/drawing/2014/main" xmlns="" id="{0A392887-527F-4A59-AB25-93786BE92509}"/>
+                <a16:creationId xmlns:a16="http://schemas.microsoft.com/office/drawing/2014/main" id="{0A392887-527F-4A59-AB25-93786BE92509}"/>
               </a:ext>
             </a:extLst>
           </p:cNvPr>
@@ -8532,7 +8838,7 @@
           <p:cNvPr id="3" name="TextBox 2">
             <a:extLst>
               <a:ext uri="{FF2B5EF4-FFF2-40B4-BE49-F238E27FC236}">
-                <a16:creationId xmlns:a16="http://schemas.microsoft.com/office/drawing/2014/main" xmlns="" id="{CB9EC69E-7152-4308-B931-320EC17F22E7}"/>
+                <a16:creationId xmlns:a16="http://schemas.microsoft.com/office/drawing/2014/main" id="{CB9EC69E-7152-4308-B931-320EC17F22E7}"/>
               </a:ext>
             </a:extLst>
           </p:cNvPr>
@@ -8642,7 +8948,7 @@
           <p:cNvPr id="2" name="제목 1">
             <a:extLst>
               <a:ext uri="{FF2B5EF4-FFF2-40B4-BE49-F238E27FC236}">
-                <a16:creationId xmlns:a16="http://schemas.microsoft.com/office/drawing/2014/main" xmlns="" id="{EB5F4D01-9872-49D1-81E1-648F5588808B}"/>
+                <a16:creationId xmlns:a16="http://schemas.microsoft.com/office/drawing/2014/main" id="{EB5F4D01-9872-49D1-81E1-648F5588808B}"/>
               </a:ext>
             </a:extLst>
           </p:cNvPr>
@@ -8675,7 +8981,7 @@
           <p:cNvPr id="5" name="내용 개체 틀 3">
             <a:extLst>
               <a:ext uri="{FF2B5EF4-FFF2-40B4-BE49-F238E27FC236}">
-                <a16:creationId xmlns:a16="http://schemas.microsoft.com/office/drawing/2014/main" xmlns="" id="{DD87A239-C3E0-46B6-BDDD-A59B295952BE}"/>
+                <a16:creationId xmlns:a16="http://schemas.microsoft.com/office/drawing/2014/main" id="{DD87A239-C3E0-46B6-BDDD-A59B295952BE}"/>
               </a:ext>
             </a:extLst>
           </p:cNvPr>
@@ -8707,7 +9013,7 @@
           <p:cNvPr id="12" name="직사각형 11">
             <a:extLst>
               <a:ext uri="{FF2B5EF4-FFF2-40B4-BE49-F238E27FC236}">
-                <a16:creationId xmlns:a16="http://schemas.microsoft.com/office/drawing/2014/main" xmlns="" id="{9E739080-653D-4A24-AF53-A669BBA776A5}"/>
+                <a16:creationId xmlns:a16="http://schemas.microsoft.com/office/drawing/2014/main" id="{9E739080-653D-4A24-AF53-A669BBA776A5}"/>
               </a:ext>
             </a:extLst>
           </p:cNvPr>
@@ -8765,7 +9071,7 @@
           <p:cNvPr id="20" name="직사각형 19">
             <a:extLst>
               <a:ext uri="{FF2B5EF4-FFF2-40B4-BE49-F238E27FC236}">
-                <a16:creationId xmlns:a16="http://schemas.microsoft.com/office/drawing/2014/main" xmlns="" id="{501CE7CF-D015-4856-900A-3D70DD072E6F}"/>
+                <a16:creationId xmlns:a16="http://schemas.microsoft.com/office/drawing/2014/main" id="{501CE7CF-D015-4856-900A-3D70DD072E6F}"/>
               </a:ext>
             </a:extLst>
           </p:cNvPr>
@@ -8823,7 +9129,7 @@
           <p:cNvPr id="21" name="직사각형 20">
             <a:extLst>
               <a:ext uri="{FF2B5EF4-FFF2-40B4-BE49-F238E27FC236}">
-                <a16:creationId xmlns:a16="http://schemas.microsoft.com/office/drawing/2014/main" xmlns="" id="{BAF13379-D48A-4989-B5A9-701D4311E2C7}"/>
+                <a16:creationId xmlns:a16="http://schemas.microsoft.com/office/drawing/2014/main" id="{BAF13379-D48A-4989-B5A9-701D4311E2C7}"/>
               </a:ext>
             </a:extLst>
           </p:cNvPr>
@@ -8881,7 +9187,7 @@
           <p:cNvPr id="22" name="직사각형 21">
             <a:extLst>
               <a:ext uri="{FF2B5EF4-FFF2-40B4-BE49-F238E27FC236}">
-                <a16:creationId xmlns:a16="http://schemas.microsoft.com/office/drawing/2014/main" xmlns="" id="{CA3240FE-D196-41C9-8310-0D7D91FDE6B8}"/>
+                <a16:creationId xmlns:a16="http://schemas.microsoft.com/office/drawing/2014/main" id="{CA3240FE-D196-41C9-8310-0D7D91FDE6B8}"/>
               </a:ext>
             </a:extLst>
           </p:cNvPr>
@@ -8939,7 +9245,7 @@
           <p:cNvPr id="23" name="직사각형 22">
             <a:extLst>
               <a:ext uri="{FF2B5EF4-FFF2-40B4-BE49-F238E27FC236}">
-                <a16:creationId xmlns:a16="http://schemas.microsoft.com/office/drawing/2014/main" xmlns="" id="{DAF3C5F9-C0B1-401B-99F6-B4BEBECED633}"/>
+                <a16:creationId xmlns:a16="http://schemas.microsoft.com/office/drawing/2014/main" id="{DAF3C5F9-C0B1-401B-99F6-B4BEBECED633}"/>
               </a:ext>
             </a:extLst>
           </p:cNvPr>
@@ -8997,7 +9303,7 @@
           <p:cNvPr id="24" name="직사각형 23">
             <a:extLst>
               <a:ext uri="{FF2B5EF4-FFF2-40B4-BE49-F238E27FC236}">
-                <a16:creationId xmlns:a16="http://schemas.microsoft.com/office/drawing/2014/main" xmlns="" id="{FB9EAE7C-FFD4-480A-896A-70FDD791E296}"/>
+                <a16:creationId xmlns:a16="http://schemas.microsoft.com/office/drawing/2014/main" id="{FB9EAE7C-FFD4-480A-896A-70FDD791E296}"/>
               </a:ext>
             </a:extLst>
           </p:cNvPr>
@@ -9055,7 +9361,7 @@
           <p:cNvPr id="25" name="TextBox 24">
             <a:extLst>
               <a:ext uri="{FF2B5EF4-FFF2-40B4-BE49-F238E27FC236}">
-                <a16:creationId xmlns:a16="http://schemas.microsoft.com/office/drawing/2014/main" xmlns="" id="{F394ACC3-1090-4441-B7D7-8F107EF46302}"/>
+                <a16:creationId xmlns:a16="http://schemas.microsoft.com/office/drawing/2014/main" id="{F394ACC3-1090-4441-B7D7-8F107EF46302}"/>
               </a:ext>
             </a:extLst>
           </p:cNvPr>
@@ -9205,7 +9511,7 @@
           <p:cNvPr id="26" name="직사각형 25">
             <a:extLst>
               <a:ext uri="{FF2B5EF4-FFF2-40B4-BE49-F238E27FC236}">
-                <a16:creationId xmlns:a16="http://schemas.microsoft.com/office/drawing/2014/main" xmlns="" id="{3F45730B-F2E1-42A3-852A-A9DDF2CCFF9F}"/>
+                <a16:creationId xmlns:a16="http://schemas.microsoft.com/office/drawing/2014/main" id="{3F45730B-F2E1-42A3-852A-A9DDF2CCFF9F}"/>
               </a:ext>
             </a:extLst>
           </p:cNvPr>
@@ -9263,7 +9569,7 @@
           <p:cNvPr id="27" name="직사각형 26">
             <a:extLst>
               <a:ext uri="{FF2B5EF4-FFF2-40B4-BE49-F238E27FC236}">
-                <a16:creationId xmlns:a16="http://schemas.microsoft.com/office/drawing/2014/main" xmlns="" id="{96A454B5-D595-491D-AF2F-9807A51C88B7}"/>
+                <a16:creationId xmlns:a16="http://schemas.microsoft.com/office/drawing/2014/main" id="{96A454B5-D595-491D-AF2F-9807A51C88B7}"/>
               </a:ext>
             </a:extLst>
           </p:cNvPr>
@@ -9321,7 +9627,7 @@
           <p:cNvPr id="28" name="직사각형 27">
             <a:extLst>
               <a:ext uri="{FF2B5EF4-FFF2-40B4-BE49-F238E27FC236}">
-                <a16:creationId xmlns:a16="http://schemas.microsoft.com/office/drawing/2014/main" xmlns="" id="{C0EA6BD9-45DF-4263-BC06-B27AD246AA48}"/>
+                <a16:creationId xmlns:a16="http://schemas.microsoft.com/office/drawing/2014/main" id="{C0EA6BD9-45DF-4263-BC06-B27AD246AA48}"/>
               </a:ext>
             </a:extLst>
           </p:cNvPr>
@@ -9379,7 +9685,7 @@
           <p:cNvPr id="29" name="이등변 삼각형 28">
             <a:extLst>
               <a:ext uri="{FF2B5EF4-FFF2-40B4-BE49-F238E27FC236}">
-                <a16:creationId xmlns:a16="http://schemas.microsoft.com/office/drawing/2014/main" xmlns="" id="{19FDE23D-C599-4963-BAB9-70C361F18577}"/>
+                <a16:creationId xmlns:a16="http://schemas.microsoft.com/office/drawing/2014/main" id="{19FDE23D-C599-4963-BAB9-70C361F18577}"/>
               </a:ext>
             </a:extLst>
           </p:cNvPr>
@@ -9427,7 +9733,7 @@
           <p:cNvPr id="16" name="이등변 삼각형 15">
             <a:extLst>
               <a:ext uri="{FF2B5EF4-FFF2-40B4-BE49-F238E27FC236}">
-                <a16:creationId xmlns:a16="http://schemas.microsoft.com/office/drawing/2014/main" xmlns="" id="{5948595C-0AC5-4573-B59A-97740C99B486}"/>
+                <a16:creationId xmlns:a16="http://schemas.microsoft.com/office/drawing/2014/main" id="{5948595C-0AC5-4573-B59A-97740C99B486}"/>
               </a:ext>
             </a:extLst>
           </p:cNvPr>
@@ -9505,7 +9811,7 @@
           <p:cNvPr id="2" name="제목 1">
             <a:extLst>
               <a:ext uri="{FF2B5EF4-FFF2-40B4-BE49-F238E27FC236}">
-                <a16:creationId xmlns:a16="http://schemas.microsoft.com/office/drawing/2014/main" xmlns="" id="{41313CD4-E571-43EE-A625-5C47561F8CBD}"/>
+                <a16:creationId xmlns:a16="http://schemas.microsoft.com/office/drawing/2014/main" id="{41313CD4-E571-43EE-A625-5C47561F8CBD}"/>
               </a:ext>
             </a:extLst>
           </p:cNvPr>
@@ -9538,7 +9844,7 @@
           <p:cNvPr id="4" name="내용 개체 틀 3">
             <a:extLst>
               <a:ext uri="{FF2B5EF4-FFF2-40B4-BE49-F238E27FC236}">
-                <a16:creationId xmlns:a16="http://schemas.microsoft.com/office/drawing/2014/main" xmlns="" id="{AD8EFBB7-2D5E-42F3-A609-8B2DCC9A5AAA}"/>
+                <a16:creationId xmlns:a16="http://schemas.microsoft.com/office/drawing/2014/main" id="{AD8EFBB7-2D5E-42F3-A609-8B2DCC9A5AAA}"/>
               </a:ext>
             </a:extLst>
           </p:cNvPr>
@@ -9568,7 +9874,7 @@
           <p:cNvPr id="5" name="직사각형 4">
             <a:extLst>
               <a:ext uri="{FF2B5EF4-FFF2-40B4-BE49-F238E27FC236}">
-                <a16:creationId xmlns:a16="http://schemas.microsoft.com/office/drawing/2014/main" xmlns="" id="{64582FCA-FBD4-4D74-B2F2-993693D600EA}"/>
+                <a16:creationId xmlns:a16="http://schemas.microsoft.com/office/drawing/2014/main" id="{64582FCA-FBD4-4D74-B2F2-993693D600EA}"/>
               </a:ext>
             </a:extLst>
           </p:cNvPr>
@@ -9624,7 +9930,7 @@
           <p:cNvPr id="6" name="직사각형 5">
             <a:extLst>
               <a:ext uri="{FF2B5EF4-FFF2-40B4-BE49-F238E27FC236}">
-                <a16:creationId xmlns:a16="http://schemas.microsoft.com/office/drawing/2014/main" xmlns="" id="{90C27918-2D27-4D88-A47C-0FC7F96F4D08}"/>
+                <a16:creationId xmlns:a16="http://schemas.microsoft.com/office/drawing/2014/main" id="{90C27918-2D27-4D88-A47C-0FC7F96F4D08}"/>
               </a:ext>
             </a:extLst>
           </p:cNvPr>
@@ -9680,7 +9986,7 @@
           <p:cNvPr id="7" name="직사각형 6">
             <a:extLst>
               <a:ext uri="{FF2B5EF4-FFF2-40B4-BE49-F238E27FC236}">
-                <a16:creationId xmlns:a16="http://schemas.microsoft.com/office/drawing/2014/main" xmlns="" id="{F848F59D-4E2E-454A-ADF1-03352FB237A1}"/>
+                <a16:creationId xmlns:a16="http://schemas.microsoft.com/office/drawing/2014/main" id="{F848F59D-4E2E-454A-ADF1-03352FB237A1}"/>
               </a:ext>
             </a:extLst>
           </p:cNvPr>
@@ -9736,7 +10042,7 @@
           <p:cNvPr id="8" name="TextBox 7">
             <a:extLst>
               <a:ext uri="{FF2B5EF4-FFF2-40B4-BE49-F238E27FC236}">
-                <a16:creationId xmlns:a16="http://schemas.microsoft.com/office/drawing/2014/main" xmlns="" id="{5BE10D8B-42CA-479C-9E80-85B13AAA5BBE}"/>
+                <a16:creationId xmlns:a16="http://schemas.microsoft.com/office/drawing/2014/main" id="{5BE10D8B-42CA-479C-9E80-85B13AAA5BBE}"/>
               </a:ext>
             </a:extLst>
           </p:cNvPr>
@@ -9858,7 +10164,7 @@
           <p:cNvPr id="9" name="이등변 삼각형 8">
             <a:extLst>
               <a:ext uri="{FF2B5EF4-FFF2-40B4-BE49-F238E27FC236}">
-                <a16:creationId xmlns:a16="http://schemas.microsoft.com/office/drawing/2014/main" xmlns="" id="{EECA2CDF-EBE9-4BC2-A35D-92DEB10F7C5B}"/>
+                <a16:creationId xmlns:a16="http://schemas.microsoft.com/office/drawing/2014/main" id="{EECA2CDF-EBE9-4BC2-A35D-92DEB10F7C5B}"/>
               </a:ext>
             </a:extLst>
           </p:cNvPr>
@@ -9904,7 +10210,7 @@
           <p:cNvPr id="10" name="이등변 삼각형 9">
             <a:extLst>
               <a:ext uri="{FF2B5EF4-FFF2-40B4-BE49-F238E27FC236}">
-                <a16:creationId xmlns:a16="http://schemas.microsoft.com/office/drawing/2014/main" xmlns="" id="{4F5F6EB1-6B09-4EF0-BF18-4D225B2C2D16}"/>
+                <a16:creationId xmlns:a16="http://schemas.microsoft.com/office/drawing/2014/main" id="{4F5F6EB1-6B09-4EF0-BF18-4D225B2C2D16}"/>
               </a:ext>
             </a:extLst>
           </p:cNvPr>
@@ -9980,7 +10286,7 @@
           <p:cNvPr id="2" name="제목 1">
             <a:extLst>
               <a:ext uri="{FF2B5EF4-FFF2-40B4-BE49-F238E27FC236}">
-                <a16:creationId xmlns:a16="http://schemas.microsoft.com/office/drawing/2014/main" xmlns="" id="{FADA963E-F77B-49EE-B198-BCBC60F5CA7B}"/>
+                <a16:creationId xmlns:a16="http://schemas.microsoft.com/office/drawing/2014/main" id="{FADA963E-F77B-49EE-B198-BCBC60F5CA7B}"/>
               </a:ext>
             </a:extLst>
           </p:cNvPr>
@@ -10013,7 +10319,7 @@
           <p:cNvPr id="4" name="내용 개체 틀 3">
             <a:extLst>
               <a:ext uri="{FF2B5EF4-FFF2-40B4-BE49-F238E27FC236}">
-                <a16:creationId xmlns:a16="http://schemas.microsoft.com/office/drawing/2014/main" xmlns="" id="{0DC64D5B-DDF0-41C9-BAD5-26A56AC585DD}"/>
+                <a16:creationId xmlns:a16="http://schemas.microsoft.com/office/drawing/2014/main" id="{0DC64D5B-DDF0-41C9-BAD5-26A56AC585DD}"/>
               </a:ext>
             </a:extLst>
           </p:cNvPr>
@@ -10043,7 +10349,7 @@
           <p:cNvPr id="5" name="직사각형 4">
             <a:extLst>
               <a:ext uri="{FF2B5EF4-FFF2-40B4-BE49-F238E27FC236}">
-                <a16:creationId xmlns:a16="http://schemas.microsoft.com/office/drawing/2014/main" xmlns="" id="{D3C6EF9E-E8AB-4189-A495-17FA36C51FF0}"/>
+                <a16:creationId xmlns:a16="http://schemas.microsoft.com/office/drawing/2014/main" id="{D3C6EF9E-E8AB-4189-A495-17FA36C51FF0}"/>
               </a:ext>
             </a:extLst>
           </p:cNvPr>
@@ -10099,7 +10405,7 @@
           <p:cNvPr id="6" name="직사각형 5">
             <a:extLst>
               <a:ext uri="{FF2B5EF4-FFF2-40B4-BE49-F238E27FC236}">
-                <a16:creationId xmlns:a16="http://schemas.microsoft.com/office/drawing/2014/main" xmlns="" id="{A84BB32B-035F-4A1D-ABF4-A988EF6A1BA3}"/>
+                <a16:creationId xmlns:a16="http://schemas.microsoft.com/office/drawing/2014/main" id="{A84BB32B-035F-4A1D-ABF4-A988EF6A1BA3}"/>
               </a:ext>
             </a:extLst>
           </p:cNvPr>
@@ -10155,7 +10461,7 @@
           <p:cNvPr id="7" name="직사각형 6">
             <a:extLst>
               <a:ext uri="{FF2B5EF4-FFF2-40B4-BE49-F238E27FC236}">
-                <a16:creationId xmlns:a16="http://schemas.microsoft.com/office/drawing/2014/main" xmlns="" id="{4199F35B-CF20-4DFD-9560-535A35B7C6F5}"/>
+                <a16:creationId xmlns:a16="http://schemas.microsoft.com/office/drawing/2014/main" id="{4199F35B-CF20-4DFD-9560-535A35B7C6F5}"/>
               </a:ext>
             </a:extLst>
           </p:cNvPr>
@@ -10211,7 +10517,7 @@
           <p:cNvPr id="8" name="직사각형 7">
             <a:extLst>
               <a:ext uri="{FF2B5EF4-FFF2-40B4-BE49-F238E27FC236}">
-                <a16:creationId xmlns:a16="http://schemas.microsoft.com/office/drawing/2014/main" xmlns="" id="{9D0A0CCB-E7EE-4F28-ADF0-39C0248C4EB5}"/>
+                <a16:creationId xmlns:a16="http://schemas.microsoft.com/office/drawing/2014/main" id="{9D0A0CCB-E7EE-4F28-ADF0-39C0248C4EB5}"/>
               </a:ext>
             </a:extLst>
           </p:cNvPr>
@@ -10267,7 +10573,7 @@
           <p:cNvPr id="10" name="직사각형 9">
             <a:extLst>
               <a:ext uri="{FF2B5EF4-FFF2-40B4-BE49-F238E27FC236}">
-                <a16:creationId xmlns:a16="http://schemas.microsoft.com/office/drawing/2014/main" xmlns="" id="{57F20438-5447-4573-BEBD-9653F801E3F8}"/>
+                <a16:creationId xmlns:a16="http://schemas.microsoft.com/office/drawing/2014/main" id="{57F20438-5447-4573-BEBD-9653F801E3F8}"/>
               </a:ext>
             </a:extLst>
           </p:cNvPr>
@@ -10323,7 +10629,7 @@
           <p:cNvPr id="11" name="직사각형 10">
             <a:extLst>
               <a:ext uri="{FF2B5EF4-FFF2-40B4-BE49-F238E27FC236}">
-                <a16:creationId xmlns:a16="http://schemas.microsoft.com/office/drawing/2014/main" xmlns="" id="{6E654F82-B47B-4490-8D67-92463A6B4BA2}"/>
+                <a16:creationId xmlns:a16="http://schemas.microsoft.com/office/drawing/2014/main" id="{6E654F82-B47B-4490-8D67-92463A6B4BA2}"/>
               </a:ext>
             </a:extLst>
           </p:cNvPr>
@@ -10379,7 +10685,7 @@
           <p:cNvPr id="12" name="직사각형 11">
             <a:extLst>
               <a:ext uri="{FF2B5EF4-FFF2-40B4-BE49-F238E27FC236}">
-                <a16:creationId xmlns:a16="http://schemas.microsoft.com/office/drawing/2014/main" xmlns="" id="{B59C0136-6A19-469D-AF93-B79763E036C6}"/>
+                <a16:creationId xmlns:a16="http://schemas.microsoft.com/office/drawing/2014/main" id="{B59C0136-6A19-469D-AF93-B79763E036C6}"/>
               </a:ext>
             </a:extLst>
           </p:cNvPr>
@@ -10435,7 +10741,7 @@
           <p:cNvPr id="13" name="타원 12">
             <a:extLst>
               <a:ext uri="{FF2B5EF4-FFF2-40B4-BE49-F238E27FC236}">
-                <a16:creationId xmlns:a16="http://schemas.microsoft.com/office/drawing/2014/main" xmlns="" id="{56D09819-B0A5-47EC-9147-1F1DA32F7F74}"/>
+                <a16:creationId xmlns:a16="http://schemas.microsoft.com/office/drawing/2014/main" id="{56D09819-B0A5-47EC-9147-1F1DA32F7F74}"/>
               </a:ext>
             </a:extLst>
           </p:cNvPr>
@@ -10481,7 +10787,7 @@
           <p:cNvPr id="14" name="타원 13">
             <a:extLst>
               <a:ext uri="{FF2B5EF4-FFF2-40B4-BE49-F238E27FC236}">
-                <a16:creationId xmlns:a16="http://schemas.microsoft.com/office/drawing/2014/main" xmlns="" id="{918C3A79-D717-40DF-B9DB-94169E23D823}"/>
+                <a16:creationId xmlns:a16="http://schemas.microsoft.com/office/drawing/2014/main" id="{918C3A79-D717-40DF-B9DB-94169E23D823}"/>
               </a:ext>
             </a:extLst>
           </p:cNvPr>
@@ -10527,7 +10833,7 @@
           <p:cNvPr id="15" name="타원 14">
             <a:extLst>
               <a:ext uri="{FF2B5EF4-FFF2-40B4-BE49-F238E27FC236}">
-                <a16:creationId xmlns:a16="http://schemas.microsoft.com/office/drawing/2014/main" xmlns="" id="{D14A3DA4-6A21-4DE2-BEB9-8BB8A3B02DAA}"/>
+                <a16:creationId xmlns:a16="http://schemas.microsoft.com/office/drawing/2014/main" id="{D14A3DA4-6A21-4DE2-BEB9-8BB8A3B02DAA}"/>
               </a:ext>
             </a:extLst>
           </p:cNvPr>
@@ -10573,7 +10879,7 @@
           <p:cNvPr id="16" name="타원 15">
             <a:extLst>
               <a:ext uri="{FF2B5EF4-FFF2-40B4-BE49-F238E27FC236}">
-                <a16:creationId xmlns:a16="http://schemas.microsoft.com/office/drawing/2014/main" xmlns="" id="{558F4AC8-FA4C-49C5-87D7-FD621AEFBC13}"/>
+                <a16:creationId xmlns:a16="http://schemas.microsoft.com/office/drawing/2014/main" id="{558F4AC8-FA4C-49C5-87D7-FD621AEFBC13}"/>
               </a:ext>
             </a:extLst>
           </p:cNvPr>
@@ -10619,7 +10925,7 @@
           <p:cNvPr id="17" name="타원 16">
             <a:extLst>
               <a:ext uri="{FF2B5EF4-FFF2-40B4-BE49-F238E27FC236}">
-                <a16:creationId xmlns:a16="http://schemas.microsoft.com/office/drawing/2014/main" xmlns="" id="{3051631D-C430-4BFD-A9C3-C188C699DB61}"/>
+                <a16:creationId xmlns:a16="http://schemas.microsoft.com/office/drawing/2014/main" id="{3051631D-C430-4BFD-A9C3-C188C699DB61}"/>
               </a:ext>
             </a:extLst>
           </p:cNvPr>
@@ -10665,7 +10971,7 @@
           <p:cNvPr id="18" name="타원 17">
             <a:extLst>
               <a:ext uri="{FF2B5EF4-FFF2-40B4-BE49-F238E27FC236}">
-                <a16:creationId xmlns:a16="http://schemas.microsoft.com/office/drawing/2014/main" xmlns="" id="{16BB8330-7B73-4E8E-A992-69EF251A6221}"/>
+                <a16:creationId xmlns:a16="http://schemas.microsoft.com/office/drawing/2014/main" id="{16BB8330-7B73-4E8E-A992-69EF251A6221}"/>
               </a:ext>
             </a:extLst>
           </p:cNvPr>
@@ -10711,7 +11017,7 @@
           <p:cNvPr id="19" name="TextBox 18">
             <a:extLst>
               <a:ext uri="{FF2B5EF4-FFF2-40B4-BE49-F238E27FC236}">
-                <a16:creationId xmlns:a16="http://schemas.microsoft.com/office/drawing/2014/main" xmlns="" id="{CBE37928-685A-423A-89FF-EFBD513E3801}"/>
+                <a16:creationId xmlns:a16="http://schemas.microsoft.com/office/drawing/2014/main" id="{CBE37928-685A-423A-89FF-EFBD513E3801}"/>
               </a:ext>
             </a:extLst>
           </p:cNvPr>
@@ -10866,7 +11172,7 @@
           <p:cNvPr id="20" name="이등변 삼각형 19">
             <a:extLst>
               <a:ext uri="{FF2B5EF4-FFF2-40B4-BE49-F238E27FC236}">
-                <a16:creationId xmlns:a16="http://schemas.microsoft.com/office/drawing/2014/main" xmlns="" id="{825B801C-D17B-4BE2-BDCE-A9A86976A3E0}"/>
+                <a16:creationId xmlns:a16="http://schemas.microsoft.com/office/drawing/2014/main" id="{825B801C-D17B-4BE2-BDCE-A9A86976A3E0}"/>
               </a:ext>
             </a:extLst>
           </p:cNvPr>
@@ -10912,7 +11218,7 @@
           <p:cNvPr id="21" name="이등변 삼각형 20">
             <a:extLst>
               <a:ext uri="{FF2B5EF4-FFF2-40B4-BE49-F238E27FC236}">
-                <a16:creationId xmlns:a16="http://schemas.microsoft.com/office/drawing/2014/main" xmlns="" id="{E18465E8-FEAE-4300-81F0-FD9BE33F21D5}"/>
+                <a16:creationId xmlns:a16="http://schemas.microsoft.com/office/drawing/2014/main" id="{E18465E8-FEAE-4300-81F0-FD9BE33F21D5}"/>
               </a:ext>
             </a:extLst>
           </p:cNvPr>
